--- a/figures/Figure1/figure1_finalforpdf.pptx
+++ b/figures/Figure1/figure1_finalforpdf.pptx
@@ -107,6 +107,11 @@
       </a:defRPr>
     </a:lvl9pPr>
   </p:defaultTextStyle>
+  <p:extLst>
+    <p:ext uri="{EFAFB233-063F-42B5-8137-9DF3F51BA10A}">
+      <p15:sldGuideLst xmlns:p15="http://schemas.microsoft.com/office/powerpoint/2012/main"/>
+    </p:ext>
+  </p:extLst>
 </p:presentation>
 </file>
 
@@ -192,7 +197,7 @@
           <a:p>
             <a:fld id="{61A7976E-9F0E-DF46-BEE6-B263DADB2CCE}" type="datetimeFigureOut">
               <a:rPr lang="en-US" smtClean="0"/>
-              <a:t>9/7/21</a:t>
+              <a:t>9/12/21</a:t>
             </a:fld>
             <a:endParaRPr lang="en-US"/>
           </a:p>
@@ -869,7 +874,7 @@
           <a:p>
             <a:fld id="{5858EA79-B7C1-E245-85A8-5D7A58E35F5C}" type="datetimeFigureOut">
               <a:rPr lang="en-US" smtClean="0"/>
-              <a:t>9/7/21</a:t>
+              <a:t>9/12/21</a:t>
             </a:fld>
             <a:endParaRPr lang="en-US"/>
           </a:p>
@@ -1039,7 +1044,7 @@
           <a:p>
             <a:fld id="{5858EA79-B7C1-E245-85A8-5D7A58E35F5C}" type="datetimeFigureOut">
               <a:rPr lang="en-US" smtClean="0"/>
-              <a:t>9/7/21</a:t>
+              <a:t>9/12/21</a:t>
             </a:fld>
             <a:endParaRPr lang="en-US"/>
           </a:p>
@@ -1219,7 +1224,7 @@
           <a:p>
             <a:fld id="{5858EA79-B7C1-E245-85A8-5D7A58E35F5C}" type="datetimeFigureOut">
               <a:rPr lang="en-US" smtClean="0"/>
-              <a:t>9/7/21</a:t>
+              <a:t>9/12/21</a:t>
             </a:fld>
             <a:endParaRPr lang="en-US"/>
           </a:p>
@@ -1389,7 +1394,7 @@
           <a:p>
             <a:fld id="{5858EA79-B7C1-E245-85A8-5D7A58E35F5C}" type="datetimeFigureOut">
               <a:rPr lang="en-US" smtClean="0"/>
-              <a:t>9/7/21</a:t>
+              <a:t>9/12/21</a:t>
             </a:fld>
             <a:endParaRPr lang="en-US"/>
           </a:p>
@@ -1633,7 +1638,7 @@
           <a:p>
             <a:fld id="{5858EA79-B7C1-E245-85A8-5D7A58E35F5C}" type="datetimeFigureOut">
               <a:rPr lang="en-US" smtClean="0"/>
-              <a:t>9/7/21</a:t>
+              <a:t>9/12/21</a:t>
             </a:fld>
             <a:endParaRPr lang="en-US"/>
           </a:p>
@@ -1865,7 +1870,7 @@
           <a:p>
             <a:fld id="{5858EA79-B7C1-E245-85A8-5D7A58E35F5C}" type="datetimeFigureOut">
               <a:rPr lang="en-US" smtClean="0"/>
-              <a:t>9/7/21</a:t>
+              <a:t>9/12/21</a:t>
             </a:fld>
             <a:endParaRPr lang="en-US"/>
           </a:p>
@@ -2232,7 +2237,7 @@
           <a:p>
             <a:fld id="{5858EA79-B7C1-E245-85A8-5D7A58E35F5C}" type="datetimeFigureOut">
               <a:rPr lang="en-US" smtClean="0"/>
-              <a:t>9/7/21</a:t>
+              <a:t>9/12/21</a:t>
             </a:fld>
             <a:endParaRPr lang="en-US"/>
           </a:p>
@@ -2350,7 +2355,7 @@
           <a:p>
             <a:fld id="{5858EA79-B7C1-E245-85A8-5D7A58E35F5C}" type="datetimeFigureOut">
               <a:rPr lang="en-US" smtClean="0"/>
-              <a:t>9/7/21</a:t>
+              <a:t>9/12/21</a:t>
             </a:fld>
             <a:endParaRPr lang="en-US"/>
           </a:p>
@@ -2445,7 +2450,7 @@
           <a:p>
             <a:fld id="{5858EA79-B7C1-E245-85A8-5D7A58E35F5C}" type="datetimeFigureOut">
               <a:rPr lang="en-US" smtClean="0"/>
-              <a:t>9/7/21</a:t>
+              <a:t>9/12/21</a:t>
             </a:fld>
             <a:endParaRPr lang="en-US"/>
           </a:p>
@@ -2722,7 +2727,7 @@
           <a:p>
             <a:fld id="{5858EA79-B7C1-E245-85A8-5D7A58E35F5C}" type="datetimeFigureOut">
               <a:rPr lang="en-US" smtClean="0"/>
-              <a:t>9/7/21</a:t>
+              <a:t>9/12/21</a:t>
             </a:fld>
             <a:endParaRPr lang="en-US"/>
           </a:p>
@@ -2979,7 +2984,7 @@
           <a:p>
             <a:fld id="{5858EA79-B7C1-E245-85A8-5D7A58E35F5C}" type="datetimeFigureOut">
               <a:rPr lang="en-US" smtClean="0"/>
-              <a:t>9/7/21</a:t>
+              <a:t>9/12/21</a:t>
             </a:fld>
             <a:endParaRPr lang="en-US"/>
           </a:p>
@@ -3192,7 +3197,7 @@
           <a:p>
             <a:fld id="{5858EA79-B7C1-E245-85A8-5D7A58E35F5C}" type="datetimeFigureOut">
               <a:rPr lang="en-US" smtClean="0"/>
-              <a:t>9/7/21</a:t>
+              <a:t>9/12/21</a:t>
             </a:fld>
             <a:endParaRPr lang="en-US"/>
           </a:p>
@@ -13725,6 +13730,61 @@
           </a:p>
         </p:txBody>
       </p:sp>
+      <p:sp>
+        <p:nvSpPr>
+          <p:cNvPr id="178" name="Arc 177">
+            <a:extLst>
+              <a:ext uri="{FF2B5EF4-FFF2-40B4-BE49-F238E27FC236}">
+                <a16:creationId xmlns:a16="http://schemas.microsoft.com/office/drawing/2014/main" id="{3729CA7E-E345-9345-8EB4-2C2F1B9D8C24}"/>
+              </a:ext>
+            </a:extLst>
+          </p:cNvPr>
+          <p:cNvSpPr/>
+          <p:nvPr/>
+        </p:nvSpPr>
+        <p:spPr>
+          <a:xfrm rot="16200000" flipH="1" flipV="1">
+            <a:off x="3019941" y="-1612263"/>
+            <a:ext cx="1691455" cy="3799836"/>
+          </a:xfrm>
+          <a:prstGeom prst="arc">
+            <a:avLst>
+              <a:gd name="adj1" fmla="val 16274761"/>
+              <a:gd name="adj2" fmla="val 21505580"/>
+            </a:avLst>
+          </a:prstGeom>
+          <a:ln w="12700">
+            <a:solidFill>
+              <a:schemeClr val="tx1">
+                <a:lumMod val="65000"/>
+                <a:lumOff val="35000"/>
+              </a:schemeClr>
+            </a:solidFill>
+          </a:ln>
+        </p:spPr>
+        <p:style>
+          <a:lnRef idx="1">
+            <a:schemeClr val="accent1"/>
+          </a:lnRef>
+          <a:fillRef idx="0">
+            <a:schemeClr val="accent1"/>
+          </a:fillRef>
+          <a:effectRef idx="0">
+            <a:schemeClr val="accent1"/>
+          </a:effectRef>
+          <a:fontRef idx="minor">
+            <a:schemeClr val="tx1"/>
+          </a:fontRef>
+        </p:style>
+        <p:txBody>
+          <a:bodyPr rtlCol="0" anchor="ctr"/>
+          <a:lstStyle/>
+          <a:p>
+            <a:pPr algn="ctr"/>
+            <a:endParaRPr lang="en-US"/>
+          </a:p>
+        </p:txBody>
+      </p:sp>
     </p:spTree>
     <p:extLst>
       <p:ext uri="{BB962C8B-B14F-4D97-AF65-F5344CB8AC3E}">

--- a/figures/Figure1/figure1_finalforpdf.pptx
+++ b/figures/Figure1/figure1_finalforpdf.pptx
@@ -197,7 +197,7 @@
           <a:p>
             <a:fld id="{61A7976E-9F0E-DF46-BEE6-B263DADB2CCE}" type="datetimeFigureOut">
               <a:rPr lang="en-US" smtClean="0"/>
-              <a:t>9/12/21</a:t>
+              <a:t>10/27/21</a:t>
             </a:fld>
             <a:endParaRPr lang="en-US"/>
           </a:p>
@@ -624,7 +624,7 @@
                 <a:ea typeface="+mn-ea"/>
                 <a:cs typeface="+mn-cs"/>
               </a:rPr>
-              <a:t> and subsequent departure of higher-latitude species </a:t>
+              <a:t> and subsequent extirpation of higher-latitude species </a:t>
             </a:r>
             <a:r>
               <a:rPr lang="en-US" sz="1200" b="0" i="0" u="none" strike="noStrike" kern="1200" dirty="0">
@@ -874,7 +874,7 @@
           <a:p>
             <a:fld id="{5858EA79-B7C1-E245-85A8-5D7A58E35F5C}" type="datetimeFigureOut">
               <a:rPr lang="en-US" smtClean="0"/>
-              <a:t>9/12/21</a:t>
+              <a:t>10/27/21</a:t>
             </a:fld>
             <a:endParaRPr lang="en-US"/>
           </a:p>
@@ -1044,7 +1044,7 @@
           <a:p>
             <a:fld id="{5858EA79-B7C1-E245-85A8-5D7A58E35F5C}" type="datetimeFigureOut">
               <a:rPr lang="en-US" smtClean="0"/>
-              <a:t>9/12/21</a:t>
+              <a:t>10/27/21</a:t>
             </a:fld>
             <a:endParaRPr lang="en-US"/>
           </a:p>
@@ -1224,7 +1224,7 @@
           <a:p>
             <a:fld id="{5858EA79-B7C1-E245-85A8-5D7A58E35F5C}" type="datetimeFigureOut">
               <a:rPr lang="en-US" smtClean="0"/>
-              <a:t>9/12/21</a:t>
+              <a:t>10/27/21</a:t>
             </a:fld>
             <a:endParaRPr lang="en-US"/>
           </a:p>
@@ -1394,7 +1394,7 @@
           <a:p>
             <a:fld id="{5858EA79-B7C1-E245-85A8-5D7A58E35F5C}" type="datetimeFigureOut">
               <a:rPr lang="en-US" smtClean="0"/>
-              <a:t>9/12/21</a:t>
+              <a:t>10/27/21</a:t>
             </a:fld>
             <a:endParaRPr lang="en-US"/>
           </a:p>
@@ -1638,7 +1638,7 @@
           <a:p>
             <a:fld id="{5858EA79-B7C1-E245-85A8-5D7A58E35F5C}" type="datetimeFigureOut">
               <a:rPr lang="en-US" smtClean="0"/>
-              <a:t>9/12/21</a:t>
+              <a:t>10/27/21</a:t>
             </a:fld>
             <a:endParaRPr lang="en-US"/>
           </a:p>
@@ -1870,7 +1870,7 @@
           <a:p>
             <a:fld id="{5858EA79-B7C1-E245-85A8-5D7A58E35F5C}" type="datetimeFigureOut">
               <a:rPr lang="en-US" smtClean="0"/>
-              <a:t>9/12/21</a:t>
+              <a:t>10/27/21</a:t>
             </a:fld>
             <a:endParaRPr lang="en-US"/>
           </a:p>
@@ -2237,7 +2237,7 @@
           <a:p>
             <a:fld id="{5858EA79-B7C1-E245-85A8-5D7A58E35F5C}" type="datetimeFigureOut">
               <a:rPr lang="en-US" smtClean="0"/>
-              <a:t>9/12/21</a:t>
+              <a:t>10/27/21</a:t>
             </a:fld>
             <a:endParaRPr lang="en-US"/>
           </a:p>
@@ -2355,7 +2355,7 @@
           <a:p>
             <a:fld id="{5858EA79-B7C1-E245-85A8-5D7A58E35F5C}" type="datetimeFigureOut">
               <a:rPr lang="en-US" smtClean="0"/>
-              <a:t>9/12/21</a:t>
+              <a:t>10/27/21</a:t>
             </a:fld>
             <a:endParaRPr lang="en-US"/>
           </a:p>
@@ -2450,7 +2450,7 @@
           <a:p>
             <a:fld id="{5858EA79-B7C1-E245-85A8-5D7A58E35F5C}" type="datetimeFigureOut">
               <a:rPr lang="en-US" smtClean="0"/>
-              <a:t>9/12/21</a:t>
+              <a:t>10/27/21</a:t>
             </a:fld>
             <a:endParaRPr lang="en-US"/>
           </a:p>
@@ -2727,7 +2727,7 @@
           <a:p>
             <a:fld id="{5858EA79-B7C1-E245-85A8-5D7A58E35F5C}" type="datetimeFigureOut">
               <a:rPr lang="en-US" smtClean="0"/>
-              <a:t>9/12/21</a:t>
+              <a:t>10/27/21</a:t>
             </a:fld>
             <a:endParaRPr lang="en-US"/>
           </a:p>
@@ -2984,7 +2984,7 @@
           <a:p>
             <a:fld id="{5858EA79-B7C1-E245-85A8-5D7A58E35F5C}" type="datetimeFigureOut">
               <a:rPr lang="en-US" smtClean="0"/>
-              <a:t>9/12/21</a:t>
+              <a:t>10/27/21</a:t>
             </a:fld>
             <a:endParaRPr lang="en-US"/>
           </a:p>
@@ -3197,7 +3197,7 @@
           <a:p>
             <a:fld id="{5858EA79-B7C1-E245-85A8-5D7A58E35F5C}" type="datetimeFigureOut">
               <a:rPr lang="en-US" smtClean="0"/>
-              <a:t>9/12/21</a:t>
+              <a:t>10/27/21</a:t>
             </a:fld>
             <a:endParaRPr lang="en-US"/>
           </a:p>
@@ -6241,7 +6241,7 @@
                 <a:latin typeface="Helvetica" pitchFamily="2" charset="0"/>
                 <a:sym typeface="Wingdings" pitchFamily="2" charset="2"/>
               </a:rPr>
-              <a:t> Arrivals of warm-water species in temperate regions</a:t>
+              <a:t> Gains of warm-water species in temperate regions</a:t>
             </a:r>
           </a:p>
         </p:txBody>
@@ -8590,7 +8590,7 @@
                 <a:latin typeface="Helvetica" pitchFamily="2" charset="0"/>
                 <a:sym typeface="Wingdings" pitchFamily="2" charset="2"/>
               </a:rPr>
-              <a:t>More arrivals,</a:t>
+              <a:t>More gains,</a:t>
             </a:r>
           </a:p>
           <a:p>
@@ -8599,7 +8599,7 @@
                 <a:latin typeface="Helvetica" pitchFamily="2" charset="0"/>
                 <a:sym typeface="Wingdings" pitchFamily="2" charset="2"/>
               </a:rPr>
-              <a:t>Fewer departures</a:t>
+              <a:t>Fewer losses</a:t>
             </a:r>
             <a:endParaRPr lang="en-US" sz="700" dirty="0">
               <a:latin typeface="Helvetica" pitchFamily="2" charset="0"/>
@@ -8655,7 +8655,7 @@
                 <a:latin typeface="Helvetica" pitchFamily="2" charset="0"/>
                 <a:sym typeface="Wingdings" pitchFamily="2" charset="2"/>
               </a:rPr>
-              <a:t>Fewer arrivals,</a:t>
+              <a:t>Fewer gains,</a:t>
             </a:r>
           </a:p>
           <a:p>
@@ -8664,7 +8664,7 @@
                 <a:latin typeface="Helvetica" pitchFamily="2" charset="0"/>
                 <a:sym typeface="Wingdings" pitchFamily="2" charset="2"/>
               </a:rPr>
-              <a:t>More departures</a:t>
+              <a:t>More losses</a:t>
             </a:r>
             <a:endParaRPr lang="en-US" sz="700" dirty="0">
               <a:latin typeface="Helvetica" pitchFamily="2" charset="0"/>
@@ -9369,7 +9369,7 @@
                 <a:latin typeface="Helvetica" pitchFamily="2" charset="0"/>
                 <a:sym typeface="Wingdings" pitchFamily="2" charset="2"/>
               </a:rPr>
-              <a:t>Cooling  Departures of cold-water species from temperate regions</a:t>
+              <a:t>Cooling  Losses of cold-water species from temperate regions</a:t>
             </a:r>
           </a:p>
         </p:txBody>
@@ -9720,7 +9720,7 @@
               <a:rPr lang="en-US" sz="619" dirty="0">
                 <a:latin typeface="Helvetica" pitchFamily="2" charset="0"/>
               </a:rPr>
-              <a:t>Arrivals</a:t>
+              <a:t>Gains</a:t>
             </a:r>
           </a:p>
         </p:txBody>
@@ -9758,7 +9758,7 @@
               <a:rPr lang="en-US" sz="619" dirty="0">
                 <a:latin typeface="Helvetica" pitchFamily="2" charset="0"/>
               </a:rPr>
-              <a:t>Departures</a:t>
+              <a:t>Losses</a:t>
             </a:r>
           </a:p>
         </p:txBody>
@@ -10040,7 +10040,7 @@
               <a:rPr lang="en-US" sz="700" dirty="0">
                 <a:latin typeface="Helvetica" pitchFamily="2" charset="0"/>
               </a:rPr>
-              <a:t>More arrivals and departures in years of large changes in temperature</a:t>
+              <a:t>More gains and losses in years of large changes in temperature</a:t>
             </a:r>
           </a:p>
         </p:txBody>
@@ -10350,7 +10350,7 @@
               <a:rPr lang="en-US" sz="700" dirty="0">
                 <a:latin typeface="Helvetica" pitchFamily="2" charset="0"/>
               </a:rPr>
-              <a:t>Fewer arrivals, </a:t>
+              <a:t>Fewer gains, </a:t>
             </a:r>
           </a:p>
           <a:p>
@@ -10358,7 +10358,7 @@
               <a:rPr lang="en-US" sz="700" dirty="0">
                 <a:latin typeface="Helvetica" pitchFamily="2" charset="0"/>
               </a:rPr>
-              <a:t>Fewer departures</a:t>
+              <a:t>Fewer losses</a:t>
             </a:r>
           </a:p>
         </p:txBody>
@@ -10403,7 +10403,7 @@
               <a:rPr lang="en-US" sz="700" dirty="0">
                 <a:latin typeface="Helvetica" pitchFamily="2" charset="0"/>
               </a:rPr>
-              <a:t>More arrivals, </a:t>
+              <a:t>More gains, </a:t>
             </a:r>
           </a:p>
           <a:p>
@@ -10411,7 +10411,7 @@
               <a:rPr lang="en-US" sz="700" dirty="0">
                 <a:latin typeface="Helvetica" pitchFamily="2" charset="0"/>
               </a:rPr>
-              <a:t>More departures</a:t>
+              <a:t>More losses</a:t>
             </a:r>
           </a:p>
         </p:txBody>
@@ -13542,7 +13542,7 @@
           <a:p>
             <a:r>
               <a:rPr lang="en-US" sz="700" dirty="0"/>
-              <a:t>Departures</a:t>
+              <a:t>Losses</a:t>
             </a:r>
           </a:p>
         </p:txBody>
@@ -13577,7 +13577,7 @@
           <a:p>
             <a:r>
               <a:rPr lang="en-US" sz="700" dirty="0"/>
-              <a:t>Arrivals</a:t>
+              <a:t>Gains</a:t>
             </a:r>
           </a:p>
         </p:txBody>

--- a/figures/Figure1/figure1_finalforpdf.pptx
+++ b/figures/Figure1/figure1_finalforpdf.pptx
@@ -115,6 +115,1788 @@
 </p:presentation>
 </file>
 
+<file path=ppt/ink/ink1.xml><?xml version="1.0" encoding="utf-8"?>
+<inkml:ink xmlns:inkml="http://www.w3.org/2003/InkML">
+  <inkml:definitions>
+    <inkml:context xml:id="ctx0">
+      <inkml:inkSource xml:id="inkSrc0">
+        <inkml:traceFormat>
+          <inkml:channel name="X" type="integer" min="-2.14748E9" max="2.14748E9" units="cm"/>
+          <inkml:channel name="Y" type="integer" min="-2.14748E9" max="2.14748E9" units="cm"/>
+          <inkml:channel name="F" type="integer" max="32767" units="dev"/>
+        </inkml:traceFormat>
+        <inkml:channelProperties>
+          <inkml:channelProperty channel="X" name="resolution" value="1000" units="1/cm"/>
+          <inkml:channelProperty channel="Y" name="resolution" value="1000" units="1/cm"/>
+          <inkml:channelProperty channel="F" name="resolution" value="0" units="1/dev"/>
+        </inkml:channelProperties>
+      </inkml:inkSource>
+      <inkml:timestamp xml:id="ts0" timeString="2021-11-04T17:14:56.233"/>
+    </inkml:context>
+    <inkml:brush xml:id="br0">
+      <inkml:brushProperty name="width" value="0.025" units="cm"/>
+      <inkml:brushProperty name="height" value="0.025" units="cm"/>
+    </inkml:brush>
+  </inkml:definitions>
+  <inkml:trace contextRef="#ctx0" brushRef="#br0">0 642 24575,'0'3'0,"0"0"0,0 0 0,0 2 0,0 1 0,0-1 0,0 1 0,0-3 0,0 1 0,0-1 0,0 1 0,0-1 0,0 2 0,0-2 0,0 0 0,0 0 0,0 0 0,0 0 0,0 0 0,0 0 0,0 0 0,0 0 0,0 0 0,0 0 0,0 0 0,0 0 0,0 0 0,0 1 0,0-1 0,0 0 0,0 0 0,0 0 0,0 0 0,0 0 0,0 0 0,2 0 0,-2 0 0,3 1 0,-3-1 0,3 0 0,-3 0 0,3-1 0,-3 0 0,3-1 0,-2 2 0,0-2 0,0 1 0,0 1 0,1-3 0,-1 3 0,2-3 0,-3 3 0,1-1 0,1-1 0,-1 2 0,2-2 0,0 1 0,-1 1 0,1-3 0,-2 3 0,2-1 0,0-1 0,0 2 0,1-3 0,-1 3 0,0-1 0,0 1 0,0-2 0,-1 2 0,0-2 0,0 1 0,1-1 0,-1 2 0,1-3 0,-3 3 0,3-3 0,-1 3 0,1-3 0,0 3 0,0-3 0,-2 3 0,2-3 0,-2 1 0,1 1 0,1-2 0,-3 3 0,3-3 0,-2 1 0,1 1 0,1-2 0,-3 3 0,1-2 0,1 1 0,-2 0 0,1 0 0,-1 1 0,0 0 0,2 0 0,-2 0 0,1 0 0,-1 0 0,0 0 0,0 0 0,0 0 0,0 0 0,-1-2 0,1 2 0,-2-1 0,2 0 0,0 1 0,0 0 0,2 0 0,-2 0 0,3-1 0,-3 1 0,3-3 0,-1 3 0,1-2 0,0 2 0,0-1 0,-2 1 0,2-3 0,-1 3 0,1-1 0,0 1 0,0 0 0,0 0 0,-1 0 0,0-1 0,-1 0 0,1 0 0,0 0 0,0 1 0,-1-2 0,1 1 0,-2 1 0,3-3 0,-3 3 0,2-1 0,-2 1 0,1-2 0,-1 2 0,2-1 0,-2 1 0,1 0 0,-1 0 0,2 0 0,-2 0 0,0 0 0,1 0 0,0 0 0,0 0 0,-1 0 0,0 0 0,0 0 0,0 1 0,1-3 0,0 2 0,0-1 0,-1 1 0,2-2 0,-2 2 0,3-3 0,-3 3 0,3-3 0,-3 3 0,3-3 0,-3 3 0,3-1 0,-1 0 0,0 1 0,0-2 0,0 1 0,0 1 0,1-3 0,-2 3 0,2-1 0,1-1 0,-1 2 0,-2-1 0,2 0 0,-1 0 0,1-1 0,0 2 0,0-3 0,-1 3 0,1-3 0,-3 3 0,3-3 0,-2 3 0,2-1 0,0 1 0,-1 0 0,1-2 0,-3 2 0,3-3 0,-3 3 0,3-1 0,-3 1 0,3 0 0,-3 0 0,1 0 0,-1 0 0,2 0 0,-2 0 0,2 1 0,-2-1 0,0 0 0,0 0 0,0 0 0,0 0 0,0 0 0,0 0 0,0 0 0,0 0 0,0 0 0,0 1 0,0-1 0,0 0 0,0 0 0,0 0 0,0 0 0,0 0 0,-2 0 0,2 0 0,-2 1 0,1-1 0,1 0 0,-3 0 0,3 0 0,-3 0 0,2 0 0,-1 1 0,0-1 0,0 0 0,-1 0 0,2 0 0,-1 0 0,-1 0 0,1 0 0,-1 1 0,0-1 0,-2 0 0,2 2 0,-2-1 0,1 0 0,1 0 0,0 0 0,0 0 0,0 1 0,-1-2 0,1 0 0,0 2 0,1-2 0,-1 2 0,2-2 0,-3 0 0,1 1 0,2-1 0,-2-1 0,1 0 0,0 0 0,0 0 0,0 1 0,0-2 0,1 2 0,-1 0 0,2 0 0,-1 0 0,1 0 0,0 0 0,0 0 0,0 0 0,0 1 0,0-1 0,0 0 0,0 0 0,0 0 0,0 0 0,0 0 0,0 0 0,0 2 0,0 0 0,0 1 0,0 0 0,0 0 0,0-1 0,0 0 0,0-1 0,0 0 0,0 1 0,0-2 0,0 0 0,0 0 0,1 0 0,-1 0 0,2 1 0,-1-1 0,0 0 0,0 0 0,-1 0 0,1 0 0,0 0 0,1 0 0,-1 0 0,0 1 0,1-1 0,-2 0 0,1 0 0,-1 0 0,2 0 0,-2 0 0,1 0 0,-1 0 0,2 0 0,-2 1 0,2-1 0,-2 0 0,0 0 0,0 0 0,1 0 0,-1 0 0,2 0 0,-2 1 0,1-1 0,-1 0 0,2 0 0,-1 0 0,0 0 0,1 0 0,-1 2 0,2-1 0,-3 1 0,3-1 0,-3 0 0,3 1 0,-1-2 0,0 2 0,0-2 0,-1 2 0,1-2 0,-1 0 0,2 0 0,-3 1 0,3 0 0,-3 0 0,3 1 0,-2-2 0,1 0 0,0 0 0,0 0 0,1 2 0,-3-1 0,3 0 0,-3 0 0,2-1 0,-1 0 0,1 0 0,1 0 0,-1 0 0,0-1 0,-1 0 0,1-1 0,0 1 0,1 0 0,0 0 0,0 0 0,0-1 0,0 1 0,0-1 0,1 1 0,-1-1 0,-2 2 0,2-3 0,-1 1 0,1 1 0,0-1 0,0 1 0,0 1 0,0-2 0,0 1 0,-1 1 0,1-1 0,-2 1 0,1 0 0,1-2 0,-3 3 0,1 0 0,-1 2 0,0 1 0,0 0 0,0 0 0,0 0 0,0-2 0,0 2 0,0-2 0,0 0 0,0 2 0,0-4 0,2 2 0,-2-2 0,2 0 0,-2 1 0,0-1 0,0 0 0,0 0 0,0 0 0,0 0 0,0 0 0,1 0 0,-1 0 0,2 0 0,-2 1 0,0-1 0,0-1 0,0 1 0,0 0 0,1-1 0,-1 1 0,2-2 0,-2 2 0,0 1 0,0-1 0,0 0 0,0 0 0,0 0 0,0 0 0,0 0 0,0 1 0,0 0 0,0 0 0,0 2 0,0-2 0,0 1 0,0-2 0,0 0 0,0 0 0,0 0 0,0 0 0,0 2 0,0-1 0,0 1 0,0-2 0,0 2 0,0-2 0,0 2 0,0-2 0,0 0 0,0 0 0,0 0 0,0 1 0,0-1 0,0 0 0,0 0 0,0 0 0,0 0 0,0 0 0,0 0 0,0 0 0,0 0 0,0 0 0,0 0 0,0 0 0,0 0 0,0 0 0,0 0 0,0 0 0,0 0 0,0 0 0,0 0 0,0 0 0,0 0 0,0 0 0,0 0 0,0 0 0,0 1 0,0 0 0,0 0 0,0 2 0,0 0 0,0-1 0,0 1 0,0-2 0,0 3 0,0-4 0,0 2 0,0 0 0,0-2 0,0 2 0,0-2 0,0 0 0,0 0 0,0 1 0,0-1 0,0 0 0,0 0 0,0 2 0,0-2 0,0 2 0,0 0 0,0-2 0,0 2 0,0-2 0,0 1 0,0 0 0,0 0 0,0 1 0,0-2 0,0 0 0,0 0 0,0 2 0,0-2 0,0 4 0,0-3 0,0 0 0,0 1 0,0 0 0,0 0 0,0 0 0,0-2 0,0 0 0,0 0 0,0 0 0,0 0 0,0 1 0,0-1 0,0 0 0,0 0 0,0 0 0,0 0 0,0 0 0,0 0 0,0 0 0,0 0 0,0 0 0,0 0 0,0 0 0,0 0 0,0 0 0,0 0 0,0 0 0,0 0 0,0 0 0,1 0 0,-1 0 0,3-1 0,-3 1 0,3-2 0,-2 3 0,1-1 0,0-2 0,0 2 0,1-1 0,-2 1 0,2 0 0,-1 0 0,1 0 0,-3 1 0,3-1 0,-1 0 0,0 0 0,0-1 0,-1 1 0,0-2 0,1 2 0,-1 0 0,1 1 0,1-3 0,-3 2 0,3-1 0,-2 1 0,1 0 0,1 0 0,-2-2 0,1 2 0,-1-1 0,1-1 0,-2 2 0,3-2 0,-3 1 0,3-1 0,-3 1 0,3-1 0,-3 2 0,3-2 0,-3 2 0,3-1 0,-2 1 0,1-2 0,0 2 0,0 0 0,0-1 0,-1 1 0,1-1 0,-1 1 0,1 0 0,-1 0 0,1-2 0,-1 2 0,0-1 0,0 0 0,0 1 0,2-2 0,-3 2 0,1 0 0,1-1 0,-2 1 0,3-3 0,-3 3 0,3-2 0,-1 2 0,1 0 0,-1 0 0,0 0 0,1-1 0,-2 0 0,2 0 0,0 0 0,-1 0 0,1-1 0,-3 2 0,3-3 0,-2 1 0,1 1 0,1-2 0,-1 1 0,1 1 0,0-2 0,0 1 0,-2 1 0,2-2 0,-1 2 0,1-2 0,0 0 0,0 0 0,0 0 0,-1 0 0,1 0 0,0-2 0,-1 1 0,-1-2 0,-1 0 0,0 0 0,0 0 0,0 0 0,0 0 0,0-1 0,0 1 0,-1 2 0,0-2 0,-1 1 0,0-1 0,0 0 0,-1 0 0,3 0 0,-3-1 0,3 1 0,-3 0 0,3 0 0,-2 0 0,1 0 0,1 0 0,-3-1 0,2 1 0,0-1 0,0 0 0,0-1 0,0 0 0,-1 0 0,2 0 0,-2 0 0,2 0 0,0 2 0,0-4 0,0 4 0,0-2 0,0 2 0,0 0 0,0-2 0,0 1 0,0-1 0,0 2 0,0 0 0,0 0 0,-1 1 0,1 0 0,-2 0 0,2-1 0,0 0 0,0 0 0,0 0 0,0 0 0,0-1 0,0 1 0,0 0 0,0 0 0,0 0 0,0-2 0,0 2 0,0-2 0,0 2 0,0-1 0,0 0 0,0 0 0,0-1 0,0 0 0,0 2 0,2-2 0,0 0 0,1 2 0,0-2 0,-1 0 0,1 1 0,-2 0 0,3 1 0,-1-2 0,-1 1 0,0-1 0,0 4 0,0-2 0,1 1 0,-2-1 0,3 0 0,-1 0 0,0 0 0,-2 0 0,2 1 0,-1-1 0,1 3 0,-2-3 0,2 3 0,-1-2 0,1 1 0,0 1 0,0-2 0,0 2 0,0-1 0,0 1 0,1-2 0,-1 2 0,2 0 0,-2-1 0,2 0 0,0 0 0,-2 0 0,2 0 0,-2 0 0,0 0 0,1 0 0,-1 0 0,0-1 0,0 2 0,0-1 0,0 1 0,0-2 0,0 2 0,1-1 0,-3-1 0,2 2 0,-3-3 0,3 3 0,-1-3 0,1 1 0,0-1 0,0 2 0,-1-2 0,0 1 0,0-1 0,0 0 0,0 1 0,-1 0 0,1 0 0,0-1 0,0 0 0,1 1 0,-3-1 0,3 2 0,-2-2 0,1-1 0,1 1 0,-1 0 0,-1 0 0,1 0 0,-1 1 0,-1 0 0,3 0 0,-3-1 0,3 0 0,-1 0 0,0 0 0,0 0 0,-1-1 0,1 1 0,0 0 0,0 0 0,1 0 0,-2 0 0,3-2 0,-1 2 0,-2-2 0,2 4 0,-3-2 0,3 1 0,-2-1 0,1 0 0,0 0 0,0 0 0,1 0 0,-2-1 0,2 1 0,-1 0 0,1 0 0,-1 0 0,-1 0 0,2 0 0,-1 0 0,0-1 0,0 1 0,0 2 0,1-2 0,-1 1 0,1-1 0,-2 0 0,3 0 0,-1 0 0,0-1 0,0 3 0,0-2 0,0 3 0,0-3 0,0 1 0,1-1 0,-1 0 0,0 1 0,0-1 0,0 2 0,0-3 0,0 3 0,1-2 0,-1 2 0,0-1 0,0 1 0,0 0 0,-1 0 0,1 0 0,-2 0 0,1-1 0,1 2 0,-2-1 0,3 1 0,-1-2 0,0 2 0,0-1 0,0-1 0,0 2 0,0-3 0,0 3 0,0-1 0,-1-1 0,1 2 0,-2-3 0,2 3 0,0-2 0,0 1 0,0 1 0,-1-3 0,1 3 0,-1-3 0,1 1 0,0-1 0,-2 0 0,2 1 0,-3 0 0,3 0 0,-1-1 0,0 0 0,1 1 0,-3-3 0,3 3 0,-3-3 0,3 2 0,-3 0 0,3-2 0,-1 2 0,0-2 0,1 2 0,-2 0 0,1-2 0,1 1 0,-2-1 0,3 4 0,-3-4 0,2 4 0,-3-3 0,3 2 0,-1-1 0,1 0 0,-1 0 0,1 0 0,-2 0 0,3-1 0,-1 1 0,-2 0 0,2 0 0,-1 0 0,1 0 0,-1 0 0,1 0 0,-2-1 0,3 1 0,-1 0 0,0 0 0,-2 0 0,2 1 0,-3-1 0,3 3 0,-1-3 0,0 2 0,1-3 0,-2 3 0,2-2 0,1 1 0,-3-1 0,2 0 0,-1 1 0,1-1 0,-1 2 0,0-1 0,0-1 0,1 1 0,0 1 0,-1-2 0,1 3 0,-1-3 0,1 2 0,0-1 0,0 1 0,-1-1 0,0 1 0,0-1 0,1 0 0,0-1 0,1 1 0,-1-1 0,0 1 0,0-1 0,2-2 0,-2 2 0,2-2 0,-2 2 0,1-2 0,-1 2 0,0-2 0,0 2 0,0-2 0,1 0 0,-1 0 0,-1 0 0,0 2 0,-1 0 0,2 0 0,-3-2 0,1 1 0,1 0 0,-2-1 0,1 1 0,-1-2 0,2 2 0,-2-2 0,2 2 0,-2-3 0,0 4 0,0-4 0,0 4 0,0-2 0,0 2 0,0 0 0,0 0 0,0 0 0,0-1 0,0 1 0,0 0 0,-2 1 0,0 0 0,-1 0 0,0-1 0,0 1 0,-2-1 0,2 2 0,-2-1 0,0 0 0,2 1 0,-4 1 0,4-3 0,-2 2 0,0 0 0,0-1 0,0 2 0,-2-1 0,3-1 0,-2 2 0,1-2 0,-1 2 0,0-1 0,2 0 0,-2 0 0,2 1 0,-1 0 0,2 0 0,0 0 0,-2 0 0,2 0 0,-2 0 0,2 0 0,0 0 0,0 0 0,1-1 0,-1 0 0,2 0 0,-2 1 0,0 0 0,0-1 0,0 0 0,-1-2 0,1 3 0,0-3 0,0 3 0,0-3 0,0 2 0,0-1 0,0-1 0,0 2 0,0-1 0,0-1 0,-1 1 0,1-1 0,0 1 0,0 0 0,0 0 0,0-1 0,1 0 0,-1 1 0,3-1 0,-3 1 0,1-1 0,1 0 0,-1 0 0,1 0 0,1 0 0,-3 1 0,3-1 0,-2 2 0,2-2 0,-1-2 0,0 1 0,0-1 0,1 1 0,-2 0 0,2-3 0,-3 4 0,3-4 0,-2 4 0,1-4 0,0 4 0,-1-2 0,0 2 0,0 0 0,-1 0 0,3 0 0,-3-1 0,3 1 0,-3 0 0,1 1 0,1 0 0,-2 0 0,1 0 0,0-1 0,-1 2 0,2-1 0,-2-1 0,0 1 0,-1-1 0,1 1 0,-2-1 0,2 2 0,-2-3 0,2 1 0,0 0 0,-2-1 0,2 2 0,-2-3 0,2 4 0,0-2 0,-2 1 0,2-1 0,-2 1 0,2-1 0,-2 0 0,1 0 0,-1 1 0,2-1 0,0 3 0,0-3 0,0 1 0,0 0 0,0 0 0,0 1 0,-1-2 0,1 2 0,0-2 0,0 0 0,0 1 0,1-1 0,0 2 0,0-3 0,-1 1 0,0 0 0,0 0 0,1 0 0,-1 0 0,3 0 0,-3 0 0,2 0 0,-1 0 0,-1 0 0,3-1 0,-3 3 0,3-2 0,-3 1 0,3-1 0,-3 1 0,2 0 0,-1 0 0,0 0 0,-1-1 0,0 2 0,0-1 0,0-1 0,-1 3 0,1-3 0,0 3 0,0-3 0,0 1 0,0-1 0,-2 1 0,1 0 0,0 0 0,0-1 0,1 0 0,0-1 0,0 1 0,0 2 0,0-2 0,1 1 0,-1 0 0,2 0 0,-3 0 0,1 0 0,0-1 0,0 1 0,0-1 0,0 0 0,0 0 0,-1 0 0,1 0 0,0 1 0,0-1 0,0 3 0,0-3 0,-2 1 0,1 1 0,0-2 0,-1 2 0,1-2 0,-1 3 0,1-3 0,0 1 0,-1 0 0,0 1 0,2 0 0,-2 0 0,2 0 0,-2 1 0,2-1 0,-2 0 0,2 0 0,0-1 0,-1 2 0,1-1 0,0-1 0,0 2 0,0-1 0,0 1 0,1-2 0,-1 2 0,2-2 0,-1 1 0,-1 1 0,2-2 0,-2 1 0,0-1 0,0-1 0,0 2 0,1-2 0,-1 2 0,1-1 0,-1 0 0,0 0 0,2 0 0,-2 1 0,1-1 0,-1 1 0,2-2 0,-2 3 0,1-1 0,-1 1 0,0 0 0,0 0 0,0 0 0,1 0 0,-1 0 0,0 0 0,0 0 0,0 0 0,1 1 0,-1 0 0,3 1 0,-3 0 0,1 0 0,1 1 0,-2-3 0,2 3 0,-1-3 0,0 1 0,-1 1 0,0 0 0,1 1 0,-1 0 0,3 0 0,-1 0 0,-1 0 0,2 0 0,-1 0 0,-1 0 0,1 0 0,-2 0 0,0-1 0,0-1 0,0-1 0,0 0 0,-1 0 0,0 0 0,0 0 0,-2 0 0,2 0 0,-1 0 0,2 0 0,0 0 0,0 0 0,0 0 0,0 0 0,-2 0 0,1 0 0,-2 0 0,2-1 0,0-1 0,1 0 0,-2-1 0,1 1 0,-1-1 0,2 1 0,0 0 0,-2 0 0,2 0 0,-2 0 0,3 1 0,1 0 0,1-2 0,0 0 0,0 0 0,0 0 0,0 0 0,0 0 0,0 0 0,0 0 0,0 0 0,0 0 0,-1 1 0,0 0 0,0 0 0,-1-1 0,2 0 0,-1-1 0,-1 1 0,2 0 0,-1-2 0,-1 2 0,2-2 0,-3 2 0,3-2 0,-2 2 0,1-2 0,1 2 0,-2 0 0,2-1 0,-1 1 0,0 0 0,0-2 0,1 2 0,0-2 0,0 2 0,0 0 0,0 0 0,0 0 0,0 0 0,0 0 0,0-1 0,0 1 0,0 0 0,0 0 0,0 0 0,0 0 0,0 1 0,0-1 0,0 0 0,-1 1 0,-1-1 0,-3 2 0,2-3 0,-2 2 0,2 0 0,-2 0 0,1-1 0,-2-1 0,2 1 0,-1 1 0,2-1 0,0 2 0,0-1 0,1-1 0,-1 1 0,3-1 0,-3 2 0,3-2 0,-1 1 0,1-1 0,0 1 0,1 0 0,-1-1 0,3 3 0,-3-3 0,3 3 0,-1-3 0,1 1 0,0 1 0,0-1 0,-1 1 0,1 1 0,-2-2 0,3 1 0,-1 1 0,0-3 0,0 2 0,0 0 0,0 1 0,0 0 0,-1 0 0,0-1 0,1 0 0,-2 0 0,1 0 0,1 0 0,-3-2 0,3 3 0,-2-1 0,2-1 0,0 2 0,-1-3 0,1 3 0,-3-3 0,3 3 0,-3-3 0,2 2 0,-1-1 0,-1-1 0,2 2 0,-2-2 0,0 0 0,0 0 0,0 0 0,0 0 0,0 0 0,0 0 0,0 0 0,0 0 0,0 0 0,-2 2 0,2-2 0,-3 2 0,2 0 0,-2 1 0,-1 0 0,1 0 0,0 0 0,0 0 0,0 0 0,0 0 0,0 0 0,0 0 0,0 0 0,-1 0 0,1 0 0,0 0 0,0 0 0,0 0 0,2 1 0,-2 0 0,1 0 0,-1-1 0,0 0 0,0 0 0,0 0 0,1 0 0,-1 0 0,0 0 0,1-1 0,1-1 0,-1 0 0,2 0 0,-3 0 0,3-1 0,-2 0 0,2-1 0,0 1 0,-1 0 0,1 0 0,-2 0 0,2-2 0,0 2 0,0-2 0,0 2 0,0 0 0,0 0 0,0-2 0,0 2 0,0-2 0,0 2 0,0 0 0,0-2 0,0 2 0,0-2 0,0 2 0,2 0 0,-2 0 0,1-1 0,1 1 0,-2 0 0,3 0 0,-3 0 0,2 0 0,-1 0 0,-1 0 0,3 0 0,-3 0 0,3 1 0,-2-1 0,1 2 0,-1-3 0,1 3 0,-1-2 0,2 1 0,-2-1 0,2 0 0,-1 0 0,1 1 0,-1-1 0,1 2 0,0-2 0,0 1 0,-1-1 0,0 1 0,0 1 0,1-2 0,0 1 0,0 0 0,1 0 0,-1 0 0,0-1 0,0 1 0,0-1 0,0 1 0,0 1 0,0-2 0,1 3 0,-1-3 0,0 3 0,0-2 0,0 2 0,0-1 0,0 0 0,0 0 0,0 1 0,-1-1 0,1 0 0,-1 0 0,1 0 0,0 0 0,-1 0 0,1 0 0,0 0 0,0 0 0,0 1 0,0 0 0,0 0 0,0 0 0,0 0 0,0 0 0,0 0 0,0 0 0,0 0 0,0 0 0,0 0 0,0 0 0,0 0 0,0 0 0,0 0 0,0 0 0,0 0 0,0 0 0,0 0 0,0 0 0,0 0 0,0 0 0,0 0 0,0 0 0,0 0 0,0 0 0,0 0 0,0 0 0,-1 0 0,1 0 0,0 0 0,0 0 0,0 0 0,0 0 0,-1 1 0,0 0 0,-1 1 0,1-1 0,-1 1 0,0 0 0,-1 1 0,1-1 0,0 0 0,0 0 0,-1 1 0,1-2 0,0 2 0,0-1 0,-1 1 0,1 0 0,0-1 0,0 1 0,0 0 0,0 0 0,0 0 0,0-1 0,0 0 0,1 0 0,-1 1 0,1-1 0,-1 0 0,0 0 0,0 0 0,0 1 0,2-2 0,-3 3 0,3-3 0,-3 2 0,1-1 0,1 1 0,-2 0 0,3-1 0,-3 1 0,3-2 0,-3 2 0,3 0 0,-3 1 0,3-3 0,-2 2 0,1-3 0,-1 3 0,1-3 0,-1 3 0,1-3 0,0 1 0,1-1 0,0 2 0,0-2 0,0 3 0,0-3 0,0 3 0,0-3 0,0 1 0,0-1 0,0 0 0,0 0 0,-2-1 0,1-1 0,-2-1 0,0 0 0,0 0 0,0 0 0,0 0 0,0 0 0,0 0 0,0 0 0,0-1 0,0 0 0,0 0 0,0-1 0,0 2 0,0 0 0,0 0 0,0 0 0,0 0 0,0-1 0,0 1 0,0 0 0,0 0 0,1 1 0,-1 0 0,2 0 0,-2-1 0,0 0 0,0 0 0,0 0 0,1 2 0,-1-2 0,3 1 0,-3-1 0,3 2 0,-3-2 0,3 2 0,-2-1 0,1 1 0,-1-1 0,1 0 0,0 0 0,0-1 0,0 3 0,0-3 0,1 3 0,0-3 0,0 3 0,0-1 0,0-1 0,0 2 0,0-1 0,0 1 0,0 0 0,0-2 0,0 2 0,0-1 0,-2-1 0,2 2 0,-1-3 0,1 2 0,0-2 0,0 0 0,0-1 0,0 1 0,-1 0 0,1 1 0,-2 0 0,3 0 0,-3-1 0,2 0 0,-1 0 0,1-1 0,-1 1 0,1 0 0,-2 0 0,2 0 0,-1 0 0,1 0 0,-1 1 0,1-1 0,-1 1 0,0-1 0,0 0 0,1 0 0,0 0 0,0 0 0,-1 0 0,2 1 0,-1 1 0,6 1 0,-2-2 0,5 2 0,-6-3 0,4 3 0,-5-2 0,0 1 0,0 1 0,0-2 0,-2 2 0,2 0 0,-2 0 0,1 0 0,-1 0 0,0 0 0,0 0 0,0 0 0,0 0 0,0 0 0,0 0 0,1 0 0,-1 0 0,0 0 0,0 0 0,0 0 0,0-1 0,2 0 0,-2 0 0,2 1 0,-2 0 0,2 0 0,-1-1 0,2 0 0,-2 0 0,2-1 0,-2 2 0,1-3 0,0 3 0,-2-2 0,2 1 0,-2 1 0,0-3 0,0 2 0,0 0 0,1 0 0,-1 0 0,0-2 0,0 2 0,0-2 0,0 1 0,-1-1 0,1 1 0,-1 1 0,-1-2 0,2 2 0,-3-1 0,3 1 0,-3-1 0,3 1 0,-1-2 0,1 2 0,0-1 0,-1-1 0,1 3 0,-2-3 0,2 3 0,-1-3 0,1 3 0,-2-2 0,1 1 0,1 1 0,-2-3 0,3 3 0,-3-3 0,2 3 0,-1-3 0,1 1 0,0-1 0,-2 0 0,2 1 0,-3 0 0,3 1 0,-2-2 0,1 3 0,-1-3 0,1 2 0,0-1 0,0-1 0,1 3 0,-2-3 0,3 3 0,-1-3 0,0 3 0,0-2 0,0 2 0,0 0 0,-1 0 0,1 0 0,0 0 0,0 0 0,0 0 0,0 0 0,0 0 0,0 0 0,0 2 0,0-2 0,1 3 0,-1-3 0,-2 3 0,2-3 0,-1 2 0,1-1 0,0-1 0,0 3 0,0-3 0,0 2 0,-1-1 0,0-1 0,0 3 0,1-3 0,-2 3 0,2-3 0,-3 3 0,3-3 0,-3 3 0,3-2 0,-3 1 0,3-1 0,-1 1 0,1-1 0,0 0 0,-1 0 0,0 0 0,0 0 0,1-1 0,0 0 0,0 0 0,0 1 0,0 0 0,0 0 0,-1-1 0,1 0 0,0 0 0,0 0 0,-1-2 0,-1 1 0,1-2 0,-2 0 0,3-1 0,-3 1 0,3 0 0,-3 0 0,2 0 0,-1 1 0,-1-1 0,2 2 0,-2-2 0,1-1 0,-1 1 0,2 0 0,-2 0 0,0 1 0,0-1 0,0 0 0,0 0 0,0 0 0,0 0 0,0 0 0,0 0 0,0 0 0,0 0 0,0 0 0,0 0 0,-2 0 0,1 0 0,-2 1 0,1 0 0,-1 1 0,3-2 0,-3 3 0,3-3 0,-3 3 0,2-1 0,-1-1 0,-1 2 0,1-3 0,-1 3 0,2-3 0,-2 3 0,3-3 0,-1 2 0,-1-1 0,2 0 0,-2 0 0,2-1 0,0 0 0,0 0 0,0 0 0,0 0 0,0-1 0,0 0 0,0 1 0,0-2 0,0 2 0,0 0 0,2 0 0,-2 0 0,3-1 0,-1 1 0,-1 0 0,2 0 0,-2 0 0,0 0 0,0 1 0,0-1 0,0 2 0,-1-2 0,0 0 0,0 0 0,0 0 0,-1 2 0,-1-1 0,0 1 0,0 1 0,0-2 0,-1 2 0,0 0 0,0-1 0,-1 0 0,1 0 0,0 1 0,0-1 0,0 0 0,0 0 0,0 1 0,0 0 0,0-1 0,0 0 0,1-1 0,1 0 0,1-1 0,0 0 0,0 0 0,0 0 0,-1 2 0,-1-1 0,-1 2 0,0 0 0,1 0 0,-1 0 0,0 0 0,0 0 0,0 0 0,0 0 0,0 0 0,1 2 0,1 0 0,-1-1 0,2 2 0,-3-1 0,2 1 0,-2 0 0,0-2 0,1 2 0,-1-3 0,2 2 0,-2-1 0,0-1 0,-1 2 0,1-1 0,0 0 0,0 0 0,0 0 0,0 0 0,0 0 0,1 0 0,0 0 0,0 0 0,-1 0 0,0 1 0,1 1 0,-1-1 0,3 1 0,-3-3 0,3 3 0,-2-2 0,1 1 0,1 1 0,-3-3 0,3 3 0,-3-1 0,2 1 0,-1-1 0,0-1 0,0 0 0,-1 0 0,2 1 0,-2-1 0,0 0 0,1 0 0,0 0 0,0 0 0,-1-1 0,0 0 0,0 0 0,1 2 0,0-2 0,0 1 0,-1-1 0,0 2 0,-1-2 0,1 3 0,0-3 0,0 2 0,0-1 0,0-1 0,0 3 0,-2-3 0,1 3 0,0-2 0,0 0 0,1-1 0,0 0 0,0 0 0,0 0 0,0 0 0,0 0 0,0 0 0,1-1 0,1-1 0,1-1 0,0 0 0,0 0 0,0 0 0,0 0 0,0 0 0,0 0 0,0 0 0,1 0 0,0 0 0,1 0 0,0 0 0,0-1 0,-1 1 0,0 2 0,0-2 0,1 1 0,-1-1 0,0 0 0,1 1 0,-1 0 0,2 0 0,0-1 0,-1 0 0,1 1 0,-2 0 0,2 0 0,1-1 0,-1 1 0,0-1 0,0 2 0,0-3 0,0 3 0,0-2 0,1 1 0,-1 0 0,0 0 0,0 1 0,0-2 0,0 3 0,0-1 0,0-1 0,1 1 0,-1-2 0,0 1 0,0-1 0,0 3 0,-1-3 0,0 3 0,-1-3 0,2 3 0,-2-3 0,2 3 0,-1-3 0,1 2 0,-3-1 0,3 1 0,-1-1 0,1 1 0,0-1 0,0 1 0,0-1 0,0 1 0,0-1 0,0 1 0,0-1 0,0 1 0,0 0 0,0 0 0,0 0 0,0 0 0,-1-1 0,1 2 0,-2-1 0,2 1 0,0 0 0,0 0 0,0-1 0,0 0 0,0 0 0,0 1 0,0 0 0,0 0 0,0 0 0,0 0 0,0 0 0,0 0 0,-1 0 0,1 0 0,0 0 0,0 0 0,0 0 0,0 0 0,-1 1 0,0 0 0,0 0 0,1-1 0,0 0 0,0 0 0,0 1 0,0 0 0,1 0 0,-2-1 0,1 0 0,0 0 0,-1 2 0,1-2 0,-2 1 0,2-1 0,-1 2 0,1-2 0,-2 1 0,2-1 0,0 0 0,0 0 0,-1 2 0,0-2 0,0 1 0,0 1 0,-1-1 0,0 1 0,0-2 0,1 0 0,0-2 0,0 1 0,1 1 0,-3-3 0,3 3 0,-2-3 0,2 3 0,-1-3 0,1 2 0,-3-1 0,3 1 0,-3-1 0,3 1 0,-1-1 0,1 0 0,-2-1 0,1 0 0,-1 2 0,-1-2 0,2 1 0,-2-1 0,0 0 0,0 0 0,0 0 0,1 1 0,-1-1 0,2 0 0,-2 0 0,0 0 0,0 0 0,1 1 0,-1-1 0,2 2 0,-2-2 0,0 0 0,0 0 0,0 0 0,0 0 0,0 0 0,0 0 0,0 0 0,0 0 0,0 0 0,0 0 0,0 0 0,0 0 0,0 1 0,0-1 0,0 0 0,0 0 0,1 1 0,1 1 0,1 1 0,0 0 0,-1 0 0,1 0 0,0 0 0,0 0 0,1 0 0,-2 0 0,1 0 0,0 0 0,0 0 0,0 0 0,0 0 0,0 0 0,-2 1 0,2 0 0,-3 1 0,2 0 0,-1 1 0,-1 0 0,2 0 0,-2-1 0,0 1 0,0 0 0,-2 0 0,2 0 0,-3-1 0,3 1 0,-3-2 0,3 2 0,-2 0 0,1 0 0,1 0 0,-2 0 0,2 0 0,0 1 0,-1-1 0,1 0 0,-2 0 0,2 0 0,0 0 0,0 0 0,0 0 0,0 0 0,-1 0 0,1 0 0,-2 0 0,2 0 0,0 0 0,0 0 0,0 0 0,0 0 0,0 1 0,0-1 0,0 0 0,0 0 0,0 0 0,0 0 0,0 0 0,0 0 0,0 0 0,0 0 0,0 1 0,0-1 0,0 0 0,0 0 0,0 0 0,0 0 0,0 0 0,0 0 0,0 0 0,0 0 0,2 0 0,-2 0 0,3-1 0,-3 1 0,2-1 0,-2 1 0,1 0 0,-1 0 0,2 0 0,-1 0 0,-1 0 0,3 1 0,-2-1 0,0 0 0,0 0 0,0 0 0,1 0 0,0 0 0,0 0 0,0-2 0,-1 2 0,2-1 0,-3 1 0,3-1 0,-3 0 0,3-1 0,-3 2 0,3-2 0,-3 2 0,3-1 0,-3 1 0,3-3 0,-3 3 0,3-3 0,-3 3 0,3-3 0,-1 1 0,-1 1 0,2-2 0,-3 3 0,3-3 0,-1 2 0,-1-1 0,2-1 0,-1 2 0,1-2 0,0 0 0,0 1 0,0 0 0,0 0 0,0 0 0,0 0 0,-1 0 0,1-1 0,-1-1 0,1 0 0,-2-1 0,1 0 0,1-1 0,-1 0 0,1 0 0,0 0 0,0-1 0,0 1 0,0 0 0,0 0 0,0 1 0,-1 0 0,1 0 0,-2-1 0,3 0 0,-3 0 0,2-1 0,-1 1 0,1 0 0,-1 0 0,0 0 0,-1 0 0,2 0 0,-2 0 0,1 0 0,1 1 0,-2-1 0,2 1 0,-1-1 0,1 2 0,-1-2 0,-1 1 0,2 0 0,-3 0 0,3 1 0,-2-1 0,1 1 0,-1-2 0,2 3 0,-2-3 0,2 2 0,0-2 0,-1 0 0,1 1 0,-2-1 0,2 3 0,0-2 0,0 0 0,0 0 0,0 1 0,-1 0 0,1 0 0,-2 0 0,2-1 0,0 2 0,0-1 0,0 1 0,0 0 0,0 0 0,0 0 0,0 0 0,0-1 0,0 0 0,-1-1 0,0 0 0,0-1 0,-1 0 0,2 1 0,-2-1 0,0 2 0,0-3 0,0 1 0,2-1 0,-3 0 0,3-1 0,-1 2 0,-1-2 0,2 2 0,-2-2 0,0 2 0,0 1 0,0-1 0,1 1 0,-1-1 0,2 2 0,-3-2 0,3 1 0,-2-1 0,1 0 0,1 2 0,-3-2 0,3 1 0,-2-1 0,2 0 0,0 0 0,-1 0 0,1 2 0,-3-2 0,3 2 0,-3-1 0,3 1 0,-1-1 0,1 0 0,0 0 0,-2 0 0,2 1 0,-5 0 0,0 1 0</inkml:trace>
+</inkml:ink>
+</file>
+
+<file path=ppt/ink/ink10.xml><?xml version="1.0" encoding="utf-8"?>
+<inkml:ink xmlns:inkml="http://www.w3.org/2003/InkML">
+  <inkml:definitions>
+    <inkml:context xml:id="ctx0">
+      <inkml:inkSource xml:id="inkSrc0">
+        <inkml:traceFormat>
+          <inkml:channel name="X" type="integer" min="-2.14748E9" max="2.14748E9" units="cm"/>
+          <inkml:channel name="Y" type="integer" min="-2.14748E9" max="2.14748E9" units="cm"/>
+          <inkml:channel name="F" type="integer" max="32767" units="dev"/>
+        </inkml:traceFormat>
+        <inkml:channelProperties>
+          <inkml:channelProperty channel="X" name="resolution" value="1000" units="1/cm"/>
+          <inkml:channelProperty channel="Y" name="resolution" value="1000" units="1/cm"/>
+          <inkml:channelProperty channel="F" name="resolution" value="0" units="1/dev"/>
+        </inkml:channelProperties>
+      </inkml:inkSource>
+      <inkml:timestamp xml:id="ts0" timeString="2021-11-04T17:14:56.242"/>
+    </inkml:context>
+    <inkml:brush xml:id="br0">
+      <inkml:brushProperty name="width" value="0.025" units="cm"/>
+      <inkml:brushProperty name="height" value="0.025" units="cm"/>
+    </inkml:brush>
+  </inkml:definitions>
+  <inkml:trace contextRef="#ctx0" brushRef="#br0">37 117 24575,'-1'3'0,"0"1"0,1 1 0,0-1 0,0 0 0,0-2 0,0 1 0,0-1 0,0 0 0,0 0 0,-2 1 0,0 1 0,0-1 0,0 3 0,1-3 0,-3 3 0,3-3 0,-4 6 0,4-6 0,-3 8 0,2-8 0,0 7 0,1-5 0,-1 2 0,2-3 0,-2 1 0,1-5 0,0 0 0,1-3 0,0-1 0,0 0 0,0-4 0,1 4 0,1-4 0,-1 6 0,2-5 0,-2 3 0,4-3 0,-2 2 0,2-6 0,-1 4 0,5-7 0,-3 5 0,1-1 0,-1 4 0,0-1 0,0 2 0,1-4 0,-1 4 0,0-2 0,1 1 0,-2 0 0,0 0 0,0 1 0,0 1 0,0-1 0,0 1 0,-1-1 0,1 1 0,-3 1 0,2 0 0,-2 1 0,0 0 0,1 0 0,-1-1 0,0 1 0,0 0 0,0 0 0,-1-1 0,1 1 0,-1 0 0,1-1 0,-1 1 0,1 1 0,-1-1 0,1 1 0,0-1 0,0 0 0,1 2 0,-1-1 0,0 1 0,0 0 0,0 0 0,1 0 0,-1 0 0,0 0 0,0 0 0,0 1 0,1-1 0,-1 2 0,0-1 0,0 1 0,1-2 0,-1 2 0,0-2 0,-1 2 0,0-1 0,0 1 0,-1 0 0,2-1 0,-1 1 0,1 0 0,-2 1 0,1-1 0,-1-1 0,0 0 0</inkml:trace>
+</inkml:ink>
+</file>
+
+<file path=ppt/ink/ink11.xml><?xml version="1.0" encoding="utf-8"?>
+<inkml:ink xmlns:inkml="http://www.w3.org/2003/InkML">
+  <inkml:definitions>
+    <inkml:context xml:id="ctx0">
+      <inkml:inkSource xml:id="inkSrc0">
+        <inkml:traceFormat>
+          <inkml:channel name="X" type="integer" min="-2.14748E9" max="2.14748E9" units="cm"/>
+          <inkml:channel name="Y" type="integer" min="-2.14748E9" max="2.14748E9" units="cm"/>
+          <inkml:channel name="F" type="integer" max="32767" units="dev"/>
+        </inkml:traceFormat>
+        <inkml:channelProperties>
+          <inkml:channelProperty channel="X" name="resolution" value="1000" units="1/cm"/>
+          <inkml:channelProperty channel="Y" name="resolution" value="1000" units="1/cm"/>
+          <inkml:channelProperty channel="F" name="resolution" value="0" units="1/dev"/>
+        </inkml:channelProperties>
+      </inkml:inkSource>
+      <inkml:timestamp xml:id="ts0" timeString="2021-11-04T17:14:56.243"/>
+    </inkml:context>
+    <inkml:brush xml:id="br0">
+      <inkml:brushProperty name="width" value="0.025" units="cm"/>
+      <inkml:brushProperty name="height" value="0.025" units="cm"/>
+    </inkml:brush>
+  </inkml:definitions>
+  <inkml:trace contextRef="#ctx0" brushRef="#br0">81 41 24575,'-6'0'0,"1"-1"0,0-1 0,2 0 0,-1 1 0,0-2 0,1 1 0,-4-2 0,5 1 0,-3 0 0,3 1 0,1 0 0,-1-1 0,1 2 0,0-1 0,-1 2 0,1-2 0,-1 2 0,0-1 0,0 0 0,1 0 0,2 0 0,-1 0 0,-2 1 0,0 0 0,-3 0 0,2 0 0,0 0 0,1 0 0,-1 0 0,2-1 0,1 1 0,1-1 0,2 1 0,-1 0 0,0 0 0,0 0 0,1 0 0,-1 0 0,0 0 0,0 0 0,0 0 0,0 0 0,1 0 0,-1 0 0,0 0 0,0 0 0,0 0 0,0 0 0,1 0 0,-1 0 0,0 0 0,0 0 0,1 0 0,-1 0 0,0 0 0,0 0 0,0 0 0,1 0 0,-1 0 0,0 0 0,0 0 0,0 0 0,0 0 0,0 0 0,0 0 0,0 1 0,0-1 0,-2 2 0,2-2 0,-2 2 0,1-1 0,-1 1 0,0 1 0,0-1 0,0 0 0,0 0 0,0 1 0,0-1 0,0 0 0,0 0 0,0 0 0,0 1 0,0-1 0,0-1 0,0 0 0</inkml:trace>
+</inkml:ink>
+</file>
+
+<file path=ppt/ink/ink12.xml><?xml version="1.0" encoding="utf-8"?>
+<inkml:ink xmlns:inkml="http://www.w3.org/2003/InkML">
+  <inkml:definitions>
+    <inkml:context xml:id="ctx0">
+      <inkml:inkSource xml:id="inkSrc0">
+        <inkml:traceFormat>
+          <inkml:channel name="X" type="integer" min="-2.14748E9" max="2.14748E9" units="cm"/>
+          <inkml:channel name="Y" type="integer" min="-2.14748E9" max="2.14748E9" units="cm"/>
+          <inkml:channel name="F" type="integer" max="32767" units="dev"/>
+        </inkml:traceFormat>
+        <inkml:channelProperties>
+          <inkml:channelProperty channel="X" name="resolution" value="1000" units="1/cm"/>
+          <inkml:channelProperty channel="Y" name="resolution" value="1000" units="1/cm"/>
+          <inkml:channelProperty channel="F" name="resolution" value="0" units="1/dev"/>
+        </inkml:channelProperties>
+      </inkml:inkSource>
+      <inkml:timestamp xml:id="ts0" timeString="2021-11-04T17:14:56.244"/>
+    </inkml:context>
+    <inkml:brush xml:id="br0">
+      <inkml:brushProperty name="width" value="0.025" units="cm"/>
+      <inkml:brushProperty name="height" value="0.025" units="cm"/>
+    </inkml:brush>
+  </inkml:definitions>
+  <inkml:trace contextRef="#ctx0" brushRef="#br0">61 60 24575,'-2'1'0,"-1"0"0,0-1 0,0-1 0,1 1 0,-1-2 0,0 1 0,0-2 0,0 2 0,1-2 0,1 1 0,-1 1 0,1-1 0,-1-1 0,-1 2 0,1 0 0,1 2 0,1 0 0,0 1 0,2 0 0,-1 0 0,1-2 0,-1 1 0,1-1 0,-1-2 0,1 1 0,-2-3 0,1 2 0,-1 0 0,1 0 0,0-1 0,0 1 0,-1 0 0,0-1 0,0 1 0,0 0 0,0 0 0,0-1 0,0 1 0,0 0 0,0 0 0,0-1 0,0 1 0,0 0 0,0 0 0,0 0 0,2 1 0,0 1 0,-1 1 0,1 1 0,-1 0 0,0 0 0,1 1 0,0-1 0,0 0 0,0 0 0,0 1 0,0-1 0,-1 0 0,0 0 0,1 1 0,-1-1 0,2 0 0,-2 0 0,1 1 0,-1-1 0,0 0 0,1 0 0,-2 0 0,2 0 0,-1 0 0,1-2 0,-2 2 0,1-1 0,-1 1 0,0-1 0,1-1 0,0-1 0,1 1 0,0 0 0,0 1 0,0 1 0,-1 0 0,1 0 0,0-1 0,1 1 0,-1 0 0,0-1 0,-1 1 0,1-1 0,0 1 0,0 0 0,-1-1 0,1 0 0,-1 1 0,1-1 0,-2 2 0,2-2 0,-1 1 0,0-1 0,0 1 0,0 1 0,1-1 0,-1 0 0,1 0 0,-2 1 0,1-1 0,0-1 0,-1 1 0,1-1 0,0 2 0,0-1 0,1 0 0,-2 0 0,1 1 0,0-2 0,-1 1 0,1-1 0,-1 1 0,-1-1 0,0-2 0,-3-1 0,2-2 0,-3 1 0,2-1 0,-2 2 0,3 0 0,-2-1 0,1 1 0,0 0 0,0-1 0,1 2 0,0-1 0,0 1 0,2-2 0,-2 2 0,3 1 0,0 2 0,1 1 0,1 0 0,-1-1 0,-1 1 0,1-1 0,-1 0 0,1 0 0,0 1 0,0-1 0,-1 0 0,2 1 0,-2 0 0,3 3 0,-4-3 0,2 3 0,-2-4 0,1 0 0,-1 0 0,1 0 0,-1 0 0,0 0 0,-1-1 0,1 1 0,-2-1 0,2 1 0,-2-2 0,1 1 0,-1-1 0,0-2 0,0 0 0,0-3 0,1 1 0,-2 1 0,2-2 0,-1 1 0,2-1 0,-3 0 0,2-2 0,-2 1 0,2 0 0,-1 2 0,0-2 0,1 1 0,-1-1 0,1 3 0,-1 1 0,0 1 0,-1 1 0,1 0 0,-1 0 0,0 0 0,-1 0 0,2 0 0,-2 0 0,1 1 0,-1 0 0,1 0 0,-1-1 0,2 0 0,-1 0 0,0 0 0,1 0 0,0 0 0,1-1 0,0-1 0,0 0 0,1 0 0,-2 0 0,1-1 0,-1 1 0,1 0 0,-1 0 0,0-1 0,1 1 0,-1 1 0,1-1 0,-1 1 0,0 0 0,1-1 0,0 0 0,-1 1 0,2-1 0,-2 1 0,1-1 0,-1 1 0,1 0 0,-1 1 0,1 0 0,0 0 0</inkml:trace>
+</inkml:ink>
+</file>
+
+<file path=ppt/ink/ink13.xml><?xml version="1.0" encoding="utf-8"?>
+<inkml:ink xmlns:inkml="http://www.w3.org/2003/InkML">
+  <inkml:definitions>
+    <inkml:context xml:id="ctx0">
+      <inkml:inkSource xml:id="inkSrc0">
+        <inkml:traceFormat>
+          <inkml:channel name="X" type="integer" min="-2.14748E9" max="2.14748E9" units="cm"/>
+          <inkml:channel name="Y" type="integer" min="-2.14748E9" max="2.14748E9" units="cm"/>
+          <inkml:channel name="F" type="integer" max="32767" units="dev"/>
+        </inkml:traceFormat>
+        <inkml:channelProperties>
+          <inkml:channelProperty channel="X" name="resolution" value="1000" units="1/cm"/>
+          <inkml:channelProperty channel="Y" name="resolution" value="1000" units="1/cm"/>
+          <inkml:channelProperty channel="F" name="resolution" value="0" units="1/dev"/>
+        </inkml:channelProperties>
+      </inkml:inkSource>
+      <inkml:timestamp xml:id="ts0" timeString="2021-11-04T17:14:56.245"/>
+    </inkml:context>
+    <inkml:brush xml:id="br0">
+      <inkml:brushProperty name="width" value="0.025" units="cm"/>
+      <inkml:brushProperty name="height" value="0.025" units="cm"/>
+    </inkml:brush>
+  </inkml:definitions>
+  <inkml:trace contextRef="#ctx0" brushRef="#br0">1 1 24575,'1'4'0,"2"1"0,-1 0 0,1-1 0,-1-1 0,1 2 0,-1-2 0,0 5 0,0-5 0,0 3 0,-2-3 0,1 0 0,0-1 0,-1 1 0,1 0 0,0 0 0,-1-1 0,2-1 0,-1 0 0,0-1 0</inkml:trace>
+</inkml:ink>
+</file>
+
+<file path=ppt/ink/ink14.xml><?xml version="1.0" encoding="utf-8"?>
+<inkml:ink xmlns:inkml="http://www.w3.org/2003/InkML">
+  <inkml:definitions>
+    <inkml:context xml:id="ctx0">
+      <inkml:inkSource xml:id="inkSrc0">
+        <inkml:traceFormat>
+          <inkml:channel name="X" type="integer" min="-2.14748E9" max="2.14748E9" units="cm"/>
+          <inkml:channel name="Y" type="integer" min="-2.14748E9" max="2.14748E9" units="cm"/>
+          <inkml:channel name="F" type="integer" max="32767" units="dev"/>
+        </inkml:traceFormat>
+        <inkml:channelProperties>
+          <inkml:channelProperty channel="X" name="resolution" value="1000" units="1/cm"/>
+          <inkml:channelProperty channel="Y" name="resolution" value="1000" units="1/cm"/>
+          <inkml:channelProperty channel="F" name="resolution" value="0" units="1/dev"/>
+        </inkml:channelProperties>
+      </inkml:inkSource>
+      <inkml:timestamp xml:id="ts0" timeString="2021-11-04T17:14:56.246"/>
+    </inkml:context>
+    <inkml:brush xml:id="br0">
+      <inkml:brushProperty name="width" value="0.025" units="cm"/>
+      <inkml:brushProperty name="height" value="0.025" units="cm"/>
+    </inkml:brush>
+  </inkml:definitions>
+  <inkml:trace contextRef="#ctx0" brushRef="#br0">124 41 24575,'-3'0'0,"-1"0"0,1 0 0,-1 0 0,2 1 0,-4 1 0,4 0 0,-3 0 0,1 0 0,-4 4 0,4-3 0,-6 5 0,7-5 0,-4 4 0,4-5 0,-1 4 0,2-4 0,-2 1 0,3 0 0,-1-1 0,1 0 0,-1 0 0,1 0 0,-1-1 0,2 1 0,-2-1 0,1 1 0,-1-1 0,2 1 0,-2-1 0,2 1 0,-2-2 0,2 2 0,-2-1 0,1 1 0,-1-2 0,2 2 0,-1-1 0,0 0 0,1 1 0,-2-1 0,1 1 0,-2-2 0,1 2 0,0-2 0,0 1 0,0-1 0,0 0 0,1 1 0,-1-1 0,2 0 0,-1-1 0,1-1 0,0 0 0,0-1 0,0 1 0,0 0 0,1-1 0,-1 1 0,1 0 0,-1 0 0,0-2 0,1 2 0,-1-2 0,1 2 0,-1 0 0,1-2 0,0 2 0,0-2 0,0 0 0,0-1 0,0 0 0,0-1 0,0 0 0,1 2 0,0-5 0,0 5 0,2-4 0,-3 4 0,3-2 0,-3 3 0,2-3 0,-2 4 0,0-3 0,0 3 0,-1-1 0,1 1 0,0 1 0,0 1 0,0 1 0,-1 3 0,0-1 0,0 1 0,0 1 0,0-3 0,0 2 0,0-1 0,0 0 0,0 0 0,0 0 0,0 0 0,0 0 0,0 0 0,0 1 0,0-2 0,0 2 0,0-2 0,0 0 0,0 1 0,0 0 0,0-1 0,0 2 0,0-2 0,-1 0 0,1 0 0,0-1 0,1-1 0,0-3 0,1 1 0,-1 0 0,1 1 0,-2-1 0,2 1 0,-1-1 0,1 1 0,1 0 0,-1 0 0,0 1 0,0 0 0,0 0 0,0 0 0,1 0 0,-1 0 0,-1 0 0,0 0 0</inkml:trace>
+</inkml:ink>
+</file>
+
+<file path=ppt/ink/ink15.xml><?xml version="1.0" encoding="utf-8"?>
+<inkml:ink xmlns:inkml="http://www.w3.org/2003/InkML">
+  <inkml:definitions>
+    <inkml:context xml:id="ctx0">
+      <inkml:inkSource xml:id="inkSrc0">
+        <inkml:traceFormat>
+          <inkml:channel name="X" type="integer" min="-2.14748E9" max="2.14748E9" units="cm"/>
+          <inkml:channel name="Y" type="integer" min="-2.14748E9" max="2.14748E9" units="cm"/>
+          <inkml:channel name="F" type="integer" max="32767" units="dev"/>
+        </inkml:traceFormat>
+        <inkml:channelProperties>
+          <inkml:channelProperty channel="X" name="resolution" value="1000" units="1/cm"/>
+          <inkml:channelProperty channel="Y" name="resolution" value="1000" units="1/cm"/>
+          <inkml:channelProperty channel="F" name="resolution" value="0" units="1/dev"/>
+        </inkml:channelProperties>
+      </inkml:inkSource>
+      <inkml:timestamp xml:id="ts0" timeString="2021-11-04T17:14:56.247"/>
+    </inkml:context>
+    <inkml:brush xml:id="br0">
+      <inkml:brushProperty name="width" value="0.1" units="cm"/>
+      <inkml:brushProperty name="height" value="0.1" units="cm"/>
+    </inkml:brush>
+  </inkml:definitions>
+  <inkml:trace contextRef="#ctx0" brushRef="#br0">25 1 24575,'-3'7'0,"2"-1"0,1-3 0,0-1 0,0 1 0,0 0 0,-1 0 0,0 1 0,-1-1 0,2 3 0,-2-4 0,2 3 0,-2-4 0,1 3 0,-1-3 0,0 2 0,0-1 0,0 1 0,0-2 0,1 2 0,0-1 0,1 2 0,0-1 0,0-1 0,0 1 0,0-1 0,0 1 0,0 0 0,0 0 0,0 1 0,0-2 0,1 1 0,0 0 0,1-2 0,-1 2 0,0 0 0,1-1 0,-2 0 0,2 0 0,-2 1 0,2-1 0,0 2 0,-1-3 0,1 2 0,-2-9 0,2 5 0,-1-8 0,1 8 0,0 0 0,1-1 0,-1 0 0,0 1 0,0-2 0,0 3 0,0-3 0,0 1 0,0-1 0,0 0 0,-1 1 0,1 0 0,0 0 0,-1 0 0,1-1 0,-1 1 0,1 0 0,0 0 0,-1 0 0,1-1 0,-1 1 0,1 0 0,-1 0 0,0 0 0,2 0 0,-2 0 0,3-1 0,-3 1 0,2 0 0,-1 1 0,0-1 0,1 1 0,-2-1 0,1-1 0,0 2 0,-1-1 0,2 1 0,-2-1 0,1 0 0,1 0 0,0 2 0,-1-2 0,1 2 0,-1-1 0,1 0 0,-1 1 0,1-2 0,0 2 0,-1-2 0,0 1 0,0-1 0,0 0 0,0 1 0,0-1 0,0 0 0,-1-1 0,1 1 0,1 1 0,-2-1 0,3 2 0,-11-1 0,6 2 0,-8-1 0,6 1 0,1-1 0,-1 0 0,0 0 0,0 1 0,1 0 0,0 0 0,-1-1 0,0 0 0,0 0 0</inkml:trace>
+</inkml:ink>
+</file>
+
+<file path=ppt/ink/ink16.xml><?xml version="1.0" encoding="utf-8"?>
+<inkml:ink xmlns:inkml="http://www.w3.org/2003/InkML">
+  <inkml:definitions>
+    <inkml:context xml:id="ctx0">
+      <inkml:inkSource xml:id="inkSrc0">
+        <inkml:traceFormat>
+          <inkml:channel name="X" type="integer" min="-2.14748E9" max="2.14748E9" units="cm"/>
+          <inkml:channel name="Y" type="integer" min="-2.14748E9" max="2.14748E9" units="cm"/>
+          <inkml:channel name="F" type="integer" max="32767" units="dev"/>
+        </inkml:traceFormat>
+        <inkml:channelProperties>
+          <inkml:channelProperty channel="X" name="resolution" value="1000" units="1/cm"/>
+          <inkml:channelProperty channel="Y" name="resolution" value="1000" units="1/cm"/>
+          <inkml:channelProperty channel="F" name="resolution" value="0" units="1/dev"/>
+        </inkml:channelProperties>
+      </inkml:inkSource>
+      <inkml:timestamp xml:id="ts0" timeString="2021-11-04T17:14:56.248"/>
+    </inkml:context>
+    <inkml:brush xml:id="br0">
+      <inkml:brushProperty name="width" value="0.1" units="cm"/>
+      <inkml:brushProperty name="height" value="0.1" units="cm"/>
+    </inkml:brush>
+  </inkml:definitions>
+  <inkml:trace contextRef="#ctx0" brushRef="#br0">1 0 24575,'0'0'0</inkml:trace>
+</inkml:ink>
+</file>
+
+<file path=ppt/ink/ink17.xml><?xml version="1.0" encoding="utf-8"?>
+<inkml:ink xmlns:inkml="http://www.w3.org/2003/InkML">
+  <inkml:definitions>
+    <inkml:context xml:id="ctx0">
+      <inkml:inkSource xml:id="inkSrc0">
+        <inkml:traceFormat>
+          <inkml:channel name="X" type="integer" min="-2.14748E9" max="2.14748E9" units="cm"/>
+          <inkml:channel name="Y" type="integer" min="-2.14748E9" max="2.14748E9" units="cm"/>
+          <inkml:channel name="F" type="integer" max="32767" units="dev"/>
+        </inkml:traceFormat>
+        <inkml:channelProperties>
+          <inkml:channelProperty channel="X" name="resolution" value="1000" units="1/cm"/>
+          <inkml:channelProperty channel="Y" name="resolution" value="1000" units="1/cm"/>
+          <inkml:channelProperty channel="F" name="resolution" value="0" units="1/dev"/>
+        </inkml:channelProperties>
+      </inkml:inkSource>
+      <inkml:timestamp xml:id="ts0" timeString="2021-11-04T17:14:56.249"/>
+    </inkml:context>
+    <inkml:brush xml:id="br0">
+      <inkml:brushProperty name="width" value="0.1" units="cm"/>
+      <inkml:brushProperty name="height" value="0.1" units="cm"/>
+    </inkml:brush>
+  </inkml:definitions>
+  <inkml:trace contextRef="#ctx0" brushRef="#br0">1 0 24575,'0'0'0</inkml:trace>
+</inkml:ink>
+</file>
+
+<file path=ppt/ink/ink18.xml><?xml version="1.0" encoding="utf-8"?>
+<inkml:ink xmlns:inkml="http://www.w3.org/2003/InkML">
+  <inkml:definitions>
+    <inkml:context xml:id="ctx0">
+      <inkml:inkSource xml:id="inkSrc0">
+        <inkml:traceFormat>
+          <inkml:channel name="X" type="integer" min="-2.14748E9" max="2.14748E9" units="cm"/>
+          <inkml:channel name="Y" type="integer" min="-2.14748E9" max="2.14748E9" units="cm"/>
+          <inkml:channel name="F" type="integer" max="32767" units="dev"/>
+        </inkml:traceFormat>
+        <inkml:channelProperties>
+          <inkml:channelProperty channel="X" name="resolution" value="1000" units="1/cm"/>
+          <inkml:channelProperty channel="Y" name="resolution" value="1000" units="1/cm"/>
+          <inkml:channelProperty channel="F" name="resolution" value="0" units="1/dev"/>
+        </inkml:channelProperties>
+      </inkml:inkSource>
+      <inkml:timestamp xml:id="ts0" timeString="2021-11-04T17:14:56.250"/>
+    </inkml:context>
+    <inkml:brush xml:id="br0">
+      <inkml:brushProperty name="width" value="0.1" units="cm"/>
+      <inkml:brushProperty name="height" value="0.1" units="cm"/>
+    </inkml:brush>
+  </inkml:definitions>
+  <inkml:trace contextRef="#ctx0" brushRef="#br0">0 0 24575,'0'0'0</inkml:trace>
+</inkml:ink>
+</file>
+
+<file path=ppt/ink/ink19.xml><?xml version="1.0" encoding="utf-8"?>
+<inkml:ink xmlns:inkml="http://www.w3.org/2003/InkML">
+  <inkml:definitions>
+    <inkml:context xml:id="ctx0">
+      <inkml:inkSource xml:id="inkSrc0">
+        <inkml:traceFormat>
+          <inkml:channel name="X" type="integer" min="-2.14748E9" max="2.14748E9" units="cm"/>
+          <inkml:channel name="Y" type="integer" min="-2.14748E9" max="2.14748E9" units="cm"/>
+          <inkml:channel name="F" type="integer" max="32767" units="dev"/>
+        </inkml:traceFormat>
+        <inkml:channelProperties>
+          <inkml:channelProperty channel="X" name="resolution" value="1000" units="1/cm"/>
+          <inkml:channelProperty channel="Y" name="resolution" value="1000" units="1/cm"/>
+          <inkml:channelProperty channel="F" name="resolution" value="0" units="1/dev"/>
+        </inkml:channelProperties>
+      </inkml:inkSource>
+      <inkml:timestamp xml:id="ts0" timeString="2021-11-04T17:14:56.251"/>
+    </inkml:context>
+    <inkml:brush xml:id="br0">
+      <inkml:brushProperty name="width" value="0.1" units="cm"/>
+      <inkml:brushProperty name="height" value="0.1" units="cm"/>
+    </inkml:brush>
+  </inkml:definitions>
+  <inkml:trace contextRef="#ctx0" brushRef="#br0">1 0 24575,'0'0'0</inkml:trace>
+</inkml:ink>
+</file>
+
+<file path=ppt/ink/ink2.xml><?xml version="1.0" encoding="utf-8"?>
+<inkml:ink xmlns:inkml="http://www.w3.org/2003/InkML">
+  <inkml:definitions>
+    <inkml:context xml:id="ctx0">
+      <inkml:inkSource xml:id="inkSrc0">
+        <inkml:traceFormat>
+          <inkml:channel name="X" type="integer" min="-2.14748E9" max="2.14748E9" units="cm"/>
+          <inkml:channel name="Y" type="integer" min="-2.14748E9" max="2.14748E9" units="cm"/>
+          <inkml:channel name="F" type="integer" max="32767" units="dev"/>
+        </inkml:traceFormat>
+        <inkml:channelProperties>
+          <inkml:channelProperty channel="X" name="resolution" value="1000" units="1/cm"/>
+          <inkml:channelProperty channel="Y" name="resolution" value="1000" units="1/cm"/>
+          <inkml:channelProperty channel="F" name="resolution" value="0" units="1/dev"/>
+        </inkml:channelProperties>
+      </inkml:inkSource>
+      <inkml:timestamp xml:id="ts0" timeString="2021-11-04T17:14:56.234"/>
+    </inkml:context>
+    <inkml:brush xml:id="br0">
+      <inkml:brushProperty name="width" value="0.025" units="cm"/>
+      <inkml:brushProperty name="height" value="0.025" units="cm"/>
+    </inkml:brush>
+  </inkml:definitions>
+  <inkml:trace contextRef="#ctx0" brushRef="#br0">78 1 24575,'-4'0'0,"0"0"0,-1 0 0,2 0 0,-2 0 0,2 0 0,-2 0 0,2 0 0,-1 0 0,1 0 0,0 0 0,0 0 0,0 0 0,0 0 0,0 0 0,0 0 0,0 0 0,0 0 0,0 0 0,0 0 0,0 0 0,2 1 0,-2 1 0,3 1 0,-2 0 0,2 0 0,0 0 0,0 0 0,0 0 0,0 0 0,0-1 0,2 0 0,-1-1 0,2 1 0,0-2 0,1 3 0,-1-3 0,0 2 0,0-1 0,0-1 0,0 3 0,0-3 0,0 3 0,0-2 0,0 1 0,1-1 0,-1 2 0,0-3 0,0 3 0,0-3 0,0 3 0,0-3 0,0 3 0,0-3 0,-2 3 0,2-3 0,-3 3 0,3-3 0,-3 2 0,3-1 0,-1 0 0,1-1 0,0 0 0,0 0 0,0 0 0,0 0 0,-2-1 0,2-1 0,-1-1 0,-1 0 0,1 0 0,-2 0 0,0 0 0,0 0 0,0 0 0,0 0 0,0 0 0,0 0 0,0 0 0,0 0 0,0 0 0,0 0 0,0 1 0,0-1 0,0 0 0,0 0 0,0 0 0,0 1 0,0 1 0</inkml:trace>
+</inkml:ink>
+</file>
+
+<file path=ppt/ink/ink20.xml><?xml version="1.0" encoding="utf-8"?>
+<inkml:ink xmlns:inkml="http://www.w3.org/2003/InkML">
+  <inkml:definitions>
+    <inkml:context xml:id="ctx0">
+      <inkml:inkSource xml:id="inkSrc0">
+        <inkml:traceFormat>
+          <inkml:channel name="X" type="integer" min="-2.14748E9" max="2.14748E9" units="cm"/>
+          <inkml:channel name="Y" type="integer" min="-2.14748E9" max="2.14748E9" units="cm"/>
+          <inkml:channel name="F" type="integer" max="32767" units="dev"/>
+        </inkml:traceFormat>
+        <inkml:channelProperties>
+          <inkml:channelProperty channel="X" name="resolution" value="1000" units="1/cm"/>
+          <inkml:channelProperty channel="Y" name="resolution" value="1000" units="1/cm"/>
+          <inkml:channelProperty channel="F" name="resolution" value="0" units="1/dev"/>
+        </inkml:channelProperties>
+      </inkml:inkSource>
+      <inkml:timestamp xml:id="ts0" timeString="2021-11-04T17:14:56.252"/>
+    </inkml:context>
+    <inkml:brush xml:id="br0">
+      <inkml:brushProperty name="width" value="0.1" units="cm"/>
+      <inkml:brushProperty name="height" value="0.1" units="cm"/>
+    </inkml:brush>
+  </inkml:definitions>
+  <inkml:trace contextRef="#ctx0" brushRef="#br0">1 1 24575,'0'0'0</inkml:trace>
+</inkml:ink>
+</file>
+
+<file path=ppt/ink/ink21.xml><?xml version="1.0" encoding="utf-8"?>
+<inkml:ink xmlns:inkml="http://www.w3.org/2003/InkML">
+  <inkml:definitions>
+    <inkml:context xml:id="ctx0">
+      <inkml:inkSource xml:id="inkSrc0">
+        <inkml:traceFormat>
+          <inkml:channel name="X" type="integer" min="-2.14748E9" max="2.14748E9" units="cm"/>
+          <inkml:channel name="Y" type="integer" min="-2.14748E9" max="2.14748E9" units="cm"/>
+          <inkml:channel name="F" type="integer" max="32767" units="dev"/>
+        </inkml:traceFormat>
+        <inkml:channelProperties>
+          <inkml:channelProperty channel="X" name="resolution" value="1000" units="1/cm"/>
+          <inkml:channelProperty channel="Y" name="resolution" value="1000" units="1/cm"/>
+          <inkml:channelProperty channel="F" name="resolution" value="0" units="1/dev"/>
+        </inkml:channelProperties>
+      </inkml:inkSource>
+      <inkml:timestamp xml:id="ts0" timeString="2021-11-04T17:14:56.253"/>
+    </inkml:context>
+    <inkml:brush xml:id="br0">
+      <inkml:brushProperty name="width" value="0.1" units="cm"/>
+      <inkml:brushProperty name="height" value="0.1" units="cm"/>
+    </inkml:brush>
+  </inkml:definitions>
+  <inkml:trace contextRef="#ctx0" brushRef="#br0">0 1 24575,'0'0'0</inkml:trace>
+</inkml:ink>
+</file>
+
+<file path=ppt/ink/ink22.xml><?xml version="1.0" encoding="utf-8"?>
+<inkml:ink xmlns:inkml="http://www.w3.org/2003/InkML">
+  <inkml:definitions>
+    <inkml:context xml:id="ctx0">
+      <inkml:inkSource xml:id="inkSrc0">
+        <inkml:traceFormat>
+          <inkml:channel name="X" type="integer" min="-2.14748E9" max="2.14748E9" units="cm"/>
+          <inkml:channel name="Y" type="integer" min="-2.14748E9" max="2.14748E9" units="cm"/>
+          <inkml:channel name="F" type="integer" max="32767" units="dev"/>
+        </inkml:traceFormat>
+        <inkml:channelProperties>
+          <inkml:channelProperty channel="X" name="resolution" value="1000" units="1/cm"/>
+          <inkml:channelProperty channel="Y" name="resolution" value="1000" units="1/cm"/>
+          <inkml:channelProperty channel="F" name="resolution" value="0" units="1/dev"/>
+        </inkml:channelProperties>
+      </inkml:inkSource>
+      <inkml:timestamp xml:id="ts0" timeString="2021-11-04T17:14:56.254"/>
+    </inkml:context>
+    <inkml:brush xml:id="br0">
+      <inkml:brushProperty name="width" value="0.1" units="cm"/>
+      <inkml:brushProperty name="height" value="0.1" units="cm"/>
+    </inkml:brush>
+  </inkml:definitions>
+  <inkml:trace contextRef="#ctx0" brushRef="#br0">0 0 24575,'0'0'0</inkml:trace>
+</inkml:ink>
+</file>
+
+<file path=ppt/ink/ink23.xml><?xml version="1.0" encoding="utf-8"?>
+<inkml:ink xmlns:inkml="http://www.w3.org/2003/InkML">
+  <inkml:definitions>
+    <inkml:context xml:id="ctx0">
+      <inkml:inkSource xml:id="inkSrc0">
+        <inkml:traceFormat>
+          <inkml:channel name="X" type="integer" min="-2.14748E9" max="2.14748E9" units="cm"/>
+          <inkml:channel name="Y" type="integer" min="-2.14748E9" max="2.14748E9" units="cm"/>
+          <inkml:channel name="F" type="integer" max="32767" units="dev"/>
+        </inkml:traceFormat>
+        <inkml:channelProperties>
+          <inkml:channelProperty channel="X" name="resolution" value="1000" units="1/cm"/>
+          <inkml:channelProperty channel="Y" name="resolution" value="1000" units="1/cm"/>
+          <inkml:channelProperty channel="F" name="resolution" value="0" units="1/dev"/>
+        </inkml:channelProperties>
+      </inkml:inkSource>
+      <inkml:timestamp xml:id="ts0" timeString="2021-11-04T17:14:56.255"/>
+    </inkml:context>
+    <inkml:brush xml:id="br0">
+      <inkml:brushProperty name="width" value="0.1" units="cm"/>
+      <inkml:brushProperty name="height" value="0.1" units="cm"/>
+    </inkml:brush>
+  </inkml:definitions>
+  <inkml:trace contextRef="#ctx0" brushRef="#br0">1 0 24575,'0'0'0</inkml:trace>
+</inkml:ink>
+</file>
+
+<file path=ppt/ink/ink24.xml><?xml version="1.0" encoding="utf-8"?>
+<inkml:ink xmlns:inkml="http://www.w3.org/2003/InkML">
+  <inkml:definitions>
+    <inkml:context xml:id="ctx0">
+      <inkml:inkSource xml:id="inkSrc0">
+        <inkml:traceFormat>
+          <inkml:channel name="X" type="integer" min="-2.14748E9" max="2.14748E9" units="cm"/>
+          <inkml:channel name="Y" type="integer" min="-2.14748E9" max="2.14748E9" units="cm"/>
+          <inkml:channel name="F" type="integer" max="32767" units="dev"/>
+        </inkml:traceFormat>
+        <inkml:channelProperties>
+          <inkml:channelProperty channel="X" name="resolution" value="1000" units="1/cm"/>
+          <inkml:channelProperty channel="Y" name="resolution" value="1000" units="1/cm"/>
+          <inkml:channelProperty channel="F" name="resolution" value="0" units="1/dev"/>
+        </inkml:channelProperties>
+      </inkml:inkSource>
+      <inkml:timestamp xml:id="ts0" timeString="2021-11-04T17:14:56.256"/>
+    </inkml:context>
+    <inkml:brush xml:id="br0">
+      <inkml:brushProperty name="width" value="0.1" units="cm"/>
+      <inkml:brushProperty name="height" value="0.1" units="cm"/>
+    </inkml:brush>
+  </inkml:definitions>
+  <inkml:trace contextRef="#ctx0" brushRef="#br0">0 1 24575,'7'3'0,"-1"-1"0,-4 0 0,0-2 0,0 3 0,0-2 0,1 2 0,0-3 0,-1 2 0,0-1 0,0 0 0,0 1 0,0 0 0,1-1 0,-1 1 0,0-1 0,0 0 0,1 1 0,-1-1 0,0 2 0,-1-1 0,1 0 0,0-1 0,1 1 0,0-2 0,-1 2 0,0-1 0,1 1 0,-1 0 0,0 0 0,0-1 0,0 0 0,1 1 0,-1-1 0,0 0 0,0 1 0,0 0 0,0 0 0,1-1 0,-1 1 0,0-1 0,0 1 0</inkml:trace>
+</inkml:ink>
+</file>
+
+<file path=ppt/ink/ink25.xml><?xml version="1.0" encoding="utf-8"?>
+<inkml:ink xmlns:inkml="http://www.w3.org/2003/InkML">
+  <inkml:definitions>
+    <inkml:context xml:id="ctx0">
+      <inkml:inkSource xml:id="inkSrc0">
+        <inkml:traceFormat>
+          <inkml:channel name="X" type="integer" min="-2.14748E9" max="2.14748E9" units="cm"/>
+          <inkml:channel name="Y" type="integer" min="-2.14748E9" max="2.14748E9" units="cm"/>
+          <inkml:channel name="F" type="integer" max="32767" units="dev"/>
+        </inkml:traceFormat>
+        <inkml:channelProperties>
+          <inkml:channelProperty channel="X" name="resolution" value="1000" units="1/cm"/>
+          <inkml:channelProperty channel="Y" name="resolution" value="1000" units="1/cm"/>
+          <inkml:channelProperty channel="F" name="resolution" value="0" units="1/dev"/>
+        </inkml:channelProperties>
+      </inkml:inkSource>
+      <inkml:timestamp xml:id="ts0" timeString="2021-11-04T17:14:56.257"/>
+    </inkml:context>
+    <inkml:brush xml:id="br0">
+      <inkml:brushProperty name="width" value="0.35" units="cm"/>
+      <inkml:brushProperty name="height" value="0.35" units="cm"/>
+    </inkml:brush>
+  </inkml:definitions>
+  <inkml:trace contextRef="#ctx0" brushRef="#br0">0 1 24575,'0'0'0</inkml:trace>
+</inkml:ink>
+</file>
+
+<file path=ppt/ink/ink26.xml><?xml version="1.0" encoding="utf-8"?>
+<inkml:ink xmlns:inkml="http://www.w3.org/2003/InkML">
+  <inkml:definitions>
+    <inkml:context xml:id="ctx0">
+      <inkml:inkSource xml:id="inkSrc0">
+        <inkml:traceFormat>
+          <inkml:channel name="X" type="integer" min="-2.14748E9" max="2.14748E9" units="cm"/>
+          <inkml:channel name="Y" type="integer" min="-2.14748E9" max="2.14748E9" units="cm"/>
+          <inkml:channel name="F" type="integer" max="32767" units="dev"/>
+        </inkml:traceFormat>
+        <inkml:channelProperties>
+          <inkml:channelProperty channel="X" name="resolution" value="1000" units="1/cm"/>
+          <inkml:channelProperty channel="Y" name="resolution" value="1000" units="1/cm"/>
+          <inkml:channelProperty channel="F" name="resolution" value="0" units="1/dev"/>
+        </inkml:channelProperties>
+      </inkml:inkSource>
+      <inkml:timestamp xml:id="ts0" timeString="2021-11-04T17:14:56.258"/>
+    </inkml:context>
+    <inkml:brush xml:id="br0">
+      <inkml:brushProperty name="width" value="0.35" units="cm"/>
+      <inkml:brushProperty name="height" value="0.35" units="cm"/>
+    </inkml:brush>
+  </inkml:definitions>
+  <inkml:trace contextRef="#ctx0" brushRef="#br0">1 1 24575,'0'0'0</inkml:trace>
+</inkml:ink>
+</file>
+
+<file path=ppt/ink/ink27.xml><?xml version="1.0" encoding="utf-8"?>
+<inkml:ink xmlns:inkml="http://www.w3.org/2003/InkML">
+  <inkml:definitions>
+    <inkml:context xml:id="ctx0">
+      <inkml:inkSource xml:id="inkSrc0">
+        <inkml:traceFormat>
+          <inkml:channel name="X" type="integer" min="-2.14748E9" max="2.14748E9" units="cm"/>
+          <inkml:channel name="Y" type="integer" min="-2.14748E9" max="2.14748E9" units="cm"/>
+          <inkml:channel name="F" type="integer" max="32767" units="dev"/>
+        </inkml:traceFormat>
+        <inkml:channelProperties>
+          <inkml:channelProperty channel="X" name="resolution" value="1000" units="1/cm"/>
+          <inkml:channelProperty channel="Y" name="resolution" value="1000" units="1/cm"/>
+          <inkml:channelProperty channel="F" name="resolution" value="0" units="1/dev"/>
+        </inkml:channelProperties>
+      </inkml:inkSource>
+      <inkml:timestamp xml:id="ts0" timeString="2021-11-04T17:14:56.259"/>
+    </inkml:context>
+    <inkml:brush xml:id="br0">
+      <inkml:brushProperty name="width" value="0.35" units="cm"/>
+      <inkml:brushProperty name="height" value="0.35" units="cm"/>
+    </inkml:brush>
+  </inkml:definitions>
+  <inkml:trace contextRef="#ctx0" brushRef="#br0">0 1 24575,'0'0'0</inkml:trace>
+</inkml:ink>
+</file>
+
+<file path=ppt/ink/ink28.xml><?xml version="1.0" encoding="utf-8"?>
+<inkml:ink xmlns:inkml="http://www.w3.org/2003/InkML">
+  <inkml:definitions>
+    <inkml:context xml:id="ctx0">
+      <inkml:inkSource xml:id="inkSrc0">
+        <inkml:traceFormat>
+          <inkml:channel name="X" type="integer" min="-2.14748E9" max="2.14748E9" units="cm"/>
+          <inkml:channel name="Y" type="integer" min="-2.14748E9" max="2.14748E9" units="cm"/>
+          <inkml:channel name="F" type="integer" max="32767" units="dev"/>
+        </inkml:traceFormat>
+        <inkml:channelProperties>
+          <inkml:channelProperty channel="X" name="resolution" value="1000" units="1/cm"/>
+          <inkml:channelProperty channel="Y" name="resolution" value="1000" units="1/cm"/>
+          <inkml:channelProperty channel="F" name="resolution" value="0" units="1/dev"/>
+        </inkml:channelProperties>
+      </inkml:inkSource>
+      <inkml:timestamp xml:id="ts0" timeString="2021-11-04T17:14:56.260"/>
+    </inkml:context>
+    <inkml:brush xml:id="br0">
+      <inkml:brushProperty name="width" value="0.35" units="cm"/>
+      <inkml:brushProperty name="height" value="0.35" units="cm"/>
+    </inkml:brush>
+  </inkml:definitions>
+  <inkml:trace contextRef="#ctx0" brushRef="#br0">1 1 24575,'0'0'0</inkml:trace>
+</inkml:ink>
+</file>
+
+<file path=ppt/ink/ink29.xml><?xml version="1.0" encoding="utf-8"?>
+<inkml:ink xmlns:inkml="http://www.w3.org/2003/InkML">
+  <inkml:definitions>
+    <inkml:context xml:id="ctx0">
+      <inkml:inkSource xml:id="inkSrc0">
+        <inkml:traceFormat>
+          <inkml:channel name="X" type="integer" min="-2.14748E9" max="2.14748E9" units="cm"/>
+          <inkml:channel name="Y" type="integer" min="-2.14748E9" max="2.14748E9" units="cm"/>
+          <inkml:channel name="F" type="integer" max="32767" units="dev"/>
+        </inkml:traceFormat>
+        <inkml:channelProperties>
+          <inkml:channelProperty channel="X" name="resolution" value="1000" units="1/cm"/>
+          <inkml:channelProperty channel="Y" name="resolution" value="1000" units="1/cm"/>
+          <inkml:channelProperty channel="F" name="resolution" value="0" units="1/dev"/>
+        </inkml:channelProperties>
+      </inkml:inkSource>
+      <inkml:timestamp xml:id="ts0" timeString="2021-11-04T17:14:56.261"/>
+    </inkml:context>
+    <inkml:brush xml:id="br0">
+      <inkml:brushProperty name="width" value="0.35" units="cm"/>
+      <inkml:brushProperty name="height" value="0.35" units="cm"/>
+    </inkml:brush>
+  </inkml:definitions>
+  <inkml:trace contextRef="#ctx0" brushRef="#br0">0 1 24575,'0'0'0</inkml:trace>
+</inkml:ink>
+</file>
+
+<file path=ppt/ink/ink3.xml><?xml version="1.0" encoding="utf-8"?>
+<inkml:ink xmlns:inkml="http://www.w3.org/2003/InkML">
+  <inkml:definitions>
+    <inkml:context xml:id="ctx0">
+      <inkml:inkSource xml:id="inkSrc0">
+        <inkml:traceFormat>
+          <inkml:channel name="X" type="integer" min="-2.14748E9" max="2.14748E9" units="cm"/>
+          <inkml:channel name="Y" type="integer" min="-2.14748E9" max="2.14748E9" units="cm"/>
+          <inkml:channel name="F" type="integer" max="32767" units="dev"/>
+        </inkml:traceFormat>
+        <inkml:channelProperties>
+          <inkml:channelProperty channel="X" name="resolution" value="1000" units="1/cm"/>
+          <inkml:channelProperty channel="Y" name="resolution" value="1000" units="1/cm"/>
+          <inkml:channelProperty channel="F" name="resolution" value="0" units="1/dev"/>
+        </inkml:channelProperties>
+      </inkml:inkSource>
+      <inkml:timestamp xml:id="ts0" timeString="2021-11-04T17:14:56.235"/>
+    </inkml:context>
+    <inkml:brush xml:id="br0">
+      <inkml:brushProperty name="width" value="0.025" units="cm"/>
+      <inkml:brushProperty name="height" value="0.025" units="cm"/>
+    </inkml:brush>
+  </inkml:definitions>
+  <inkml:trace contextRef="#ctx0" brushRef="#br0">42 39 24575,'-2'-1'0,"0"0"0,0 0 0,-1 1 0,0 0 0,0 0 0,0 0 0,2 1 0,-1 1 0,2 1 0,0 0 0,0 0 0,2-1 0,-2 0 0,1 0 0,-1 1 0,0 0 0,-1-1 0,-1-1 0,-1-1 0,0 0 0,0 0 0,0 0 0,0 0 0,0 0 0,2 1 0,-1 1 0,2 1 0,0 0 0,0 0 0,0 0 0,0 0 0,0 0 0,0 0 0,0 0 0,0 0 0,0 0 0,2-2 0,-1 0 0,2-1 0,0 0 0,1 0 0,-1 0 0,0 0 0,0 0 0,0 0 0,0 2 0,0-2 0,-2 3 0,2-3 0,-1 3 0,1-2 0,-2 3 0,2-2 0,-3 2 0,3-1 0,-3 0 0,3 0 0,-3 0 0,2 0 0,-1 0 0,0 0 0,0 0 0,1 2 0,-2-1 0,1 1 0,-1-2 0,0 0 0,0 0 0,0 0 0,2 0 0,-2 0 0,2 0 0,-2 1 0,0-1 0,0 0 0,0 0 0,0 0 0,0 0 0,0 0 0,0 0 0,0 0 0,0 0 0,0 0 0,0 0 0,1-1 0,-1 0 0,3-1 0,-1 2 0,1-3 0,0 2 0,0-1 0,0 0 0,0 1 0,0-2 0,0 1 0,0 1 0,0-2 0,0 1 0,0-1 0,1 0 0,-1 0 0,0 0 0,0 0 0,0 0 0,0 0 0,0 0 0,0 0 0,1 0 0,-1 0 0,0 0 0,0 0 0,0 0 0,0-1 0,0-1 0,0 1 0,-1-2 0,0 3 0,-1-3 0,0 1 0,-1-1 0,0 0 0,0 0 0,0 0 0,0 1 0,0-1 0,0 0 0,0 0 0,-1 0 0,-1 0 0,-1 0 0,0 0 0,0 0 0,0 0 0,0 0 0,2 0 0,-2 0 0,3 0 0,-3 0 0,1 0 0,-1 0 0,2 0 0,-2-1 0,1 1 0,0 0 0,0 0 0,1 0 0,-1 1 0,1 0 0,0 0 0,-1-1 0,2 0 0,-1 0 0,-1-1 0,2 1 0,-1 0 0,-1 1 0,2-2 0,-2 2 0,1-4 0,1 1 0,-2 0 0,1 0 0,1 1 0,-3 0 0,1-3 0,0 3 0,0-4 0,1 4 0,-1-3 0,0 3 0,-1-2 0,0 4 0,-2-3 0,2 3 0,-4-3 0,4 2 0,-4 0 0,5 0 0,-4 0 0,4 0 0,-3 0 0,3 1 0,-2 1 0,1 1 0,0 0 0,1 1 0,1 1 0,1 1 0,0 0 0,0 0 0,0 0 0,0 0 0,0 0 0,0 0 0,0 0 0,0 0 0,0 0 0,0 0 0,0 0 0,0-1 0,0-1 0</inkml:trace>
+</inkml:ink>
+</file>
+
+<file path=ppt/ink/ink30.xml><?xml version="1.0" encoding="utf-8"?>
+<inkml:ink xmlns:inkml="http://www.w3.org/2003/InkML">
+  <inkml:definitions>
+    <inkml:context xml:id="ctx0">
+      <inkml:inkSource xml:id="inkSrc0">
+        <inkml:traceFormat>
+          <inkml:channel name="X" type="integer" min="-2.14748E9" max="2.14748E9" units="cm"/>
+          <inkml:channel name="Y" type="integer" min="-2.14748E9" max="2.14748E9" units="cm"/>
+          <inkml:channel name="F" type="integer" max="32767" units="dev"/>
+        </inkml:traceFormat>
+        <inkml:channelProperties>
+          <inkml:channelProperty channel="X" name="resolution" value="1000" units="1/cm"/>
+          <inkml:channelProperty channel="Y" name="resolution" value="1000" units="1/cm"/>
+          <inkml:channelProperty channel="F" name="resolution" value="0" units="1/dev"/>
+        </inkml:channelProperties>
+      </inkml:inkSource>
+      <inkml:timestamp xml:id="ts0" timeString="2021-11-04T17:14:56.262"/>
+    </inkml:context>
+    <inkml:brush xml:id="br0">
+      <inkml:brushProperty name="width" value="0.35" units="cm"/>
+      <inkml:brushProperty name="height" value="0.35" units="cm"/>
+    </inkml:brush>
+  </inkml:definitions>
+  <inkml:trace contextRef="#ctx0" brushRef="#br0">1 1 24575,'0'0'0</inkml:trace>
+</inkml:ink>
+</file>
+
+<file path=ppt/ink/ink31.xml><?xml version="1.0" encoding="utf-8"?>
+<inkml:ink xmlns:inkml="http://www.w3.org/2003/InkML">
+  <inkml:definitions>
+    <inkml:context xml:id="ctx0">
+      <inkml:inkSource xml:id="inkSrc0">
+        <inkml:traceFormat>
+          <inkml:channel name="X" type="integer" min="-2.14748E9" max="2.14748E9" units="cm"/>
+          <inkml:channel name="Y" type="integer" min="-2.14748E9" max="2.14748E9" units="cm"/>
+          <inkml:channel name="F" type="integer" max="32767" units="dev"/>
+        </inkml:traceFormat>
+        <inkml:channelProperties>
+          <inkml:channelProperty channel="X" name="resolution" value="1000" units="1/cm"/>
+          <inkml:channelProperty channel="Y" name="resolution" value="1000" units="1/cm"/>
+          <inkml:channelProperty channel="F" name="resolution" value="0" units="1/dev"/>
+        </inkml:channelProperties>
+      </inkml:inkSource>
+      <inkml:timestamp xml:id="ts0" timeString="2021-11-04T17:14:56.263"/>
+    </inkml:context>
+    <inkml:brush xml:id="br0">
+      <inkml:brushProperty name="width" value="0.35" units="cm"/>
+      <inkml:brushProperty name="height" value="0.35" units="cm"/>
+    </inkml:brush>
+  </inkml:definitions>
+  <inkml:trace contextRef="#ctx0" brushRef="#br0">0 0 24575,'0'0'0</inkml:trace>
+</inkml:ink>
+</file>
+
+<file path=ppt/ink/ink32.xml><?xml version="1.0" encoding="utf-8"?>
+<inkml:ink xmlns:inkml="http://www.w3.org/2003/InkML">
+  <inkml:definitions>
+    <inkml:context xml:id="ctx0">
+      <inkml:inkSource xml:id="inkSrc0">
+        <inkml:traceFormat>
+          <inkml:channel name="X" type="integer" min="-2.14748E9" max="2.14748E9" units="cm"/>
+          <inkml:channel name="Y" type="integer" min="-2.14748E9" max="2.14748E9" units="cm"/>
+          <inkml:channel name="F" type="integer" max="32767" units="dev"/>
+        </inkml:traceFormat>
+        <inkml:channelProperties>
+          <inkml:channelProperty channel="X" name="resolution" value="1000" units="1/cm"/>
+          <inkml:channelProperty channel="Y" name="resolution" value="1000" units="1/cm"/>
+          <inkml:channelProperty channel="F" name="resolution" value="0" units="1/dev"/>
+        </inkml:channelProperties>
+      </inkml:inkSource>
+      <inkml:timestamp xml:id="ts0" timeString="2021-11-04T17:14:56.264"/>
+    </inkml:context>
+    <inkml:brush xml:id="br0">
+      <inkml:brushProperty name="width" value="0.35" units="cm"/>
+      <inkml:brushProperty name="height" value="0.35" units="cm"/>
+    </inkml:brush>
+  </inkml:definitions>
+  <inkml:trace contextRef="#ctx0" brushRef="#br0">1 0 24575,'0'0'0</inkml:trace>
+</inkml:ink>
+</file>
+
+<file path=ppt/ink/ink33.xml><?xml version="1.0" encoding="utf-8"?>
+<inkml:ink xmlns:inkml="http://www.w3.org/2003/InkML">
+  <inkml:definitions>
+    <inkml:context xml:id="ctx0">
+      <inkml:inkSource xml:id="inkSrc0">
+        <inkml:traceFormat>
+          <inkml:channel name="X" type="integer" min="-2.14748E9" max="2.14748E9" units="cm"/>
+          <inkml:channel name="Y" type="integer" min="-2.14748E9" max="2.14748E9" units="cm"/>
+          <inkml:channel name="F" type="integer" max="32767" units="dev"/>
+        </inkml:traceFormat>
+        <inkml:channelProperties>
+          <inkml:channelProperty channel="X" name="resolution" value="1000" units="1/cm"/>
+          <inkml:channelProperty channel="Y" name="resolution" value="1000" units="1/cm"/>
+          <inkml:channelProperty channel="F" name="resolution" value="0" units="1/dev"/>
+        </inkml:channelProperties>
+      </inkml:inkSource>
+      <inkml:timestamp xml:id="ts0" timeString="2021-11-04T17:14:56.265"/>
+    </inkml:context>
+    <inkml:brush xml:id="br0">
+      <inkml:brushProperty name="width" value="0.35" units="cm"/>
+      <inkml:brushProperty name="height" value="0.35" units="cm"/>
+    </inkml:brush>
+  </inkml:definitions>
+  <inkml:trace contextRef="#ctx0" brushRef="#br0">0 1 24575,'0'0'0</inkml:trace>
+</inkml:ink>
+</file>
+
+<file path=ppt/ink/ink34.xml><?xml version="1.0" encoding="utf-8"?>
+<inkml:ink xmlns:inkml="http://www.w3.org/2003/InkML">
+  <inkml:definitions>
+    <inkml:context xml:id="ctx0">
+      <inkml:inkSource xml:id="inkSrc0">
+        <inkml:traceFormat>
+          <inkml:channel name="X" type="integer" min="-2.14748E9" max="2.14748E9" units="cm"/>
+          <inkml:channel name="Y" type="integer" min="-2.14748E9" max="2.14748E9" units="cm"/>
+          <inkml:channel name="F" type="integer" max="32767" units="dev"/>
+        </inkml:traceFormat>
+        <inkml:channelProperties>
+          <inkml:channelProperty channel="X" name="resolution" value="1000" units="1/cm"/>
+          <inkml:channelProperty channel="Y" name="resolution" value="1000" units="1/cm"/>
+          <inkml:channelProperty channel="F" name="resolution" value="0" units="1/dev"/>
+        </inkml:channelProperties>
+      </inkml:inkSource>
+      <inkml:timestamp xml:id="ts0" timeString="2021-11-04T17:14:56.266"/>
+    </inkml:context>
+    <inkml:brush xml:id="br0">
+      <inkml:brushProperty name="width" value="0.025" units="cm"/>
+      <inkml:brushProperty name="height" value="0.025" units="cm"/>
+    </inkml:brush>
+  </inkml:definitions>
+  <inkml:trace contextRef="#ctx0" brushRef="#br0">180 31 24575,'-7'0'0,"3"0"0,-4 0 0,5 0 0,0 0 0,0 0 0,-2 0 0,1 0 0,-1 0 0,2 0 0,0 0 0,0 0 0,0 0 0,0 0 0,0 0 0,0 0 0,0 0 0,0 0 0,0 0 0,0 0 0,0 0 0,0 0 0,0 0 0,0 0 0,0 0 0,0 0 0,2-2 0,-2 2 0,3-3 0,-3 1 0,2 1 0,-1-2 0,-1 3 0,2-3 0,-2 3 0,0-3 0,0 3 0,1-3 0,-1 3 0,3-3 0,-3 3 0,2-3 0,-2 2 0,0-1 0,0 1 0,0 1 0,0 0 0,0 0 0,0 0 0,0 0 0,0 0 0,0 0 0,0 0 0,0 0 0,0 0 0,0 0 0,0 0 0,0 0 0,1 1 0,1 1 0,-1-1 0,2 2 0,-1-1 0,1 1 0,0-1 0,0 1 0,0 0 0,0 0 0,0 0 0,1-1 0,1 0 0,1-1 0,-2 2 0,2-3 0,-1 1 0,1-1 0,0 0 0,-2 2 0,2-2 0,-1 1 0,1-1 0,0 0 0,-1 2 0,1-2 0,-2 2 0,2-2 0,-1 1 0,1-1 0,-1 2 0,1-2 0,-1 1 0,0-1 0,0 2 0,1-1 0,0-1 0,0 2 0,0-2 0,-1 1 0,1 0 0,-1 0 0,1-1 0,0 0 0,0 0 0,-2 1 0,2 0 0,-1 0 0,1-1 0,0 0 0,0 0 0,0 0 0,1 0 0,-1 0 0,0 0 0,0 0 0,0 0 0,0 1 0,0 0 0,0 0 0,0-1 0,0 0 0,0 0 0,0 0 0,0 0 0,0 0 0,1 0 0,-1 0 0,0 0 0,0 0 0,0 0 0,0 0 0,0 0 0,0 0 0,0 0 0,0 0 0,0 0 0,0 0 0,-1-1 0,1 0 0,-2 0 0,1 1 0,-1 0 0</inkml:trace>
+</inkml:ink>
+</file>
+
+<file path=ppt/ink/ink35.xml><?xml version="1.0" encoding="utf-8"?>
+<inkml:ink xmlns:inkml="http://www.w3.org/2003/InkML">
+  <inkml:definitions>
+    <inkml:context xml:id="ctx0">
+      <inkml:inkSource xml:id="inkSrc0">
+        <inkml:traceFormat>
+          <inkml:channel name="X" type="integer" min="-2.14748E9" max="2.14748E9" units="cm"/>
+          <inkml:channel name="Y" type="integer" min="-2.14748E9" max="2.14748E9" units="cm"/>
+          <inkml:channel name="F" type="integer" max="32767" units="dev"/>
+        </inkml:traceFormat>
+        <inkml:channelProperties>
+          <inkml:channelProperty channel="X" name="resolution" value="1000" units="1/cm"/>
+          <inkml:channelProperty channel="Y" name="resolution" value="1000" units="1/cm"/>
+          <inkml:channelProperty channel="F" name="resolution" value="0" units="1/dev"/>
+        </inkml:channelProperties>
+      </inkml:inkSource>
+      <inkml:timestamp xml:id="ts0" timeString="2021-11-04T17:14:56.267"/>
+    </inkml:context>
+    <inkml:brush xml:id="br0">
+      <inkml:brushProperty name="width" value="0.025" units="cm"/>
+      <inkml:brushProperty name="height" value="0.025" units="cm"/>
+    </inkml:brush>
+  </inkml:definitions>
+  <inkml:trace contextRef="#ctx0" brushRef="#br0">133 28 24575,'-3'0'0,"-2"0"0,2 0 0,-1 0 0,0 0 0,0 0 0,1 0 0,-2 0 0,2 0 0,0 0 0,0 0 0,0-1 0,0 0 0,2-1 0,-2 1 0,1 0 0,0 0 0,0 0 0,0 0 0,1-1 0,-2 2 0,3-3 0,-3 3 0,2-3 0,-1 3 0,0-3 0,-1 3 0,1-3 0,0 3 0,0-2 0,-1 2 0,0-1 0,0 1 0,0-2 0,0 2 0,0 0 0,0 0 0,0 0 0,0 0 0,0 0 0,0 0 0,0 0 0,0 0 0,0 0 0,1 0 0,0 2 0,1 0 0,-1 1 0,2 0 0,-1 0 0,-1-2 0,2 2 0,-2-1 0,2 0 0,0 1 0,0 0 0,2-1 0,-1-1 0,2-1 0,1 0 0,-1 0 0,0 0 0,0 0 0,0 0 0,0 0 0,0 0 0,0 0 0,0 0 0,0 0 0,1 0 0,-1 0 0,0 0 0,0 0 0,0 0 0,0 0 0,0 0 0,0 0 0,0 0 0,0 0 0,0 0 0,0 0 0,0 0 0,0 0 0,0 0 0,0 0 0,0 0 0,0 0 0,0 2 0,0-2 0,0 1 0,0-1 0,0 0 0,0 0 0,1 0 0,-1 0 0,0 0 0,0 0 0,0 0 0,-1 2 0,1-2 0,-2 1 0,2-1 0,1 0 0,-1 0 0,0 0 0,0 0 0,0 0 0,-2 2 0,2-2 0,-1 2 0,-1-1 0,1-1 0,-2 1 0</inkml:trace>
+</inkml:ink>
+</file>
+
+<file path=ppt/ink/ink36.xml><?xml version="1.0" encoding="utf-8"?>
+<inkml:ink xmlns:inkml="http://www.w3.org/2003/InkML">
+  <inkml:definitions>
+    <inkml:context xml:id="ctx0">
+      <inkml:inkSource xml:id="inkSrc0">
+        <inkml:traceFormat>
+          <inkml:channel name="X" type="integer" min="-2.14748E9" max="2.14748E9" units="cm"/>
+          <inkml:channel name="Y" type="integer" min="-2.14748E9" max="2.14748E9" units="cm"/>
+          <inkml:channel name="F" type="integer" max="32767" units="dev"/>
+        </inkml:traceFormat>
+        <inkml:channelProperties>
+          <inkml:channelProperty channel="X" name="resolution" value="1000" units="1/cm"/>
+          <inkml:channelProperty channel="Y" name="resolution" value="1000" units="1/cm"/>
+          <inkml:channelProperty channel="F" name="resolution" value="0" units="1/dev"/>
+        </inkml:channelProperties>
+      </inkml:inkSource>
+      <inkml:timestamp xml:id="ts0" timeString="2021-11-04T17:14:56.268"/>
+    </inkml:context>
+    <inkml:brush xml:id="br0">
+      <inkml:brushProperty name="width" value="0.1" units="cm"/>
+      <inkml:brushProperty name="height" value="0.1" units="cm"/>
+    </inkml:brush>
+  </inkml:definitions>
+  <inkml:trace contextRef="#ctx0" brushRef="#br0">393 209 24575,'-10'0'0,"1"0"0,3 0 0,0 0 0,0 0 0,2 0 0,-1 0 0,1 0 0,-4 0 0,2 0 0,1 1 0,0-1 0,1 3 0,1-3 0,-5 4 0,6-4 0,-4 2 0,4-2 0,-1 2 0,0-2 0,1 2 0,0 0 0,-1 1 0,0-2 0,-1 3 0,0-2 0,-3 4 0,3-3 0,-4 5 0,3-5 0,-5 5 0,4-4 0,-6 8 0,4-5 0,-8 10 0,7-9 0,-6 7 0,9-10 0,-5 7 0,8-7 0,-7 5 0,6-7 0,-6 6 0,7-6 0,-2 3 0,3-4 0,-1 3 0,0-4 0,0 4 0,1-3 0,0 0 0,0 0 0,1 0 0,-1 0 0,0 1 0,-1-2 0,1 3 0,0-2 0,0 0 0,-1 0 0,1 1 0,0-1 0,-1 1 0,1 0 0,-2 1 0,2-1 0,-2 0 0,2 0 0,-1 1 0,0-1 0,0 1 0,0-1 0,0 2 0,1-3 0,-1 2 0,1-1 0,0 0 0,0 0 0,0 0 0,1-1 0,0 0 0,-1 0 0,2 1 0,-2-1 0,0 1 0,1 0 0,-1 0 0,2-1 0,-2 1 0,2 0 0,-3-2 0,2 3 0,0-2 0,0 1 0,1 0 0,0 0 0,0 0 0,0-1 0,-1 0 0,1 2 0,-1-2 0,1 1 0,0 0 0,-2 0 0,0-2 0,0 2 0,0-2 0,0 1 0,1 1 0,-1-1 0,2 1 0,0-1 0,0 1 0,0 1 0,1-2 0,0 1 0,1-1 0,-1 1 0,1-1 0,-1 0 0,1 0 0,-1 1 0,0-1 0,1 1 0,-2-1 0,2 1 0,-1 0 0,-1 0 0,0-1 0,0 1 0,2-1 0,-2 1 0,2 0 0,-2 0 0,2-1 0,-2 1 0,2 0 0,-1-1 0,0 1 0,-1 0 0,0 0 0,0-1 0,0 1 0,0 0 0,0 0 0,0 0 0,0 0 0,0-1 0,0 1 0,0 0 0,-5-4 0,4 1 0,-5-3 0,6 1 0,-2 1 0,0-2 0,1 1 0,0-3 0,1 3 0,0-1 0,0-1 0,0 2 0,0-1 0,0 0 0,0 1 0,0-1 0,0-1 0,0 0 0,0 1 0,0 1 0,0-1 0,0 0 0,0 1 0,0-1 0,0 0 0,0 0 0,0 1 0,0-1 0,0 0 0,0 0 0,0 0 0,1 0 0,-1 1 0,2-2 0,-2 2 0,1 0 0,-1-1 0,0 0 0,1 0 0,0 1 0,0-1 0,0 0 0,-1 1 0,1-2 0,-1 2 0,0 0 0,1-1 0,0 0 0,0 0 0,0 1 0,0-1 0,-1 0 0,2 0 0,-1 0 0,1 1 0,-2-1 0,2 0 0,-2 0 0,2 0 0,-2 1 0,2 0 0,0-2 0,-1 2 0,1 0 0,-1 0 0,1 1 0,1-2 0,-1 2 0,0-1 0,0 1 0,1-1 0,-1-1 0,0 2 0,0-1 0,1 1 0,-1 0 0,0-1 0,0 0 0,1 0 0,-2 0 0,2 0 0,-2-1 0,3 2 0,-2-1 0,0 1 0,0-1 0,1 0 0,-1-1 0,0 2 0,1-2 0,-1 0 0,-1 1 0,2 0 0,-2 0 0,3 0 0,-2 0 0,0 1 0,1 0 0,-1-1 0,0 1 0,-1-2 0,2 1 0,-1 1 0,0-1 0,1 1 0,-2-2 0,2 2 0,0-1 0,-2 1 0,2 0 0,-2-1 0,2 2 0,0-2 0,-1 1 0,0-1 0,0 1 0,0 0 0,1-1 0,0 2 0,-2-2 0,3 2 0,-2-3 0,1 3 0,-1-2 0,0 2 0,1-2 0,0 2 0,-2-2 0,3 0 0,-2 1 0,1-1 0,-1 2 0,0-1 0,2 0 0,-3 0 0,2-1 0,-1 1 0,1 0 0,0 1 0,-1-1 0,0 0 0,1 1 0,0-1 0,0 1 0,-1-1 0,1 1 0,-1-1 0,-8 3 0,4-1 0,-8 3 0,10-2 0,-2 0 0,2 1 0,-2-1 0,1 2 0,0-3 0,1 3 0,0-1 0,0-1 0,0 1 0,4-2 0,-2 0 0,3-1 0,-2 0 0,-1 0 0,1 0 0,0-1 0,0 1 0,-1-1 0,1 0 0,0 1 0,0-1 0,-1 0 0,0 1 0,2-2 0,-2 1 0,1 0 0,0 0 0,-1 1 0,1-1 0,0 0 0,0 1 0,-1-2 0,0 2 0,2-1 0,-2 1 0,1-1 0,0 0 0,-1 0 0,1 1 0,0 0 0,0 0 0,-1 0 0,1 0 0,0 0 0,-1 0 0,1 0 0,0-1 0,-1 1 0,1-1 0,-1 1 0,2 0 0,-1 0 0,-1 0 0,1 0 0,0 0 0,0 0 0,0 0 0,0 0 0,-1 0 0,1 0 0,0 0 0,0 1 0,0-1 0,-1 2 0,0-1 0,1 1 0,-1-1 0,0 0 0,1 0 0,-1 0 0,2 0 0,-2 1 0,-1 0 0,1 1 0,-1-1 0,0 1 0,1-2 0,-2 3 0,1-3 0,0 3 0,0-1 0,1-2 0,-2 3 0,2-3 0,-2 2 0,-2-9 0,0 4 0,-1-8 0,2 8 0,0 1 0,1-3 0,-1 2 0,3-1 0,1 2 0,0 1 0,1 0 0,-1 0 0,-1 0 0,1 0 0,-1 0 0,1 0 0,0-1 0,0 0 0,0-1 0,-1 1 0,0 0 0,1 0 0,-1 0 0,2 0 0,-3-1 0,2 1 0,0-1 0,-1 1 0,0 0 0,0-1 0,0 1 0,-1-1 0,1-1 0,0 1 0,0 0 0,-1 0 0,1-1 0,-1 1 0,1 0 0,-1 0 0,0-1 0,1 1 0,-1-1 0,0 0 0,1 0 0,-1 1 0,0 0 0,0-2 0,-1 2 0,2-2 0,-2 2 0,1 0 0,0-1 0,-1 0 0,2 0 0,-1 1 0,0-1 0,1 0 0,-2 1 0,3-3 0,-3 2 0,3 0 0,-3 1 0,2-1 0,-1 0 0,0 1 0,1-1 0,-1 0 0,0 1 0,0-1 0,0 0 0,0 0 0,-1 1 0,2 0 0,-2-2 0,1 2 0,-1-1 0,1 1 0,-1-2 0,1 1 0,0 0 0,0 0 0,1 0 0,-2-2 0,2 3 0,-2-3 0,2 2 0,-1-1 0,1 1 0,-2 0 0,1 0 0,0 1 0,-1-3 0,2 3 0,-2-3 0,2 3 0,-1 0 0,0-2 0,0 2 0,-1-1 0,1 0 0,-1 1 0,1-1 0,-1 0 0,2-1 0,-1 1 0,0 0 0,-1-1 0,1 2 0,-1-2 0,1 2 0,-1 0 0,0-2 0,1 2 0,-1-1 0,1 0 0,-1 1 0,0-2 0,1 1 0,0-2 0,0 3 0,-1-2 0,0 2 0,0-2 0,1 2 0,-1-1 0,1 0 0,-1 0 0,0 0 0,0 1 0,1-1 0,-1 0 0,1 0 0,0 1 0,-1 0 0,-5 2 0,3 1 0,-5 1 0,3 0 0,2-1 0,-2 1 0,1-1 0,0 0 0,-1 1 0,2 0 0,0-1 0,-2 1 0,2-1 0,-2 1 0,2 0 0,0-2 0,0 2 0,-1-1 0,0 1 0,0 0 0,0-1 0,0 0 0,0 1 0,0 0 0,0 0 0,-1-1 0,2 1 0,-2-2 0,2 2 0,0-1 0,-2 1 0,2-1 0,-3 0 0,3 1 0,-2-1 0,2 1 0,-1-2 0,0 2 0,0-2 0,-1 2 0,2-1 0,-3 0 0,2 0 0,-1-1 0,0 2 0,0-1 0,1 1 0,-1 0 0,1-2 0,0 2 0,1-2 0,-1 2 0,1 0 0,1 0 0,-1 0 0,0 1 0,-1-1 0,0 0 0,1-1 0,0 1 0,-1-1 0,3 2 0,-3-1 0,3 0 0,-2 1 0,2 0 0,-3 0 0,3 1 0,-1-2 0,0 3 0,1-2 0,-1 1 0,1-1 0,-1 2 0,0-2 0,0 1 0,1 0 0,0-1 0,0 0 0,0 0 0,0 0 0,0-1 0,0 1 0,0 0 0,0 0 0,0-1 0,0 1 0,2 0 0,0-2 0,1 1 0,-1-1 0,0-1 0,1 1 0,0-1 0,0 0 0,-1 0 0,1 0 0,1 0 0,0 0 0,2 0 0,-1 0 0,0 0 0,-1 0 0,1 0 0,-1 0 0,1 0 0,-2 0 0,2 0 0,-1 0 0,1 0 0,0 2 0,-1-2 0,1 2 0,-3-2 0,2 2 0,-2-1 0,0 0 0,1 0 0,0-1 0,-9 1 0,2-1 0,-7 0 0,6 0 0,0 0 0,0 0 0,0 0 0,0 0 0,0 0 0,-1 0 0,0 0 0,-2 0 0,3 1 0,-3-1 0,2 3 0,-1-3 0,0 2 0,0 0 0,-1-1 0,3 1 0,-3 0 0,2-1 0,0 2 0,2-3 0,-1 2 0,3-2 0,-3 3 0,2-3 0,0 2 0,1-2 0,0 3 0,7-1 0,-3 0 0,6-1 0,-5-1 0,1 0 0,1 0 0,-1 0 0,1 0 0,0 0 0,0 0 0,0 0 0,0 0 0,0 0 0,1 0 0,0 0 0,2 0 0,-1 0 0,1 0 0,0 0 0,0 0 0,1 0 0,-1 0 0,-1 0 0,1 0 0,-3 0 0,2 0 0,-2 1 0,-2-1 0,2 1 0,-2 0 0,0 0 0,0 0 0,-1 0 0,1-1 0,0 2 0,0-1 0,-1 1 0,-1 0 0,0 2 0,-1-2 0,0 1 0,0 0 0,0 0 0,0 0 0,0 0 0,0-1 0,0 1 0,0 0 0,0 0 0,0 0 0,0 0 0,-1-1 0,1 1 0,-2-1 0,2 1 0,-2-1 0,1 0 0,-1 0 0,0 0 0,1 0 0,-1 1 0,0 0 0,1 0 0,-1-1 0,1 0 0,-2 0 0,1-1 0,1-8 0,0 4 0,1-6 0,1 6 0,2 0 0,-1 0 0,2 0 0,-2 1 0,0-1 0,0 2 0,1-1 0,-1 1 0,0-1 0,1 0 0,-1 0 0,0 1 0,-1-1 0,2 0 0,-1-1 0,1 1 0,-1 0 0,0 0 0,0 1 0,1-1 0,-1 1 0,-1-2 0,1 1 0,-1 0 0,2 0 0,-2-1 0,1 1 0,-1 0 0,0 0 0,1-1 0,-1 1 0,1 0 0,-1 0 0,0-1 0,1 1 0,-1 0 0,2 1 0,0 0 0,0 1 0,0 0 0,-1 0 0,1 0 0,0 0 0,0 0 0,0 0 0,0 0 0,-1 0 0,1 0 0,1 0 0,-2 0 0,1 0 0,0 0 0,0 0 0,0 0 0,-1 0 0,1 0 0,0 0 0,0 0 0,0 0 0,-1 0 0,1 0 0,1 0 0,-2 0 0,1 0 0,0 0 0,0 0 0,-1 0 0,1 0 0,0 0 0,0 0 0,0 0 0,0 0 0,-1 0 0,2 0 0,-2-1 0,1 1 0,-1-2 0,1 2 0,-1-1 0,2 1 0,-2-1 0,1 0 0,-1 0 0,1 1 0,0 0 0,0 0 0,0-1 0,-1 1 0,1-1 0,1 0 0,-2 1 0,1-1 0,0 0 0,0 1 0,0-1 0,-1 0 0,0 1 0,1-1 0,0 0 0,0 0 0,-1 0 0,0 0 0,1 0 0,0-1 0,-1 1 0,1-1 0,-1 2 0,1-1 0,-1-1 0,0 1 0,0-2 0,0 2 0,1 0 0,-1-1 0,1 1 0,-2-1 0,2 1 0,0 0 0,-2-1 0,3 2 0,-3-2 0,2 1 0,1 0 0,-2 0 0,1 0 0,0 1 0,-8 5 0,4-3 0,-6 3 0,5-4 0,0 0 0,-1 1 0,1-1 0,-2 1 0,2 0 0,0-1 0,0 1 0,-1-1 0,1 0 0,0 1 0,0-1 0,0 0 0,-1 1 0,1 0 0,0 0 0,0-1 0,0 1 0,0-1 0,0 2 0,-1-1 0,2-1 0,-2 1 0,1-1 0,-1 0 0,0 0 0,1-1 0,-1 0 0,-1 0 0,2 0 0,-1 0 0,1 0 0,-1-1 0,1 0 0,0-1 0,1-1 0,0 1 0,0 0 0,0-1 0,-1 0 0,2 0 0,-1 1 0,1-1 0,-1 0 0,1 1 0,-2-2 0,2 2 0,-1 0 0,-1-1 0,1 0 0,-2 0 0,2 1 0,-1-1 0,0 1 0,0 0 0,1-1 0,-1 1 0,0 0 0,0 0 0,2-1 0,-2 1 0,1-1 0,0 0 0,0 0 0,0 1 0,0-1 0,0 0 0,1 1 0,0-2 0,-1 2 0,1 0 0,-1-1 0,1 0 0,0 0 0,0 1 0,0-1 0,0 0 0,0 0 0,0 0 0,2 1 0,0 1 0,2 3 0,-1-1 0,-2 2 0,1-1 0,-1 0 0,1 0 0,2-2 0,-3 2 0,3-2 0,-3 1 0,2 0 0,0 0 0,-1 1 0,-6-7 0,2 4 0,-3-7 0,3 6 0,2-1 0,-2 1 0,1 0 0,-1 0 0,0-1 0,2 1 0,-2 0 0,1 0 0,0-1 0,0 0 0,1 1 0,0-2 0,0 2 0,0-1 0,0 0 0,0 0 0,0 1 0,0-1 0,0 0 0,0 0 0,0 0 0,0 1 0,0-1 0,0-1 0,0 2 0,0-1 0,0 0 0,0 0 0,0 0 0,0 1 0,0-1 0,0 0 0,0 0 0,0 0 0,0 1 0,0-2 0,0 2 0,-1-1 0,0 1 0,-1-2 0,1 2 0,0 0 0,-1 0 0,1 0 0,-1 0 0,0 0 0,-2 1 0,2 1 0,-1 0 0,0 0 0,1 0 0,-2 1 0,2 1 0,8 0 0,-4-1 0,6 0 0,-6-1 0,1 0 0,0 0 0,-1 0 0,2 0 0,-2 0 0,1 0 0,-1 0 0,2 0 0,-1 0 0,-2-1 0,3 0 0,-2 0 0,0-1 0,1 0 0,-2 0 0,2 0 0,0 0 0,-1 0 0,0 0 0,0 0 0,0 1 0,-1-1 0,1 0 0,0 0 0,1 0 0,0 2 0,-1-1 0,1 1 0,-1 0 0,1-1 0,1 1 0,-2-1 0,1 1 0,-1-1 0,1 0 0,0-1 0,0 2 0,-1-1 0,0-1 0,0 0 0,0 1 0,1-1 0,-1 1 0,0 0 0,0-1 0,0 1 0,0-2 0,0 1 0,-5 9 0,1-5 0,-4 7 0,5-6 0,-1-1 0,1 0 0,-2 0 0,1 1 0,1-1 0,-1 0 0,1 1 0,-1-1 0,0 0 0,1 0 0,-1 1 0,0-1 0,1 0 0,-1 0 0,1 0 0,-1 1 0,2 0 0,-1-1 0,0 2 0,1-2 0,-2 0 0,1 1 0,-1 0 0,2 0 0,-2-1 0,2 0 0,-2 1 0,2 0 0,-2-1 0,1 2 0,-1-2 0,2 0 0,-2 0 0,2 1 0,-2 0 0,2 0 0,-1-1 0,0 2 0,0-2 0,-1 1 0,2-1 0,-1 1 0,1 0 0,0-1 0,0 1 0</inkml:trace>
+</inkml:ink>
+</file>
+
+<file path=ppt/ink/ink37.xml><?xml version="1.0" encoding="utf-8"?>
+<inkml:ink xmlns:inkml="http://www.w3.org/2003/InkML">
+  <inkml:definitions>
+    <inkml:context xml:id="ctx0">
+      <inkml:inkSource xml:id="inkSrc0">
+        <inkml:traceFormat>
+          <inkml:channel name="X" type="integer" min="-2.14748E9" max="2.14748E9" units="cm"/>
+          <inkml:channel name="Y" type="integer" min="-2.14748E9" max="2.14748E9" units="cm"/>
+          <inkml:channel name="F" type="integer" max="32767" units="dev"/>
+        </inkml:traceFormat>
+        <inkml:channelProperties>
+          <inkml:channelProperty channel="X" name="resolution" value="1000" units="1/cm"/>
+          <inkml:channelProperty channel="Y" name="resolution" value="1000" units="1/cm"/>
+          <inkml:channelProperty channel="F" name="resolution" value="0" units="1/dev"/>
+        </inkml:channelProperties>
+      </inkml:inkSource>
+      <inkml:timestamp xml:id="ts0" timeString="2021-11-04T17:14:56.269"/>
+    </inkml:context>
+    <inkml:brush xml:id="br0">
+      <inkml:brushProperty name="width" value="0.1" units="cm"/>
+      <inkml:brushProperty name="height" value="0.1" units="cm"/>
+    </inkml:brush>
+  </inkml:definitions>
+  <inkml:trace contextRef="#ctx0" brushRef="#br0">1 1 24575,'0'0'0</inkml:trace>
+</inkml:ink>
+</file>
+
+<file path=ppt/ink/ink38.xml><?xml version="1.0" encoding="utf-8"?>
+<inkml:ink xmlns:inkml="http://www.w3.org/2003/InkML">
+  <inkml:definitions>
+    <inkml:context xml:id="ctx0">
+      <inkml:inkSource xml:id="inkSrc0">
+        <inkml:traceFormat>
+          <inkml:channel name="X" type="integer" min="-2.14748E9" max="2.14748E9" units="cm"/>
+          <inkml:channel name="Y" type="integer" min="-2.14748E9" max="2.14748E9" units="cm"/>
+          <inkml:channel name="F" type="integer" max="32767" units="dev"/>
+        </inkml:traceFormat>
+        <inkml:channelProperties>
+          <inkml:channelProperty channel="X" name="resolution" value="1000" units="1/cm"/>
+          <inkml:channelProperty channel="Y" name="resolution" value="1000" units="1/cm"/>
+          <inkml:channelProperty channel="F" name="resolution" value="0" units="1/dev"/>
+        </inkml:channelProperties>
+      </inkml:inkSource>
+      <inkml:timestamp xml:id="ts0" timeString="2021-11-04T17:14:56.270"/>
+    </inkml:context>
+    <inkml:brush xml:id="br0">
+      <inkml:brushProperty name="width" value="0.025" units="cm"/>
+      <inkml:brushProperty name="height" value="0.025" units="cm"/>
+    </inkml:brush>
+  </inkml:definitions>
+  <inkml:trace contextRef="#ctx0" brushRef="#br0">0 0 24575,'2'4'0,"1"0"0,-1-2 0,-1 2 0,1-2 0,-2 0 0,2-1 0,-1 2 0,1-1 0,-2 1 0,2-1 0,-2 0 0,1 1 0,-1-1 0,0 0 0,1 0 0,-1 1 0,1-1 0,-1 0 0,1 0 0,0 1 0,-1-1 0,2 0 0,-2 0 0,2 1 0,-2-1 0,2 0 0,-1 1 0,2-1 0,-2 0 0,1 0 0,-2 1 0,2-1 0,-1 0 0,1 0 0,0 1 0,-1-1 0,0 0 0,2 1 0,-2 0 0,3 2 0,-3-2 0,4 3 0,-3-3 0,1 3 0,0-4 0,0 4 0,-2-4 0,2 2 0,-2-2 0,1 1 0,-2-1 0,2-1 0,-1 0 0,1 0 0,0-1 0,-1 0 0,0-1 0,-1-1 0,0-2 0,0 2 0,-1-2 0,1 2 0,-2-1 0,0 0 0,0 0 0,1 0 0,-1 2 0,2-1 0,-1 0 0,0 0 0,0 0 0,0 0 0,1 0 0,0-1 0,0 1 0,0 0 0,0 0 0,0 0 0,0 0 0,0 0 0,0-1 0,0 1 0,0 0 0,0 0 0,0 0 0,0-1 0,0 1 0,0 1 0,-2 0 0,0 1 0,0 0 0,0 0 0,0 0 0,0-1 0,-1 1 0,1-1 0,0 1 0,1-2 0,1 2 0,1-2 0,0 2 0,0 0 0</inkml:trace>
+</inkml:ink>
+</file>
+
+<file path=ppt/ink/ink39.xml><?xml version="1.0" encoding="utf-8"?>
+<inkml:ink xmlns:inkml="http://www.w3.org/2003/InkML">
+  <inkml:definitions>
+    <inkml:context xml:id="ctx0">
+      <inkml:inkSource xml:id="inkSrc0">
+        <inkml:traceFormat>
+          <inkml:channel name="X" type="integer" min="-2.14748E9" max="2.14748E9" units="cm"/>
+          <inkml:channel name="Y" type="integer" min="-2.14748E9" max="2.14748E9" units="cm"/>
+          <inkml:channel name="F" type="integer" max="32767" units="dev"/>
+        </inkml:traceFormat>
+        <inkml:channelProperties>
+          <inkml:channelProperty channel="X" name="resolution" value="1000" units="1/cm"/>
+          <inkml:channelProperty channel="Y" name="resolution" value="1000" units="1/cm"/>
+          <inkml:channelProperty channel="F" name="resolution" value="0" units="1/dev"/>
+        </inkml:channelProperties>
+      </inkml:inkSource>
+      <inkml:timestamp xml:id="ts0" timeString="2021-11-04T17:14:56.271"/>
+    </inkml:context>
+    <inkml:brush xml:id="br0">
+      <inkml:brushProperty name="width" value="0.025" units="cm"/>
+      <inkml:brushProperty name="height" value="0.025" units="cm"/>
+    </inkml:brush>
+  </inkml:definitions>
+  <inkml:trace contextRef="#ctx0" brushRef="#br0">0 1 24575,'3'0'0,"1"0"0,-2 0 0,0 0 0,0 1 0,1-1 0,-1 2 0,0-2 0,0 1 0,-1 0 0,1-1 0,0 2 0,-1-1 0,1 1 0,-1-1 0,1 0 0,0 0 0,-1 0 0,1-1 0,0 1 0,-1 0 0,1-1 0,-2 1 0,1-1 0</inkml:trace>
+</inkml:ink>
+</file>
+
+<file path=ppt/ink/ink4.xml><?xml version="1.0" encoding="utf-8"?>
+<inkml:ink xmlns:inkml="http://www.w3.org/2003/InkML">
+  <inkml:definitions>
+    <inkml:context xml:id="ctx0">
+      <inkml:inkSource xml:id="inkSrc0">
+        <inkml:traceFormat>
+          <inkml:channel name="X" type="integer" min="-2.14748E9" max="2.14748E9" units="cm"/>
+          <inkml:channel name="Y" type="integer" min="-2.14748E9" max="2.14748E9" units="cm"/>
+          <inkml:channel name="F" type="integer" max="32767" units="dev"/>
+        </inkml:traceFormat>
+        <inkml:channelProperties>
+          <inkml:channelProperty channel="X" name="resolution" value="1000" units="1/cm"/>
+          <inkml:channelProperty channel="Y" name="resolution" value="1000" units="1/cm"/>
+          <inkml:channelProperty channel="F" name="resolution" value="0" units="1/dev"/>
+        </inkml:channelProperties>
+      </inkml:inkSource>
+      <inkml:timestamp xml:id="ts0" timeString="2021-11-04T17:14:56.236"/>
+    </inkml:context>
+    <inkml:brush xml:id="br0">
+      <inkml:brushProperty name="width" value="0.025" units="cm"/>
+      <inkml:brushProperty name="height" value="0.025" units="cm"/>
+    </inkml:brush>
+  </inkml:definitions>
+  <inkml:trace contextRef="#ctx0" brushRef="#br0">298 1 24575,'-3'0'0,"-2"0"0,0 0 0,-2 0 0,0 0 0,-4 0 0,4 0 0,-3 0 0,6 0 0,-2 2 0,3 0 0,-1 2 0,2-2 0,-1-1 0,3 1 0,-1 0 0,1 1 0,0 0 0,0 0 0,0 0 0,0 0 0,0 0 0,1 0 0,-1 0 0,3 0 0,-3 0 0,3 0 0,-2 1 0,0-1 0,-1 0 0,1 0 0,0 0 0,0 0 0,-1 0 0,0 0 0,0 0 0,0 0 0,0 0 0,1 0 0,0 0 0,0 0 0,-1 0 0,0 0 0,0 0 0,0 0 0,0 0 0,0 0 0,0 1 0,0-1 0,0 0 0,1 0 0,0 0 0,0 0 0,-1 0 0,0 0 0,0 1 0,0-1 0,0 0 0,0 0 0,0 0 0,0 0 0,1-1 0,0 1 0,2-2 0,-3 2 0,3-1 0,-3 1 0,3-1 0,-2-1 0,1 2 0,1-1 0,-1 1 0,1-1 0,-2 0 0,2-1 0,-1 1 0,1-1 0,0 2 0,0-3 0,0 3 0,0-3 0,0 1 0,0-1 0,0 0 0,1 2 0,-1-2 0,0 2 0,0-2 0,0 1 0,0-1 0,0 2 0,-1-1 0,0-1 0,0 2 0,0-1 0,0-1 0,0 2 0,0-1 0,0 0 0,-1 1 0,1 0 0,-1 1 0,1-1 0,-1 0 0,0 0 0,-1 1 0,2-1 0,-2 0 0,1 0 0,-1 1 0,2-1 0,-1-1 0,2-1 0,0 0 0,0 0 0,0 0 0,0 0 0,0 0 0,0 0 0,0 0 0,0 0 0,0 0 0,0 0 0,0 0 0,0 0 0,0 0 0,-1 1 0,-1 1 0,-1 1 0,0 0 0,1 0 0,0 0 0,0 0 0,-1 0 0,0 0 0,0 1 0,0-1 0,0 0 0,0 0 0,0 0 0,0 0 0,0 0 0,0 0 0,0 0 0,0 0 0,0 0 0,0 0 0,0 0 0,0 0 0,0 0 0,0 0 0,0 0 0,0 0 0,0 0 0,0 0 0,0 0 0,0 0 0,0 0 0,0 0 0,0 0 0,0 0 0,-1-1 0,0 0 0,-1-1 0,0 2 0,-1-3 0,1 3 0,-1-3 0,2 3 0,-2-1 0,-1-1 0,3 2 0,-2-3 0,1 3 0,-1-3 0,2 3 0,-2-3 0,1 2 0,0-1 0,0 0 0,0 0 0,-1-1 0,0 1 0,0 0 0,-1 0 0,1 0 0,0 0 0,0 0 0,0 1 0,0-2 0,-2 1 0,1 1 0,0-2 0,0 1 0,1-1 0,0 2 0,0-2 0,0 2 0,0-2 0,0 1 0,0-1 0,1 3 0,-1-1 0,3 1 0,-3-2 0,3 2 0,-3-3 0,3 3 0,-3-2 0,3 1 0,-3-1 0,3 1 0,-3-1 0,3 2 0,-3-3 0,1 1 0,0 1 0,0-2 0,0 1 0,-1-1 0,1 2 0,-1-2 0,1 2 0,1-1 0,-2-1 0,1 2 0,-1-2 0,2 1 0,-2-1 0,1 2 0,1-1 0,-2 0 0,3 1 0,-3 0 0,1-1 0,1 2 0,-2-3 0,3 3 0,-1-1 0,1 1 0,0 0 0,0 0 0,0 0 0,0 0 0,0 0 0,0 0 0,0 0 0,0 0 0,0 0 0,0 0 0,1 0 0,1 0 0,-1 1 0,2-1 0,-1 0 0,0 0 0,0 0 0,0 0 0,0 0 0,1 0 0,-2 1 0,1-1 0,1 0 0,-1 0 0,-1 0 0,2 0 0,-3 0 0,3 0 0,-2 1 0,1-3 0,0 2 0,1-1 0,0 1 0,0-2 0,-1 2 0,0-3 0,0 3 0,1-3 0,0 2 0,-1-1 0,0-1 0,0 3 0,1-3 0,0 3 0,0-1 0,0 0 0,0 0 0,0-1 0,1 0 0,-1-1 0,0 1 0,0 0 0,0 0 0,0-1 0,0 0 0,0 0 0,0 0 0,0 0 0,0 0 0,0 0 0,0 0 0,0 0 0,0 0 0,1 0 0,-1 0 0,0 0 0,0 0 0,0 0 0,0 0 0,0 0 0,0 0 0,0 0 0,-1-1 0,0-1 0,-2-1 0,3 1 0,-1 0 0,0 0 0,0 0 0,-1 0 0,1 0 0,0 0 0,0 0 0,1 0 0,-3-1 0,3 0 0,-2-1 0,1 1 0,1 0 0,-3 0 0,1 0 0,1 0 0,-2 0 0,1 0 0,1 0 0,-2 0 0,1 0 0,1 1 0,-2-1 0,2 2 0,-2-2 0,1 1 0,-1-1 0,2 1 0,-1 1 0,-1-2 0,2 1 0,-1 1 0,0-2 0,1 1 0,0 1 0,0-2 0,0 2 0,0-1 0,1 1 0,0 0 0,0 0 0,0 0 0,0 0 0,0 1 0,0 0 0,0 0 0,0 0 0,0 0 0,0 0 0,0 0 0,0 0 0,0 0 0,0 0 0,-1 1 0,0 1 0,-1 1 0,1-1 0,-1 0 0,1 0 0,0 1 0,1 0 0,-2 0 0,2-1 0,-1 0 0,1 0 0,0 1 0,0 0 0,-2 0 0,1 0 0,-2 0 0,0 0 0,0 0 0,0 0 0,0 0 0,0 0 0,0 0 0,1-1 0,1-1 0,-1 1 0,1-1 0,-1 1 0,-1 0 0,3-1 0,-3 1 0,3-1 0,-1 0 0,1-1 0,-1 0 0,1 0 0,0 0 0,0 0 0,0 0 0,0 0 0,0 0 0,0 0 0,0 0 0,0 0 0,0 0 0,0 0 0,0 0 0,0 0 0,0 1 0,-2 1 0,0 1 0,1-1 0,-2 1 0,2-2 0,-1 2 0,1 1 0,-1-1 0,2 0 0,-3 0 0,3 0 0,-2 0 0,1 0 0,0 0 0,0 1 0,1-1 0,-2 0 0,2 0 0,-1 0 0,1 0 0,-1 0 0,1 0 0,0 0 0,-2 0 0,2-1 0,-1 1 0,0-1 0,0-1 0,0 2 0,1-2 0,0 1 0,0-1 0,1 0 0,-1-1 0,0 0 0,0 0 0,0 0 0,0 0 0,0 0 0,0 0 0,0 0 0,0 0 0,0 0 0,1 0 0,-1 0 0,0 0 0,-1 0 0,1 0 0,0 0 0,0 0 0,0 0 0,-1 1 0,0 0 0,-1 2 0,2-3 0,-3 3 0,3-3 0,-2 3 0,3-3 0,-3 3 0,2-3 0,-1 3 0,1-3 0,0 3 0,0-1 0,0 1 0,0-1 0,2 1 0,-1-1 0,1-1 0,-2 2 0,0-2 0,0 1 0,0-1 0,0 0 0,0 1 0,1-2 0,-1 1 0,0-1 0,-1 2 0,0-2 0,0 1 0,1-1 0,0 0 0,0 0 0,0 0 0,-2 2 0,2-2 0,-3 3 0,2-2 0,-2 2 0,0 0 0,0 0 0,0 0 0,0 0 0,0 0 0,0 0 0,0 0 0,0 0 0,-2 0 0,1-1 0,-2 0 0,0-1 0,-1 0 0,1-1 0,0 1 0,-2 0 0,2 0 0,-2-1 0,2 0 0,0 0 0,0 2 0,-1-2 0,1 1 0,0-1 0,0 0 0,0 0 0,0 0 0,-2 0 0,2 0 0,-2 0 0,2 0 0,-1 0 0,0 0 0,0 0 0,-1 0 0,2 0 0,-2 0 0,2 0 0,-2 0 0,0 0 0,2 0 0,-2 0 0,0 0 0,1 0 0,-2 0 0,2-1 0,-4-1 0,1-2 0,-1 0 0,-1-1 0,0 0 0,3 2 0,-6-5 0,6 4 0,-7-4 0,7 6 0,-4-4 0,6 6 0,-5-6 0,7 4 0,-5-3 0,6 2 0,-4-4 0,4 3 0,-3-3 0,4 3 0,-3 0 0,1 1 0,-1-2 0,1 2 0,-2 1 0,4 0 0,-6 0 0,4 0 0,-4 0 0,3 1 0,-3 0 0,3 1 0,-4 0 0,4 0 0,-2 0 0,2 0 0,-2 0 0,2 0 0,-2 0 0,0 0 0,1 0 0,0 0 0,0 0 0,1 0 0,-2 0 0,2 0 0,-2 0 0,0 0 0,2 0 0,-2 0 0,2 0 0,-2 0 0,1 0 0,-2 0 0,2 0 0,0 0 0,0 0 0,1 0 0,0 0 0,0 0 0,0 0 0,0 0 0,-2 0 0,2 0 0,-2 0 0,2 0 0,0 0 0,0 0 0,0 0 0,0 0 0,0 0 0,0 0 0,0 0 0,0 0 0,0 0 0,0 0 0,-1 0 0,1 0 0,0 0 0,0 0 0,0 0 0,0 0 0,0 0 0,0 0 0,-1 0 0,1 0 0,0 0 0,0 0 0,0 0 0,0 0 0,0 0 0,0 0 0,0 1 0,0 0 0,0 1 0,0-1 0,-2 2 0,1-2 0,-1 1 0,2 1 0,0-1 0,-2 1 0,2-1 0,-2 1 0,0-1 0,2 1 0,-2-1 0,2 1 0,-1-2 0,1 2 0,0 0 0,0 1 0,0-1 0,1 0 0,-1 0 0,2 0 0,-2 0 0,1 0 0,-1 1 0,3-1 0,-2 0 0,1 0 0,-1 0 0,-1 0 0,1 0 0,0-1 0,0 1 0,-1-2 0,0 2 0,0 1 0,-2-1 0,1 0 0,-1 0 0,1 1 0,0-1 0,-2-1 0,2 0 0,-1 0 0,2 1 0,0 0 0,0 0 0,0 1 0,0-3 0,-1 2 0,1-1 0,0 1 0,0 0 0,0-1 0,0 1 0,0-2 0,1 3 0,-2-1 0,3 0 0,-2 0 0,3 0 0,0 1 0,0 1 0,0 2 0,0 0 0,0 0 0,-1-2 0,1 2 0,-2-2 0,2 0 0,0 2 0,0-4 0,0 4 0,0-3 0,0 2 0,0-1 0,-1 1 0,1-2 0,-2 1 0,2-1 0,-1 1 0,0-1 0,0 0 0,1 2 0,0-2 0,0 3 0,-2-2 0,2 0 0,-1 0 0,1 0 0,0-2 0,-2 2 0,2-2 0,-2 0 0,2 1 0,0-1 0,0 0 0,0 0 0,-1 0 0,1 0 0,-2 0 0,2 0 0,0 1 0,0-1 0,0 0 0,-1 0 0,1 0 0,-2 0 0,1 0 0,0 1 0,-1-3 0,1 2 0,-2-1 0,3 1 0,-3-1 0,2 0 0,-1 0 0,-1 1 0,1 0 0,-1 1 0,0-1 0,0 0 0,1 0 0,0 0 0,1 0 0,-2-1 0,3 1 0,-3-2 0,2 2 0,-1 0 0,-1 0 0,3 0 0,-1 2 0,1-2 0,-2 3 0,2-2 0,-2 3 0,2-3 0,0 4 0,0-4 0,0 3 0,0-3 0,0 0 0,0-1 0,0 0 0,0 0 0,0 1 0,0-1 0,0 0 0,2-1 0,0 0 0,1 0 0,-2 1 0,2 0 0,-2 0 0,1 1 0,0-1 0,1 0 0,-1 0 0,1 0 0,-2 0 0,1 0 0,1 0 0,-1 1 0,1-1 0,0 0 0,0 0 0,0 0 0,-1 0 0,1 0 0,-2 0 0,2 1 0,1-1 0,-3 0 0,2-2 0,-1 2 0,0-1 0,0 0 0,0 0 0,1 0 0,-1 1 0,1-1 0,-2 1 0,3-1 0,-1-1 0,0 2 0,0-1 0,0 1 0,0 0 0,0 0 0,0 0 0,1 0 0,-1 1 0,0-1 0,0 0 0,0-1 0,0 0 0,0-1 0,0 2 0,0-2 0,1 1 0,-3 1 0,2-3 0,-1 3 0,1-2 0,0 1 0,0 1 0,0-1 0,0 1 0,0-2 0,0 2 0,0-1 0,0-1 0,0 2 0,0-3 0,0 3 0,0-3 0,1 3 0,-1-2 0,0 0 0,0 0 0,0 0 0,0 0 0,0 0 0,0 0 0,2 0 0,-1 1 0,1-2 0,0 3 0,-2-3 0,2 3 0,-2-2 0,0 0 0,0-1 0,0 1 0,1 0 0,-1 0 0,0-1 0,0 0 0,0 0 0,0 0 0,0 0 0,1 0 0,-1 0 0,0 0 0,0 0 0,2 0 0,-2 0 0,2 0 0,0 0 0,-1 0 0,2 0 0,-2 0 0,0 0 0,1 0 0,-1 0 0,1 0 0,-2 0 0,0 0 0,0 0 0,0 0 0,0 0 0,2 0 0,-2 0 0,2 0 0,-2 0 0,0 0 0,0 0 0,0 0 0,0 0 0,0 0 0,0 0 0,0 0 0,0 0 0,0 0 0,0 0 0,0 0 0,0 0 0,0 0 0,0 0 0,0 0 0,0 0 0,0 0 0,0 0 0,0 0 0,-1 0 0,0 1 0,1 0 0,-3 1 0,3-1 0,-2 1 0,1 0 0,1-1 0,-3 2 0,3-3 0,-3 3 0,3-1 0,-3 1 0,3 0 0,-3-1 0,3 0 0,-3 1 0,3-3 0,-2 1 0,2-1 0,0 0 0,-1-1 0,0 1 0,0-2 0,1 2 0,0 0 0,0 0 0,0 0 0,0 0 0,-1-1 0,0 1 0,0-2 0,1 2 0,0 0 0,0 0 0,0 2 0,-1-1 0,0 2 0,-1 0 0,1-1 0,-2 0 0,2 0 0,-2 1 0,0 0 0,1 0 0,-1 0 0,1 0 0,-1 0 0,0 0 0,0 0 0,0 1 0,0-1 0,0 0 0,0 0 0,0 0 0,0 0 0,0 0 0,0 0 0,0 0 0,0 0 0,0 0 0,0 0 0,0 0 0,0 0 0,0 0 0,0 0 0,0 0 0,0 0 0,-1 1 0,-1-1 0,1 0 0,-2 0 0,3 0 0,-3 0 0,3 0 0,-3 0 0,2 0 0,-1 1 0,1-1 0,0 2 0,-1-2 0,2 4 0,-1-4 0,-1 2 0,2 0 0,-1-2 0,1 2 0,0 0 0,-2-1 0,2 0 0,-2-1 0,2 1 0,0-1 0,0 0 0,0 0 0,0 0 0,0 0 0,0 0 0,0 1 0,0-1 0,0 0 0,0 0 0,0 0 0,0 0 0,0 0 0,0 0 0,0 1 0,0-1 0,0 0 0,0 0 0,0 0 0,0 0 0,0 0 0,2 0 0,-2 0 0,3 0 0,-3 0 0,3-1 0,-3 1 0,2-1 0,-1 1 0,0 0 0,0 0 0,0 0 0,0 0 0,0 0 0,-1 0 0,0 0 0,0 1 0,0-1 0,0 0 0,0 0 0,0 0 0,0 0 0,0 0 0,0 0 0,0 0 0,0 0 0,0 0 0,0 0 0,0 0 0,0 0 0,0 1 0,0-1 0,0 0 0,0 0 0,0 0 0,0 0 0,0 0 0,0 0 0,0 0 0,0 0 0,0 1 0,0-1 0,-1 0 0,0 0 0,-1 0 0,0 0 0,-1 0 0,0 0 0,-1 1 0,3-1 0,-2 0 0,1 0 0,-1 0 0,1 0 0,0 0 0,1 1 0,-2-1 0,3 0 0,-3 0 0,3 0 0,-3 2 0,1-3 0,-1 3 0,0-3 0,-1 6 0,2-5 0,-4 5 0,4-5 0,-5 6 0,3-5 0,-2 5 0,4-6 0,0 3 0,0-3 0,0 2 0,1-2 0,1 0 0,0 0 0,0 0 0,0 0 0,-2 0 0,2 0 0,-1 0 0,1 0 0,0 0 0,0 0 0,0 1 0,0-1 0,0 0 0,0 0 0,0 0 0,0 0 0,0 2 0,-2-1 0,2 0 0,-1 1 0,1-1 0,0 2 0,0-2 0,0 0 0,0-1 0,0 0 0,0 0 0,0 1 0,0-1 0,0 0 0,0 0 0,0 0 0,0 0 0,0 0 0,0 0 0,0 0 0,0 0 0,0 0 0,0 1 0,0-1 0,0 0 0,0 0 0,0 0 0,0 2 0,0 0 0,-2 2 0,2 0 0,-4 2 0,4-2 0,-3 4 0,1-3 0,0 3 0,-2-2 0,2 1 0,0 0 0,-1-2 0,3 1 0,-2-2 0,1 0 0,0-2 0,0 1 0,1-2 0,0 2 0,0-2 0,0 1 0,0-2 0,0 0 0,0 0 0,0 0 0,0 0 0,0 0 0,-2 0 0,2 1 0,-1-1 0,1 0 0,0 0 0,-2 0 0,2 0 0,-3 0 0,3 0 0,-2 1 0,1-1 0,1 0 0,-2 0 0,2 0 0,-1 0 0,1 0 0,-2 1 0,1-1 0,0 0 0,1-2 0</inkml:trace>
+</inkml:ink>
+</file>
+
+<file path=ppt/ink/ink40.xml><?xml version="1.0" encoding="utf-8"?>
+<inkml:ink xmlns:inkml="http://www.w3.org/2003/InkML">
+  <inkml:definitions>
+    <inkml:context xml:id="ctx0">
+      <inkml:inkSource xml:id="inkSrc0">
+        <inkml:traceFormat>
+          <inkml:channel name="X" type="integer" min="-2.14748E9" max="2.14748E9" units="cm"/>
+          <inkml:channel name="Y" type="integer" min="-2.14748E9" max="2.14748E9" units="cm"/>
+          <inkml:channel name="F" type="integer" max="32767" units="dev"/>
+        </inkml:traceFormat>
+        <inkml:channelProperties>
+          <inkml:channelProperty channel="X" name="resolution" value="1000" units="1/cm"/>
+          <inkml:channelProperty channel="Y" name="resolution" value="1000" units="1/cm"/>
+          <inkml:channelProperty channel="F" name="resolution" value="0" units="1/dev"/>
+        </inkml:channelProperties>
+      </inkml:inkSource>
+      <inkml:timestamp xml:id="ts0" timeString="2021-11-04T17:14:56.272"/>
+    </inkml:context>
+    <inkml:brush xml:id="br0">
+      <inkml:brushProperty name="width" value="0.025" units="cm"/>
+      <inkml:brushProperty name="height" value="0.025" units="cm"/>
+    </inkml:brush>
+  </inkml:definitions>
+  <inkml:trace contextRef="#ctx0" brushRef="#br0">110 37 24575,'-4'0'0,"1"0"0,-1 0 0,2 0 0,0 0 0,0 0 0,-1 0 0,0 0 0,2-1 0,-1 0 0,3 0 0,0 0 0,1 1 0,0 0 0,1 0 0,-1 0 0,0 0 0,0 0 0,1 0 0,-1 0 0,0 0 0,1 0 0,-1 0 0,0 0 0,0 0 0,1 0 0,-1 0 0,0 0 0,0 0 0,1 0 0,-1 0 0,0-1 0,1 1 0,-1-1 0,0 0 0,0 1 0,0-2 0,1 1 0,-2 0 0,1-1 0,-2 0 0,1 0 0,-1-1 0,0 0 0,0 0 0,0 1 0,0 0 0,0 0 0,0-1 0,-1 2 0,0 0 0,-1 1 0,-1 0 0,1 0 0,0 0 0,-1 0 0,1 0 0,0 0 0,0 0 0,-1 0 0,1 0 0,0 0 0,0 1 0,-1 0 0,0 1 0,1-2 0,-4 2 0,3-2 0,-2 2 0,3-2 0,-4 2 0,4-1 0,-4 0 0,4-1 0,-1 0 0,0 0 0,1 0 0,0 0 0,0 0 0,0 0 0,-2 0 0,2 0 0,-1 0 0,1 0 0,-1 0 0,1 0 0,0 0 0,0 1 0,0 0 0,0 0 0,-1 2 0,1-3 0,-1 3 0,0-1 0,-2 1 0,2 0 0,-2 1 0,2-3 0,-1 3 0,2-3 0,-2 2 0,3-2 0,-1 1 0,2 1 0,-1-1 0,2-1 0,0 0 0,1-1 0,0 0 0,1 0 0,-1 0 0,0 0 0,0 0 0,1 0 0,-1 0 0,0 0 0,1 0 0,-1 0 0,0 0 0,0 0 0,0 0 0,0 0 0,1 0 0,-1 0 0,0 0 0,0 0 0,0 0 0,0 0 0,1 0 0,-1 0 0,0 0 0,0 0 0,0 0 0,0 0 0,1 0 0,-1-1 0,0 1 0,0-1 0,0 0 0,0 0 0,0-1 0,1 2 0,-1-1 0,-2 1 0,1 1 0,-3 1 0,1 0 0,-2 0 0,1 0 0,-2 1 0,2-1 0,-2-1 0,2 1 0,0-1 0,0 0 0,-1-1 0,1 1 0,0-1 0,0 1 0,1-2 0,0 0 0,1-2 0,0 1 0,0 0 0,0-2 0,0 2 0,0-3 0,0 2 0,0-1 0,0 1 0,0 0 0,0 0 0,0 1 0,0 0 0,0 0 0,0 0 0,0-1 0,1 2 0,0 0 0,1 1 0,0 0 0,0 0 0,1 0 0,-1 1 0,-1 0 0,0 2 0,-1-1 0,1 0 0,-1 2 0,1-2 0,0 2 0,-1-2 0,1 0 0,-1 1 0,0 0 0,0 0 0,0 0 0,0 1 0,0-2 0,0 3 0,0-3 0,0 2 0,0-1 0,0 0 0,0 1 0,0-2 0,0 0 0,0 0 0,0 1 0,0-1 0,0 0 0,0 0 0,0 0 0,0 1 0,0-1 0,0 0 0,0 0 0,0 0 0,0 0 0,0 0 0,0 1 0,0-1 0,-1 0 0,1 0 0,-1 0 0,0 1 0,1-1 0,-2-1 0,1 0 0,-1-1 0,0 0 0,0-1 0,0 0 0,2-2 0,-1 0 0,1 0 0,0 0 0,0 0 0,0 1 0,0 0 0,0 0 0,0-1 0,0 1 0,0 0 0,0 0 0,-1-1 0,1 1 0,-1 0 0,1 0 0,0-1 0,0 3 0,0 2 0,0 1 0,0 1 0,0-1 0,0-1 0,0 0 0,0 0 0,0 1 0,1-1 0,0 0 0,1 1 0,1-1 0,-2 0 0,1 0 0,-1 0 0,2 0 0,-1-1 0,0 0 0,-1 1 0,1-1 0,0 1 0,-1 0 0,1-1 0,-1 1 0,1 0 0,0 1 0,0-1 0,-1 0 0,0 0 0,1 0 0,-2 0 0,2-2 0,-1 1 0,2-1 0,-1 0 0,0 0 0,0 0 0,0 0 0,0 0 0,0 0 0,0-1 0,-1 0 0,-1-1 0,0-1 0,0 1 0,-1 1 0,-1 0 0,1 2 0,-1 0 0,2 1 0,-1 1 0,1-1 0,-1 0 0,1 0 0,-1 1 0,1-1 0,0 0 0,0 0 0,0 1 0,0-1 0,0 0 0,0 0 0,0 0 0,0 0 0,1 1 0,-1-1 0,2 0 0,-2 0 0,2 1 0,-1-1 0,-1 0 0,1 0 0,0 0 0,1-1 0,-2 1 0,2-1 0,-2 2 0,2-2 0,-2 1 0,1-1 0,0 0 0,-1 1 0,1 0 0,0 0 0,0 0 0,0 0 0,0 1 0,-1-1 0,1 0 0,-1 0 0,1 0 0,-1 0 0,1-1 0,-1 1 0,1 0 0,-1 0 0,2 1 0,-1-1 0,0 0 0,0-1 0,-1 1 0,1-1 0,0 2 0,-1-1 0,2 0 0,-2 0 0,2-1 0,-2 1 0,1 0 0,-1 0 0,1-1 0,0 1 0,0-1 0,0 1 0,-1-1 0,2 1 0,-1 0 0,0 0 0,1-1 0,-1 1 0,1 0 0,-1-1 0,0 1 0,1-2 0,-2 2 0,2-2 0,-2 2 0,2-1 0,-1 1 0,1-1 0,-1 0 0,0 1 0,1-2 0,0 2 0,0 0 0,0-1 0,-1 1 0,1-2 0,-2 2 0,2-2 0,-1 2 0,1-1 0,-2 1 0,2-2 0,-1 2 0,1-1 0,1 1 0,-1 1 0,0-2 0,-1 1 0,1-2 0,-1 2 0,1-2 0,-2 2 0,2-2 0,-2 3 0,2-3 0,-2 2 0,2-2 0,-1 2 0,1-1 0,-1 1 0,0 1 0,1-1 0,-2 0 0,2-1 0,-2 1 0,1-1 0,0 1 0,0 0 0,0-1 0,0 1 0,-1 0 0,2 0 0,-1-1 0,0 0 0,0-1 0</inkml:trace>
+</inkml:ink>
+</file>
+
+<file path=ppt/ink/ink41.xml><?xml version="1.0" encoding="utf-8"?>
+<inkml:ink xmlns:inkml="http://www.w3.org/2003/InkML">
+  <inkml:definitions>
+    <inkml:context xml:id="ctx0">
+      <inkml:inkSource xml:id="inkSrc0">
+        <inkml:traceFormat>
+          <inkml:channel name="X" type="integer" min="-2.14748E9" max="2.14748E9" units="cm"/>
+          <inkml:channel name="Y" type="integer" min="-2.14748E9" max="2.14748E9" units="cm"/>
+          <inkml:channel name="F" type="integer" max="32767" units="dev"/>
+        </inkml:traceFormat>
+        <inkml:channelProperties>
+          <inkml:channelProperty channel="X" name="resolution" value="1000" units="1/cm"/>
+          <inkml:channelProperty channel="Y" name="resolution" value="1000" units="1/cm"/>
+          <inkml:channelProperty channel="F" name="resolution" value="0" units="1/dev"/>
+        </inkml:channelProperties>
+      </inkml:inkSource>
+      <inkml:timestamp xml:id="ts0" timeString="2021-11-04T17:14:56.273"/>
+    </inkml:context>
+    <inkml:brush xml:id="br0">
+      <inkml:brushProperty name="width" value="0.025" units="cm"/>
+      <inkml:brushProperty name="height" value="0.025" units="cm"/>
+    </inkml:brush>
+  </inkml:definitions>
+  <inkml:trace contextRef="#ctx0" brushRef="#br0">49 2 24575,'-4'-1'0,"0"0"0,0 1 0,1 1 0,1 0 0,-1 0 0,2 0 0,-2 0 0,2 0 0,-3 0 0,3 0 0,-1-1 0,1 1 0,0 0 0,-1 0 0,1 1 0,-1-2 0,1 2 0,-1-2 0,1 2 0,-1-2 0,2 2 0,-2-1 0,1 1 0,0-1 0,1 1 0,1-1 0,0 0 0,2-1 0,-1 0 0,0 0 0,0 0 0,1-1 0,-1 1 0,0-2 0,1 1 0,-1-1 0,0 2 0,0-1 0,1 1 0,-1 0 0,0 0 0,0 0 0,1 0 0,-1 0 0,0 0 0,1 0 0,-1 0 0,0 0 0,0 1 0,1 0 0,-2 2 0,0 0 0,-1 0 0,0 0 0,0 1 0,0-2 0,0 2 0,0-2 0,0 0 0,0 0 0,0-1 0</inkml:trace>
+</inkml:ink>
+</file>
+
+<file path=ppt/ink/ink42.xml><?xml version="1.0" encoding="utf-8"?>
+<inkml:ink xmlns:inkml="http://www.w3.org/2003/InkML">
+  <inkml:definitions>
+    <inkml:context xml:id="ctx0">
+      <inkml:inkSource xml:id="inkSrc0">
+        <inkml:traceFormat>
+          <inkml:channel name="X" type="integer" min="-2.14748E9" max="2.14748E9" units="cm"/>
+          <inkml:channel name="Y" type="integer" min="-2.14748E9" max="2.14748E9" units="cm"/>
+          <inkml:channel name="F" type="integer" max="32767" units="dev"/>
+        </inkml:traceFormat>
+        <inkml:channelProperties>
+          <inkml:channelProperty channel="X" name="resolution" value="1000" units="1/cm"/>
+          <inkml:channelProperty channel="Y" name="resolution" value="1000" units="1/cm"/>
+          <inkml:channelProperty channel="F" name="resolution" value="0" units="1/dev"/>
+        </inkml:channelProperties>
+      </inkml:inkSource>
+      <inkml:timestamp xml:id="ts0" timeString="2021-11-04T17:14:56.274"/>
+    </inkml:context>
+    <inkml:brush xml:id="br0">
+      <inkml:brushProperty name="width" value="0.025" units="cm"/>
+      <inkml:brushProperty name="height" value="0.025" units="cm"/>
+    </inkml:brush>
+  </inkml:definitions>
+  <inkml:trace contextRef="#ctx0" brushRef="#br0">0 1 24575,'0'3'0,"0"1"0,0-1 0,0 0 0,0-1 0,0 1 0,0-1 0,0 0 0,0 0 0,0 2 0,0-2 0,0 3 0,0-2 0,0 3 0,0-3 0,0 2 0,0-2 0,0 1 0,0-1 0,0 1 0,0-2 0,0 3 0,0-3 0,0 6 0,0-5 0,0 7 0,0-6 0,0 7 0,0-7 0,0 5 0,0-6 0,0 5 0,0-4 0,0 6 0,0-7 0,0 3 0,0-4 0,0 2 0,0-3 0,0 0 0</inkml:trace>
+</inkml:ink>
+</file>
+
+<file path=ppt/ink/ink43.xml><?xml version="1.0" encoding="utf-8"?>
+<inkml:ink xmlns:inkml="http://www.w3.org/2003/InkML">
+  <inkml:definitions>
+    <inkml:context xml:id="ctx0">
+      <inkml:inkSource xml:id="inkSrc0">
+        <inkml:traceFormat>
+          <inkml:channel name="X" type="integer" min="-2.14748E9" max="2.14748E9" units="cm"/>
+          <inkml:channel name="Y" type="integer" min="-2.14748E9" max="2.14748E9" units="cm"/>
+          <inkml:channel name="F" type="integer" max="32767" units="dev"/>
+        </inkml:traceFormat>
+        <inkml:channelProperties>
+          <inkml:channelProperty channel="X" name="resolution" value="1000" units="1/cm"/>
+          <inkml:channelProperty channel="Y" name="resolution" value="1000" units="1/cm"/>
+          <inkml:channelProperty channel="F" name="resolution" value="0" units="1/dev"/>
+        </inkml:channelProperties>
+      </inkml:inkSource>
+      <inkml:timestamp xml:id="ts0" timeString="2021-11-04T17:14:56.275"/>
+    </inkml:context>
+    <inkml:brush xml:id="br0">
+      <inkml:brushProperty name="width" value="0.025" units="cm"/>
+      <inkml:brushProperty name="height" value="0.025" units="cm"/>
+    </inkml:brush>
+  </inkml:definitions>
+  <inkml:trace contextRef="#ctx0" brushRef="#br0">265 0 24575,'-5'0'0,"-3"0"0,4 0 0,-4 0 0,2 0 0,1 0 0,-2 0 0,-1 0 0,-1 0 0,-2 1 0,2 1 0,-6 0 0,7 0 0,-13 1 0,14-2 0,-8 1 0,10-2 0,-3 1 0,4-1 0,-3 2 0,5-1 0,-4 2 0,4-3 0,-2 3 0,1-2 0,-2 1 0,2 0 0,-3-1 0,3 0 0,-3 1 0,3-2 0,-2 2 0,2-1 0,0 0 0,1-1 0,0 0 0,0 0 0,-1 0 0,1 0 0,0 0 0,0 1 0,0-1 0,0 2 0,0-2 0,-1 1 0,2 0 0,-1-1 0,3 1 0,0-1 0,2 0 0,0 0 0,-1 0 0,2 0 0,0 0 0,2 0 0,-1 0 0,3 0 0,-1-1 0,2 1 0,-3-2 0,2 2 0,-2 0 0,0 0 0,-1 0 0,-1 0 0,1 0 0,-3 0 0,3 0 0,-1 0 0,0 0 0,0 0 0,0 0 0,0 0 0,-1 0 0,1 0 0,-1 0 0,0 0 0,-1 0 0,1 0 0,-1 0 0,0 0 0,0 0 0,1 0 0,-1 0 0,0 0 0,0 0 0,1 0 0,-1 0 0,0 0 0,0 0 0,1 0 0,-1 0 0,0 0 0,0 0 0,1 0 0,-1 0 0,0-1 0,1 1 0,-1-1 0,1 0 0,0 1 0,0-1 0,0 0 0,0 0 0,0 0 0,0 0 0,0 1 0,0-1 0,0 0 0,0 1 0,-1-1 0,1 1 0,-1 0 0,0 0 0,0 0 0,1-1 0,-1 1 0,0-1 0,0 1 0,1 0 0,-1 0 0,0 0 0,0 0 0,0 0 0,0 0 0,0 0 0,-1-1 0,0-1 0,-1 2 0,0 2 0,0 0 0,0 1 0,0 0 0,0-1 0,0 0 0,0 0 0,0 1 0,0-1 0,-1 0 0,1 2 0,-1-2 0,1 2 0,0-2 0,0 0 0,0 1 0,-1-1 0,1 0 0,-1 0 0,1 0 0,-1 0 0,1 0 0,-1-1 0,0 1 0,0 0 0,0 0 0,0-1 0,1 1 0,-2-1 0,1 1 0,-1-2 0,0 0 0,0 0 0,-1 0 0,1 0 0,0 0 0,0 0 0,-1 0 0,1 0 0,-1 0 0,0 0 0,0 0 0,0 0 0,0 0 0,0 0 0,0 0 0,-1 0 0,2 2 0,-3-2 0,1 1 0,0-1 0,-2 0 0,2 0 0,-2 1 0,1-1 0,0 1 0,0-1 0,-2 2 0,2-2 0,-2 1 0,1-1 0,0 0 0,0 0 0,1 0 0,0 0 0,0 0 0,1 0 0,-1 1 0,3-1 0,-3 2 0,2-2 0,0 1 0,-1-1 0,2 2 0,-2-2 0,2 1 0,0 0 0,0 0 0,0 1 0,1 0 0,-1-2 0,1 2 0,-1-2 0,0 2 0,1-1 0,-1 2 0,1-1 0,-1 0 0,0 0 0,0 1 0,0-2 0,1 1 0,-1-1 0,-1 1 0,1 1 0,0-1 0,0 0 0,-1-1 0,1 1 0,0-1 0,-2 1 0,2-2 0,-1 2 0,1-2 0,1 1 0,0 0 0,-1 0 0,0 0 0,0-1 0,0 0 0,0 0 0,0 0 0,-1 0 0,1 0 0,1-1 0,0 0 0,1-2 0,0 1 0,0-1 0,0 0 0,0-1 0,0 1 0,0 0 0,0 0 0,0 1 0,0-1 0,0 1 0,0-1 0,0-1 0,0 0 0,0 1 0,1 1 0,0 0 0,1 0 0,0 2 0,-1-2 0,1 2 0,-1-2 0,1 2 0,-1-2 0,1 1 0,-2-1 0,2 2 0,-2-2 0,2 2 0,-1-2 0,0 1 0,0-1 0,-1 0 0,1 1 0,0 0 0,0 0 0,1 1 0,0 0 0,0 0 0,1 0 0,-1 0 0,-1 1 0,1 0 0,-2 2 0,2-1 0,-1 0 0,1 0 0,-2 1 0,2-2 0,-1 0 0,1-1 0,0 0 0,1 0 0,-1 0 0,0 0 0,0 0 0,1 0 0,-1 0 0,0 0 0,1-1 0,-1 0 0,0-2 0,0 2 0,1-1 0,-1 1 0,0-1 0,2-1 0,-2 1 0,3-1 0,-2 1 0,1 1 0,-1-1 0,2 0 0,-3 1 0,2-1 0,-2 2 0,0-1 0,0 1 0,2-1 0,-1 0 0,0 0 0,-1 1 0,2-1 0,-2 1 0,2-1 0,-1 1 0,0-1 0,0 0 0,0 0 0,-1 1 0,0 0 0,1 0 0,-1 0 0,1-1 0,0 1 0,0-1 0,-1 1 0,0-1 0,1 1 0,-1-1 0,0 1 0,1 0 0,-1 0 0,0 0 0,0 0 0,0 0 0,1 0 0,-1 0 0,0 0 0,0 0 0,0 0 0,1 0 0,-1 0 0,0 0 0,0 0 0,1 0 0,-1 0 0,0 0 0,0 0 0,0 0 0,1 0 0,-1 0 0,0 0 0,0 0 0,1 0 0,-1 0 0,0 0 0,0 0 0,-1-1 0,0 0 0,-1-2 0,0 0 0,0 1 0,0-2 0,0 2 0,-1 0 0,0 0 0,-1 0 0,-1 0 0,1 1 0,0 0 0,-1-1 0,0 2 0,0-2 0,0 1 0,1 0 0,-1 1 0,1 0 0,0 0 0,-1 0 0,1 0 0,0 0 0,0 0 0,-1 0 0,1 0 0,0 0 0,0 0 0,-1 0 0,1 0 0,0 1 0,0-1 0,0 1 0,-1 0 0,1 0 0,0 0 0,0-1 0,-1 0 0,1 0 0,1 1 0,-1-1 0,1 1 0,-2-1 0,1 0 0,0 0 0,-1 1 0,1-1 0,0 1 0,0-1 0,-1 0 0,0 0 0,0 0 0,0 1 0,-1-1 0,2 2 0,-3-1 0,2 1 0,-1-2 0,1 2 0,-2-1 0,3 1 0,-3 0 0,3-1 0,-3 1 0,2 0 0,-1-2 0,1 2 0,-1-2 0,2 2 0,0-2 0,0 1 0,-1-1 0,1 0 0,0 0 0,0 0 0,-1 0 0,1 0 0,0 0 0,0 0 0,-1 0 0,1 0 0,1 1 0,-1 0 0,1 0 0,0 0 0,0 0 0,0 1 0,1 0 0,-2 0 0,1 1 0,-1-1 0,2 0 0,-2-1 0,2 1 0,-2 0 0,1 0 0,-1 0 0,0 0 0,1 1 0,0-1 0,-1 0 0,0 1 0,0-2 0,1 1 0,-1-1 0,1 1 0,-1 1 0,0-1 0,1-1 0,0 1 0,0-1 0,0 2 0,1-1 0,-1 0 0,0 1 0,0-1 0,0 0 0,1 0 0,0 1 0,0-1 0,-1-1 0,1 1 0,0-2 0,1 1 0,1-1 0,1-1 0,-1 1 0,0-2 0,0 2 0,1-2 0,-1 1 0,0-2 0,0 2 0,1-1 0,-1 1 0,0-1 0,1 0 0,-1 1 0,0-1 0,0 0 0,1 0 0,-1 0 0,0 1 0,0-1 0,1-1 0,0 0 0,0 1 0,0-1 0,-2 1 0,2 1 0,-1-1 0,1 1 0,-1 0 0,0 0 0,1 1 0,-1-1 0,0 1 0,0 0 0,0 0 0,1 0 0,-1-1 0,0 0 0,1 0 0,-1 1 0,0 0 0,0 0 0,1 0 0,-1 0 0,0 0 0,2 0 0,-2 0 0,3 0 0,-2 0 0,1 0 0,-1 0 0,2 0 0,-3 0 0,2 0 0,-1 0 0,0 0 0,0 0 0,0 0 0,-1 0 0,0 0 0,0 0 0,1 0 0,-1 0 0,0 0 0,0 0 0,1 0 0,-1 0 0,0 0 0,0 0 0,0 0 0,0 0 0,1 0 0,-1 0 0,0 0 0,0 0 0,0 0 0,0 0 0,1 0 0,-1 0 0,0 0 0,1 0 0,-1 0 0,0 0 0,0 0 0,1 0 0,-1 0 0,0 0 0,0 0 0,0 0 0,1 0 0,-1 0 0,0 0 0,0 0 0,0 0 0,1 0 0,-1 0 0,0 0 0,0 0 0,0 0 0,0-1 0,-1 0 0,0-1 0,-1 0 0,0 0 0,0 0 0,0-1 0,0 1 0,0 0 0,0 0 0,-1 0 0,1 0 0,-2 2 0,2-2 0,-2 2 0,2-2 0,-1 2 0,1-1 0</inkml:trace>
+</inkml:ink>
+</file>
+
+<file path=ppt/ink/ink44.xml><?xml version="1.0" encoding="utf-8"?>
+<inkml:ink xmlns:inkml="http://www.w3.org/2003/InkML">
+  <inkml:definitions>
+    <inkml:context xml:id="ctx0">
+      <inkml:inkSource xml:id="inkSrc0">
+        <inkml:traceFormat>
+          <inkml:channel name="X" type="integer" min="-2.14748E9" max="2.14748E9" units="cm"/>
+          <inkml:channel name="Y" type="integer" min="-2.14748E9" max="2.14748E9" units="cm"/>
+          <inkml:channel name="F" type="integer" max="32767" units="dev"/>
+        </inkml:traceFormat>
+        <inkml:channelProperties>
+          <inkml:channelProperty channel="X" name="resolution" value="1000" units="1/cm"/>
+          <inkml:channelProperty channel="Y" name="resolution" value="1000" units="1/cm"/>
+          <inkml:channelProperty channel="F" name="resolution" value="0" units="1/dev"/>
+        </inkml:channelProperties>
+      </inkml:inkSource>
+      <inkml:timestamp xml:id="ts0" timeString="2021-11-04T17:14:56.276"/>
+    </inkml:context>
+    <inkml:brush xml:id="br0">
+      <inkml:brushProperty name="width" value="0.025" units="cm"/>
+      <inkml:brushProperty name="height" value="0.025" units="cm"/>
+    </inkml:brush>
+  </inkml:definitions>
+  <inkml:trace contextRef="#ctx0" brushRef="#br0">0 0 24575,'0'0'0</inkml:trace>
+</inkml:ink>
+</file>
+
+<file path=ppt/ink/ink45.xml><?xml version="1.0" encoding="utf-8"?>
+<inkml:ink xmlns:inkml="http://www.w3.org/2003/InkML">
+  <inkml:definitions>
+    <inkml:context xml:id="ctx0">
+      <inkml:inkSource xml:id="inkSrc0">
+        <inkml:traceFormat>
+          <inkml:channel name="X" type="integer" min="-2.14748E9" max="2.14748E9" units="cm"/>
+          <inkml:channel name="Y" type="integer" min="-2.14748E9" max="2.14748E9" units="cm"/>
+          <inkml:channel name="F" type="integer" max="32767" units="dev"/>
+        </inkml:traceFormat>
+        <inkml:channelProperties>
+          <inkml:channelProperty channel="X" name="resolution" value="1000" units="1/cm"/>
+          <inkml:channelProperty channel="Y" name="resolution" value="1000" units="1/cm"/>
+          <inkml:channelProperty channel="F" name="resolution" value="0" units="1/dev"/>
+        </inkml:channelProperties>
+      </inkml:inkSource>
+      <inkml:timestamp xml:id="ts0" timeString="2021-11-04T17:14:56.277"/>
+    </inkml:context>
+    <inkml:brush xml:id="br0">
+      <inkml:brushProperty name="width" value="0.025" units="cm"/>
+      <inkml:brushProperty name="height" value="0.025" units="cm"/>
+    </inkml:brush>
+  </inkml:definitions>
+  <inkml:trace contextRef="#ctx0" brushRef="#br0">1 1 24575,'0'0'0</inkml:trace>
+</inkml:ink>
+</file>
+
+<file path=ppt/ink/ink46.xml><?xml version="1.0" encoding="utf-8"?>
+<inkml:ink xmlns:inkml="http://www.w3.org/2003/InkML">
+  <inkml:definitions>
+    <inkml:context xml:id="ctx0">
+      <inkml:inkSource xml:id="inkSrc0">
+        <inkml:traceFormat>
+          <inkml:channel name="X" type="integer" min="-2.14748E9" max="2.14748E9" units="cm"/>
+          <inkml:channel name="Y" type="integer" min="-2.14748E9" max="2.14748E9" units="cm"/>
+          <inkml:channel name="F" type="integer" max="32767" units="dev"/>
+        </inkml:traceFormat>
+        <inkml:channelProperties>
+          <inkml:channelProperty channel="X" name="resolution" value="1000" units="1/cm"/>
+          <inkml:channelProperty channel="Y" name="resolution" value="1000" units="1/cm"/>
+          <inkml:channelProperty channel="F" name="resolution" value="0" units="1/dev"/>
+        </inkml:channelProperties>
+      </inkml:inkSource>
+      <inkml:timestamp xml:id="ts0" timeString="2021-11-04T17:14:56.278"/>
+    </inkml:context>
+    <inkml:brush xml:id="br0">
+      <inkml:brushProperty name="width" value="0.025" units="cm"/>
+      <inkml:brushProperty name="height" value="0.025" units="cm"/>
+    </inkml:brush>
+  </inkml:definitions>
+  <inkml:trace contextRef="#ctx0" brushRef="#br0">207 1 24575,'-5'0'0,"0"0"0,-1 2 0,0 0 0,-1 1 0,2 0 0,0 1 0,-2-1 0,-4 5 0,3-3 0,0 1 0,3-2 0,1-2 0,-1 1 0,0-1 0,0 1 0,0-2 0,0 2 0,1-3 0,0 2 0,0-2 0,0 2 0,-1 0 0,3-1 0,-3 1 0,2-1 0,0 0 0,1 0 0,-1-1 0,1 1 0,0-1 0,0 0 0,-1 0 0,0 0 0,-1 0 0,-1 0 0,2 0 0,-1 0 0,2 0 0,-2 0 0,2 0 0,-2 0 0,2 0 0,0 0 0,0 0 0,-1 0 0,1 0 0,0 0 0,-1 0 0,1 0 0,0 0 0,2-1 0,1 0 0,1 0 0,2-1 0,-2 1 0,0-1 0,1 1 0,0 0 0,0-1 0,0 2 0,-1-2 0,1 0 0,0 0 0,0 0 0,0-1 0,1 1 0,-2 0 0,3-1 0,-2 1 0,0 0 0,-1 0 0,1 1 0,-1-1 0,0 0 0,1-1 0,-1 1 0,0 0 0,2 1 0,-2-1 0,2 0 0,-2 1 0,0-1 0,0 2 0,1-1 0,-1 1 0,0-1 0,1 0 0,-1-1 0,0 2 0,0-2 0,0 2 0,-2-1 0,-1 1 0,-3 1 0,-2 1 0,-1-1 0,0 2 0,1-3 0,-1 1 0,2 0 0,-2 0 0,2 2 0,1-2 0,0 2 0,1-3 0,-2 2 0,3-1 0,-2 1 0,2 0 0,0-2 0,1 2 0,-1-1 0,0 1 0,0 0 0,0-2 0,-1 1 0,2 0 0,-1-1 0,1 1 0,-1-1 0,0 1 0,1 0 0,1 1 0,0 1 0,2-1 0,-1 0 0,1-1 0,0 1 0,1 0 0,0 0 0,0-1 0,0 0 0,-1-1 0,1 0 0,-1 0 0,0 0 0,1 0 0,-1 0 0,0 0 0,0 0 0,1 0 0,-1 0 0,1 0 0,0 0 0,2 0 0,-3 0 0,3 0 0,-1 0 0,0 0 0,-1 0 0,-1 0 0,1 0 0,-1 0 0,0 1 0,0 0 0,1 1 0,-1-1 0,-1 1 0,1 0 0,-1 1 0,0-1 0,-1 0 0,0 0 0,0 1 0,0-1 0,0 0 0,-1 0 0,-2 1 0,0-1 0,0 0 0,1 0 0,0 0 0,0-1 0,1 1 0,-1 1 0,1-1 0,-1-1 0,0 1 0,1-1 0,-1 2 0,1-1 0,-1 0 0,0-1 0,2 1 0,-2-1 0,2 1 0,-2-1 0,1 1 0,-1-1 0,2-2 0,1-1 0,0 1 0,1-1 0,0 2 0,1-2 0,-1 1 0,0-1 0,0 2 0,1-2 0,-1 2 0,0-2 0,1 1 0,-2-1 0,1 2 0,-1-1 0,0 0 0,1 1 0,-1-2 0,1 2 0,-2-2 0,2 1 0,-2-1 0,1 1 0,-1-1 0,0 0 0,0 0 0,-2-1 0,0 2 0,-2-1 0,1 1 0,-1-1 0,2 1 0,0 1 0,0 0 0,-1 0 0,1 0 0,0 1 0,1 0 0,-1 2 0,2-1 0,-2-1 0,1 1 0,-1 0 0,2 0 0,-1 0 0,1 0 0,1-1 0,0 0 0,1-1 0,1 0 0,-1 0 0,1 0 0,0 0 0,0 0 0,0 0 0,-1 0 0,0 0 0,1 0 0,-1 0 0,0 0 0,2 0 0,-2 0 0,2 0 0,-1 0 0,0 0 0,0 0 0,0 0 0,-1 0 0,0 0 0,0 0 0,1 0 0,-1 0 0,0 0 0,0 0 0,1 0 0,-1 0 0,0 0 0,0 0 0,1 1 0,-1 1 0,0-1 0,0 1 0,1-2 0,-1 2 0,0-1 0,0 2 0,1-2 0,-1 1 0,0-1 0,1 1 0,0 1 0,0-2 0,0 1 0,1 0 0,-2-1 0,3 1 0,-2-1 0,0 1 0,-1 0 0,1-2 0,-1 1 0,-1 0 0,1-1 0,-1 2 0,2-1 0,-2 1 0,1-2 0,-1 1 0,0 0 0,1-1 0,-1 1 0,2-1 0,-1 0 0,-1 1 0,1-1 0,-1 1 0,0-2 0,0 0 0,-2-1 0,1 0 0,-1 0 0,1-1 0,0 1 0,0 0 0,0 0 0,0-1 0,-1 1 0,0 0 0,0-1 0,0 1 0,1 0 0,-1 0 0,0-1 0,0 2 0,0-1 0,-1 2 0,1-2 0,-2 2 0,1-2 0,0 2 0,0-1 0,-1 0 0,1 0 0,0 0 0,0 1 0,0 0 0,-1 0 0,1 0 0,0 0 0,0 0 0,-1 0 0,1 0 0,0 0 0,0 0 0,-1 0 0,2 1 0,0 1 0,0 0 0,1 0 0,-1 0 0,1 0 0,1 0 0,0-2 0,1-1 0,1-1 0,-2 1 0,1-1 0,-1-1 0,2 2 0,-1-1 0,0 1 0,0-1 0,1 0 0,-2 0 0,1 2 0,-1-2 0,1 1 0,1-1 0,-1 0 0,-1 1 0,1 0 0,-1 0 0,1 1 0,1 0 0,-1 0 0,0 0 0,0 0 0,0 0 0,0 0 0,0 0 0,0 0 0,1 1 0,-1 0 0,0 1 0,-1-1 0,1 0 0,0 1 0,-1-1 0,1 0 0,-2 1 0,1 0 0,-1 0 0,1-1 0,-1 1 0,2-1 0,-2 1 0,0 0 0,-1-1 0,-1 0 0,0-1 0,0 0 0,0 0 0,-2 0 0,3 0 0,-1 0 0</inkml:trace>
+</inkml:ink>
+</file>
+
+<file path=ppt/ink/ink47.xml><?xml version="1.0" encoding="utf-8"?>
+<inkml:ink xmlns:inkml="http://www.w3.org/2003/InkML">
+  <inkml:definitions>
+    <inkml:context xml:id="ctx0">
+      <inkml:inkSource xml:id="inkSrc0">
+        <inkml:traceFormat>
+          <inkml:channel name="X" type="integer" min="-2.14748E9" max="2.14748E9" units="cm"/>
+          <inkml:channel name="Y" type="integer" min="-2.14748E9" max="2.14748E9" units="cm"/>
+          <inkml:channel name="F" type="integer" max="32767" units="dev"/>
+        </inkml:traceFormat>
+        <inkml:channelProperties>
+          <inkml:channelProperty channel="X" name="resolution" value="1000" units="1/cm"/>
+          <inkml:channelProperty channel="Y" name="resolution" value="1000" units="1/cm"/>
+          <inkml:channelProperty channel="F" name="resolution" value="0" units="1/dev"/>
+        </inkml:channelProperties>
+      </inkml:inkSource>
+      <inkml:timestamp xml:id="ts0" timeString="2021-11-04T17:14:56.279"/>
+    </inkml:context>
+    <inkml:brush xml:id="br0">
+      <inkml:brushProperty name="width" value="0.025" units="cm"/>
+      <inkml:brushProperty name="height" value="0.025" units="cm"/>
+    </inkml:brush>
+  </inkml:definitions>
+  <inkml:trace contextRef="#ctx0" brushRef="#br0">1 1 24575,'0'0'0</inkml:trace>
+</inkml:ink>
+</file>
+
+<file path=ppt/ink/ink48.xml><?xml version="1.0" encoding="utf-8"?>
+<inkml:ink xmlns:inkml="http://www.w3.org/2003/InkML">
+  <inkml:definitions>
+    <inkml:context xml:id="ctx0">
+      <inkml:inkSource xml:id="inkSrc0">
+        <inkml:traceFormat>
+          <inkml:channel name="X" type="integer" min="-2.14748E9" max="2.14748E9" units="cm"/>
+          <inkml:channel name="Y" type="integer" min="-2.14748E9" max="2.14748E9" units="cm"/>
+          <inkml:channel name="F" type="integer" max="32767" units="dev"/>
+        </inkml:traceFormat>
+        <inkml:channelProperties>
+          <inkml:channelProperty channel="X" name="resolution" value="1000" units="1/cm"/>
+          <inkml:channelProperty channel="Y" name="resolution" value="1000" units="1/cm"/>
+          <inkml:channelProperty channel="F" name="resolution" value="0" units="1/dev"/>
+        </inkml:channelProperties>
+      </inkml:inkSource>
+      <inkml:timestamp xml:id="ts0" timeString="2021-11-04T17:14:56.280"/>
+    </inkml:context>
+    <inkml:brush xml:id="br0">
+      <inkml:brushProperty name="width" value="0.025" units="cm"/>
+      <inkml:brushProperty name="height" value="0.025" units="cm"/>
+    </inkml:brush>
+  </inkml:definitions>
+  <inkml:trace contextRef="#ctx0" brushRef="#br0">1 0 24575,'0'0'0</inkml:trace>
+</inkml:ink>
+</file>
+
+<file path=ppt/ink/ink49.xml><?xml version="1.0" encoding="utf-8"?>
+<inkml:ink xmlns:inkml="http://www.w3.org/2003/InkML">
+  <inkml:definitions>
+    <inkml:context xml:id="ctx0">
+      <inkml:inkSource xml:id="inkSrc0">
+        <inkml:traceFormat>
+          <inkml:channel name="X" type="integer" min="-2.14748E9" max="2.14748E9" units="cm"/>
+          <inkml:channel name="Y" type="integer" min="-2.14748E9" max="2.14748E9" units="cm"/>
+          <inkml:channel name="F" type="integer" max="32767" units="dev"/>
+        </inkml:traceFormat>
+        <inkml:channelProperties>
+          <inkml:channelProperty channel="X" name="resolution" value="1000" units="1/cm"/>
+          <inkml:channelProperty channel="Y" name="resolution" value="1000" units="1/cm"/>
+          <inkml:channelProperty channel="F" name="resolution" value="0" units="1/dev"/>
+        </inkml:channelProperties>
+      </inkml:inkSource>
+      <inkml:timestamp xml:id="ts0" timeString="2021-11-04T17:14:56.281"/>
+    </inkml:context>
+    <inkml:brush xml:id="br0">
+      <inkml:brushProperty name="width" value="0.025" units="cm"/>
+      <inkml:brushProperty name="height" value="0.025" units="cm"/>
+    </inkml:brush>
+  </inkml:definitions>
+  <inkml:trace contextRef="#ctx0" brushRef="#br0">1 0 24575,'0'0'0</inkml:trace>
+</inkml:ink>
+</file>
+
+<file path=ppt/ink/ink5.xml><?xml version="1.0" encoding="utf-8"?>
+<inkml:ink xmlns:inkml="http://www.w3.org/2003/InkML">
+  <inkml:definitions>
+    <inkml:context xml:id="ctx0">
+      <inkml:inkSource xml:id="inkSrc0">
+        <inkml:traceFormat>
+          <inkml:channel name="X" type="integer" min="-2.14748E9" max="2.14748E9" units="cm"/>
+          <inkml:channel name="Y" type="integer" min="-2.14748E9" max="2.14748E9" units="cm"/>
+          <inkml:channel name="F" type="integer" max="32767" units="dev"/>
+        </inkml:traceFormat>
+        <inkml:channelProperties>
+          <inkml:channelProperty channel="X" name="resolution" value="1000" units="1/cm"/>
+          <inkml:channelProperty channel="Y" name="resolution" value="1000" units="1/cm"/>
+          <inkml:channelProperty channel="F" name="resolution" value="0" units="1/dev"/>
+        </inkml:channelProperties>
+      </inkml:inkSource>
+      <inkml:timestamp xml:id="ts0" timeString="2021-11-04T17:14:56.237"/>
+    </inkml:context>
+    <inkml:brush xml:id="br0">
+      <inkml:brushProperty name="width" value="0.1" units="cm"/>
+      <inkml:brushProperty name="height" value="0.1" units="cm"/>
+    </inkml:brush>
+  </inkml:definitions>
+  <inkml:trace contextRef="#ctx0" brushRef="#br0">289 732 24575,'-7'3'0,"0"0"0,6-1 0,-2 0 0,1 1 0,-3 5 0,3-1 0,-4 2 0,6-3 0,-3-2 0,0 3 0,2-3 0,-5 6 0,5-4 0,-6 10 0,3-9 0,-3 11 0,5-10 0,-5 12 0,6-10 0,-6 15 0,4-14 0,-5 13 0,5-17 0,-3 7 0,4-12 0,-1 5 0,2-4 0,-1 2 0,1-3 0,-1 3 0,2-3 0,-2 1 0,2-1 0,-1 1 0,1 0 0,0-1 0,0 1 0,0 0 0,0 0 0,0 1 0,0 0 0,0 0 0,0-1 0,0 1 0,0-1 0,0 0 0,0 0 0,0-1 0,0 1 0,0 0 0,0-1 0,0 2 0,0-2 0,-1 1 0,0-1 0,0 1 0,0 0 0,0 0 0,0-1 0,0 1 0,0 0 0,1-1 0,-2 1 0,2-1 0,-1 1 0,1 0 0,0 0 0,0-1 0,0 1 0,0 0 0,0 0 0,0 0 0,-1 0 0,1-11 0,-1 7 0,1-9 0,0 8 0,0 0 0,0-2 0,0 2 0,0-1 0,0 1 0,0-2 0,0 2 0,0-1 0,0 0 0,0 0 0,0 1 0,0-1 0,0-1 0,0 1 0,0 0 0,0 0 0,0 0 0,0 0 0,0-1 0,0 0 0,0-1 0,0 0 0,0 0 0,-1 0 0,0 1 0,0 0 0,1 0 0,0-1 0,0 0 0,0 1 0,0-1 0,0 3 0,0-2 0,0 1 0,0 0 0,0-2 0,0 3 0,0-3 0,0 2 0,0-1 0,0 0 0,0 0 0,0 1 0,0 0 0,0 0 0,0-1 0,0 1 0,0-2 0,0 3 0,0-3 0,0 2 0,0-2 0,0 2 0,0-3 0,0 3 0,0-6 0,0 6 0,0-6 0,0 5 0,-1-5 0,1 3 0,-1-3 0,1 5 0,0-6 0,0 7 0,0-9 0,0 9 0,0-9 0,0 8 0,0-7 0,0 8 0,0-4 0,0 4 0,0-5 0,0 5 0,0-4 0,0 4 0,0-1 0,0 2 0,0-2 0,-1 2 0,0-1 0,0 0 0,1 0 0,-1 1 0,1-2 0,-1 1 0,0-3 0,1 3 0,-1-5 0,1 5 0,0-4 0,0 4 0,-1-6 0,1 5 0,-2-6 0,1 5 0,0-5 0,1 6 0,0-3 0,0 3 0,0 0 0,0 2 0,0-2 0,0 1 0,-1-1 0,1-1 0,-1 2 0,1-1 0,0 2 0,0 0 0,0-2 0,0 2 0,0-1 0,0 1 0,0-2 0,0 2 0,0-1 0,0 0 0,0 0 0,0 1 0,-1-2 0,1 2 0,-1 0 0,1-1 0,-1-1 0,1 1 0,-1 0 0,1 1 0,0-2 0,-3 2 0,3-1 0,-2 0 0,2 1 0,-1-1 0,1 0 0,-2 0 0,2 1 0,-1 0 0,1-2 0,-1 2 0,0-1 0,0 0 0,1 1 0,-1-1 0,1 1 0,-1-2 0,1 1 0,-1 2 0,-1-3 0,0 4 0,-1-3 0,0 2 0,2-2 0,-2 1 0,1 0 0,-1 0 0,1 0 0,0 0 0,-1 1 0,1-1 0,0-1 0,0 2 0,-1-2 0,1 3 0,0-3 0,0 1 0,-1 0 0,2 0 0,-1 0 0,1-1 0,-2 2 0,2-2 0,-1 2 0,1-2 0,-1 2 0,-1-2 0,2 1 0,-1-1 0,1 0 0,0 1 0,-1 0 0,1-1 0,0 0 0,-1 0 0,1 1 0,-1 0 0,1-1 0,-1 1 0,1 0 0,-1-1 0,1 1 0,-1 0 0,1 0 0,0-1 0,-1 1 0,1 0 0,-1 0 0,2-2 0,-1 2 0,0-2 0,1 2 0,-1-1 0,0 0 0,1-1 0,-2 1 0,1-1 0,0 2 0,0-1 0,1 0 0,-1 0 0,0-1 0,0 1 0,0 0 0,0 1 0,1-1 0,-1 0 0,0 0 0,1 0 0,-1 1 0,0-1 0,0 0 0,0 1 0,0-2 0,1 2 0,-1 0 0,1-1 0,-1 0 0,1 0 0,-1 1 0,1-1 0,0 0 0,0 0 0,0 0 0,0 0 0,0 1 0,0-1 0,0 0 0,0 0 0,0 1 0,0-1 0,-1 0 0,1 0 0,-1 1 0,1-1 0,0 0 0,0 0 0,0 0 0,0 1 0,0-1 0,0 0 0,0 0 0,0 0 0,0 0 0,0 1 0,0-2 0,0 1 0,0 1 0,0-1 0,0 0 0,0 1 0,0-1 0,0 0 0,0 0 0,0 0 0,1 0 0,-1 1 0,1-1 0,0 0 0,0 1 0,1 0 0,-1 0 0,1 0 0,0-1 0,-1 1 0,1 0 0,-1 0 0,0 0 0,1-1 0,-1 1 0,2 1 0,-1-1 0,0 2 0,0-2 0,1 0 0,-1 1 0,0-1 0,0 0 0,-1 0 0,1-2 0,-1 2 0,0 0 0,0-1 0,0 0 0,0 0 0,1 0 0,-1 1 0,1 0 0,0-1 0,-2 0 0,1 0 0,0 1 0,-1-1 0,2 1 0,-1-1 0,1 0 0,-2 0 0,1 1 0,0 0 0,0-1 0,0 0 0,0 0 0,-1 1 0,1 0 0,1-2 0,-1 2 0,0-1 0,-1 1 0,1-2 0,-1 2 0,1-1 0,0 0 0,-1 0 0,1 0 0,0 1 0,-1 0 0,1-2 0,0 2 0,0-1 0,0 0 0,-1 0 0,0-1 0,0 1 0,3 2 0,-2 0 0,3 1 0,-1 0 0,-1 0 0,1 0 0,-1 0 0,1 0 0,0-1 0,0 1 0,-1-1 0,1 1 0,0 0 0,0 0 0,0 0 0,0 0 0,-1 0 0,1 0 0,0-2 0,-1 2 0,0-3 0,-1 0 0,1 2 0,-1-2 0,2 2 0,-2-1 0,1 0 0,-1-1 0,0 1 0,0-1 0,1 2 0,0-1 0,2 2 0,-1 0 0,-1 0 0,1 0 0,-1 0 0,1 0 0,1 0 0,-2 0 0,1 0 0,0 0 0,0 0 0,0 0 0,0 0 0,-1 0 0,1 0 0,0 0 0,0 0 0,0 1 0,-1 0 0,0 0 0,0 1 0,1-1 0,0 0 0,0-1 0,-1 1 0,1-1 0,0 2 0,-1-2 0,1 1 0,0-1 0,-1 1 0,1-1 0,-1 2 0,2-1 0,-2 0 0,1-1 0,0 1 0,0-1 0,-1 1 0,0 0 0,1-1 0,0 2 0,0-1 0,-1 0 0,0 1 0,1 0 0,-1-1 0,0 1 0,0-1 0,0 0 0,1 1 0,-1-1 0,0 1 0,0 0 0,1-1 0,-1 0 0,0 1 0,1-1 0,0 1 0,0 0 0,-1-2 0,0 1 0,2 0 0,-2 0 0,1 0 0,0 1 0,-1 0 0,0-1 0,0 1 0,1-1 0,-1 0 0,0 1 0,0-1 0,0 1 0,1 0 0,-1-1 0,0 0 0,0 2 0,1-2 0,-1 2 0,0-2 0,0 0 0,1 2 0,-1-2 0,0 2 0,0-2 0,1 1 0,-2 0 0,2 1 0,-2-1 0,2 0 0,-1 0 0,-1 1 0,1-1 0,1 0 0,-1 1 0,-1-1 0,1 0 0,-1 0 0,2 1 0,-1-1 0,-1 0 0,1 0 0,-1 1 0,1-1 0,0 0 0,-1 0 0,1 0 0,1 1 0,-2-2 0,1 3 0,-1-2 0,0 0 0,1 0 0,-1 1 0,1-1 0,-1 0 0,1 0 0,0 1 0,1-1 0,-2 0 0,1 0 0,-1 1 0,1-1 0,1 0 0,-1 1 0,0-2 0,1 1 0,-1-1 0,0 1 0,0 0 0,1 1 0,-1-3 0,0 2 0,0 0 0,1-1 0,-1 1 0,0-1 0,0 0 0,1 1 0,-1-1 0,0 1 0,0 0 0,1-1 0,-1 1 0,1-1 0,-1 0 0,2 0 0,-2 0 0,0 0 0,0 1 0,2-1 0,-2 0 0,1 0 0,0 0 0,-1-1 0,1 1 0,0 0 0,0 0 0,-1 0 0,0-1 0,2 1 0,-2 0 0,1 0 0,0 1 0,-1-2 0,0 2 0,0 0 0,-1 0 0,1 0 0,0 0 0,0 0 0,0 1 0,-1-1 0,1 0 0,-1 1 0,1-1 0,-1 0 0,1 0 0,-1 1 0,0-1 0,0 0 0,1 1 0,-1 0 0,0 0 0,-1-1 0,1 1 0,-1 0 0,2-1 0,-2 2 0,1-2 0,-1 2 0,0 0 0,0 1 0,0 0 0,0 0 0,0-1 0,0-1 0,1 0 0,0 0 0,1 0 0,-2 0 0,1 1 0,0-2 0,-1 2 0,2-1 0,-1 0 0,1 1 0,-2-1 0,2 2 0,-1-3 0,1 2 0,-2-2 0,2 0 0,-1 1 0,1-1 0,0 0 0,-2 0 0,2 1 0,-1-1 0,1 0 0,1 1 0,-1-1 0,0-1 0,0 1 0,1-1 0,-2 2 0,2-1 0,-1 0 0,1 0 0,-1 1 0,0-1 0,1 0 0,-1 0 0,1 1 0,0 0 0,1 0 0,-1 1 0,0-2 0,0 0 0,0 1 0,-1-1 0,-1 0 0,1 0 0,-1 1 0,2-2 0,-1 1 0,0-1 0,0 1 0,1 0 0,-1-1 0,0 0 0,0 1 0,1-2 0,-1 2 0,1 0 0,0-1 0,0 1 0,-1-2 0,1 2 0,0-2 0,-1 1 0,2 0 0,-2 0 0,0 0 0,2-1 0,-2 0 0,1 1 0,0-1 0,-1 1 0,1-1 0,-1 0 0,2 0 0,-1 0 0,-1 0 0,1 0 0,0 0 0,0 0 0,0 0 0,0 0 0,-1 0 0,1 0 0,0 0 0,0 0 0,-1 0 0,2 0 0,-2 0 0,1 0 0,0-1 0,0 0 0,-2-2 0,0 1 0,-1-2 0,0 1 0,0 1 0,-3 0 0,1 1 0,-2 1 0,2 0 0,0 0 0,-1 0 0,0 0 0,0 0 0,0 0 0,0 0 0,0 0 0,1-2 0,0 1 0,0-2 0,0 1 0,0 2 0,-2-1 0,2-1 0,-1 1 0,0-1 0,1 2 0,-1-2 0,0 1 0,0-1 0,1 2 0,0-2 0,-1 2 0,1-2 0,-2 2 0,3-1 0,8 1 0,-3 0 0,6 0 0,-5 0 0,0 0 0,-1 0 0,3 0 0,-4 0 0,1 0 0,0 0 0,-2 0 0,0 0 0,2 0 0,-2 0 0,1 0 0,-1 0 0,2 0 0,-2 0 0,1 0 0,0 0 0,-1 0 0,2 0 0,-1 0 0,-1 0 0,1 0 0,0 0 0,-10 0 0,5 0 0,-8 0 0,8 0 0,0 0 0,-3 0 0,2 0 0,-1 0 0,2 0 0,-2 0 0,1 0 0,0 0 0,1 0 0,-1 0 0,0 0 0,1 0 0,-3-1 0,3 1 0,-2-1 0,2 1 0,0 0 0,-2 0 0,2 0 0,-1-1 0,0 0 0,1 0 0,-1 0 0,0 1 0,0-1 0,1 0 0,0 1 0,-2-1 0,2 1 0,-1-1 0,0 0 0,1 0 0,-1 0 0,0 1 0,0-1 0,1 0 0,0 0 0,0-1 0,-1 1 0,5 7 0,-2-4 0,4 8 0,-4-8 0,2 2 0,-1-2 0,-1 0 0,2 2 0,-2-2 0,1 1 0,0 0 0,0-1 0,1 0 0,1-1 0,-1 2 0,0-1 0,-1 1 0,1-1 0,0-1 0,0 2 0,-1-1 0,0 1 0,0-1 0,-1 0 0,1 2 0,-1-2 0,1 2 0,-1-2 0,1 0 0,-1 1 0,1 0 0,0 0 0,0-1 0,0 0 0,0 2 0,0-2 0,1 0 0,-2 1 0,2-2 0,-1 3 0,1-2 0,-4 0 0,0 0 0,-4 0 0,3 0 0,2 0 0,-1-1 0,1 1 0,-1 0 0,-1 0 0,1-1 0,0 2 0,0-2 0,-1 2 0,2-1 0,-2 0 0,3 0 0,-3-1 0,1 2 0,1-1 0,-1 1 0,1-1 0,-1 1 0,0-1 0,1 1 0,0 0 0,-1-1 0,1 1 0,-1-2 0,0 3 0,1-2 0,-1-1 0,0 2 0,-1-1 0,2 1 0,-2-1 0,2 0 0,-2 1 0,3-1 0,-2 0 0,0 1 0,0-1 0,-1 0 0,2 0 0,-1 0 0,0 1 0,1-1 0,-1 0 0,0 0 0,1 0 0,0 1 0,0 0 0,1 0 0,-1 0 0,0-2 0,1 3 0,-1-2 0,0 1 0,0 0 0,-1-1 0,1 1 0,1 0 0,-1 0 0,1 0 0,-2-1 0,1 1 0,-1-2 0,1 2 0,-2-2 0,1 1 0,-1-2 0,1 2 0,-1-1 0,1 0 0,0 1 0,-1 0 0,1-1 0,-2 0 0,2 0 0,0 0 0,0 1 0,-1-1 0,1 1 0,-1 0 0,1-1 0,0 1 0,0-1 0,0 1 0,-1 0 0,1 0 0,-1 0 0,0-1 0,2 1 0,-2-1 0,0 1 0,1 0 0,0-1 0,0 1 0,-1-1 0,1 0 0,0 1 0,-1 0 0,1-1 0,0 1 0,0-1 0,-1 0 0,1 1 0,0-1 0,0 1 0,-2-1 0,2 0 0,0 1 0,0-1 0,-1 1 0,1 0 0,-1-1 0,0 0 0,1 1 0,0-1 0,-1 1 0,1 0 0,-1-1 0,1 1 0,-2-1 0,3 1 0,-2-1 0,2 2 0,-3-2 0,2 1 0,0-1 0,0 0 0,0 1 0,-1-1 0,0 1 0,0 0 0,1-2 0,0 2 0,-2-1 0,2 0 0,-1 1 0,0-1 0,1 1 0,-1-2 0,0 2 0,0-2 0,1 2 0,0-2 0,-1 2 0,1 0 0,1 0 0,-1 0 0,1 0 0,-1 0 0,0 0 0,1 1 0,0 0 0,0 0 0,0-1 0,1 1 0,-2-1 0,1 1 0,0-1 0,0 2 0,1-2 0,-1 0 0,0 1 0,1 0 0,-2 0 0,2-1 0,-1 0 0,0 1 0,-1 0 0,1 0 0,-1-1 0,2 0 0,-2 0 0,2 2 0,-2-3 0,2 3 0,-1-3 0,0 2 0,-1-1 0,1 1 0,-1-1 0,2 1 0,-2-1 0,2 1 0,-2-1 0,0 1 0,1-1 0,-1 1 0,1-1 0,-1 0 0,0 0 0,0 0 0,1 1 0,0-1 0,-1 0 0,1 0 0,-1 0 0,0 1 0,1-1 0,-1 0 0,0 0 0,0-1 0,0 1 0,-1-1 0,0 1 0,1-2 0,-1 1 0,0 0 0,1-1 0,-1 1 0,1-1 0,-1 1 0,1-1 0,-1 2 0,0-2 0,2 2 0,-3-1 0,2 1 0,-1 0 0,1-2 0,0 2 0,0-1 0,-1 0 0,1 1 0,0 0 0,0-1 0,0 1 0,-1-1 0,2 1 0,-2 1 0,2-1 0,-2 0 0,0-1 0,1 1 0,0-1 0,0 2 0,0-1 0,-1-1 0,1 1 0,0 0 0,1 1 0,-1-1 0,1 1 0,-1-2 0,0 2 0,0 0 0,0-2 0,-1 1 0,0-2 0,2 1 0,-3-1 0,2-3 0,0 1 0,2-2 0,0 2 0,2 0 0,-1-2 0,1 2 0,-1-1 0,1 0 0,0 1 0,-1 0 0,1 0 0,-1-1 0,1 1 0,1-1 0,-1-1 0,1 0 0,-1-1 0,0 1 0,1-1 0,1 0 0,-2 0 0,2-1 0,-1 1 0,-1-2 0,1 2 0,-1 0 0,1 0 0,-1 0 0,1 0 0,-2 0 0,1 0 0,-1 1 0,1-1 0,-2 3 0,2-3 0,-1 1 0,1-1 0,-1 0 0,2 0 0,1-2 0,-2 3 0,2-3 0,-2 4 0,1-2 0,-1 2 0,0-1 0,-2 2 0,0-2 0,0-1 0,0-7 0,0 4 0,0-7 0,-3 2 0,-3-4 0,-2 0 0,-3-3 0,-1 2 0,1-3 0,-3 1 0,4 0 0,-2 3 0,2-2 0,0 5 0,2 0 0,1 1 0,1 1 0,0 2 0,0 0 0,2 2 0,0 1 0,2 1 0,-1 1 0,1 0 0,-1 0 0,1 1 0,0-1 0,0 2 0,2 0 0,-1 1 0,0-1 0,1 0 0,-1 1 0,0-2 0,1 2 0,-1 0 0,1-2 0,-1 2 0,0-1 0,-1 1 0,2-1 0,-4 2 0,2 0 0,-2 1 0,2 0 0,0 0 0,-2 0 0,2 0 0,-3 0 0,3 0 0,-3 0 0,2 0 0,0 0 0,1 0 0,-1 1 0,1 1 0,0 0 0,0 0 0,-1-1 0,1 2 0,1-1 0,-1 0 0,1 1 0,-1-1 0,0 1 0,1-1 0,0 0 0,-1 1 0,1-1 0,-2-1 0,1 1 0,0-1 0,0 1 0,-1-1 0,1 1 0,-1-1 0,1 1 0,-1 0 0,0-2 0,1 2 0,-1-2 0,1 1 0,-2 0 0,3-7 0,0 4 0,1-5 0,0 3 0,0 2 0,0-3 0,0 1 0,0-1 0,0 2 0,0-2 0,0 1 0,0-1 0,0 0 0,0 0 0,0 0 0,0 0 0,0-2 0,0 2 0,0-1 0,0 2 0,0-1 0,0 1 0,0 0 0,0 1 0,0-1 0,0 2 0,0-2 0,0 2 0,0 0 0,0-1 0,0 0 0,0 0 0,0 1 0,-1-1 0,1 0 0,-2 0 0,2 1 0,-2 0 0,1-1 0,-1 1 0,0 0 0,1-1 0,-1 1 0,1 0 0,-1 0 0,-1-1 0,1 1 0,-1 0 0,0 1 0,2-1 0,-2 1 0,2-1 0,-2 0 0,0 2 0,1-1 0,0-1 0,0 2 0,9-2 0,-2 2 0,7 0 0,-4 0 0,-3-1 0,3-1 0,-1-2 0,0 0 0,1 0 0,-3-1 0,2 2 0,-4-1 0,2 1 0,-2-2 0,0 2 0,0-1 0,-1 1 0,1 0 0,-1-1 0,-1 2 0,2-3 0,-2 2 0,0-1 0,1 1 0,-1-2 0,1 1 0,-1-1 0,0 0 0,2 0 0,-2 0 0,0 0 0,2 0 0,-3 1 0,1 0 0,0 1 0,-1 0 0,2-1 0,0 1 0,-1-2 0,0 1 0,0 1 0,-1 0 0,2 1 0,-1-2 0,1 2 0,-2-2 0,2 2 0,-2 0 0,2 0 0,0-2 0,0 2 0,-1-2 0,0 2 0,0-1 0,0 0 0,2-1 0,-2 2 0,2-2 0,-3 2 0,3 0 0,-2 0 0,1-1 0,-1 1 0,1 1 0,0 5 0,-1-2 0,0 4 0,-1-3 0,0-1 0,0 1 0,2 1 0,-2 1 0,2 0 0,-1 0 0,2 1 0,0 1 0,0 3 0,1 0 0,-1 2 0,3 2 0,-1-1 0,1 5 0,1-5 0,-1 5 0,-1-4 0,0 0 0,-2 2 0,0-5 0,0 0 0,-1-2 0,0-3 0,-1 0 0,-1-2 0,0-1 0,0 0 0,0 0 0,0-1 0,0 1 0,0 0 0,0 0 0,0-1 0</inkml:trace>
+</inkml:ink>
+</file>
+
+<file path=ppt/ink/ink50.xml><?xml version="1.0" encoding="utf-8"?>
+<inkml:ink xmlns:inkml="http://www.w3.org/2003/InkML">
+  <inkml:definitions>
+    <inkml:context xml:id="ctx0">
+      <inkml:inkSource xml:id="inkSrc0">
+        <inkml:traceFormat>
+          <inkml:channel name="X" type="integer" min="-2.14748E9" max="2.14748E9" units="cm"/>
+          <inkml:channel name="Y" type="integer" min="-2.14748E9" max="2.14748E9" units="cm"/>
+          <inkml:channel name="F" type="integer" max="32767" units="dev"/>
+        </inkml:traceFormat>
+        <inkml:channelProperties>
+          <inkml:channelProperty channel="X" name="resolution" value="1000" units="1/cm"/>
+          <inkml:channelProperty channel="Y" name="resolution" value="1000" units="1/cm"/>
+          <inkml:channelProperty channel="F" name="resolution" value="0" units="1/dev"/>
+        </inkml:channelProperties>
+      </inkml:inkSource>
+      <inkml:timestamp xml:id="ts0" timeString="2021-11-04T17:14:56.282"/>
+    </inkml:context>
+    <inkml:brush xml:id="br0">
+      <inkml:brushProperty name="width" value="0.025" units="cm"/>
+      <inkml:brushProperty name="height" value="0.025" units="cm"/>
+    </inkml:brush>
+  </inkml:definitions>
+  <inkml:trace contextRef="#ctx0" brushRef="#br0">0 0 24575,'0'0'0</inkml:trace>
+</inkml:ink>
+</file>
+
+<file path=ppt/ink/ink51.xml><?xml version="1.0" encoding="utf-8"?>
+<inkml:ink xmlns:inkml="http://www.w3.org/2003/InkML">
+  <inkml:definitions>
+    <inkml:context xml:id="ctx0">
+      <inkml:inkSource xml:id="inkSrc0">
+        <inkml:traceFormat>
+          <inkml:channel name="X" type="integer" min="-2.14748E9" max="2.14748E9" units="cm"/>
+          <inkml:channel name="Y" type="integer" min="-2.14748E9" max="2.14748E9" units="cm"/>
+          <inkml:channel name="F" type="integer" max="32767" units="dev"/>
+        </inkml:traceFormat>
+        <inkml:channelProperties>
+          <inkml:channelProperty channel="X" name="resolution" value="1000" units="1/cm"/>
+          <inkml:channelProperty channel="Y" name="resolution" value="1000" units="1/cm"/>
+          <inkml:channelProperty channel="F" name="resolution" value="0" units="1/dev"/>
+        </inkml:channelProperties>
+      </inkml:inkSource>
+      <inkml:timestamp xml:id="ts0" timeString="2021-11-04T17:14:56.283"/>
+    </inkml:context>
+    <inkml:brush xml:id="br0">
+      <inkml:brushProperty name="width" value="0.025" units="cm"/>
+      <inkml:brushProperty name="height" value="0.025" units="cm"/>
+    </inkml:brush>
+  </inkml:definitions>
+  <inkml:trace contextRef="#ctx0" brushRef="#br0">17 21 24575,'0'-5'0,"0"1"0,0 0 0,0 1 0,0 1 0,1 1 0,1 0 0,0 1 0,0 0 0,0 0 0,0 0 0,0 0 0,0 0 0,1 1 0,-2 0 0,1 0 0,-2 1 0,1-1 0,0 1 0,-1 0 0,1-1 0,-1 1 0,0 0 0,0 0 0,0 1 0,0-1 0,0 0 0,0 0 0,0 1 0,-1-2 0,0 1 0,-1-1 0,0 0 0,-1 0 0,1 0 0,0-1 0,0 1 0,-1-1 0,1 0 0,0 0 0,0 0 0,-1 0 0,1 0 0,0 0 0,0 0 0,-1 0 0,1 0 0,0-2 0,1 0 0,1 1 0,3 0 0,-1 1 0,1 0 0,0 0 0,-1 1 0,0 0 0,1 1 0,-1 0 0,0-1 0,0 1 0,1 1 0,-1-1 0,0-1 0,0 1 0,1-1 0,-2 2 0,1-1 0,-1 0 0,1 0 0,0 1 0,-1-1 0,0 0 0,1 1 0,-2-1 0,1 0 0,0 0 0,0 1 0,0-1 0,-1 0 0,0 0 0,1 1 0,-1-1 0,1 0 0,-1 0 0,0 1 0,0-1 0,0 0 0,0 0 0,0 0 0,0 1 0,0-1 0,0 0 0,0 0 0,0 0 0,0 1 0,0-1 0,0 0 0,0 0 0,0 1 0,0-1 0,0 0 0,0 0 0,0 0 0,0 1 0,0-1 0,0 0 0,0 0 0,0 1 0,0-1 0,0 0 0,0 0 0,0 1 0,0-1 0,0 0 0,1-1 0,-1 1 0,1-1 0,-1 2 0,0-1 0,1-1 0,0 1 0,2-2 0,-1 1 0,0-1 0,0 0 0,0 0 0,0 0 0,0 1 0,1-1 0,-1 1 0,0-1 0,0 0 0,0 0 0,0 0 0,1 0 0,-2 1 0,1-1 0,-1 1 0,1-1 0,0 1 0,0 0 0,1 0 0,-2 0 0,1-1 0,-3-1 0,2-1 0,-3-1 0,0 1 0,0 0 0,1-1 0,-1 0 0,0 0 0,0 0 0,1 1 0,-1-1 0,0 0 0,0 0 0,0 0 0,1 0 0,0 1 0,-1 0 0,2 0 0,-1-1 0,1 1 0,0 0 0,0 0 0,0 0 0,0 0 0,0 1 0,0 4 0,0-1 0,0 2 0,0-1 0,1-1 0,-1 0 0,2 0 0,-1 1 0,-1-2 0,1 0 0</inkml:trace>
+</inkml:ink>
+</file>
+
+<file path=ppt/ink/ink52.xml><?xml version="1.0" encoding="utf-8"?>
+<inkml:ink xmlns:inkml="http://www.w3.org/2003/InkML">
+  <inkml:definitions>
+    <inkml:context xml:id="ctx0">
+      <inkml:inkSource xml:id="inkSrc0">
+        <inkml:traceFormat>
+          <inkml:channel name="X" type="integer" min="-2.14748E9" max="2.14748E9" units="cm"/>
+          <inkml:channel name="Y" type="integer" min="-2.14748E9" max="2.14748E9" units="cm"/>
+          <inkml:channel name="F" type="integer" max="32767" units="dev"/>
+        </inkml:traceFormat>
+        <inkml:channelProperties>
+          <inkml:channelProperty channel="X" name="resolution" value="1000" units="1/cm"/>
+          <inkml:channelProperty channel="Y" name="resolution" value="1000" units="1/cm"/>
+          <inkml:channelProperty channel="F" name="resolution" value="0" units="1/dev"/>
+        </inkml:channelProperties>
+      </inkml:inkSource>
+      <inkml:timestamp xml:id="ts0" timeString="2021-11-04T17:14:56.284"/>
+    </inkml:context>
+    <inkml:brush xml:id="br0">
+      <inkml:brushProperty name="width" value="0.025" units="cm"/>
+      <inkml:brushProperty name="height" value="0.025" units="cm"/>
+    </inkml:brush>
+  </inkml:definitions>
+  <inkml:trace contextRef="#ctx0" brushRef="#br0">115 0 24575,'-4'0'0,"1"0"0,0 0 0,1 0 0,-3 0 0,4 2 0,-4-1 0,3 1 0,-1 1 0,0-2 0,2 1 0,-1-1 0,-1 0 0,1 1 0,0 0 0,0-1 0,-1 1 0,1-2 0,0 1 0,-1 0 0,1-1 0,0 2 0,0-1 0,-1 1 0,1-2 0,0 2 0,0-2 0,-1 1 0,1 0 0,0-1 0,-1 2 0,0-1 0,-1 2 0,1-2 0,0 2 0,1-2 0,0 0 0,-1 1 0,1-1 0,0 0 0,0 0 0,1 0 0,-1-1 0,1 2 0,-2-2 0,2 2 0,-1 0 0,2 0 0,-1 0 0,1 0 0,0 0 0,0 0 0,0 1 0,0-1 0,0 0 0,1-1 0,0 1 0,2-2 0,-1 1 0,0-1 0,0 0 0,1 1 0,-1 0 0,0 0 0,0 0 0,1-1 0,-1 1 0,-1 0 0,1-1 0,-1 2 0,1-2 0,0 2 0,0-1 0,-2 1 0,2-2 0,-2 2 0,2-1 0,-1 1 0,1 0 0,0 0 0,-2 0 0,2-1 0,-1 1 0,0 0 0,1 1 0,-2-1 0,1 0 0,-1 0 0,1 0 0,0 0 0,0-1 0,-1 1 0,0 0 0,0 1 0,0-1 0,0 0 0,0 0 0,0 0 0,0 0 0,0 1 0,0-1 0,0-1 0,0 0 0</inkml:trace>
+</inkml:ink>
+</file>
+
+<file path=ppt/ink/ink53.xml><?xml version="1.0" encoding="utf-8"?>
+<inkml:ink xmlns:inkml="http://www.w3.org/2003/InkML">
+  <inkml:definitions>
+    <inkml:context xml:id="ctx0">
+      <inkml:inkSource xml:id="inkSrc0">
+        <inkml:traceFormat>
+          <inkml:channel name="X" type="integer" min="-2.14748E9" max="2.14748E9" units="cm"/>
+          <inkml:channel name="Y" type="integer" min="-2.14748E9" max="2.14748E9" units="cm"/>
+          <inkml:channel name="F" type="integer" max="32767" units="dev"/>
+        </inkml:traceFormat>
+        <inkml:channelProperties>
+          <inkml:channelProperty channel="X" name="resolution" value="1000" units="1/cm"/>
+          <inkml:channelProperty channel="Y" name="resolution" value="1000" units="1/cm"/>
+          <inkml:channelProperty channel="F" name="resolution" value="0" units="1/dev"/>
+        </inkml:channelProperties>
+      </inkml:inkSource>
+      <inkml:timestamp xml:id="ts0" timeString="2021-11-04T17:14:56.285"/>
+    </inkml:context>
+    <inkml:brush xml:id="br0">
+      <inkml:brushProperty name="width" value="0.025" units="cm"/>
+      <inkml:brushProperty name="height" value="0.025" units="cm"/>
+    </inkml:brush>
+  </inkml:definitions>
+  <inkml:trace contextRef="#ctx0" brushRef="#br0">237 337 24575,'-5'0'0,"1"0"0,1 0 0,0 0 0,0 0 0,1 0 0,0 0 0,0 0 0,0 0 0,-1 0 0,1 0 0,0 0 0,0 0 0,0 0 0,1-1 0,-1 1 0,2-2 0,-2 2 0,1-2 0,-1 2 0,2-2 0,-2 1 0,2-1 0,-2 2 0,2-2 0,-2 1 0,1-1 0,-1 0 0,2 0 0,-2-1 0,2 1 0,-2 0 0,2 0 0,-1-1 0,0 2 0,0-1 0,0 1 0,0-1 0,1-1 0,-1 1 0,1 0 0,0 0 0,0-1 0,0 1 0,0 0 0,0-1 0,0 1 0,0 0 0,0 0 0,0 0 0,0-1 0,0 1 0,0 0 0,0 0 0,0 0 0,0-1 0,0 1 0,0 0 0,0 0 0,0 0 0,0-1 0,0 1 0,0 0 0,0 0 0,0-1 0,0 1 0,0 0 0,0 0 0,0-1 0,0 1 0,0 0 0,0 0 0,-1 1 0,1-1 0,-2 2 0,2-2 0,-2 0 0,0 0 0,0 0 0,0 0 0,0 0 0,0 0 0,1-1 0,-1 2 0,1-1 0,-1 2 0,1-2 0,-1 2 0,0-1 0,0 0 0,0 0 0,1 0 0,-1 1 0,0 0 0,0 0 0,-1 0 0,1 0 0,0 0 0,0 0 0,0 0 0,0 0 0,0 0 0,-1 0 0,1 0 0,0 0 0,0-1 0,1 0 0,-1-1 0,2 0 0,-2-1 0,1 1 0,-1-1 0,2 0 0,-2 0 0,2 0 0,-2 1 0,1 0 0,-1-1 0,1-1 0,-2 0 0,1-1 0,-1 3 0,2-1 0,-1 2 0,0-3 0,-1 2 0,0 0 0,1 1 0,-3-1 0,3 2 0,-2-1 0,1 1 0,-1 0 0,2 0 0,-4 0 0,4 0 0,-3 0 0,3 0 0,0 0 0,0 0 0,0 0 0,0 0 0,0 0 0,0 0 0,1 0 0,3 1 0,0-1 0,1 2 0,-1-2 0,1 1 0,-1 0 0,0 0 0,1 2 0,-1-1 0,0 0 0,0 1 0,1-1 0,-1 0 0,0 0 0,0 0 0,1 0 0,-1-2 0,-1 2 0,1-1 0,-1 1 0,1-1 0,0 0 0,-1 0 0,1 0 0,-1-1 0,-1-2 0,0-1 0,-1 0 0,0 0 0,0 1 0,-1-2 0,1 2 0,-2-2 0,2 2 0,-1 0 0,1-1 0,-2 1 0,1 0 0,0-1 0,1 1 0,-2 1 0,3-1 0,-2 2 0,1-1 0,-1 1 0,1-1 0,-1 0 0,0 0 0,0 1 0,0 0 0,0 0 0,0-1 0,0 0 0,0-1 0,0 0 0,0 1 0,2-1 0,-1 1 0,0-2 0,1 1 0,-2 0 0,2 0 0,-2-1 0,1 1 0,-1 0 0,2 0 0,-2-1 0,2 1 0,-2 0 0,2 0 0,-1 0 0,0-1 0,0 1 0,0 0 0,1 0 0,0 0 0,0-1 0,0 1 0,0 0 0,0 0 0,-1 0 0,1 0 0,-1 0 0,0-1 0,1 1 0,-1 0 0,1 0 0,0 0 0,0-1 0,-1 2 0,1-1 0,-1 1 0,1-1 0,0-1 0,0 1 0,0 0 0,0 0 0,0 0 0,0 0 0,0-1 0,0 1 0,0 0 0,-1 1 0,0-1 0,0 1 0,0-2 0,1 1 0,-1 0 0,1 0 0,0 0 0,1 1 0,0 0 0,1 1 0,1 0 0,-1 0 0,2 0 0,-2 0 0,2 0 0,-2 0 0,0 1 0,0-1 0,1 1 0,-1-1 0,0 0 0,0 0 0,1 0 0,-1 0 0,0 0 0,0 0 0,0 0 0,0 0 0,0 0 0,0 0 0,-1 0 0</inkml:trace>
+</inkml:ink>
+</file>
+
+<file path=ppt/ink/ink54.xml><?xml version="1.0" encoding="utf-8"?>
+<inkml:ink xmlns:inkml="http://www.w3.org/2003/InkML">
+  <inkml:definitions>
+    <inkml:context xml:id="ctx0">
+      <inkml:inkSource xml:id="inkSrc0">
+        <inkml:traceFormat>
+          <inkml:channel name="X" type="integer" min="-2.14748E9" max="2.14748E9" units="cm"/>
+          <inkml:channel name="Y" type="integer" min="-2.14748E9" max="2.14748E9" units="cm"/>
+          <inkml:channel name="F" type="integer" max="32767" units="dev"/>
+        </inkml:traceFormat>
+        <inkml:channelProperties>
+          <inkml:channelProperty channel="X" name="resolution" value="1000" units="1/cm"/>
+          <inkml:channelProperty channel="Y" name="resolution" value="1000" units="1/cm"/>
+          <inkml:channelProperty channel="F" name="resolution" value="0" units="1/dev"/>
+        </inkml:channelProperties>
+      </inkml:inkSource>
+      <inkml:timestamp xml:id="ts0" timeString="2021-11-04T17:14:56.286"/>
+    </inkml:context>
+    <inkml:brush xml:id="br0">
+      <inkml:brushProperty name="width" value="0.025" units="cm"/>
+      <inkml:brushProperty name="height" value="0.025" units="cm"/>
+    </inkml:brush>
+  </inkml:definitions>
+  <inkml:trace contextRef="#ctx0" brushRef="#br0">72 117 24575,'-4'0'0,"1"-2"0,1 1 0,1-2 0,-1 3 0,0-2 0,1 0 0,-1 0 0,1 0 0,-1-1 0,1 0 0,-3-2 0,4 2 0,-3-2 0,2 2 0,-2-1 0,2 2 0,-1-2 0,2 2 0,-2 0 0,1 0 0,0 0 0,-1 0 0,1-1 0,0 1 0,0 0 0,1 0 0,-1 0 0,0-1 0,1 1 0,-1 0 0,1 0 0,-1 1 0,1-1 0,-1 0 0,1 0 0,-1 0 0,0 0 0,-1-1 0,1 0 0,0 1 0,-1-2 0,1 2 0,-2 0 0,1-1 0,1 1 0,-1 0 0,0 0 0,1-1 0,-1 2 0,2 0 0,-1 1 0</inkml:trace>
+</inkml:ink>
+</file>
+
+<file path=ppt/ink/ink55.xml><?xml version="1.0" encoding="utf-8"?>
+<inkml:ink xmlns:inkml="http://www.w3.org/2003/InkML">
+  <inkml:definitions>
+    <inkml:context xml:id="ctx0">
+      <inkml:inkSource xml:id="inkSrc0">
+        <inkml:traceFormat>
+          <inkml:channel name="X" type="integer" min="-2.14748E9" max="2.14748E9" units="cm"/>
+          <inkml:channel name="Y" type="integer" min="-2.14748E9" max="2.14748E9" units="cm"/>
+          <inkml:channel name="F" type="integer" max="32767" units="dev"/>
+        </inkml:traceFormat>
+        <inkml:channelProperties>
+          <inkml:channelProperty channel="X" name="resolution" value="1000" units="1/cm"/>
+          <inkml:channelProperty channel="Y" name="resolution" value="1000" units="1/cm"/>
+          <inkml:channelProperty channel="F" name="resolution" value="0" units="1/dev"/>
+        </inkml:channelProperties>
+      </inkml:inkSource>
+      <inkml:timestamp xml:id="ts0" timeString="2021-11-04T17:14:56.287"/>
+    </inkml:context>
+    <inkml:brush xml:id="br0">
+      <inkml:brushProperty name="width" value="0.35" units="cm"/>
+      <inkml:brushProperty name="height" value="0.35" units="cm"/>
+    </inkml:brush>
+  </inkml:definitions>
+  <inkml:trace contextRef="#ctx0" brushRef="#br0">0 0 24575,'0'0'0</inkml:trace>
+</inkml:ink>
+</file>
+
+<file path=ppt/ink/ink56.xml><?xml version="1.0" encoding="utf-8"?>
+<inkml:ink xmlns:inkml="http://www.w3.org/2003/InkML">
+  <inkml:definitions>
+    <inkml:context xml:id="ctx0">
+      <inkml:inkSource xml:id="inkSrc0">
+        <inkml:traceFormat>
+          <inkml:channel name="X" type="integer" min="-2.14748E9" max="2.14748E9" units="cm"/>
+          <inkml:channel name="Y" type="integer" min="-2.14748E9" max="2.14748E9" units="cm"/>
+          <inkml:channel name="F" type="integer" max="32767" units="dev"/>
+        </inkml:traceFormat>
+        <inkml:channelProperties>
+          <inkml:channelProperty channel="X" name="resolution" value="1000" units="1/cm"/>
+          <inkml:channelProperty channel="Y" name="resolution" value="1000" units="1/cm"/>
+          <inkml:channelProperty channel="F" name="resolution" value="0" units="1/dev"/>
+        </inkml:channelProperties>
+      </inkml:inkSource>
+      <inkml:timestamp xml:id="ts0" timeString="2021-11-04T17:14:56.288"/>
+    </inkml:context>
+    <inkml:brush xml:id="br0">
+      <inkml:brushProperty name="width" value="0.35" units="cm"/>
+      <inkml:brushProperty name="height" value="0.35" units="cm"/>
+    </inkml:brush>
+  </inkml:definitions>
+  <inkml:trace contextRef="#ctx0" brushRef="#br0">1 1 24575,'0'0'0</inkml:trace>
+</inkml:ink>
+</file>
+
+<file path=ppt/ink/ink57.xml><?xml version="1.0" encoding="utf-8"?>
+<inkml:ink xmlns:inkml="http://www.w3.org/2003/InkML">
+  <inkml:definitions>
+    <inkml:context xml:id="ctx0">
+      <inkml:inkSource xml:id="inkSrc0">
+        <inkml:traceFormat>
+          <inkml:channel name="X" type="integer" min="-2.14748E9" max="2.14748E9" units="cm"/>
+          <inkml:channel name="Y" type="integer" min="-2.14748E9" max="2.14748E9" units="cm"/>
+          <inkml:channel name="F" type="integer" max="32767" units="dev"/>
+        </inkml:traceFormat>
+        <inkml:channelProperties>
+          <inkml:channelProperty channel="X" name="resolution" value="1000" units="1/cm"/>
+          <inkml:channelProperty channel="Y" name="resolution" value="1000" units="1/cm"/>
+          <inkml:channelProperty channel="F" name="resolution" value="0" units="1/dev"/>
+        </inkml:channelProperties>
+      </inkml:inkSource>
+      <inkml:timestamp xml:id="ts0" timeString="2021-11-04T17:14:56.289"/>
+    </inkml:context>
+    <inkml:brush xml:id="br0">
+      <inkml:brushProperty name="width" value="0.35" units="cm"/>
+      <inkml:brushProperty name="height" value="0.35" units="cm"/>
+    </inkml:brush>
+  </inkml:definitions>
+  <inkml:trace contextRef="#ctx0" brushRef="#br0">0 0 24575,'0'0'0</inkml:trace>
+</inkml:ink>
+</file>
+
+<file path=ppt/ink/ink58.xml><?xml version="1.0" encoding="utf-8"?>
+<inkml:ink xmlns:inkml="http://www.w3.org/2003/InkML">
+  <inkml:definitions>
+    <inkml:context xml:id="ctx0">
+      <inkml:inkSource xml:id="inkSrc0">
+        <inkml:traceFormat>
+          <inkml:channel name="X" type="integer" min="-2.14748E9" max="2.14748E9" units="cm"/>
+          <inkml:channel name="Y" type="integer" min="-2.14748E9" max="2.14748E9" units="cm"/>
+          <inkml:channel name="F" type="integer" max="32767" units="dev"/>
+        </inkml:traceFormat>
+        <inkml:channelProperties>
+          <inkml:channelProperty channel="X" name="resolution" value="1000" units="1/cm"/>
+          <inkml:channelProperty channel="Y" name="resolution" value="1000" units="1/cm"/>
+          <inkml:channelProperty channel="F" name="resolution" value="0" units="1/dev"/>
+        </inkml:channelProperties>
+      </inkml:inkSource>
+      <inkml:timestamp xml:id="ts0" timeString="2021-11-04T17:14:56.290"/>
+    </inkml:context>
+    <inkml:brush xml:id="br0">
+      <inkml:brushProperty name="width" value="0.35" units="cm"/>
+      <inkml:brushProperty name="height" value="0.35" units="cm"/>
+    </inkml:brush>
+  </inkml:definitions>
+  <inkml:trace contextRef="#ctx0" brushRef="#br0">0 1 24575,'0'0'0</inkml:trace>
+</inkml:ink>
+</file>
+
+<file path=ppt/ink/ink59.xml><?xml version="1.0" encoding="utf-8"?>
+<inkml:ink xmlns:inkml="http://www.w3.org/2003/InkML">
+  <inkml:definitions>
+    <inkml:context xml:id="ctx0">
+      <inkml:inkSource xml:id="inkSrc0">
+        <inkml:traceFormat>
+          <inkml:channel name="X" type="integer" min="-2.14748E9" max="2.14748E9" units="cm"/>
+          <inkml:channel name="Y" type="integer" min="-2.14748E9" max="2.14748E9" units="cm"/>
+          <inkml:channel name="F" type="integer" max="32767" units="dev"/>
+        </inkml:traceFormat>
+        <inkml:channelProperties>
+          <inkml:channelProperty channel="X" name="resolution" value="1000" units="1/cm"/>
+          <inkml:channelProperty channel="Y" name="resolution" value="1000" units="1/cm"/>
+          <inkml:channelProperty channel="F" name="resolution" value="0" units="1/dev"/>
+        </inkml:channelProperties>
+      </inkml:inkSource>
+      <inkml:timestamp xml:id="ts0" timeString="2021-11-04T17:14:56.291"/>
+    </inkml:context>
+    <inkml:brush xml:id="br0">
+      <inkml:brushProperty name="width" value="0.35" units="cm"/>
+      <inkml:brushProperty name="height" value="0.35" units="cm"/>
+    </inkml:brush>
+  </inkml:definitions>
+  <inkml:trace contextRef="#ctx0" brushRef="#br0">0 0 24575,'0'0'0</inkml:trace>
+</inkml:ink>
+</file>
+
+<file path=ppt/ink/ink6.xml><?xml version="1.0" encoding="utf-8"?>
+<inkml:ink xmlns:inkml="http://www.w3.org/2003/InkML">
+  <inkml:definitions>
+    <inkml:context xml:id="ctx0">
+      <inkml:inkSource xml:id="inkSrc0">
+        <inkml:traceFormat>
+          <inkml:channel name="X" type="integer" min="-2.14748E9" max="2.14748E9" units="cm"/>
+          <inkml:channel name="Y" type="integer" min="-2.14748E9" max="2.14748E9" units="cm"/>
+          <inkml:channel name="F" type="integer" max="32767" units="dev"/>
+        </inkml:traceFormat>
+        <inkml:channelProperties>
+          <inkml:channelProperty channel="X" name="resolution" value="1000" units="1/cm"/>
+          <inkml:channelProperty channel="Y" name="resolution" value="1000" units="1/cm"/>
+          <inkml:channelProperty channel="F" name="resolution" value="0" units="1/dev"/>
+        </inkml:channelProperties>
+      </inkml:inkSource>
+      <inkml:timestamp xml:id="ts0" timeString="2021-11-04T17:14:56.238"/>
+    </inkml:context>
+    <inkml:brush xml:id="br0">
+      <inkml:brushProperty name="width" value="0.1" units="cm"/>
+      <inkml:brushProperty name="height" value="0.1" units="cm"/>
+    </inkml:brush>
+  </inkml:definitions>
+  <inkml:trace contextRef="#ctx0" brushRef="#br0">0 379 24575,'2'7'0,"0"0"0,-1-5 0,0 0 0,1 0 0,-2 1 0,2 0 0,-1 1 0,1-1 0,-2 0 0,1 0 0,0-1 0,0 1 0,0-1 0,0 2 0,0-2 0,1 0 0,0 0 0,-1 0 0,1 1 0,-1 0 0,2-1 0,-2 1 0,0 0 0,0-1 0,0 0 0,0 0 0,1 1 0,-1-1 0,1 0 0,-1 0 0,0 1 0,1-1 0,-1 0 0,2 0 0,-1 1 0,-1-2 0,1 2 0,-1 0 0,2-1 0,-2 0 0,1 0 0,-1 0 0,1 0 0,0 0 0,1-1 0,-2 1 0,1 0 0,-1 1 0,1-1 0,1 0 0,-1 0 0,0-1 0,0 1 0,0 0 0,0 0 0,1-1 0,-1 1 0,0-1 0,0 1 0,0 0 0,1-1 0,-1 0 0,0 1 0,0-1 0,0 1 0,1 0 0,-1-1 0,0 0 0,0 1 0,1-1 0,0 0 0,-1 1 0,1 0 0,-2-1 0,2 1 0,1-2 0,-3 2 0,3-2 0,-3 1 0,3 0 0,-1-1 0,-2 2 0,3-1 0,-3 0 0,3 0 0,-2 0 0,0 0 0,1 1 0,-1-2 0,1 1 0,1-1 0,-2 0 0,1 0 0,-1 1 0,1 0 0,0 0 0,0-1 0,-1 1 0,1-1 0,0 1 0,0-1 0,0 0 0,-1 0 0,1 0 0,0 0 0,0 0 0,-1 0 0,2 0 0,-2 0 0,0 1 0,1-1 0,0 1 0,0-1 0,-1 0 0,2 0 0,-2 0 0,1 0 0,-1 0 0,2 0 0,-2 0 0,1 0 0,-1 0 0,2 0 0,-2 0 0,1 0 0,-1 0 0,2 0 0,-2 0 0,1 0 0,0 0 0,0 0 0,0 0 0,-1 0 0,2 0 0,-2 0 0,1 0 0,0 0 0,0 0 0,0 0 0,-1-1 0,1 1 0,0-2 0,0 1 0,-1-1 0,0 2 0,0-2 0,1 1 0,-1-1 0,0 0 0,1 1 0,0 0 0,0 1 0,0-1 0,-1 1 0,1-1 0,-1 1 0,2-2 0,-2 2 0,1-1 0,-1 1 0,2 0 0,-2-1 0,1 1 0,0-1 0,0 1 0,-1 0 0,1 0 0,0 0 0,0 0 0,-1 0 0,1 0 0,0 0 0,0 0 0,-1 0 0,1 0 0,0 0 0,0 0 0,0 0 0,0 0 0,0 0 0,0 0 0,0 0 0,-1 0 0,1 0 0,0 0 0,0 0 0,-1 0 0,1 0 0,-1 0 0,1 2 0,0 0 0,-1-1 0,1 0 0,-1 0 0,1-1 0,0 3 0,-1-2 0,1 2 0,0-2 0,-1 0 0,0 1 0,1 0 0,-1 0 0,0 0 0,0 0 0,1 1 0,-1-1 0,0 0 0,2 1 0,-2-1 0,2 0 0,-2 0 0,0 2 0,1-1 0,-1 1 0,0-1 0,1 0 0,-1 0 0,0 0 0,1 0 0,-1 0 0,0-1 0,0 1 0,0-1 0,-2 0 0,2 1 0,-2 0 0,2-1 0,-1 2 0,1-2 0,0 0 0,-2 1 0,1 0 0,0 0 0,-1-1 0,1 0 0,-1 3 0,0-2 0,0 1 0,0-2 0,0 0 0,0 2 0,0-2 0,0 2 0,-1-1 0,1 0 0,-2 0 0,1-1 0,-1 1 0,2 0 0,-2-1 0,2 2 0,-2-2 0,2 0 0,-3 0 0,2 2 0,0-2 0,-1 1 0,2 0 0,-2-1 0,2 1 0,-1 0 0,1 0 0,-1-1 0,0 0 0,0 2 0,1-2 0,0 1 0,0 0 0,-1-1 0,1 1 0,-1 0 0,0 0 0,1-1 0,-2 0 0,2 2 0,-2-3 0,1 3 0,0-3 0,1 3 0,0-1 0,-1-1 0,1 2 0,-1-2 0,1 0 0,-1 1 0,0 0 0,-1 0 0,0-1 0,2 1 0,-2-1 0,1 1 0,-1 0 0,0 0 0,0-2 0,1 1 0,0 0 0,-1 1 0,1-1 0,0 1 0,0-2 0,0 3 0,1-1 0,-1-1 0,1 1 0,0 0 0,0 0 0,0 0 0,0-1 0,0 0 0,0 2 0,0-2 0,0 3 0,0-3 0,0 2 0,0-2 0,0 0 0,0 2 0,0-2 0,0 2 0,0-2 0,0 0 0,0 1 0,0 0 0,0 0 0,0-1 0,0 1 0,1 0 0,-1-1 0,1 2 0,-1-2 0,0 0 0,0 1 0,0 0 0,0 0 0,0 0 0,1-1 0,-1 1 0,1-1 0,-1 2 0,0-2 0,0 1 0,0-1 0,0 2 0,0-1 0,0-1 0,0 1 0,0 0 0,0 0 0,0-1 0,0 1 0,0 0 0,0 0 0,0-1 0,0 1 0,0 1 0,0-2 0,0 1 0,0-1 0,-1 1 0,1 0 0,-1-1 0,0 2 0,1-2 0,-1 0 0,0 1 0,0 0 0,0 0 0,1-1 0,0 1 0,-1 0 0,1 0 0,-1-1 0,1 1 0,-1 0 0,1-1 0,-1 1 0,0 0 0,1-1 0,-2 1 0,1-1 0,0 2 0,0-2 0,1 0 0,-2 0 0,1 1 0,0-1 0,-1 0 0,2 1 0,-2-1 0,1 1 0,-1-1 0,1 1 0,0-1 0,-1 0 0,1 1 0,-1 0 0,1 0 0,0-1 0,-1 1 0,1 0 0,0 0 0,-1-1 0,1 0 0,0 0 0,-1 0 0,0 0 0,1 1 0,-1-1 0,1 1 0,0-1 0,-1 1 0,2 0 0,-2-1 0,0 0 0,1 0 0,-1 0 0,2 1 0,-2 0 0,2 0 0,-1-1 0,1 1 0,-1 0 0,0 0 0,0-1 0,1 1 0,-1 0 0,1-1 0,-1 2 0,0-2 0,1 0 0,-1 2 0,0-2 0,1 3 0,-2-2 0,1 1 0,0-1 0,0 2 0,1-2 0,-2 1 0,2 0 0,-1-1 0,0 0 0,0 1 0,0-1 0,1 0 0,-1 0 0,1-1 0,-1 1 0,1 0 0,-1 0 0,1-1 0,-1 1 0,0 0 0,1-1 0,-1 2 0,-1-2 0,2 0 0,-1 1 0,0 0 0,1 0 0,-1 0 0,1-1 0,-1 1 0,1 0 0,-1 0 0,0-1 0,0 0 0,1 1 0,0 0 0,0 0 0,0-1 0,0 2 0,0-2 0,0 1 0,0 0 0,0-1 0,0 1 0,0 0 0,0 0 0,0-1 0,0 1 0,0 0 0,-1 0 0,0-1 0,0 1 0,1 0 0,0-1 0,0 1 0,0 1 0,0-2 0,0 1 0,0 0 0,0 0 0,0 0 0,-1-1 0,1 1 0,-2-1 0,2 1 0,5-6 0,-3 1 0,5-3 0,-5 3 0,1 2 0,-1-2 0,1 1 0,0 0 0,0 0 0,-1 0 0,0 0 0,1-1 0,-1 1 0,0 0 0,0-1 0,1 1 0,-1-1 0,0 0 0,0 1 0,1-1 0,-1 0 0,0 0 0,0 0 0,1 1 0,-1-1 0,0 0 0,-1-1 0,1 1 0,0 0 0,0 0 0,0-1 0,-1 1 0,1 0 0,0 0 0,-1-1 0,1 1 0,-2 0 0,2 0 0,-1-2 0,1 2 0,0-1 0,-2 0 0,2 1 0,-1 0 0,0 0 0,1-1 0,-1 1 0,1 0 0,-1-1 0,0 0 0,1 0 0,-2 1 0,2 0 0,-1 0 0,0-1 0,1 1 0,0-1 0,-1 0 0,1 0 0,-2 1 0,2 0 0,-1-2 0,1 2 0,0-2 0,-2 2 0,2 0 0,-1-1 0,1 0 0,0 1 0,-1-1 0,0 1 0,1-1 0,-2 1 0,2 0 0,0-2 0,0 3 0,-1-2 0,1 1 0,-1-1 0,2 1 0,-2-2 0,1 3 0,-1-2 0,0 2 0,1-3 0,-1 2 0,1 0 0,-1 0 0,1-1 0,-1 1 0,1 0 0,0 0 0,-1-1 0,1 1 0,-1 0 0,0 0 0,1-1 0,0 1 0,-1 0 0,1 0 0,-1 0 0,1-1 0,-1 1 0,1 0 0,-1-1 0,2 0 0,-2 0 0,1 1 0,-2 0 0,2-1 0,-1 1 0,1 0 0,0 0 0,-1-1 0,0 1 0,1 0 0,-1 0 0,1 0 0,0-1 0,0 1 0,-1 0 0,0 0 0,1-1 0,-1 1 0,1 0 0,0 0 0,-1-1 0,0 1 0,1 0 0,-1 0 0,1 0 0,0-1 0,-2 1 0,2 0 0,-1-1 0,1 0 0,0 0 0,0 1 0,-1 0 0,1-1 0,-1 2 0,0-3 0,0 2 0,1 0 0,-1 0 0,1-1 0,-2 1 0,2 0 0,-2-1 0,2 1 0,0-2 0,-1 3 0,1-3 0,-2 2 0,2 0 0,-1 0 0,1-1 0,0 1 0,-2 0 0,2 0 0,-1-2 0,0 2 0,1-1 0,-2 0 0,2 1 0,0 0 0,-1 0 0,0-2 0,0 3 0,-1-3 0,1 2 0,0-1 0,1 0 0,-1 0 0,1 0 0,-2 1 0,1 0 0,0-2 0,0 2 0,1-1 0,-1 0 0,0 1 0,-1-1 0,1 0 0,0 0 0,-1 1 0,1-1 0,0 0 0,0 1 0,1-2 0,0 2 0,-2 0 0,2-3 0,-2 2 0,2-1 0,-1 0 0,-1 2 0,1-2 0,0 2 0,-1 0 0,1-2 0,0 2 0,0-2 0,1 2 0,-2 0 0,2-1 0,-2 0 0,1 0 0,0 0 0,-1 1 0,3-1 0,-3 0 0,1-2 0,0 3 0,-1-2 0,2 1 0,-1 0 0,1 0 0,-2-1 0,2 2 0,-2-2 0,2 2 0,-2 0 0,3-1 0,-3 0 0,2 1 0,-2-2 0,1 2 0,0 0 0,-1-1 0,2 1 0,-1-3 0,1 3 0,-2-3 0,1 3 0,0 0 0,-1-2 0,2 2 0,-2-3 0,1 3 0,0-2 0,0 2 0,0 0 0,0-2 0,-1 1 0,1 0 0,0 1 0,-1-1 0,1 0 0,1-1 0,-2 1 0,1-1 0,-1 2 0,1-2 0,-1 2 0,1-2 0,0 2 0,0 0 0,0-2 0,-1 2 0,1-2 0,-1 1 0,1 0 0,0-2 0,-1 3 0,3-2 0,-3 2 0,2 0 0,-1-3 0,0 3 0,1-3 0,-1 2 0,0 0 0,0-2 0,1 1 0,-1 1 0,1-2 0,-2 2 0,2 0 0,-1-1 0,0 2 0,0-2 0,-1 1 0,1 0 0,0 0 0,-1-1 0,1 2 0,0-2 0,-1 0 0,1 2 0,0-2 0,0 1 0,0 0 0,0-1 0,-1 1 0,2 0 0,-1-3 0,1 3 0,-2-4 0,1 4 0,0-2 0,-1 3 0,1-2 0,-1 2 0,1-1 0,0 0 0,0 0 0,-1 0 0,1 1 0,-1-1 0,1 0 0,-1 0 0,0 1 0,-1 0 0,-3 0 0,1 1 0,-3 2 0,3 1 0,0 0 0,-2 1 0,3-1 0,-3 1 0,1 1 0,-1 1 0,1-1 0,0 1 0,0-1 0,0 1 0,-1 0 0,2-1 0,-1 0 0,1 0 0,-1 1 0,1-1 0,0 2 0,-2-2 0,1 3 0,0-2 0,-1 0 0,3 1 0,-3 0 0,2 0 0,-1 1 0,2-2 0,-1 2 0,0-1 0,1-1 0,-1 3 0,0-1 0,1 1 0,-1 1 0,0-1 0,2 0 0,-2 0 0,2 1 0,-2-1 0,0 0 0,0 1 0,1-1 0,-1 2 0,0-3 0,0 4 0,0-3 0,1 2 0,-1-2 0,0 0 0,0 2 0,0-1 0,1-1 0,-1 0 0,2-1 0,-2 1 0,2 0 0,-2 2 0,0-1 0,-1 8 0,1-7 0,-2 7 0,2-7 0,0 2 0,0-2 0,1 0 0,-1-1 0,1-2 0,0 0 0,1-1 0,-1 0 0,2-1 0,-2 0 0,1 0 0,0-1 0,0 1 0,1-3 0,-2 2 0,1-2 0,0 0 0,1 2 0,0-2 0,0-8 0,0 4 0,0-9 0,0 7 0,0-1 0,2-2 0,-1 2 0,2-1 0,-1-1 0,1 0 0,0-3 0,0 2 0,1-4 0,1 2 0,-1-4 0,2 1 0,-1-3 0,1 2 0,1 0 0,-1-2 0,0 2 0,1-2 0,-1 0 0,0 1 0,-1-1 0,0 4 0,-1-4 0,0 4 0,0-4 0,-1 4 0,2-4 0,-1 3 0,0-2 0,-1 2 0,0-2 0,0 2 0,-1-1 0,1 4 0,-3-1 0,2 2 0,-1-1 0,1 2 0,-2 0 0,2 0 0,-1-2 0,-1-1 0,3 1 0,-2-7 0,1 6 0,1-7 0,-3 6 0,3 0 0,-3 2 0,3-1 0,-3 2 0,3-1 0,-3 3 0,1 1 0,-1-1 0,1 3 0,-1-2 0,1 3 0,-1 0 0,0 1 0,0-1 0,0 0 0,0 1 0,1-1 0,0 0 0,0 1 0,0-1 0,-1 1 0,2-2 0,-2 2 0,1 0 0,0-2 0,0 2 0,2-1 0,-2-1 0,1 2 0,-1-2 0,0 2 0,1 0 0,-1-1 0,1 1 0,-1-1 0,0 0 0,1 1 0,-1-2 0,2 2 0,-1-3 0,1 1 0,-1-1 0,1 0 0,-1 0 0,0 1 0,0 0 0,0 2 0,-2 0 0,1 9 0,0-4 0,1 8 0,0-6 0,1 0 0,-1 0 0,1-1 0,-1 1 0,-1-3 0,2 2 0,-2-2 0,0 0 0,1 2 0,-2-2 0,1 1 0,-1 0 0,0-12 0,-1 7 0,1-9 0,-1 8 0,1 0 0,0-1 0,-1 0 0,1 0 0,-1-1 0,0 3 0,0-3 0,-1 1 0,2-1 0,-1 1 0,0-1 0,0 2 0,0-1 0,0-1 0,1 1 0,-1 1 0,1-1 0,0 1 0,0 0 0,0-1 0,0 2 0,-1 0 0,0-1 0,0 0 0,1 0 0,0 1 0,0-2 0,0 2 0,0-1 0,-1 0 0,1 1 0,-2-1 0,2 1 0,-1-2 0,0 2 0,1 0 0,-1-1 0,0 0 0,0 0 0,0 0 0,1 1 0,-1-1 0,1 0 0,-2 1 0,1-1 0,0 2 0,-1-2 0,1 0 0,-1 1 0,1 0 0,0 0 0,-1-1 0,2 0 0,-1 0 0,1 1 0,-1 0 0,0-2 0,-2 2 0,2-1 0,-1 1 0,1 0 0,-1 0 0,0 0 0,0-1 0,0 2 0,-1-2 0,1 2 0,0 0 0,0-1 0,0 1 0,0-1 0,0-1 0,-1 1 0,1 1 0,-1 0 0,1 1 0,-1 1 0,1 0 0,-1 0 0,0 0 0,0-1 0,0 1 0,0-1 0,1 0 0,-1 0 0,0 0 0,0 0 0,1 0 0,-1 0 0,0 0 0,0 0 0,1 0 0,-1 0 0,0 0 0,0 1 0,0-1 0,1 1 0,-1-1 0,0 0 0,0 0 0,1 0 0,-2 0 0,2 0 0,0 0 0,-1 0 0,-1 0 0,0 0 0,1 0 0,0 0 0,1 0 0,-1 0 0,0 0 0,0 0 0,1 0 0,-2 0 0,2 0 0,-3 0 0,1 0 0,0 0 0,0 0 0,0 0 0,-1 0 0,1 0 0,-1 0 0,3 0 0,-3 0 0,2 0 0,-1 0 0,1 0 0,0 0 0,0 0 0,1 0 0,-1 0 0,0 0 0,0-1 0,1 1 0,0-1 0,-2 0 0,2 1 0,-1-2 0,0 1 0,2 0 0,-2 0 0,1 0 0,-1 0 0,1-1 0,0 1 0,0-2 0,0 2 0,-1-1 0,0 2 0,0-1 0,1 0 0,0 0 0,0-1 0,0 0 0,0-1 0,0 1 0,1 0 0,-1 1 0,0-1 0,-2 0 0,2 1 0,-1-1 0,1 1 0,-1 0 0,11 0 0,-5 1 0,8 0 0,-6 0 0,-1 0 0,1 0 0,-3 0 0,2 1 0,-1 0 0,0 0 0,0 2 0,0-2 0,-1 1 0,0-1 0,0 1 0,1 0 0,-1 0 0,-1 0 0,2-1 0,-1 0 0,2-1 0,-1 0 0,-1 0 0,1 0 0,0 0 0,0 0 0,-9-3 0,4 3 0,-6-3 0,6 3 0,-2-2 0,2 2 0,-2-2 0,2 2 0,0-2 0,-2 2 0,3-3 0,-3 3 0,2-2 0,-1 2 0,1-2 0,0 1 0,0-1 0,-1 1 0,0-1 0,1 1 0,-1 0 0,0 0 0,1 1 0,-1-2 0,0 2 0,0-2 0,0 2 0,0-2 0,0 1 0,0-1 0,1 2 0,0-2 0,0 1 0,-1 0 0,0-1 0,1 1 0,0-1 0,-1 1 0,1-1 0,-1 1 0,1-1 0,0 2 0,-1-2 0,0 1 0,0 0 0,1 1 0,0-3 0,2 0 0,0 0 0,0 0 0,0 0 0,0 0 0,0 1 0,0-1 0,-3 0 0,3 1 0,-2 0 0,1 0 0,0 0 0,-2-1 0,1 1 0,1-1 0,-1 2 0,1-1 0,-1 0 0,1-1 0,-1 1 0,0 0 0,0 1 0,-1 0 0,1 1 0,-1 0 0,-1 0 0,2 1 0,-1-1 0,0 1 0,1 0 0,-1-1 0,0 1 0,0-1 0,1 1 0,0 0 0,-2 0 0,2-1 0,-1 0 0,0 0 0,0 0 0,1 0 0,-2 0 0,2 0 0,-1 0 0,0 0 0,0 0 0,1 0 0,-1 0 0,1 0 0,-1 0 0,-1 0 0,2 0 0,-1 0 0,0 0 0,1 0 0,-2 0 0,1 0 0,1 0 0,-1 0 0,0 0 0,1 0 0,-1 0 0,0 0 0,0 0 0,1 0 0,-1 0 0,0 0 0,1 0 0,-2 0 0,2 0 0,0 0 0,-1 0 0,0 0 0,0 0 0,1 0 0,-1 0 0,0 0 0,0 0 0,0-1 0,1 0 0,-1 1 0,0 0 0,0 0 0,0 0 0,0 0 0,1 0 0,-1 0 0,0 0 0,0 0 0,0 0 0,0 0 0,1 0 0,-1 2 0,1 0 0,0 0 0,1 0 0,-1 1 0,0-1 0,0 0 0,0 0 0,0 0 0,0 1 0,2-1 0,-2 0 0,1 0 0,0 1 0,-1-1 0,0 0 0,1 0 0,-1 0 0,1 0 0,0 1 0,-1-1 0,2 1 0,-1-1 0,1 1 0,0 0 0,0 0 0,0-1 0,0 2 0,0-2 0,0 1 0,0 0 0,0 0 0,0 0 0,0-1 0,0 1 0,-2-1 0,0 1 0,-1-2 0,1 0 0,-2-1 0,2 0 0,-2 0 0,1 0 0,0 1 0,0-1 0,0 1 0,0-1 0,0 1 0,0-1 0,1 1 0,-1-1 0,0 1 0,0 0 0,0 0 0,0-1 0,1 1 0,-1-1 0,0 1 0,0-1 0,1 0 0,-1 0 0,1 3 0,1-1 0,1 2 0,0-2 0,0 0 0,0 1 0,0 0 0,0 0 0,0-1 0,0 1 0,0 0 0,0 0 0,0-1 0,0 1 0,0 0 0,0 0 0,0-1 0,0 1 0,0 0 0,0 0 0,0-1 0,0 1 0,-1 0 0,0 0 0,0-1 0,1 1 0,0 0 0,0 0 0,-1-1 0,1 1 0,-1 0 0,1-1 0,0 1 0,0 0 0,-1 0 0,1-1 0,-1 2 0,1-2 0,0 0 0,0 2 0,0-2 0,-1 3 0,0-3 0,0 3 0,1-1 0,0 1 0,0-1 0,0 0 0,0 0 0,0 0 0,0 1 0,-1-3 0,1 2 0,-1-1 0,1 0 0,0 0 0,-1 0 0,1-1 0,-1 1 0,1 0 0,-1 0 0,0 0 0,0-1 0,0 1 0,1 0 0,-1 0 0,0-1 0,1 1 0,-1 0 0,1-1 0,0 1 0,-1-1 0,1 1 0,-3-1 0,0 0 0,0-2 0,0 1 0,1 0 0,0 2 0,1-1 0,1 1 0,0-1 0</inkml:trace>
+</inkml:ink>
+</file>
+
+<file path=ppt/ink/ink60.xml><?xml version="1.0" encoding="utf-8"?>
+<inkml:ink xmlns:inkml="http://www.w3.org/2003/InkML">
+  <inkml:definitions>
+    <inkml:context xml:id="ctx0">
+      <inkml:inkSource xml:id="inkSrc0">
+        <inkml:traceFormat>
+          <inkml:channel name="X" type="integer" min="-2.14748E9" max="2.14748E9" units="cm"/>
+          <inkml:channel name="Y" type="integer" min="-2.14748E9" max="2.14748E9" units="cm"/>
+          <inkml:channel name="F" type="integer" max="32767" units="dev"/>
+        </inkml:traceFormat>
+        <inkml:channelProperties>
+          <inkml:channelProperty channel="X" name="resolution" value="1000" units="1/cm"/>
+          <inkml:channelProperty channel="Y" name="resolution" value="1000" units="1/cm"/>
+          <inkml:channelProperty channel="F" name="resolution" value="0" units="1/dev"/>
+        </inkml:channelProperties>
+      </inkml:inkSource>
+      <inkml:timestamp xml:id="ts0" timeString="2021-11-04T17:14:56.292"/>
+    </inkml:context>
+    <inkml:brush xml:id="br0">
+      <inkml:brushProperty name="width" value="0.35" units="cm"/>
+      <inkml:brushProperty name="height" value="0.35" units="cm"/>
+    </inkml:brush>
+  </inkml:definitions>
+  <inkml:trace contextRef="#ctx0" brushRef="#br0">0 0 24575,'0'0'0</inkml:trace>
+</inkml:ink>
+</file>
+
+<file path=ppt/ink/ink61.xml><?xml version="1.0" encoding="utf-8"?>
+<inkml:ink xmlns:inkml="http://www.w3.org/2003/InkML">
+  <inkml:definitions>
+    <inkml:context xml:id="ctx0">
+      <inkml:inkSource xml:id="inkSrc0">
+        <inkml:traceFormat>
+          <inkml:channel name="X" type="integer" min="-2.14748E9" max="2.14748E9" units="cm"/>
+          <inkml:channel name="Y" type="integer" min="-2.14748E9" max="2.14748E9" units="cm"/>
+          <inkml:channel name="F" type="integer" max="32767" units="dev"/>
+        </inkml:traceFormat>
+        <inkml:channelProperties>
+          <inkml:channelProperty channel="X" name="resolution" value="1000" units="1/cm"/>
+          <inkml:channelProperty channel="Y" name="resolution" value="1000" units="1/cm"/>
+          <inkml:channelProperty channel="F" name="resolution" value="0" units="1/dev"/>
+        </inkml:channelProperties>
+      </inkml:inkSource>
+      <inkml:timestamp xml:id="ts0" timeString="2021-11-04T17:14:56.293"/>
+    </inkml:context>
+    <inkml:brush xml:id="br0">
+      <inkml:brushProperty name="width" value="0.35" units="cm"/>
+      <inkml:brushProperty name="height" value="0.35" units="cm"/>
+    </inkml:brush>
+  </inkml:definitions>
+  <inkml:trace contextRef="#ctx0" brushRef="#br0">1 0 24575,'0'0'0</inkml:trace>
+</inkml:ink>
+</file>
+
+<file path=ppt/ink/ink62.xml><?xml version="1.0" encoding="utf-8"?>
+<inkml:ink xmlns:inkml="http://www.w3.org/2003/InkML">
+  <inkml:definitions>
+    <inkml:context xml:id="ctx0">
+      <inkml:inkSource xml:id="inkSrc0">
+        <inkml:traceFormat>
+          <inkml:channel name="X" type="integer" min="-2.14748E9" max="2.14748E9" units="cm"/>
+          <inkml:channel name="Y" type="integer" min="-2.14748E9" max="2.14748E9" units="cm"/>
+          <inkml:channel name="F" type="integer" max="32767" units="dev"/>
+        </inkml:traceFormat>
+        <inkml:channelProperties>
+          <inkml:channelProperty channel="X" name="resolution" value="1000" units="1/cm"/>
+          <inkml:channelProperty channel="Y" name="resolution" value="1000" units="1/cm"/>
+          <inkml:channelProperty channel="F" name="resolution" value="0" units="1/dev"/>
+        </inkml:channelProperties>
+      </inkml:inkSource>
+      <inkml:timestamp xml:id="ts0" timeString="2021-11-04T17:14:56.294"/>
+    </inkml:context>
+    <inkml:brush xml:id="br0">
+      <inkml:brushProperty name="width" value="0.025" units="cm"/>
+      <inkml:brushProperty name="height" value="0.025" units="cm"/>
+    </inkml:brush>
+  </inkml:definitions>
+  <inkml:trace contextRef="#ctx0" brushRef="#br0">82 41 24575,'1'2'0,"1"-1"0,-1 2 0,2-1 0,-1 1 0,0-1 0,0 0 0,0 1 0,1-1 0,-1-1 0,-1 1 0,2-1 0,-2 1 0,4 1 0,-4-1 0,3 0 0,-3 0 0,2 0 0,-2-1 0,0 0 0,1-1 0,-5 1 0,1-1 0,-3 0 0,1-1 0,-1 0 0,1-2 0,1 1 0,-2-1 0,2 1 0,-1-1 0,1 2 0,-2-1 0,3 1 0,-2-2 0,2 2 0,0-1 0,-1 2 0,2-2 0,-1 1 0,2-1 0,-2 2 0,1-2 0,-2 2 0,1-2 0,0 2 0,0-2 0,0 1 0,0-1 0,0 2 0,2-2 0,-2 2 0,2-2 0,-2 1 0,2-2 0,-1 1 0,1 1 0,2 0 0,0 1 0,0 0 0,0 0 0,1 0 0,-1 1 0,0-1 0,0 2 0,1-1 0,-2 1 0,1-2 0,-1 1 0,1-1 0,1 0 0,-1 0 0,0 0 0,0 0 0,0 0 0,-1 1 0,1-1 0,-1 2 0,1-1 0,-2 1 0,2 1 0,-1-2 0,1 1 0,0-2 0,-1 2 0,1-2 0,0 2 0,0-1 0,0 1 0,0-2 0,1 2 0,-1-2 0,0 2 0,1-2 0,-1 2 0,0-1 0,0 1 0,1-2 0,-1 2 0,0-1 0,0 0 0,1 1 0,-1-1 0,0 1 0,1-2 0,-1 2 0,0-2 0,0 1 0,0 0 0,-1-1 0,0 2 0,1-1 0,-1 1 0,0-1 0,1 0 0,-2 1 0,1-1 0,0 0 0,-1 1 0,1-1 0,-1 1 0,1-1 0,0 1 0,0 0 0,-1 0 0,0 0 0,0 0 0,0 1 0,0-1 0,1 0 0,-1 0 0,1 1 0,-1-1 0,0 0 0,0 0 0,0 0 0,0 1 0,0-1 0,0 0 0,0 0 0,0 0 0,0 0 0,0 0 0,0 1 0,0-1 0,0 0 0,0 0 0,0 0 0,0 0 0,0 1 0,0-1 0,0 0 0,0 0 0,0 0 0,0 0 0,0 1 0,0-1 0,0 0 0,-1 0 0,0 1 0,-2-2 0,2 1 0,-1-2 0,1 2 0,-1-2 0,-1 1 0,1-1 0,0 0 0,0 0 0,-1 0 0,1 0 0,0 0 0,0 0 0,0 0 0,-1 0 0,1 0 0,0 0 0,0 0 0,-1 0 0,1 0 0,0 0 0,-1 0 0,0 0 0,0 0 0,0 0 0,1 0 0,-1 0 0,1 0 0,0 0 0,0 0 0,-1 0 0,1 0 0,0 0 0,-1 0 0,1 0 0,0 0 0,0 0 0,-1 0 0,1 0 0,0 0 0,0 0 0,-1 0 0,1 0 0,0 0 0,0 0 0,0 0 0,-1 0 0,1 0 0,0 0 0,0 0 0,0 0 0,-1 0 0,1 0 0,0 0 0,0 0 0,0 0 0,0 0 0,-1 0 0,1 0 0,0 0 0,0 0 0,-1 0 0,1 0 0,0 0 0,0 0 0,-1 0 0,1 0 0,0 0 0,0 0 0,0 0 0,1 0 0,4 0 0,-1 0 0,3 0 0,-3 0 0,0 0 0,0 0 0,1 0 0,-1 0 0,0-1 0,0 1 0,1-1 0,-1 1 0,0 0 0,0-1 0,1 1 0,-1-1 0,0 1 0,0 0 0,1 0 0,-1 0 0,0 0 0,1 0 0,-1 0 0,0 0 0,0 0 0,1 0 0,-1 0 0,0 0 0,0 0 0,1 0 0,-1 0 0,0 0 0,0 0 0,1 0 0,-1-1 0,0 1 0,0-1 0,0 1 0,1 0 0,-1 0 0,-1-1 0,1 0 0,0 0 0,0 1 0,0 0 0,0 0 0,1 0 0,-1 0 0,0 0 0,0 0 0,1 0 0,-1 0 0,0 0 0,1 0 0,-1 0 0,0 0 0,0 0 0,1 0 0,-1 0 0,0 0 0,0 0 0,1 0 0,-1 0 0,0 0 0,0 0 0,0 0 0,1 0 0,-1 0 0,0 0 0,0 0 0,1 0 0,-1 0 0,0 0 0,0 0 0,0 0 0,0 0 0,0 0 0,1 0 0,-1 0 0,0 0 0,0 0 0,-1 1 0,0 0 0,-1 2 0,1-2 0,-1 1 0,1-1 0,-1 1 0,0 0 0,1 0 0,-1 0 0,1-1 0,0 0 0,0-1 0,0-1 0,-1-2 0,0 0 0,0 0 0,-1-1 0,0 1 0,0 0 0,0 0 0,1 0 0,-2 0 0,2 0 0,-2 0 0,1 1 0,-1 0 0,2 0 0,-2-1 0,2 1 0,-1 0 0,0 0 0,1-1 0,-1 1 0,0 0 0,0-1 0,0 1 0,1 0 0,-1 0 0,1-1 0,-1 1 0,1 0 0,-1 0 0,1 0 0,-1-1 0,1 1 0,-1 0 0,0-1 0,0 1 0,0 0 0,1 0 0,-1-1 0,0 2 0,1-1 0,-1 1 0,0-1 0,1-1 0,-1 1 0,1 0 0,-1 0 0,0-1 0,0 1 0,1 0 0,-1 0 0,1-1 0,-1 1 0,1 0 0,-1-1 0,1 1 0,-1 0 0,0 0 0,1-1 0,-2 1 0,1-1 0,0 0 0,0 0 0,1 0 0,-2 0 0,2 0 0,-3 0 0,3 0 0,-2 1 0,2 0 0,-2-3 0,1 3 0,-1-3 0,0 4 0,2-1 0,-1 0 0,1 0 0,-1 1 0,1-1 0,-2 2 0,2-2 0,-2 1 0,2 1 0,-1 2 0,1 1 0,0 1 0,0 0 0,0 0 0,-2 0 0,2 1 0,-1-1 0,1 1 0,0-3 0,-1 2 0,1-2 0,-1 0 0,0 1 0,1-1 0,-3 0 0,2 0 0,-1 0 0,0-1 0,0-1 0,0 0 0,1-1 0,0-1 0,2 1 0,0-1 0,1 2 0,-1-2 0,1 2 0,0-1 0,0 1 0,0 0 0,-1 0 0,0 0 0</inkml:trace>
+</inkml:ink>
+</file>
+
+<file path=ppt/ink/ink63.xml><?xml version="1.0" encoding="utf-8"?>
+<inkml:ink xmlns:inkml="http://www.w3.org/2003/InkML">
+  <inkml:definitions>
+    <inkml:context xml:id="ctx0">
+      <inkml:inkSource xml:id="inkSrc0">
+        <inkml:traceFormat>
+          <inkml:channel name="X" type="integer" min="-2.14748E9" max="2.14748E9" units="cm"/>
+          <inkml:channel name="Y" type="integer" min="-2.14748E9" max="2.14748E9" units="cm"/>
+          <inkml:channel name="F" type="integer" max="32767" units="dev"/>
+        </inkml:traceFormat>
+        <inkml:channelProperties>
+          <inkml:channelProperty channel="X" name="resolution" value="1000" units="1/cm"/>
+          <inkml:channelProperty channel="Y" name="resolution" value="1000" units="1/cm"/>
+          <inkml:channelProperty channel="F" name="resolution" value="0" units="1/dev"/>
+        </inkml:channelProperties>
+      </inkml:inkSource>
+      <inkml:timestamp xml:id="ts0" timeString="2021-11-04T17:14:56.295"/>
+    </inkml:context>
+    <inkml:brush xml:id="br0">
+      <inkml:brushProperty name="width" value="0.025" units="cm"/>
+      <inkml:brushProperty name="height" value="0.025" units="cm"/>
+    </inkml:brush>
+  </inkml:definitions>
+  <inkml:trace contextRef="#ctx0" brushRef="#br0">0 1 24575,'0'0'0</inkml:trace>
+</inkml:ink>
+</file>
+
+<file path=ppt/ink/ink64.xml><?xml version="1.0" encoding="utf-8"?>
+<inkml:ink xmlns:inkml="http://www.w3.org/2003/InkML">
+  <inkml:definitions>
+    <inkml:context xml:id="ctx0">
+      <inkml:inkSource xml:id="inkSrc0">
+        <inkml:traceFormat>
+          <inkml:channel name="X" type="integer" min="-2.14748E9" max="2.14748E9" units="cm"/>
+          <inkml:channel name="Y" type="integer" min="-2.14748E9" max="2.14748E9" units="cm"/>
+          <inkml:channel name="F" type="integer" max="32767" units="dev"/>
+        </inkml:traceFormat>
+        <inkml:channelProperties>
+          <inkml:channelProperty channel="X" name="resolution" value="1000" units="1/cm"/>
+          <inkml:channelProperty channel="Y" name="resolution" value="1000" units="1/cm"/>
+          <inkml:channelProperty channel="F" name="resolution" value="0" units="1/dev"/>
+        </inkml:channelProperties>
+      </inkml:inkSource>
+      <inkml:timestamp xml:id="ts0" timeString="2021-11-04T17:14:56.296"/>
+    </inkml:context>
+    <inkml:brush xml:id="br0">
+      <inkml:brushProperty name="width" value="0.025" units="cm"/>
+      <inkml:brushProperty name="height" value="0.025" units="cm"/>
+    </inkml:brush>
+  </inkml:definitions>
+  <inkml:trace contextRef="#ctx0" brushRef="#br0">0 0 24575,'0'0'0</inkml:trace>
+</inkml:ink>
+</file>
+
+<file path=ppt/ink/ink65.xml><?xml version="1.0" encoding="utf-8"?>
+<inkml:ink xmlns:inkml="http://www.w3.org/2003/InkML">
+  <inkml:definitions>
+    <inkml:context xml:id="ctx0">
+      <inkml:inkSource xml:id="inkSrc0">
+        <inkml:traceFormat>
+          <inkml:channel name="X" type="integer" min="-2.14748E9" max="2.14748E9" units="cm"/>
+          <inkml:channel name="Y" type="integer" min="-2.14748E9" max="2.14748E9" units="cm"/>
+          <inkml:channel name="F" type="integer" max="32767" units="dev"/>
+        </inkml:traceFormat>
+        <inkml:channelProperties>
+          <inkml:channelProperty channel="X" name="resolution" value="1000" units="1/cm"/>
+          <inkml:channelProperty channel="Y" name="resolution" value="1000" units="1/cm"/>
+          <inkml:channelProperty channel="F" name="resolution" value="0" units="1/dev"/>
+        </inkml:channelProperties>
+      </inkml:inkSource>
+      <inkml:timestamp xml:id="ts0" timeString="2021-11-04T17:14:56.297"/>
+    </inkml:context>
+    <inkml:brush xml:id="br0">
+      <inkml:brushProperty name="width" value="0.025" units="cm"/>
+      <inkml:brushProperty name="height" value="0.025" units="cm"/>
+    </inkml:brush>
+  </inkml:definitions>
+  <inkml:trace contextRef="#ctx0" brushRef="#br0">0 0 24575,'0'4'0,"2"0"0,-1-2 0,2 2 0,0-3 0,-2 1 0,2-1 0,-1 1 0,1 0 0,0-1 0,0 0 0,-2 1 0,1-2 0,-2 1 0,1-1 0</inkml:trace>
+</inkml:ink>
+</file>
+
+<file path=ppt/ink/ink66.xml><?xml version="1.0" encoding="utf-8"?>
+<inkml:ink xmlns:inkml="http://www.w3.org/2003/InkML">
+  <inkml:definitions>
+    <inkml:context xml:id="ctx0">
+      <inkml:inkSource xml:id="inkSrc0">
+        <inkml:traceFormat>
+          <inkml:channel name="X" type="integer" min="-2.14748E9" max="2.14748E9" units="cm"/>
+          <inkml:channel name="Y" type="integer" min="-2.14748E9" max="2.14748E9" units="cm"/>
+          <inkml:channel name="F" type="integer" max="32767" units="dev"/>
+        </inkml:traceFormat>
+        <inkml:channelProperties>
+          <inkml:channelProperty channel="X" name="resolution" value="1000" units="1/cm"/>
+          <inkml:channelProperty channel="Y" name="resolution" value="1000" units="1/cm"/>
+          <inkml:channelProperty channel="F" name="resolution" value="0" units="1/dev"/>
+        </inkml:channelProperties>
+      </inkml:inkSource>
+      <inkml:timestamp xml:id="ts0" timeString="2021-11-04T17:14:56.298"/>
+    </inkml:context>
+    <inkml:brush xml:id="br0">
+      <inkml:brushProperty name="width" value="0.025" units="cm"/>
+      <inkml:brushProperty name="height" value="0.025" units="cm"/>
+    </inkml:brush>
+  </inkml:definitions>
+  <inkml:trace contextRef="#ctx0" brushRef="#br0">0 0 24575,'0'0'0</inkml:trace>
+</inkml:ink>
+</file>
+
+<file path=ppt/ink/ink7.xml><?xml version="1.0" encoding="utf-8"?>
+<inkml:ink xmlns:inkml="http://www.w3.org/2003/InkML">
+  <inkml:definitions>
+    <inkml:context xml:id="ctx0">
+      <inkml:inkSource xml:id="inkSrc0">
+        <inkml:traceFormat>
+          <inkml:channel name="X" type="integer" min="-2.14748E9" max="2.14748E9" units="cm"/>
+          <inkml:channel name="Y" type="integer" min="-2.14748E9" max="2.14748E9" units="cm"/>
+          <inkml:channel name="F" type="integer" max="32767" units="dev"/>
+        </inkml:traceFormat>
+        <inkml:channelProperties>
+          <inkml:channelProperty channel="X" name="resolution" value="1000" units="1/cm"/>
+          <inkml:channelProperty channel="Y" name="resolution" value="1000" units="1/cm"/>
+          <inkml:channelProperty channel="F" name="resolution" value="0" units="1/dev"/>
+        </inkml:channelProperties>
+      </inkml:inkSource>
+      <inkml:timestamp xml:id="ts0" timeString="2021-11-04T17:14:56.239"/>
+    </inkml:context>
+    <inkml:brush xml:id="br0">
+      <inkml:brushProperty name="width" value="0.1" units="cm"/>
+      <inkml:brushProperty name="height" value="0.1" units="cm"/>
+    </inkml:brush>
+  </inkml:definitions>
+  <inkml:trace contextRef="#ctx0" brushRef="#br0">0 0 24575,'0'0'0</inkml:trace>
+</inkml:ink>
+</file>
+
+<file path=ppt/ink/ink8.xml><?xml version="1.0" encoding="utf-8"?>
+<inkml:ink xmlns:inkml="http://www.w3.org/2003/InkML">
+  <inkml:definitions>
+    <inkml:context xml:id="ctx0">
+      <inkml:inkSource xml:id="inkSrc0">
+        <inkml:traceFormat>
+          <inkml:channel name="X" type="integer" min="-2.14748E9" max="2.14748E9" units="cm"/>
+          <inkml:channel name="Y" type="integer" min="-2.14748E9" max="2.14748E9" units="cm"/>
+          <inkml:channel name="F" type="integer" max="32767" units="dev"/>
+        </inkml:traceFormat>
+        <inkml:channelProperties>
+          <inkml:channelProperty channel="X" name="resolution" value="1000" units="1/cm"/>
+          <inkml:channelProperty channel="Y" name="resolution" value="1000" units="1/cm"/>
+          <inkml:channelProperty channel="F" name="resolution" value="0" units="1/dev"/>
+        </inkml:channelProperties>
+      </inkml:inkSource>
+      <inkml:timestamp xml:id="ts0" timeString="2021-11-04T17:14:56.240"/>
+    </inkml:context>
+    <inkml:brush xml:id="br0">
+      <inkml:brushProperty name="width" value="0.1" units="cm"/>
+      <inkml:brushProperty name="height" value="0.1" units="cm"/>
+    </inkml:brush>
+  </inkml:definitions>
+  <inkml:trace contextRef="#ctx0" brushRef="#br0">2 0 24575,'4'8'0,"-1"-3"0,-1-2 0,0-2 0,1 2 0,-1-1 0,0 0 0,0 1 0,0-1 0,-1 0 0,2 1 0,-2-1 0,2-1 0,-1 2 0,1-2 0,-1 2 0,0-2 0,-1 0 0,1 2 0,1-2 0,-2 2 0,2-2 0,-3 1 0,3 0 0,-1 1 0,0-1 0,0 0 0,0 0 0,-1 0 0,1 1 0,0-1 0,0 0 0,-1 0 0,1 1 0,-1-1 0,1 0 0,0 0 0,-1 0 0,0 1 0,1-1 0,-1 1 0,0-1 0,1 2 0,-1-2 0,1 0 0,-1 1 0,0-1 0,1 1 0,-1 0 0,1-2 0,-1 2 0,0 0 0,0-1 0,0 0 0,1 0 0,-1 2 0,1-2 0,0 0 0,-1 1 0,0-1 0,1 1 0,-1-1 0,0 0 0,1 0 0,0 1 0,-1-1 0,1 0 0,-1 1 0,1 0 0,-1 0 0,1-2 0,-1 2 0,1-1 0,-1 1 0,0-1 0,1 0 0,-2 1 0,3-1 0,-2 1 0,0 0 0,1 0 0,-2-1 0,2 0 0,0 1 0,-1-1 0,1 0 0,-2 1 0,2-1 0,-1 0 0,1 0 0,0 1 0,-2-1 0,2 0 0,-1 0 0,0 0 0,1 1 0,0-1 0,-1 0 0,1 0 0,-1 1 0,0-1 0,1 0 0,-1 0 0,2 0 0,-2 1 0,1-1 0,-1 0 0,0 0 0,1 0 0,-1 0 0,2 0 0,-2 1 0,1-1 0,-1 0 0,1 0 0,0 0 0,-1 0 0,-5 0 0,2 0 0,-4-1 0,4-1 0,0 0 0,-2 0 0,2 0 0,-1 0 0,1 0 0,-1 1 0,0 0 0,2 1 0,-2-1 0,2 1 0,-2 0 0,1 0 0,-1-1 0,1 0 0,-1-1 0,0 0 0,1-2 0,0 0 0,1-1 0,0 1 0,1-1 0,-1 0 0,1 1 0,-2-1 0,2 1 0,-1-1 0,1 0 0,-1 1 0,1-1 0,-2 0 0,1 1 0,1-1 0,-1 1 0,0-2 0,-1 2 0,2 0 0,-2 0 0,2-1 0,-2 0 0,2 0 0,-1 1 0,0-1 0,-1 1 0,0 0 0,1 0 0,-1 0 0,1-1 0,-1 2 0,-1-1 0,1 1 0,0 0 0,0-1 0,-1 1 0,0 0 0,0 0 0,0 1 0,1 0 0,-1 0 0,0 0 0,0 1 0,0-1 0,1 2 0,0-2 0,0 2 0,-1-6 0,1 3 0,0-4 0,2 3 0,-1 0 0,1-2 0,-2 2 0,2-1 0,-2 1 0,1 0 0,0-1 0,-1 1 0,1 0 0,-1 0 0,1 0 0,0-1 0,-1 1 0,0 0 0,0 0 0,0 0 0,0 0 0,-1 1 0,1-1 0,0 1 0,0-1 0,0 0 0,-1 1 0,1-1 0,0 1 0,0-1 0,0 0 0,-1 1 0,1-1 0,1-1 0,-1 2 0,1-1 0</inkml:trace>
+</inkml:ink>
+</file>
+
+<file path=ppt/ink/ink9.xml><?xml version="1.0" encoding="utf-8"?>
+<inkml:ink xmlns:inkml="http://www.w3.org/2003/InkML">
+  <inkml:definitions>
+    <inkml:context xml:id="ctx0">
+      <inkml:inkSource xml:id="inkSrc0">
+        <inkml:traceFormat>
+          <inkml:channel name="X" type="integer" min="-2.14748E9" max="2.14748E9" units="cm"/>
+          <inkml:channel name="Y" type="integer" min="-2.14748E9" max="2.14748E9" units="cm"/>
+          <inkml:channel name="F" type="integer" max="32767" units="dev"/>
+        </inkml:traceFormat>
+        <inkml:channelProperties>
+          <inkml:channelProperty channel="X" name="resolution" value="1000" units="1/cm"/>
+          <inkml:channelProperty channel="Y" name="resolution" value="1000" units="1/cm"/>
+          <inkml:channelProperty channel="F" name="resolution" value="0" units="1/dev"/>
+        </inkml:channelProperties>
+      </inkml:inkSource>
+      <inkml:timestamp xml:id="ts0" timeString="2021-11-04T17:14:56.241"/>
+    </inkml:context>
+    <inkml:brush xml:id="br0">
+      <inkml:brushProperty name="width" value="0.025" units="cm"/>
+      <inkml:brushProperty name="height" value="0.025" units="cm"/>
+    </inkml:brush>
+  </inkml:definitions>
+  <inkml:trace contextRef="#ctx0" brushRef="#br0">48 1 24575,'0'3'0,"-2"-1"0,1-1 0,-3-1 0,2 0 0,-2 0 0,2 0 0,-3 0 0,3-1 0,-3 0 0,2-1 0,-1 1 0,2 0 0,0 1 0,-1 0 0,1 0 0,0 0 0,1 1 0,0 0 0,1 1 0,0 0 0,0 1 0,0-1 0,0 0 0,0 0 0,0 0 0,0 1 0,1-2 0,0 0 0,2 0 0,-1-1 0,0 1 0,2 0 0,-2-1 0,2 2 0,-1-1 0,0 1 0,1-1 0,0 2 0,0-1 0,1 2 0,-1-1 0,-1 2 0,2 0 0,-2 0 0,2-1 0,-2 1 0,0-1 0,0 0 0,-1 0 0,0-1 0,1 2 0,-1-3 0,0 2 0,1-2 0,-1 0 0,-1 1 0,1-1 0,-1 0 0,1 0 0,-2 1 0,1-1 0,0 0 0,-1 0 0,2 0 0,-2 0 0,1-1 0,0 0 0,0 1 0,0-1 0,-1 1 0,1 0 0,-1 0 0,1-1 0,-1 1 0,0 0 0,1-1 0,-1 1 0,1 0 0,-1 0 0,0 0 0,0 0 0,0 1 0,0-1 0,1 0 0,-1 1 0,1-1 0,-1 0 0,0 0 0,0 1 0,1-1 0,0 0 0,0 0 0,-1 1 0,0-1 0,0 0 0,1 0 0,-1 0 0,1 1 0,-1-1 0,-1-1 0,1-1 0,-2 0 0,1-2 0,-2 0 0,0 0 0,0-1 0,0 0 0,1 0 0,-1 0 0,1 1 0,0 0 0,1 0 0,-1-1 0,1 1 0,-1 0 0,1-1 0,0 1 0,-1 0 0,2 0 0,-2 1 0,1-1 0,-1 0 0,1 0 0,0 0 0,-1 0 0,1-1 0,-1 1 0,0 0 0,0 0 0,1-1 0,0 1 0,-1 1 0,2-1 0,-2 2 0,1-2 0,-1 0 0,1 0 0,-1 0 0,0 0 0,0 0 0,-1-1 0,1 1 0,0 0 0,1 0 0,-1 0 0,1 0 0,-1 1 0,1-1 0,0-2 0,-1 2 0,0-2 0,1 2 0,-1 0 0,1-1 0,0 1 0,-1 1 0,1-1 0,-1 1 0,1-2 0,0 1 0,-1 1 0,2-1 0,-2 1 0,1-2 0,0 1 0,1 0 0,0 0 0,0 0 0,0-1 0,0 1 0,0 0 0,0 0 0,0 0 0,0-1 0,1 1 0,1 1 0,-1-1 0,1 1 0,-2-1 0,1 0 0,0-1 0,-1 1 0,2 1 0,-2-1 0,2 2 0,0-1 0,0 1 0,0 0 0,0 0 0,0 0 0,1 0 0,-1 0 0,0 0 0,1 0 0,-1 0 0,0 0 0,0 1 0,1-1 0,-1 1 0,0 0 0,0-1 0,1 1 0,-1 0 0,0-1 0,0 1 0,-1 0 0,1 0 0,-1 0 0,2-1 0,-1 0 0,0 0 0,0 0 0,0 0 0,-1 1 0,1 0 0,-2 1 0,1 0 0,-1 1 0,1-1 0,0 0 0,0 0 0,-1 2 0,0-2 0,0 5 0,0-4 0,0 6 0,0-6 0,0 6 0,0-5 0,0 4 0,0-5 0,0 3 0,0-3 0,-1 0 0,-1-4 0,-1 0 0,0-2 0,-1-1 0,2 0 0,-2 1 0,1-2 0,0 1 0,0-1 0,1 1 0,1 0 0,0 1 0,0 0 0,1 0 0,0 1 0,0 0 0,-1-1 0,0 1 0,0 0 0,1 0 0,0-1 0,0 1 0,-1 0 0,1 0 0,-3 1 0,3 0 0,-2 1 0</inkml:trace>
+</inkml:ink>
+</file>
+
 <file path=ppt/notesMasters/notesMaster1.xml><?xml version="1.0" encoding="utf-8"?>
 <p:notesMaster xmlns:a="http://schemas.openxmlformats.org/drawingml/2006/main" xmlns:r="http://schemas.openxmlformats.org/officeDocument/2006/relationships" xmlns:p="http://schemas.openxmlformats.org/presentationml/2006/main">
   <p:cSld>
@@ -197,7 +1979,7 @@
           <a:p>
             <a:fld id="{61A7976E-9F0E-DF46-BEE6-B263DADB2CCE}" type="datetimeFigureOut">
               <a:rPr lang="en-US" smtClean="0"/>
-              <a:t>10/27/21</a:t>
+              <a:t>11/4/21</a:t>
             </a:fld>
             <a:endParaRPr lang="en-US"/>
           </a:p>
@@ -874,7 +2656,7 @@
           <a:p>
             <a:fld id="{5858EA79-B7C1-E245-85A8-5D7A58E35F5C}" type="datetimeFigureOut">
               <a:rPr lang="en-US" smtClean="0"/>
-              <a:t>10/27/21</a:t>
+              <a:t>11/4/21</a:t>
             </a:fld>
             <a:endParaRPr lang="en-US"/>
           </a:p>
@@ -1044,7 +2826,7 @@
           <a:p>
             <a:fld id="{5858EA79-B7C1-E245-85A8-5D7A58E35F5C}" type="datetimeFigureOut">
               <a:rPr lang="en-US" smtClean="0"/>
-              <a:t>10/27/21</a:t>
+              <a:t>11/4/21</a:t>
             </a:fld>
             <a:endParaRPr lang="en-US"/>
           </a:p>
@@ -1224,7 +3006,7 @@
           <a:p>
             <a:fld id="{5858EA79-B7C1-E245-85A8-5D7A58E35F5C}" type="datetimeFigureOut">
               <a:rPr lang="en-US" smtClean="0"/>
-              <a:t>10/27/21</a:t>
+              <a:t>11/4/21</a:t>
             </a:fld>
             <a:endParaRPr lang="en-US"/>
           </a:p>
@@ -1394,7 +3176,7 @@
           <a:p>
             <a:fld id="{5858EA79-B7C1-E245-85A8-5D7A58E35F5C}" type="datetimeFigureOut">
               <a:rPr lang="en-US" smtClean="0"/>
-              <a:t>10/27/21</a:t>
+              <a:t>11/4/21</a:t>
             </a:fld>
             <a:endParaRPr lang="en-US"/>
           </a:p>
@@ -1638,7 +3420,7 @@
           <a:p>
             <a:fld id="{5858EA79-B7C1-E245-85A8-5D7A58E35F5C}" type="datetimeFigureOut">
               <a:rPr lang="en-US" smtClean="0"/>
-              <a:t>10/27/21</a:t>
+              <a:t>11/4/21</a:t>
             </a:fld>
             <a:endParaRPr lang="en-US"/>
           </a:p>
@@ -1870,7 +3652,7 @@
           <a:p>
             <a:fld id="{5858EA79-B7C1-E245-85A8-5D7A58E35F5C}" type="datetimeFigureOut">
               <a:rPr lang="en-US" smtClean="0"/>
-              <a:t>10/27/21</a:t>
+              <a:t>11/4/21</a:t>
             </a:fld>
             <a:endParaRPr lang="en-US"/>
           </a:p>
@@ -2237,7 +4019,7 @@
           <a:p>
             <a:fld id="{5858EA79-B7C1-E245-85A8-5D7A58E35F5C}" type="datetimeFigureOut">
               <a:rPr lang="en-US" smtClean="0"/>
-              <a:t>10/27/21</a:t>
+              <a:t>11/4/21</a:t>
             </a:fld>
             <a:endParaRPr lang="en-US"/>
           </a:p>
@@ -2355,7 +4137,7 @@
           <a:p>
             <a:fld id="{5858EA79-B7C1-E245-85A8-5D7A58E35F5C}" type="datetimeFigureOut">
               <a:rPr lang="en-US" smtClean="0"/>
-              <a:t>10/27/21</a:t>
+              <a:t>11/4/21</a:t>
             </a:fld>
             <a:endParaRPr lang="en-US"/>
           </a:p>
@@ -2450,7 +4232,7 @@
           <a:p>
             <a:fld id="{5858EA79-B7C1-E245-85A8-5D7A58E35F5C}" type="datetimeFigureOut">
               <a:rPr lang="en-US" smtClean="0"/>
-              <a:t>10/27/21</a:t>
+              <a:t>11/4/21</a:t>
             </a:fld>
             <a:endParaRPr lang="en-US"/>
           </a:p>
@@ -2727,7 +4509,7 @@
           <a:p>
             <a:fld id="{5858EA79-B7C1-E245-85A8-5D7A58E35F5C}" type="datetimeFigureOut">
               <a:rPr lang="en-US" smtClean="0"/>
-              <a:t>10/27/21</a:t>
+              <a:t>11/4/21</a:t>
             </a:fld>
             <a:endParaRPr lang="en-US"/>
           </a:p>
@@ -2984,7 +4766,7 @@
           <a:p>
             <a:fld id="{5858EA79-B7C1-E245-85A8-5D7A58E35F5C}" type="datetimeFigureOut">
               <a:rPr lang="en-US" smtClean="0"/>
-              <a:t>10/27/21</a:t>
+              <a:t>11/4/21</a:t>
             </a:fld>
             <a:endParaRPr lang="en-US"/>
           </a:p>
@@ -3197,7 +4979,7 @@
           <a:p>
             <a:fld id="{5858EA79-B7C1-E245-85A8-5D7A58E35F5C}" type="datetimeFigureOut">
               <a:rPr lang="en-US" smtClean="0"/>
-              <a:t>10/27/21</a:t>
+              <a:t>11/4/21</a:t>
             </a:fld>
             <a:endParaRPr lang="en-US"/>
           </a:p>
@@ -5564,94 +7346,6 @@
           </a:p>
         </p:txBody>
       </p:sp>
-      <p:pic>
-        <p:nvPicPr>
-          <p:cNvPr id="291" name="Graphic 290" descr="Earth globe: Americas with solid fill">
-            <a:extLst>
-              <a:ext uri="{FF2B5EF4-FFF2-40B4-BE49-F238E27FC236}">
-                <a16:creationId xmlns:a16="http://schemas.microsoft.com/office/drawing/2014/main" id="{6EB7FC0E-6649-FC47-B227-67A027532C28}"/>
-              </a:ext>
-            </a:extLst>
-          </p:cNvPr>
-          <p:cNvPicPr>
-            <a:picLocks noChangeAspect="1"/>
-          </p:cNvPicPr>
-          <p:nvPr/>
-        </p:nvPicPr>
-        <p:blipFill>
-          <a:blip r:embed="rId3">
-            <a:extLst>
-              <a:ext uri="{96DAC541-7B7A-43D3-8B79-37D633B846F1}">
-                <asvg:svgBlip xmlns:asvg="http://schemas.microsoft.com/office/drawing/2016/SVG/main" r:embed="rId4"/>
-              </a:ext>
-            </a:extLst>
-          </a:blip>
-          <a:stretch>
-            <a:fillRect/>
-          </a:stretch>
-        </p:blipFill>
-        <p:spPr>
-          <a:xfrm>
-            <a:off x="3584341" y="3055729"/>
-            <a:ext cx="1264001" cy="1264001"/>
-          </a:xfrm>
-          <a:prstGeom prst="rect">
-            <a:avLst/>
-          </a:prstGeom>
-        </p:spPr>
-      </p:pic>
-      <p:sp>
-        <p:nvSpPr>
-          <p:cNvPr id="292" name="Arc 291">
-            <a:extLst>
-              <a:ext uri="{FF2B5EF4-FFF2-40B4-BE49-F238E27FC236}">
-                <a16:creationId xmlns:a16="http://schemas.microsoft.com/office/drawing/2014/main" id="{1F2C34BF-E174-C249-85C1-AD403D496C4C}"/>
-              </a:ext>
-            </a:extLst>
-          </p:cNvPr>
-          <p:cNvSpPr/>
-          <p:nvPr/>
-        </p:nvSpPr>
-        <p:spPr>
-          <a:xfrm>
-            <a:off x="3530476" y="2673117"/>
-            <a:ext cx="1550155" cy="1153007"/>
-          </a:xfrm>
-          <a:prstGeom prst="arc">
-            <a:avLst>
-              <a:gd name="adj1" fmla="val 3094370"/>
-              <a:gd name="adj2" fmla="val 8690640"/>
-            </a:avLst>
-          </a:prstGeom>
-          <a:ln w="28575">
-            <a:solidFill>
-              <a:schemeClr val="tx1"/>
-            </a:solidFill>
-          </a:ln>
-        </p:spPr>
-        <p:style>
-          <a:lnRef idx="1">
-            <a:schemeClr val="accent1"/>
-          </a:lnRef>
-          <a:fillRef idx="0">
-            <a:schemeClr val="accent1"/>
-          </a:fillRef>
-          <a:effectRef idx="0">
-            <a:schemeClr val="accent1"/>
-          </a:effectRef>
-          <a:fontRef idx="minor">
-            <a:schemeClr val="tx1"/>
-          </a:fontRef>
-        </p:style>
-        <p:txBody>
-          <a:bodyPr rtlCol="0" anchor="ctr"/>
-          <a:lstStyle/>
-          <a:p>
-            <a:pPr algn="ctr"/>
-            <a:endParaRPr lang="en-US"/>
-          </a:p>
-        </p:txBody>
-      </p:sp>
       <p:sp>
         <p:nvSpPr>
           <p:cNvPr id="293" name="Freeform 292">
@@ -6241,7 +7935,7 @@
                 <a:latin typeface="Helvetica" pitchFamily="2" charset="0"/>
                 <a:sym typeface="Wingdings" pitchFamily="2" charset="2"/>
               </a:rPr>
-              <a:t> Gains of warm-water species in temperate regions</a:t>
+              <a:t>	 Gains of warm-water species in temperate regions</a:t>
             </a:r>
           </a:p>
         </p:txBody>
@@ -8724,7 +10418,7 @@
         </p:nvGrpSpPr>
         <p:grpSpPr>
           <a:xfrm>
-            <a:off x="4750791" y="3067713"/>
+            <a:off x="4762293" y="3084966"/>
             <a:ext cx="1073425" cy="1148722"/>
             <a:chOff x="1754567" y="2653126"/>
             <a:chExt cx="2135981" cy="2135982"/>
@@ -8821,7 +10515,7 @@
         </p:nvSpPr>
         <p:spPr>
           <a:xfrm>
-            <a:off x="4905400" y="4184215"/>
+            <a:off x="4916902" y="4201468"/>
             <a:ext cx="940204" cy="184666"/>
           </a:xfrm>
           <a:prstGeom prst="rect">
@@ -8858,7 +10552,7 @@
         </p:nvSpPr>
         <p:spPr>
           <a:xfrm>
-            <a:off x="4821058" y="3208550"/>
+            <a:off x="4832560" y="3225803"/>
             <a:ext cx="582741" cy="929514"/>
           </a:xfrm>
           <a:custGeom>
@@ -8966,7 +10660,7 @@
         </p:nvSpPr>
         <p:spPr>
           <a:xfrm>
-            <a:off x="4770581" y="3203103"/>
+            <a:off x="4782083" y="3220356"/>
             <a:ext cx="831913" cy="942142"/>
           </a:xfrm>
           <a:custGeom>
@@ -9164,7 +10858,7 @@
         </p:nvSpPr>
         <p:spPr>
           <a:xfrm>
-            <a:off x="4843473" y="3222972"/>
+            <a:off x="4854975" y="3240225"/>
             <a:ext cx="425670" cy="929514"/>
           </a:xfrm>
           <a:custGeom>
@@ -9311,7 +11005,7 @@
         </p:nvSpPr>
         <p:spPr>
           <a:xfrm rot="16200000">
-            <a:off x="3122107" y="3674948"/>
+            <a:off x="3122107" y="3563509"/>
             <a:ext cx="1083160" cy="184666"/>
           </a:xfrm>
           <a:prstGeom prst="rect">
@@ -9369,7 +11063,7 @@
                 <a:latin typeface="Helvetica" pitchFamily="2" charset="0"/>
                 <a:sym typeface="Wingdings" pitchFamily="2" charset="2"/>
               </a:rPr>
-              <a:t>Cooling  Losses of cold-water species from temperate regions</a:t>
+              <a:t>Cooling         Losses of cold-water species from temperate regions</a:t>
             </a:r>
           </a:p>
         </p:txBody>
@@ -9388,7 +11082,7 @@
         </p:nvSpPr>
         <p:spPr>
           <a:xfrm>
-            <a:off x="5344429" y="3132865"/>
+            <a:off x="5355931" y="3150118"/>
             <a:ext cx="479201" cy="369332"/>
           </a:xfrm>
           <a:prstGeom prst="rect">
@@ -9437,7 +11131,7 @@
         </p:nvCxnSpPr>
         <p:spPr>
           <a:xfrm flipH="1">
-            <a:off x="5270961" y="3227151"/>
+            <a:off x="5282463" y="3244404"/>
             <a:ext cx="123711" cy="0"/>
           </a:xfrm>
           <a:prstGeom prst="line">
@@ -9481,7 +11175,7 @@
         </p:nvCxnSpPr>
         <p:spPr>
           <a:xfrm flipH="1">
-            <a:off x="5270961" y="3321677"/>
+            <a:off x="5282463" y="3338930"/>
             <a:ext cx="123711" cy="0"/>
           </a:xfrm>
           <a:prstGeom prst="line">
@@ -9525,7 +11219,7 @@
         </p:nvCxnSpPr>
         <p:spPr>
           <a:xfrm flipH="1">
-            <a:off x="5270961" y="3410450"/>
+            <a:off x="5282463" y="3427703"/>
             <a:ext cx="123711" cy="0"/>
           </a:xfrm>
           <a:prstGeom prst="line">
@@ -11432,7 +13126,7 @@
         </p:nvSpPr>
         <p:spPr>
           <a:xfrm>
-            <a:off x="3253826" y="3407380"/>
+            <a:off x="3253826" y="3424633"/>
             <a:ext cx="27432" cy="27432"/>
           </a:xfrm>
           <a:prstGeom prst="ellipse">
@@ -13759,6 +15453,3606 @@
                 <a:lumMod val="65000"/>
                 <a:lumOff val="35000"/>
               </a:schemeClr>
+            </a:solidFill>
+          </a:ln>
+        </p:spPr>
+        <p:style>
+          <a:lnRef idx="1">
+            <a:schemeClr val="accent1"/>
+          </a:lnRef>
+          <a:fillRef idx="0">
+            <a:schemeClr val="accent1"/>
+          </a:fillRef>
+          <a:effectRef idx="0">
+            <a:schemeClr val="accent1"/>
+          </a:effectRef>
+          <a:fontRef idx="minor">
+            <a:schemeClr val="tx1"/>
+          </a:fontRef>
+        </p:style>
+        <p:txBody>
+          <a:bodyPr rtlCol="0" anchor="ctr"/>
+          <a:lstStyle/>
+          <a:p>
+            <a:pPr algn="ctr"/>
+            <a:endParaRPr lang="en-US"/>
+          </a:p>
+        </p:txBody>
+      </p:sp>
+      <p:cxnSp>
+        <p:nvCxnSpPr>
+          <p:cNvPr id="180" name="Straight Arrow Connector 179">
+            <a:extLst>
+              <a:ext uri="{FF2B5EF4-FFF2-40B4-BE49-F238E27FC236}">
+                <a16:creationId xmlns:a16="http://schemas.microsoft.com/office/drawing/2014/main" id="{12C0CB51-D692-A941-8A8D-A656FB5CFD79}"/>
+              </a:ext>
+            </a:extLst>
+          </p:cNvPr>
+          <p:cNvCxnSpPr>
+            <a:cxnSpLocks/>
+          </p:cNvCxnSpPr>
+          <p:nvPr/>
+        </p:nvCxnSpPr>
+        <p:spPr>
+          <a:xfrm flipV="1">
+            <a:off x="4018689" y="3035733"/>
+            <a:ext cx="80822" cy="1"/>
+          </a:xfrm>
+          <a:prstGeom prst="straightConnector1">
+            <a:avLst/>
+          </a:prstGeom>
+          <a:ln>
+            <a:solidFill>
+              <a:schemeClr val="tx1"/>
+            </a:solidFill>
+            <a:tailEnd type="triangle" w="sm" len="sm"/>
+          </a:ln>
+        </p:spPr>
+        <p:style>
+          <a:lnRef idx="1">
+            <a:schemeClr val="accent1"/>
+          </a:lnRef>
+          <a:fillRef idx="0">
+            <a:schemeClr val="accent1"/>
+          </a:fillRef>
+          <a:effectRef idx="0">
+            <a:schemeClr val="accent1"/>
+          </a:effectRef>
+          <a:fontRef idx="minor">
+            <a:schemeClr val="tx1"/>
+          </a:fontRef>
+        </p:style>
+      </p:cxnSp>
+      <p:cxnSp>
+        <p:nvCxnSpPr>
+          <p:cNvPr id="182" name="Straight Arrow Connector 181">
+            <a:extLst>
+              <a:ext uri="{FF2B5EF4-FFF2-40B4-BE49-F238E27FC236}">
+                <a16:creationId xmlns:a16="http://schemas.microsoft.com/office/drawing/2014/main" id="{E34F9F82-5D1D-694E-9782-93897AF5AE8B}"/>
+              </a:ext>
+            </a:extLst>
+          </p:cNvPr>
+          <p:cNvCxnSpPr>
+            <a:cxnSpLocks/>
+          </p:cNvCxnSpPr>
+          <p:nvPr/>
+        </p:nvCxnSpPr>
+        <p:spPr>
+          <a:xfrm flipV="1">
+            <a:off x="3942121" y="4378343"/>
+            <a:ext cx="80822" cy="1"/>
+          </a:xfrm>
+          <a:prstGeom prst="straightConnector1">
+            <a:avLst/>
+          </a:prstGeom>
+          <a:ln>
+            <a:solidFill>
+              <a:schemeClr val="tx1"/>
+            </a:solidFill>
+            <a:tailEnd type="triangle" w="sm" len="sm"/>
+          </a:ln>
+        </p:spPr>
+        <p:style>
+          <a:lnRef idx="1">
+            <a:schemeClr val="accent1"/>
+          </a:lnRef>
+          <a:fillRef idx="0">
+            <a:schemeClr val="accent1"/>
+          </a:fillRef>
+          <a:effectRef idx="0">
+            <a:schemeClr val="accent1"/>
+          </a:effectRef>
+          <a:fontRef idx="minor">
+            <a:schemeClr val="tx1"/>
+          </a:fontRef>
+        </p:style>
+      </p:cxnSp>
+      <p:grpSp>
+        <p:nvGrpSpPr>
+          <p:cNvPr id="183" name="Group 182">
+            <a:extLst>
+              <a:ext uri="{FF2B5EF4-FFF2-40B4-BE49-F238E27FC236}">
+                <a16:creationId xmlns:a16="http://schemas.microsoft.com/office/drawing/2014/main" id="{171571D4-A776-324F-A0C5-CDF2B2328138}"/>
+              </a:ext>
+            </a:extLst>
+          </p:cNvPr>
+          <p:cNvGrpSpPr/>
+          <p:nvPr/>
+        </p:nvGrpSpPr>
+        <p:grpSpPr>
+          <a:xfrm>
+            <a:off x="3749752" y="3205292"/>
+            <a:ext cx="981706" cy="981706"/>
+            <a:chOff x="1439584" y="3572793"/>
+            <a:chExt cx="981706" cy="981706"/>
+          </a:xfrm>
+        </p:grpSpPr>
+        <mc:AlternateContent xmlns:mc="http://schemas.openxmlformats.org/markup-compatibility/2006">
+          <mc:Choice xmlns:p14="http://schemas.microsoft.com/office/powerpoint/2010/main" Requires="p14">
+            <p:contentPart p14:bwMode="auto" r:id="rId3">
+              <p14:nvContentPartPr>
+                <p14:cNvPr id="184" name="Ink 183">
+                  <a:extLst>
+                    <a:ext uri="{FF2B5EF4-FFF2-40B4-BE49-F238E27FC236}">
+                      <a16:creationId xmlns:a16="http://schemas.microsoft.com/office/drawing/2014/main" id="{7A590215-5B2A-E44C-A7AF-297E7303B47F}"/>
+                    </a:ext>
+                  </a:extLst>
+                </p14:cNvPr>
+                <p14:cNvContentPartPr/>
+                <p14:nvPr/>
+              </p14:nvContentPartPr>
+              <p14:xfrm>
+                <a:off x="1519660" y="3577785"/>
+                <a:ext cx="539280" cy="893160"/>
+              </p14:xfrm>
+            </p:contentPart>
+          </mc:Choice>
+          <mc:Fallback>
+            <p:pic>
+              <p:nvPicPr>
+                <p:cNvPr id="184" name="Ink 183">
+                  <a:extLst>
+                    <a:ext uri="{FF2B5EF4-FFF2-40B4-BE49-F238E27FC236}">
+                      <a16:creationId xmlns:a16="http://schemas.microsoft.com/office/drawing/2014/main" id="{7A590215-5B2A-E44C-A7AF-297E7303B47F}"/>
+                    </a:ext>
+                  </a:extLst>
+                </p:cNvPr>
+                <p:cNvPicPr/>
+                <p:nvPr/>
+              </p:nvPicPr>
+              <p:blipFill>
+                <a:blip r:embed="rId4"/>
+                <a:stretch>
+                  <a:fillRect/>
+                </a:stretch>
+              </p:blipFill>
+              <p:spPr>
+                <a:xfrm>
+                  <a:off x="1515340" y="3573465"/>
+                  <a:ext cx="547920" cy="901800"/>
+                </a:xfrm>
+                <a:prstGeom prst="rect">
+                  <a:avLst/>
+                </a:prstGeom>
+              </p:spPr>
+            </p:pic>
+          </mc:Fallback>
+        </mc:AlternateContent>
+        <mc:AlternateContent xmlns:mc="http://schemas.openxmlformats.org/markup-compatibility/2006">
+          <mc:Choice xmlns:p14="http://schemas.microsoft.com/office/powerpoint/2010/main" Requires="p14">
+            <p:contentPart p14:bwMode="auto" r:id="rId5">
+              <p14:nvContentPartPr>
+                <p14:cNvPr id="185" name="Ink 184">
+                  <a:extLst>
+                    <a:ext uri="{FF2B5EF4-FFF2-40B4-BE49-F238E27FC236}">
+                      <a16:creationId xmlns:a16="http://schemas.microsoft.com/office/drawing/2014/main" id="{CBCB4B54-D6BD-394A-AE3E-C930026519C3}"/>
+                    </a:ext>
+                  </a:extLst>
+                </p14:cNvPr>
+                <p14:cNvContentPartPr/>
+                <p14:nvPr/>
+              </p14:nvContentPartPr>
+              <p14:xfrm>
+                <a:off x="2009980" y="3651585"/>
+                <a:ext cx="37440" cy="25200"/>
+              </p14:xfrm>
+            </p:contentPart>
+          </mc:Choice>
+          <mc:Fallback>
+            <p:pic>
+              <p:nvPicPr>
+                <p:cNvPr id="185" name="Ink 184">
+                  <a:extLst>
+                    <a:ext uri="{FF2B5EF4-FFF2-40B4-BE49-F238E27FC236}">
+                      <a16:creationId xmlns:a16="http://schemas.microsoft.com/office/drawing/2014/main" id="{CBCB4B54-D6BD-394A-AE3E-C930026519C3}"/>
+                    </a:ext>
+                  </a:extLst>
+                </p:cNvPr>
+                <p:cNvPicPr/>
+                <p:nvPr/>
+              </p:nvPicPr>
+              <p:blipFill>
+                <a:blip r:embed="rId6"/>
+                <a:stretch>
+                  <a:fillRect/>
+                </a:stretch>
+              </p:blipFill>
+              <p:spPr>
+                <a:xfrm>
+                  <a:off x="2005660" y="3647265"/>
+                  <a:ext cx="46080" cy="33840"/>
+                </a:xfrm>
+                <a:prstGeom prst="rect">
+                  <a:avLst/>
+                </a:prstGeom>
+              </p:spPr>
+            </p:pic>
+          </mc:Fallback>
+        </mc:AlternateContent>
+        <mc:AlternateContent xmlns:mc="http://schemas.openxmlformats.org/markup-compatibility/2006">
+          <mc:Choice xmlns:p14="http://schemas.microsoft.com/office/powerpoint/2010/main" Requires="p14">
+            <p:contentPart p14:bwMode="auto" r:id="rId7">
+              <p14:nvContentPartPr>
+                <p14:cNvPr id="186" name="Ink 185">
+                  <a:extLst>
+                    <a:ext uri="{FF2B5EF4-FFF2-40B4-BE49-F238E27FC236}">
+                      <a16:creationId xmlns:a16="http://schemas.microsoft.com/office/drawing/2014/main" id="{22AB8DB5-D8A2-A64F-92F4-B9461A03E96B}"/>
+                    </a:ext>
+                  </a:extLst>
+                </p14:cNvPr>
+                <p14:cNvContentPartPr/>
+                <p14:nvPr/>
+              </p14:nvContentPartPr>
+              <p14:xfrm>
+                <a:off x="2144260" y="3700905"/>
+                <a:ext cx="56880" cy="83520"/>
+              </p14:xfrm>
+            </p:contentPart>
+          </mc:Choice>
+          <mc:Fallback>
+            <p:pic>
+              <p:nvPicPr>
+                <p:cNvPr id="186" name="Ink 185">
+                  <a:extLst>
+                    <a:ext uri="{FF2B5EF4-FFF2-40B4-BE49-F238E27FC236}">
+                      <a16:creationId xmlns:a16="http://schemas.microsoft.com/office/drawing/2014/main" id="{22AB8DB5-D8A2-A64F-92F4-B9461A03E96B}"/>
+                    </a:ext>
+                  </a:extLst>
+                </p:cNvPr>
+                <p:cNvPicPr/>
+                <p:nvPr/>
+              </p:nvPicPr>
+              <p:blipFill>
+                <a:blip r:embed="rId8"/>
+                <a:stretch>
+                  <a:fillRect/>
+                </a:stretch>
+              </p:blipFill>
+              <p:spPr>
+                <a:xfrm>
+                  <a:off x="2139940" y="3696585"/>
+                  <a:ext cx="65520" cy="92160"/>
+                </a:xfrm>
+                <a:prstGeom prst="rect">
+                  <a:avLst/>
+                </a:prstGeom>
+              </p:spPr>
+            </p:pic>
+          </mc:Fallback>
+        </mc:AlternateContent>
+        <mc:AlternateContent xmlns:mc="http://schemas.openxmlformats.org/markup-compatibility/2006">
+          <mc:Choice xmlns:p14="http://schemas.microsoft.com/office/powerpoint/2010/main" Requires="p14">
+            <p:contentPart p14:bwMode="auto" r:id="rId9">
+              <p14:nvContentPartPr>
+                <p14:cNvPr id="187" name="Ink 186">
+                  <a:extLst>
+                    <a:ext uri="{FF2B5EF4-FFF2-40B4-BE49-F238E27FC236}">
+                      <a16:creationId xmlns:a16="http://schemas.microsoft.com/office/drawing/2014/main" id="{DED1F050-DD40-504A-9546-00797800BE31}"/>
+                    </a:ext>
+                  </a:extLst>
+                </p14:cNvPr>
+                <p14:cNvContentPartPr/>
+                <p14:nvPr/>
+              </p14:nvContentPartPr>
+              <p14:xfrm>
+                <a:off x="2090980" y="3653385"/>
+                <a:ext cx="286560" cy="804600"/>
+              </p14:xfrm>
+            </p:contentPart>
+          </mc:Choice>
+          <mc:Fallback>
+            <p:pic>
+              <p:nvPicPr>
+                <p:cNvPr id="187" name="Ink 186">
+                  <a:extLst>
+                    <a:ext uri="{FF2B5EF4-FFF2-40B4-BE49-F238E27FC236}">
+                      <a16:creationId xmlns:a16="http://schemas.microsoft.com/office/drawing/2014/main" id="{DED1F050-DD40-504A-9546-00797800BE31}"/>
+                    </a:ext>
+                  </a:extLst>
+                </p:cNvPr>
+                <p:cNvPicPr/>
+                <p:nvPr/>
+              </p:nvPicPr>
+              <p:blipFill>
+                <a:blip r:embed="rId10"/>
+                <a:stretch>
+                  <a:fillRect/>
+                </a:stretch>
+              </p:blipFill>
+              <p:spPr>
+                <a:xfrm>
+                  <a:off x="2086660" y="3649065"/>
+                  <a:ext cx="295200" cy="813240"/>
+                </a:xfrm>
+                <a:prstGeom prst="rect">
+                  <a:avLst/>
+                </a:prstGeom>
+              </p:spPr>
+            </p:pic>
+          </mc:Fallback>
+        </mc:AlternateContent>
+        <p:sp>
+          <p:nvSpPr>
+            <p:cNvPr id="188" name="Oval 187">
+              <a:extLst>
+                <a:ext uri="{FF2B5EF4-FFF2-40B4-BE49-F238E27FC236}">
+                  <a16:creationId xmlns:a16="http://schemas.microsoft.com/office/drawing/2014/main" id="{49E088BB-60F8-1E4B-B5E7-CB636A913CBB}"/>
+                </a:ext>
+              </a:extLst>
+            </p:cNvPr>
+            <p:cNvSpPr/>
+            <p:nvPr/>
+          </p:nvSpPr>
+          <p:spPr>
+            <a:xfrm>
+              <a:off x="1439584" y="3572793"/>
+              <a:ext cx="981706" cy="981706"/>
+            </a:xfrm>
+            <a:prstGeom prst="ellipse">
+              <a:avLst/>
+            </a:prstGeom>
+            <a:noFill/>
+            <a:ln>
+              <a:solidFill>
+                <a:schemeClr val="tx1"/>
+              </a:solidFill>
+            </a:ln>
+          </p:spPr>
+          <p:style>
+            <a:lnRef idx="2">
+              <a:schemeClr val="accent1">
+                <a:shade val="50000"/>
+              </a:schemeClr>
+            </a:lnRef>
+            <a:fillRef idx="1">
+              <a:schemeClr val="accent1"/>
+            </a:fillRef>
+            <a:effectRef idx="0">
+              <a:schemeClr val="accent1"/>
+            </a:effectRef>
+            <a:fontRef idx="minor">
+              <a:schemeClr val="lt1"/>
+            </a:fontRef>
+          </p:style>
+          <p:txBody>
+            <a:bodyPr rtlCol="0" anchor="ctr"/>
+            <a:lstStyle/>
+            <a:p>
+              <a:pPr algn="ctr"/>
+              <a:endParaRPr lang="en-US"/>
+            </a:p>
+          </p:txBody>
+        </p:sp>
+        <mc:AlternateContent xmlns:mc="http://schemas.openxmlformats.org/markup-compatibility/2006">
+          <mc:Choice xmlns:p14="http://schemas.microsoft.com/office/powerpoint/2010/main" Requires="p14">
+            <p:contentPart p14:bwMode="auto" r:id="rId11">
+              <p14:nvContentPartPr>
+                <p14:cNvPr id="189" name="Ink 188">
+                  <a:extLst>
+                    <a:ext uri="{FF2B5EF4-FFF2-40B4-BE49-F238E27FC236}">
+                      <a16:creationId xmlns:a16="http://schemas.microsoft.com/office/drawing/2014/main" id="{8955BA3B-99D8-534C-B531-3E49D9E6DD29}"/>
+                    </a:ext>
+                  </a:extLst>
+                </p14:cNvPr>
+                <p14:cNvContentPartPr/>
+                <p14:nvPr/>
+              </p14:nvContentPartPr>
+              <p14:xfrm>
+                <a:off x="1608880" y="3988565"/>
+                <a:ext cx="290880" cy="400680"/>
+              </p14:xfrm>
+            </p:contentPart>
+          </mc:Choice>
+          <mc:Fallback>
+            <p:pic>
+              <p:nvPicPr>
+                <p:cNvPr id="189" name="Ink 188">
+                  <a:extLst>
+                    <a:ext uri="{FF2B5EF4-FFF2-40B4-BE49-F238E27FC236}">
+                      <a16:creationId xmlns:a16="http://schemas.microsoft.com/office/drawing/2014/main" id="{8955BA3B-99D8-534C-B531-3E49D9E6DD29}"/>
+                    </a:ext>
+                  </a:extLst>
+                </p:cNvPr>
+                <p:cNvPicPr/>
+                <p:nvPr/>
+              </p:nvPicPr>
+              <p:blipFill>
+                <a:blip r:embed="rId12"/>
+                <a:stretch>
+                  <a:fillRect/>
+                </a:stretch>
+              </p:blipFill>
+              <p:spPr>
+                <a:xfrm>
+                  <a:off x="1591240" y="3970565"/>
+                  <a:ext cx="326520" cy="436320"/>
+                </a:xfrm>
+                <a:prstGeom prst="rect">
+                  <a:avLst/>
+                </a:prstGeom>
+              </p:spPr>
+            </p:pic>
+          </mc:Fallback>
+        </mc:AlternateContent>
+        <mc:AlternateContent xmlns:mc="http://schemas.openxmlformats.org/markup-compatibility/2006">
+          <mc:Choice xmlns:p14="http://schemas.microsoft.com/office/powerpoint/2010/main" Requires="p14">
+            <p:contentPart p14:bwMode="auto" r:id="rId13">
+              <p14:nvContentPartPr>
+                <p14:cNvPr id="190" name="Ink 189">
+                  <a:extLst>
+                    <a:ext uri="{FF2B5EF4-FFF2-40B4-BE49-F238E27FC236}">
+                      <a16:creationId xmlns:a16="http://schemas.microsoft.com/office/drawing/2014/main" id="{5B302F86-3103-9C44-ABC6-31E10A98934E}"/>
+                    </a:ext>
+                  </a:extLst>
+                </p14:cNvPr>
+                <p14:cNvContentPartPr/>
+                <p14:nvPr/>
+              </p14:nvContentPartPr>
+              <p14:xfrm>
+                <a:off x="2116840" y="3896045"/>
+                <a:ext cx="284760" cy="495360"/>
+              </p14:xfrm>
+            </p:contentPart>
+          </mc:Choice>
+          <mc:Fallback>
+            <p:pic>
+              <p:nvPicPr>
+                <p:cNvPr id="190" name="Ink 189">
+                  <a:extLst>
+                    <a:ext uri="{FF2B5EF4-FFF2-40B4-BE49-F238E27FC236}">
+                      <a16:creationId xmlns:a16="http://schemas.microsoft.com/office/drawing/2014/main" id="{5B302F86-3103-9C44-ABC6-31E10A98934E}"/>
+                    </a:ext>
+                  </a:extLst>
+                </p:cNvPr>
+                <p:cNvPicPr/>
+                <p:nvPr/>
+              </p:nvPicPr>
+              <p:blipFill>
+                <a:blip r:embed="rId14"/>
+                <a:stretch>
+                  <a:fillRect/>
+                </a:stretch>
+              </p:blipFill>
+              <p:spPr>
+                <a:xfrm>
+                  <a:off x="2098840" y="3878405"/>
+                  <a:ext cx="320400" cy="531000"/>
+                </a:xfrm>
+                <a:prstGeom prst="rect">
+                  <a:avLst/>
+                </a:prstGeom>
+              </p:spPr>
+            </p:pic>
+          </mc:Fallback>
+        </mc:AlternateContent>
+        <mc:AlternateContent xmlns:mc="http://schemas.openxmlformats.org/markup-compatibility/2006">
+          <mc:Choice xmlns:p14="http://schemas.microsoft.com/office/powerpoint/2010/main" Requires="p14">
+            <p:contentPart p14:bwMode="auto" r:id="rId15">
+              <p14:nvContentPartPr>
+                <p14:cNvPr id="191" name="Ink 190">
+                  <a:extLst>
+                    <a:ext uri="{FF2B5EF4-FFF2-40B4-BE49-F238E27FC236}">
+                      <a16:creationId xmlns:a16="http://schemas.microsoft.com/office/drawing/2014/main" id="{164DEF6B-E817-D443-9A7B-EC9A6894FB72}"/>
+                    </a:ext>
+                  </a:extLst>
+                </p14:cNvPr>
+                <p14:cNvContentPartPr/>
+                <p14:nvPr/>
+              </p14:nvContentPartPr>
+              <p14:xfrm>
+                <a:off x="1878160" y="3670325"/>
+                <a:ext cx="360" cy="360"/>
+              </p14:xfrm>
+            </p:contentPart>
+          </mc:Choice>
+          <mc:Fallback>
+            <p:pic>
+              <p:nvPicPr>
+                <p:cNvPr id="191" name="Ink 190">
+                  <a:extLst>
+                    <a:ext uri="{FF2B5EF4-FFF2-40B4-BE49-F238E27FC236}">
+                      <a16:creationId xmlns:a16="http://schemas.microsoft.com/office/drawing/2014/main" id="{164DEF6B-E817-D443-9A7B-EC9A6894FB72}"/>
+                    </a:ext>
+                  </a:extLst>
+                </p:cNvPr>
+                <p:cNvPicPr/>
+                <p:nvPr/>
+              </p:nvPicPr>
+              <p:blipFill>
+                <a:blip r:embed="rId16"/>
+                <a:stretch>
+                  <a:fillRect/>
+                </a:stretch>
+              </p:blipFill>
+              <p:spPr>
+                <a:xfrm>
+                  <a:off x="1860160" y="3652325"/>
+                  <a:ext cx="36000" cy="36000"/>
+                </a:xfrm>
+                <a:prstGeom prst="rect">
+                  <a:avLst/>
+                </a:prstGeom>
+              </p:spPr>
+            </p:pic>
+          </mc:Fallback>
+        </mc:AlternateContent>
+        <mc:AlternateContent xmlns:mc="http://schemas.openxmlformats.org/markup-compatibility/2006">
+          <mc:Choice xmlns:p14="http://schemas.microsoft.com/office/powerpoint/2010/main" Requires="p14">
+            <p:contentPart p14:bwMode="auto" r:id="rId17">
+              <p14:nvContentPartPr>
+                <p14:cNvPr id="192" name="Ink 191">
+                  <a:extLst>
+                    <a:ext uri="{FF2B5EF4-FFF2-40B4-BE49-F238E27FC236}">
+                      <a16:creationId xmlns:a16="http://schemas.microsoft.com/office/drawing/2014/main" id="{78B8A598-9703-8847-ABDD-043F891E5291}"/>
+                    </a:ext>
+                  </a:extLst>
+                </p14:cNvPr>
+                <p14:cNvContentPartPr/>
+                <p14:nvPr/>
+              </p14:nvContentPartPr>
+              <p14:xfrm>
+                <a:off x="2281360" y="3750605"/>
+                <a:ext cx="69480" cy="105480"/>
+              </p14:xfrm>
+            </p:contentPart>
+          </mc:Choice>
+          <mc:Fallback>
+            <p:pic>
+              <p:nvPicPr>
+                <p:cNvPr id="192" name="Ink 191">
+                  <a:extLst>
+                    <a:ext uri="{FF2B5EF4-FFF2-40B4-BE49-F238E27FC236}">
+                      <a16:creationId xmlns:a16="http://schemas.microsoft.com/office/drawing/2014/main" id="{78B8A598-9703-8847-ABDD-043F891E5291}"/>
+                    </a:ext>
+                  </a:extLst>
+                </p:cNvPr>
+                <p:cNvPicPr/>
+                <p:nvPr/>
+              </p:nvPicPr>
+              <p:blipFill>
+                <a:blip r:embed="rId18"/>
+                <a:stretch>
+                  <a:fillRect/>
+                </a:stretch>
+              </p:blipFill>
+              <p:spPr>
+                <a:xfrm>
+                  <a:off x="2263720" y="3732605"/>
+                  <a:ext cx="105120" cy="141120"/>
+                </a:xfrm>
+                <a:prstGeom prst="rect">
+                  <a:avLst/>
+                </a:prstGeom>
+              </p:spPr>
+            </p:pic>
+          </mc:Fallback>
+        </mc:AlternateContent>
+        <mc:AlternateContent xmlns:mc="http://schemas.openxmlformats.org/markup-compatibility/2006">
+          <mc:Choice xmlns:p14="http://schemas.microsoft.com/office/powerpoint/2010/main" Requires="p14">
+            <p:contentPart p14:bwMode="auto" r:id="rId19">
+              <p14:nvContentPartPr>
+                <p14:cNvPr id="193" name="Ink 192">
+                  <a:extLst>
+                    <a:ext uri="{FF2B5EF4-FFF2-40B4-BE49-F238E27FC236}">
+                      <a16:creationId xmlns:a16="http://schemas.microsoft.com/office/drawing/2014/main" id="{12777927-7B83-4F4A-878F-BF82283DEAF0}"/>
+                    </a:ext>
+                  </a:extLst>
+                </p14:cNvPr>
+                <p14:cNvContentPartPr/>
+                <p14:nvPr/>
+              </p14:nvContentPartPr>
+              <p14:xfrm>
+                <a:off x="1656400" y="4402565"/>
+                <a:ext cx="40680" cy="68040"/>
+              </p14:xfrm>
+            </p:contentPart>
+          </mc:Choice>
+          <mc:Fallback>
+            <p:pic>
+              <p:nvPicPr>
+                <p:cNvPr id="193" name="Ink 192">
+                  <a:extLst>
+                    <a:ext uri="{FF2B5EF4-FFF2-40B4-BE49-F238E27FC236}">
+                      <a16:creationId xmlns:a16="http://schemas.microsoft.com/office/drawing/2014/main" id="{12777927-7B83-4F4A-878F-BF82283DEAF0}"/>
+                    </a:ext>
+                  </a:extLst>
+                </p:cNvPr>
+                <p:cNvPicPr/>
+                <p:nvPr/>
+              </p:nvPicPr>
+              <p:blipFill>
+                <a:blip r:embed="rId20"/>
+                <a:stretch>
+                  <a:fillRect/>
+                </a:stretch>
+              </p:blipFill>
+              <p:spPr>
+                <a:xfrm>
+                  <a:off x="1652080" y="4398245"/>
+                  <a:ext cx="49320" cy="76680"/>
+                </a:xfrm>
+                <a:prstGeom prst="rect">
+                  <a:avLst/>
+                </a:prstGeom>
+              </p:spPr>
+            </p:pic>
+          </mc:Fallback>
+        </mc:AlternateContent>
+        <mc:AlternateContent xmlns:mc="http://schemas.openxmlformats.org/markup-compatibility/2006">
+          <mc:Choice xmlns:p14="http://schemas.microsoft.com/office/powerpoint/2010/main" Requires="p14">
+            <p:contentPart p14:bwMode="auto" r:id="rId21">
+              <p14:nvContentPartPr>
+                <p14:cNvPr id="194" name="Ink 193">
+                  <a:extLst>
+                    <a:ext uri="{FF2B5EF4-FFF2-40B4-BE49-F238E27FC236}">
+                      <a16:creationId xmlns:a16="http://schemas.microsoft.com/office/drawing/2014/main" id="{57BB87F6-8BF3-6540-B2C5-80DDEF703628}"/>
+                    </a:ext>
+                  </a:extLst>
+                </p14:cNvPr>
+                <p14:cNvContentPartPr/>
+                <p14:nvPr/>
+              </p14:nvContentPartPr>
+              <p14:xfrm>
+                <a:off x="1684120" y="3730805"/>
+                <a:ext cx="77400" cy="84240"/>
+              </p14:xfrm>
+            </p:contentPart>
+          </mc:Choice>
+          <mc:Fallback>
+            <p:pic>
+              <p:nvPicPr>
+                <p:cNvPr id="194" name="Ink 193">
+                  <a:extLst>
+                    <a:ext uri="{FF2B5EF4-FFF2-40B4-BE49-F238E27FC236}">
+                      <a16:creationId xmlns:a16="http://schemas.microsoft.com/office/drawing/2014/main" id="{57BB87F6-8BF3-6540-B2C5-80DDEF703628}"/>
+                    </a:ext>
+                  </a:extLst>
+                </p:cNvPr>
+                <p:cNvPicPr/>
+                <p:nvPr/>
+              </p:nvPicPr>
+              <p:blipFill>
+                <a:blip r:embed="rId22"/>
+                <a:stretch>
+                  <a:fillRect/>
+                </a:stretch>
+              </p:blipFill>
+              <p:spPr>
+                <a:xfrm>
+                  <a:off x="1679800" y="3726485"/>
+                  <a:ext cx="86040" cy="92880"/>
+                </a:xfrm>
+                <a:prstGeom prst="rect">
+                  <a:avLst/>
+                </a:prstGeom>
+              </p:spPr>
+            </p:pic>
+          </mc:Fallback>
+        </mc:AlternateContent>
+        <mc:AlternateContent xmlns:mc="http://schemas.openxmlformats.org/markup-compatibility/2006">
+          <mc:Choice xmlns:p14="http://schemas.microsoft.com/office/powerpoint/2010/main" Requires="p14">
+            <p:contentPart p14:bwMode="auto" r:id="rId23">
+              <p14:nvContentPartPr>
+                <p14:cNvPr id="195" name="Ink 194">
+                  <a:extLst>
+                    <a:ext uri="{FF2B5EF4-FFF2-40B4-BE49-F238E27FC236}">
+                      <a16:creationId xmlns:a16="http://schemas.microsoft.com/office/drawing/2014/main" id="{C4E28EA2-F468-9446-9BDC-8968913D9832}"/>
+                    </a:ext>
+                  </a:extLst>
+                </p14:cNvPr>
+                <p14:cNvContentPartPr/>
+                <p14:nvPr/>
+              </p14:nvContentPartPr>
+              <p14:xfrm>
+                <a:off x="2015680" y="3660245"/>
+                <a:ext cx="29520" cy="14760"/>
+              </p14:xfrm>
+            </p:contentPart>
+          </mc:Choice>
+          <mc:Fallback>
+            <p:pic>
+              <p:nvPicPr>
+                <p:cNvPr id="195" name="Ink 194">
+                  <a:extLst>
+                    <a:ext uri="{FF2B5EF4-FFF2-40B4-BE49-F238E27FC236}">
+                      <a16:creationId xmlns:a16="http://schemas.microsoft.com/office/drawing/2014/main" id="{C4E28EA2-F468-9446-9BDC-8968913D9832}"/>
+                    </a:ext>
+                  </a:extLst>
+                </p:cNvPr>
+                <p:cNvPicPr/>
+                <p:nvPr/>
+              </p:nvPicPr>
+              <p:blipFill>
+                <a:blip r:embed="rId24"/>
+                <a:stretch>
+                  <a:fillRect/>
+                </a:stretch>
+              </p:blipFill>
+              <p:spPr>
+                <a:xfrm>
+                  <a:off x="2011360" y="3655925"/>
+                  <a:ext cx="38160" cy="23400"/>
+                </a:xfrm>
+                <a:prstGeom prst="rect">
+                  <a:avLst/>
+                </a:prstGeom>
+              </p:spPr>
+            </p:pic>
+          </mc:Fallback>
+        </mc:AlternateContent>
+        <mc:AlternateContent xmlns:mc="http://schemas.openxmlformats.org/markup-compatibility/2006">
+          <mc:Choice xmlns:p14="http://schemas.microsoft.com/office/powerpoint/2010/main" Requires="p14">
+            <p:contentPart p14:bwMode="auto" r:id="rId25">
+              <p14:nvContentPartPr>
+                <p14:cNvPr id="196" name="Ink 195">
+                  <a:extLst>
+                    <a:ext uri="{FF2B5EF4-FFF2-40B4-BE49-F238E27FC236}">
+                      <a16:creationId xmlns:a16="http://schemas.microsoft.com/office/drawing/2014/main" id="{D9AEAFC3-5B5C-2747-BBB8-28A6A0CDB677}"/>
+                    </a:ext>
+                  </a:extLst>
+                </p14:cNvPr>
+                <p14:cNvContentPartPr/>
+                <p14:nvPr/>
+              </p14:nvContentPartPr>
+              <p14:xfrm>
+                <a:off x="2243920" y="4105925"/>
+                <a:ext cx="48960" cy="55800"/>
+              </p14:xfrm>
+            </p:contentPart>
+          </mc:Choice>
+          <mc:Fallback>
+            <p:pic>
+              <p:nvPicPr>
+                <p:cNvPr id="196" name="Ink 195">
+                  <a:extLst>
+                    <a:ext uri="{FF2B5EF4-FFF2-40B4-BE49-F238E27FC236}">
+                      <a16:creationId xmlns:a16="http://schemas.microsoft.com/office/drawing/2014/main" id="{D9AEAFC3-5B5C-2747-BBB8-28A6A0CDB677}"/>
+                    </a:ext>
+                  </a:extLst>
+                </p:cNvPr>
+                <p:cNvPicPr/>
+                <p:nvPr/>
+              </p:nvPicPr>
+              <p:blipFill>
+                <a:blip r:embed="rId26"/>
+                <a:stretch>
+                  <a:fillRect/>
+                </a:stretch>
+              </p:blipFill>
+              <p:spPr>
+                <a:xfrm>
+                  <a:off x="2239600" y="4101605"/>
+                  <a:ext cx="57600" cy="64440"/>
+                </a:xfrm>
+                <a:prstGeom prst="rect">
+                  <a:avLst/>
+                </a:prstGeom>
+              </p:spPr>
+            </p:pic>
+          </mc:Fallback>
+        </mc:AlternateContent>
+        <mc:AlternateContent xmlns:mc="http://schemas.openxmlformats.org/markup-compatibility/2006">
+          <mc:Choice xmlns:p14="http://schemas.microsoft.com/office/powerpoint/2010/main" Requires="p14">
+            <p:contentPart p14:bwMode="auto" r:id="rId27">
+              <p14:nvContentPartPr>
+                <p14:cNvPr id="197" name="Ink 196">
+                  <a:extLst>
+                    <a:ext uri="{FF2B5EF4-FFF2-40B4-BE49-F238E27FC236}">
+                      <a16:creationId xmlns:a16="http://schemas.microsoft.com/office/drawing/2014/main" id="{49FFD652-0C1B-AB4B-AF7D-D22F4C0E43D7}"/>
+                    </a:ext>
+                  </a:extLst>
+                </p14:cNvPr>
+                <p14:cNvContentPartPr/>
+                <p14:nvPr/>
+              </p14:nvContentPartPr>
+              <p14:xfrm>
+                <a:off x="2093440" y="4051925"/>
+                <a:ext cx="11160" cy="24840"/>
+              </p14:xfrm>
+            </p:contentPart>
+          </mc:Choice>
+          <mc:Fallback>
+            <p:pic>
+              <p:nvPicPr>
+                <p:cNvPr id="197" name="Ink 196">
+                  <a:extLst>
+                    <a:ext uri="{FF2B5EF4-FFF2-40B4-BE49-F238E27FC236}">
+                      <a16:creationId xmlns:a16="http://schemas.microsoft.com/office/drawing/2014/main" id="{49FFD652-0C1B-AB4B-AF7D-D22F4C0E43D7}"/>
+                    </a:ext>
+                  </a:extLst>
+                </p:cNvPr>
+                <p:cNvPicPr/>
+                <p:nvPr/>
+              </p:nvPicPr>
+              <p:blipFill>
+                <a:blip r:embed="rId28"/>
+                <a:stretch>
+                  <a:fillRect/>
+                </a:stretch>
+              </p:blipFill>
+              <p:spPr>
+                <a:xfrm>
+                  <a:off x="2089120" y="4047605"/>
+                  <a:ext cx="19800" cy="33480"/>
+                </a:xfrm>
+                <a:prstGeom prst="rect">
+                  <a:avLst/>
+                </a:prstGeom>
+              </p:spPr>
+            </p:pic>
+          </mc:Fallback>
+        </mc:AlternateContent>
+        <mc:AlternateContent xmlns:mc="http://schemas.openxmlformats.org/markup-compatibility/2006">
+          <mc:Choice xmlns:p14="http://schemas.microsoft.com/office/powerpoint/2010/main" Requires="p14">
+            <p:contentPart p14:bwMode="auto" r:id="rId29">
+              <p14:nvContentPartPr>
+                <p14:cNvPr id="198" name="Ink 197">
+                  <a:extLst>
+                    <a:ext uri="{FF2B5EF4-FFF2-40B4-BE49-F238E27FC236}">
+                      <a16:creationId xmlns:a16="http://schemas.microsoft.com/office/drawing/2014/main" id="{DF2D2C96-87D0-BE45-84BB-4051308A3C6F}"/>
+                    </a:ext>
+                  </a:extLst>
+                </p14:cNvPr>
+                <p14:cNvContentPartPr/>
+                <p14:nvPr/>
+              </p14:nvContentPartPr>
+              <p14:xfrm>
+                <a:off x="2228080" y="4396805"/>
+                <a:ext cx="44640" cy="47160"/>
+              </p14:xfrm>
+            </p:contentPart>
+          </mc:Choice>
+          <mc:Fallback>
+            <p:pic>
+              <p:nvPicPr>
+                <p:cNvPr id="198" name="Ink 197">
+                  <a:extLst>
+                    <a:ext uri="{FF2B5EF4-FFF2-40B4-BE49-F238E27FC236}">
+                      <a16:creationId xmlns:a16="http://schemas.microsoft.com/office/drawing/2014/main" id="{DF2D2C96-87D0-BE45-84BB-4051308A3C6F}"/>
+                    </a:ext>
+                  </a:extLst>
+                </p:cNvPr>
+                <p:cNvPicPr/>
+                <p:nvPr/>
+              </p:nvPicPr>
+              <p:blipFill>
+                <a:blip r:embed="rId30"/>
+                <a:stretch>
+                  <a:fillRect/>
+                </a:stretch>
+              </p:blipFill>
+              <p:spPr>
+                <a:xfrm>
+                  <a:off x="2223760" y="4392485"/>
+                  <a:ext cx="53280" cy="55800"/>
+                </a:xfrm>
+                <a:prstGeom prst="rect">
+                  <a:avLst/>
+                </a:prstGeom>
+              </p:spPr>
+            </p:pic>
+          </mc:Fallback>
+        </mc:AlternateContent>
+        <p:grpSp>
+          <p:nvGrpSpPr>
+            <p:cNvPr id="199" name="Group 198">
+              <a:extLst>
+                <a:ext uri="{FF2B5EF4-FFF2-40B4-BE49-F238E27FC236}">
+                  <a16:creationId xmlns:a16="http://schemas.microsoft.com/office/drawing/2014/main" id="{C99749AB-179A-0743-9CAB-E322C1D2F6F8}"/>
+                </a:ext>
+              </a:extLst>
+            </p:cNvPr>
+            <p:cNvGrpSpPr/>
+            <p:nvPr/>
+          </p:nvGrpSpPr>
+          <p:grpSpPr>
+            <a:xfrm>
+              <a:off x="1543720" y="3577085"/>
+              <a:ext cx="852120" cy="631080"/>
+              <a:chOff x="1543720" y="3577085"/>
+              <a:chExt cx="852120" cy="631080"/>
+            </a:xfrm>
+          </p:grpSpPr>
+          <mc:AlternateContent xmlns:mc="http://schemas.openxmlformats.org/markup-compatibility/2006">
+            <mc:Choice xmlns:p14="http://schemas.microsoft.com/office/powerpoint/2010/main" Requires="p14">
+              <p:contentPart p14:bwMode="auto" r:id="rId31">
+                <p14:nvContentPartPr>
+                  <p14:cNvPr id="200" name="Ink 199">
+                    <a:extLst>
+                      <a:ext uri="{FF2B5EF4-FFF2-40B4-BE49-F238E27FC236}">
+                        <a16:creationId xmlns:a16="http://schemas.microsoft.com/office/drawing/2014/main" id="{EA7B2A6C-E6A7-B04C-9101-80CBF6C9EB30}"/>
+                      </a:ext>
+                    </a:extLst>
+                  </p14:cNvPr>
+                  <p14:cNvContentPartPr/>
+                  <p14:nvPr/>
+                </p14:nvContentPartPr>
+                <p14:xfrm>
+                  <a:off x="1964920" y="3596885"/>
+                  <a:ext cx="52200" cy="46440"/>
+                </p14:xfrm>
+              </p:contentPart>
+            </mc:Choice>
+            <mc:Fallback>
+              <p:pic>
+                <p:nvPicPr>
+                  <p:cNvPr id="200" name="Ink 199">
+                    <a:extLst>
+                      <a:ext uri="{FF2B5EF4-FFF2-40B4-BE49-F238E27FC236}">
+                        <a16:creationId xmlns:a16="http://schemas.microsoft.com/office/drawing/2014/main" id="{EA7B2A6C-E6A7-B04C-9101-80CBF6C9EB30}"/>
+                      </a:ext>
+                    </a:extLst>
+                  </p:cNvPr>
+                  <p:cNvPicPr/>
+                  <p:nvPr/>
+                </p:nvPicPr>
+                <p:blipFill>
+                  <a:blip r:embed="rId32"/>
+                  <a:stretch>
+                    <a:fillRect/>
+                  </a:stretch>
+                </p:blipFill>
+                <p:spPr>
+                  <a:xfrm>
+                    <a:off x="1946920" y="3579245"/>
+                    <a:ext cx="87840" cy="82080"/>
+                  </a:xfrm>
+                  <a:prstGeom prst="rect">
+                    <a:avLst/>
+                  </a:prstGeom>
+                </p:spPr>
+              </p:pic>
+            </mc:Fallback>
+          </mc:AlternateContent>
+          <mc:AlternateContent xmlns:mc="http://schemas.openxmlformats.org/markup-compatibility/2006">
+            <mc:Choice xmlns:p14="http://schemas.microsoft.com/office/powerpoint/2010/main" Requires="p14">
+              <p:contentPart p14:bwMode="auto" r:id="rId33">
+                <p14:nvContentPartPr>
+                  <p14:cNvPr id="203" name="Ink 202">
+                    <a:extLst>
+                      <a:ext uri="{FF2B5EF4-FFF2-40B4-BE49-F238E27FC236}">
+                        <a16:creationId xmlns:a16="http://schemas.microsoft.com/office/drawing/2014/main" id="{39D685D6-98A6-0743-86FE-DB8CC218FCE2}"/>
+                      </a:ext>
+                    </a:extLst>
+                  </p14:cNvPr>
+                  <p14:cNvContentPartPr/>
+                  <p14:nvPr/>
+                </p14:nvContentPartPr>
+                <p14:xfrm>
+                  <a:off x="2207560" y="3821525"/>
+                  <a:ext cx="360" cy="360"/>
+                </p14:xfrm>
+              </p:contentPart>
+            </mc:Choice>
+            <mc:Fallback>
+              <p:pic>
+                <p:nvPicPr>
+                  <p:cNvPr id="203" name="Ink 202">
+                    <a:extLst>
+                      <a:ext uri="{FF2B5EF4-FFF2-40B4-BE49-F238E27FC236}">
+                        <a16:creationId xmlns:a16="http://schemas.microsoft.com/office/drawing/2014/main" id="{39D685D6-98A6-0743-86FE-DB8CC218FCE2}"/>
+                      </a:ext>
+                    </a:extLst>
+                  </p:cNvPr>
+                  <p:cNvPicPr/>
+                  <p:nvPr/>
+                </p:nvPicPr>
+                <p:blipFill>
+                  <a:blip r:embed="rId16"/>
+                  <a:stretch>
+                    <a:fillRect/>
+                  </a:stretch>
+                </p:blipFill>
+                <p:spPr>
+                  <a:xfrm>
+                    <a:off x="2189920" y="3803525"/>
+                    <a:ext cx="36000" cy="36000"/>
+                  </a:xfrm>
+                  <a:prstGeom prst="rect">
+                    <a:avLst/>
+                  </a:prstGeom>
+                </p:spPr>
+              </p:pic>
+            </mc:Fallback>
+          </mc:AlternateContent>
+          <mc:AlternateContent xmlns:mc="http://schemas.openxmlformats.org/markup-compatibility/2006">
+            <mc:Choice xmlns:p14="http://schemas.microsoft.com/office/powerpoint/2010/main" Requires="p14">
+              <p:contentPart p14:bwMode="auto" r:id="rId34">
+                <p14:nvContentPartPr>
+                  <p14:cNvPr id="204" name="Ink 203">
+                    <a:extLst>
+                      <a:ext uri="{FF2B5EF4-FFF2-40B4-BE49-F238E27FC236}">
+                        <a16:creationId xmlns:a16="http://schemas.microsoft.com/office/drawing/2014/main" id="{1A8918D6-6BBC-E34B-9FFE-E17E8E374CB9}"/>
+                      </a:ext>
+                    </a:extLst>
+                  </p14:cNvPr>
+                  <p14:cNvContentPartPr/>
+                  <p14:nvPr/>
+                </p14:nvContentPartPr>
+                <p14:xfrm>
+                  <a:off x="2198920" y="3820805"/>
+                  <a:ext cx="360" cy="360"/>
+                </p14:xfrm>
+              </p:contentPart>
+            </mc:Choice>
+            <mc:Fallback>
+              <p:pic>
+                <p:nvPicPr>
+                  <p:cNvPr id="204" name="Ink 203">
+                    <a:extLst>
+                      <a:ext uri="{FF2B5EF4-FFF2-40B4-BE49-F238E27FC236}">
+                        <a16:creationId xmlns:a16="http://schemas.microsoft.com/office/drawing/2014/main" id="{1A8918D6-6BBC-E34B-9FFE-E17E8E374CB9}"/>
+                      </a:ext>
+                    </a:extLst>
+                  </p:cNvPr>
+                  <p:cNvPicPr/>
+                  <p:nvPr/>
+                </p:nvPicPr>
+                <p:blipFill>
+                  <a:blip r:embed="rId16"/>
+                  <a:stretch>
+                    <a:fillRect/>
+                  </a:stretch>
+                </p:blipFill>
+                <p:spPr>
+                  <a:xfrm>
+                    <a:off x="2181280" y="3802805"/>
+                    <a:ext cx="36000" cy="36000"/>
+                  </a:xfrm>
+                  <a:prstGeom prst="rect">
+                    <a:avLst/>
+                  </a:prstGeom>
+                </p:spPr>
+              </p:pic>
+            </mc:Fallback>
+          </mc:AlternateContent>
+          <mc:AlternateContent xmlns:mc="http://schemas.openxmlformats.org/markup-compatibility/2006">
+            <mc:Choice xmlns:p14="http://schemas.microsoft.com/office/powerpoint/2010/main" Requires="p14">
+              <p:contentPart p14:bwMode="auto" r:id="rId35">
+                <p14:nvContentPartPr>
+                  <p14:cNvPr id="205" name="Ink 204">
+                    <a:extLst>
+                      <a:ext uri="{FF2B5EF4-FFF2-40B4-BE49-F238E27FC236}">
+                        <a16:creationId xmlns:a16="http://schemas.microsoft.com/office/drawing/2014/main" id="{E03D364F-E3CF-AE4E-9BA4-39593FB4CD70}"/>
+                      </a:ext>
+                    </a:extLst>
+                  </p14:cNvPr>
+                  <p14:cNvContentPartPr/>
+                  <p14:nvPr/>
+                </p14:nvContentPartPr>
+                <p14:xfrm>
+                  <a:off x="2212960" y="3833045"/>
+                  <a:ext cx="360" cy="360"/>
+                </p14:xfrm>
+              </p:contentPart>
+            </mc:Choice>
+            <mc:Fallback>
+              <p:pic>
+                <p:nvPicPr>
+                  <p:cNvPr id="205" name="Ink 204">
+                    <a:extLst>
+                      <a:ext uri="{FF2B5EF4-FFF2-40B4-BE49-F238E27FC236}">
+                        <a16:creationId xmlns:a16="http://schemas.microsoft.com/office/drawing/2014/main" id="{E03D364F-E3CF-AE4E-9BA4-39593FB4CD70}"/>
+                      </a:ext>
+                    </a:extLst>
+                  </p:cNvPr>
+                  <p:cNvPicPr/>
+                  <p:nvPr/>
+                </p:nvPicPr>
+                <p:blipFill>
+                  <a:blip r:embed="rId16"/>
+                  <a:stretch>
+                    <a:fillRect/>
+                  </a:stretch>
+                </p:blipFill>
+                <p:spPr>
+                  <a:xfrm>
+                    <a:off x="2194960" y="3815045"/>
+                    <a:ext cx="36000" cy="36000"/>
+                  </a:xfrm>
+                  <a:prstGeom prst="rect">
+                    <a:avLst/>
+                  </a:prstGeom>
+                </p:spPr>
+              </p:pic>
+            </mc:Fallback>
+          </mc:AlternateContent>
+          <mc:AlternateContent xmlns:mc="http://schemas.openxmlformats.org/markup-compatibility/2006">
+            <mc:Choice xmlns:p14="http://schemas.microsoft.com/office/powerpoint/2010/main" Requires="p14">
+              <p:contentPart p14:bwMode="auto" r:id="rId36">
+                <p14:nvContentPartPr>
+                  <p14:cNvPr id="206" name="Ink 205">
+                    <a:extLst>
+                      <a:ext uri="{FF2B5EF4-FFF2-40B4-BE49-F238E27FC236}">
+                        <a16:creationId xmlns:a16="http://schemas.microsoft.com/office/drawing/2014/main" id="{A2C8627F-1CB9-D04B-BE81-52E81C7F3E26}"/>
+                      </a:ext>
+                    </a:extLst>
+                  </p14:cNvPr>
+                  <p14:cNvContentPartPr/>
+                  <p14:nvPr/>
+                </p14:nvContentPartPr>
+                <p14:xfrm>
+                  <a:off x="2230960" y="3810005"/>
+                  <a:ext cx="360" cy="360"/>
+                </p14:xfrm>
+              </p:contentPart>
+            </mc:Choice>
+            <mc:Fallback>
+              <p:pic>
+                <p:nvPicPr>
+                  <p:cNvPr id="206" name="Ink 205">
+                    <a:extLst>
+                      <a:ext uri="{FF2B5EF4-FFF2-40B4-BE49-F238E27FC236}">
+                        <a16:creationId xmlns:a16="http://schemas.microsoft.com/office/drawing/2014/main" id="{A2C8627F-1CB9-D04B-BE81-52E81C7F3E26}"/>
+                      </a:ext>
+                    </a:extLst>
+                  </p:cNvPr>
+                  <p:cNvPicPr/>
+                  <p:nvPr/>
+                </p:nvPicPr>
+                <p:blipFill>
+                  <a:blip r:embed="rId16"/>
+                  <a:stretch>
+                    <a:fillRect/>
+                  </a:stretch>
+                </p:blipFill>
+                <p:spPr>
+                  <a:xfrm>
+                    <a:off x="2213320" y="3792005"/>
+                    <a:ext cx="36000" cy="36000"/>
+                  </a:xfrm>
+                  <a:prstGeom prst="rect">
+                    <a:avLst/>
+                  </a:prstGeom>
+                </p:spPr>
+              </p:pic>
+            </mc:Fallback>
+          </mc:AlternateContent>
+          <mc:AlternateContent xmlns:mc="http://schemas.openxmlformats.org/markup-compatibility/2006">
+            <mc:Choice xmlns:p14="http://schemas.microsoft.com/office/powerpoint/2010/main" Requires="p14">
+              <p:contentPart p14:bwMode="auto" r:id="rId37">
+                <p14:nvContentPartPr>
+                  <p14:cNvPr id="207" name="Ink 206">
+                    <a:extLst>
+                      <a:ext uri="{FF2B5EF4-FFF2-40B4-BE49-F238E27FC236}">
+                        <a16:creationId xmlns:a16="http://schemas.microsoft.com/office/drawing/2014/main" id="{D6690862-B45A-6F4C-B565-B74126B8FD62}"/>
+                      </a:ext>
+                    </a:extLst>
+                  </p14:cNvPr>
+                  <p14:cNvContentPartPr/>
+                  <p14:nvPr/>
+                </p14:nvContentPartPr>
+                <p14:xfrm>
+                  <a:off x="2251840" y="3797765"/>
+                  <a:ext cx="360" cy="360"/>
+                </p14:xfrm>
+              </p:contentPart>
+            </mc:Choice>
+            <mc:Fallback>
+              <p:pic>
+                <p:nvPicPr>
+                  <p:cNvPr id="207" name="Ink 206">
+                    <a:extLst>
+                      <a:ext uri="{FF2B5EF4-FFF2-40B4-BE49-F238E27FC236}">
+                        <a16:creationId xmlns:a16="http://schemas.microsoft.com/office/drawing/2014/main" id="{D6690862-B45A-6F4C-B565-B74126B8FD62}"/>
+                      </a:ext>
+                    </a:extLst>
+                  </p:cNvPr>
+                  <p:cNvPicPr/>
+                  <p:nvPr/>
+                </p:nvPicPr>
+                <p:blipFill>
+                  <a:blip r:embed="rId16"/>
+                  <a:stretch>
+                    <a:fillRect/>
+                  </a:stretch>
+                </p:blipFill>
+                <p:spPr>
+                  <a:xfrm>
+                    <a:off x="2234200" y="3780125"/>
+                    <a:ext cx="36000" cy="36000"/>
+                  </a:xfrm>
+                  <a:prstGeom prst="rect">
+                    <a:avLst/>
+                  </a:prstGeom>
+                </p:spPr>
+              </p:pic>
+            </mc:Fallback>
+          </mc:AlternateContent>
+          <mc:AlternateContent xmlns:mc="http://schemas.openxmlformats.org/markup-compatibility/2006">
+            <mc:Choice xmlns:p14="http://schemas.microsoft.com/office/powerpoint/2010/main" Requires="p14">
+              <p:contentPart p14:bwMode="auto" r:id="rId38">
+                <p14:nvContentPartPr>
+                  <p14:cNvPr id="208" name="Ink 207">
+                    <a:extLst>
+                      <a:ext uri="{FF2B5EF4-FFF2-40B4-BE49-F238E27FC236}">
+                        <a16:creationId xmlns:a16="http://schemas.microsoft.com/office/drawing/2014/main" id="{12AD9CC5-60F1-D84B-86E6-8EA943C0D48D}"/>
+                      </a:ext>
+                    </a:extLst>
+                  </p14:cNvPr>
+                  <p14:cNvContentPartPr/>
+                  <p14:nvPr/>
+                </p14:nvContentPartPr>
+                <p14:xfrm>
+                  <a:off x="2262640" y="3763925"/>
+                  <a:ext cx="360" cy="360"/>
+                </p14:xfrm>
+              </p:contentPart>
+            </mc:Choice>
+            <mc:Fallback>
+              <p:pic>
+                <p:nvPicPr>
+                  <p:cNvPr id="208" name="Ink 207">
+                    <a:extLst>
+                      <a:ext uri="{FF2B5EF4-FFF2-40B4-BE49-F238E27FC236}">
+                        <a16:creationId xmlns:a16="http://schemas.microsoft.com/office/drawing/2014/main" id="{12AD9CC5-60F1-D84B-86E6-8EA943C0D48D}"/>
+                      </a:ext>
+                    </a:extLst>
+                  </p:cNvPr>
+                  <p:cNvPicPr/>
+                  <p:nvPr/>
+                </p:nvPicPr>
+                <p:blipFill>
+                  <a:blip r:embed="rId16"/>
+                  <a:stretch>
+                    <a:fillRect/>
+                  </a:stretch>
+                </p:blipFill>
+                <p:spPr>
+                  <a:xfrm>
+                    <a:off x="2244640" y="3746285"/>
+                    <a:ext cx="36000" cy="36000"/>
+                  </a:xfrm>
+                  <a:prstGeom prst="rect">
+                    <a:avLst/>
+                  </a:prstGeom>
+                </p:spPr>
+              </p:pic>
+            </mc:Fallback>
+          </mc:AlternateContent>
+          <mc:AlternateContent xmlns:mc="http://schemas.openxmlformats.org/markup-compatibility/2006">
+            <mc:Choice xmlns:p14="http://schemas.microsoft.com/office/powerpoint/2010/main" Requires="p14">
+              <p:contentPart p14:bwMode="auto" r:id="rId39">
+                <p14:nvContentPartPr>
+                  <p14:cNvPr id="209" name="Ink 208">
+                    <a:extLst>
+                      <a:ext uri="{FF2B5EF4-FFF2-40B4-BE49-F238E27FC236}">
+                        <a16:creationId xmlns:a16="http://schemas.microsoft.com/office/drawing/2014/main" id="{63F899B9-20EF-E544-AC82-0F7EF9CEB4F5}"/>
+                      </a:ext>
+                    </a:extLst>
+                  </p14:cNvPr>
+                  <p14:cNvContentPartPr/>
+                  <p14:nvPr/>
+                </p14:nvContentPartPr>
+                <p14:xfrm>
+                  <a:off x="2262640" y="3738365"/>
+                  <a:ext cx="360" cy="360"/>
+                </p14:xfrm>
+              </p:contentPart>
+            </mc:Choice>
+            <mc:Fallback>
+              <p:pic>
+                <p:nvPicPr>
+                  <p:cNvPr id="209" name="Ink 208">
+                    <a:extLst>
+                      <a:ext uri="{FF2B5EF4-FFF2-40B4-BE49-F238E27FC236}">
+                        <a16:creationId xmlns:a16="http://schemas.microsoft.com/office/drawing/2014/main" id="{63F899B9-20EF-E544-AC82-0F7EF9CEB4F5}"/>
+                      </a:ext>
+                    </a:extLst>
+                  </p:cNvPr>
+                  <p:cNvPicPr/>
+                  <p:nvPr/>
+                </p:nvPicPr>
+                <p:blipFill>
+                  <a:blip r:embed="rId16"/>
+                  <a:stretch>
+                    <a:fillRect/>
+                  </a:stretch>
+                </p:blipFill>
+                <p:spPr>
+                  <a:xfrm>
+                    <a:off x="2244640" y="3720365"/>
+                    <a:ext cx="36000" cy="36000"/>
+                  </a:xfrm>
+                  <a:prstGeom prst="rect">
+                    <a:avLst/>
+                  </a:prstGeom>
+                </p:spPr>
+              </p:pic>
+            </mc:Fallback>
+          </mc:AlternateContent>
+          <mc:AlternateContent xmlns:mc="http://schemas.openxmlformats.org/markup-compatibility/2006">
+            <mc:Choice xmlns:p14="http://schemas.microsoft.com/office/powerpoint/2010/main" Requires="p14">
+              <p:contentPart p14:bwMode="auto" r:id="rId40">
+                <p14:nvContentPartPr>
+                  <p14:cNvPr id="210" name="Ink 209">
+                    <a:extLst>
+                      <a:ext uri="{FF2B5EF4-FFF2-40B4-BE49-F238E27FC236}">
+                        <a16:creationId xmlns:a16="http://schemas.microsoft.com/office/drawing/2014/main" id="{23C5F57A-885F-5E4B-9719-2E6913116FFC}"/>
+                      </a:ext>
+                    </a:extLst>
+                  </p14:cNvPr>
+                  <p14:cNvContentPartPr/>
+                  <p14:nvPr/>
+                </p14:nvContentPartPr>
+                <p14:xfrm>
+                  <a:off x="2244640" y="3716045"/>
+                  <a:ext cx="360" cy="360"/>
+                </p14:xfrm>
+              </p:contentPart>
+            </mc:Choice>
+            <mc:Fallback>
+              <p:pic>
+                <p:nvPicPr>
+                  <p:cNvPr id="210" name="Ink 209">
+                    <a:extLst>
+                      <a:ext uri="{FF2B5EF4-FFF2-40B4-BE49-F238E27FC236}">
+                        <a16:creationId xmlns:a16="http://schemas.microsoft.com/office/drawing/2014/main" id="{23C5F57A-885F-5E4B-9719-2E6913116FFC}"/>
+                      </a:ext>
+                    </a:extLst>
+                  </p:cNvPr>
+                  <p:cNvPicPr/>
+                  <p:nvPr/>
+                </p:nvPicPr>
+                <p:blipFill>
+                  <a:blip r:embed="rId16"/>
+                  <a:stretch>
+                    <a:fillRect/>
+                  </a:stretch>
+                </p:blipFill>
+                <p:spPr>
+                  <a:xfrm>
+                    <a:off x="2227000" y="3698045"/>
+                    <a:ext cx="36000" cy="36000"/>
+                  </a:xfrm>
+                  <a:prstGeom prst="rect">
+                    <a:avLst/>
+                  </a:prstGeom>
+                </p:spPr>
+              </p:pic>
+            </mc:Fallback>
+          </mc:AlternateContent>
+          <mc:AlternateContent xmlns:mc="http://schemas.openxmlformats.org/markup-compatibility/2006">
+            <mc:Choice xmlns:p14="http://schemas.microsoft.com/office/powerpoint/2010/main" Requires="p14">
+              <p:contentPart p14:bwMode="auto" r:id="rId41">
+                <p14:nvContentPartPr>
+                  <p14:cNvPr id="211" name="Ink 210">
+                    <a:extLst>
+                      <a:ext uri="{FF2B5EF4-FFF2-40B4-BE49-F238E27FC236}">
+                        <a16:creationId xmlns:a16="http://schemas.microsoft.com/office/drawing/2014/main" id="{776A0CD0-045F-2043-814E-4743B3778724}"/>
+                      </a:ext>
+                    </a:extLst>
+                  </p14:cNvPr>
+                  <p14:cNvContentPartPr/>
+                  <p14:nvPr/>
+                </p14:nvContentPartPr>
+                <p14:xfrm>
+                  <a:off x="2201080" y="3682565"/>
+                  <a:ext cx="36360" cy="24840"/>
+                </p14:xfrm>
+              </p:contentPart>
+            </mc:Choice>
+            <mc:Fallback>
+              <p:pic>
+                <p:nvPicPr>
+                  <p:cNvPr id="211" name="Ink 210">
+                    <a:extLst>
+                      <a:ext uri="{FF2B5EF4-FFF2-40B4-BE49-F238E27FC236}">
+                        <a16:creationId xmlns:a16="http://schemas.microsoft.com/office/drawing/2014/main" id="{776A0CD0-045F-2043-814E-4743B3778724}"/>
+                      </a:ext>
+                    </a:extLst>
+                  </p:cNvPr>
+                  <p:cNvPicPr/>
+                  <p:nvPr/>
+                </p:nvPicPr>
+                <p:blipFill>
+                  <a:blip r:embed="rId42"/>
+                  <a:stretch>
+                    <a:fillRect/>
+                  </a:stretch>
+                </p:blipFill>
+                <p:spPr>
+                  <a:xfrm>
+                    <a:off x="2183080" y="3664925"/>
+                    <a:ext cx="72000" cy="60480"/>
+                  </a:xfrm>
+                  <a:prstGeom prst="rect">
+                    <a:avLst/>
+                  </a:prstGeom>
+                </p:spPr>
+              </p:pic>
+            </mc:Fallback>
+          </mc:AlternateContent>
+          <mc:AlternateContent xmlns:mc="http://schemas.openxmlformats.org/markup-compatibility/2006">
+            <mc:Choice xmlns:p14="http://schemas.microsoft.com/office/powerpoint/2010/main" Requires="p14">
+              <p:contentPart p14:bwMode="auto" r:id="rId43">
+                <p14:nvContentPartPr>
+                  <p14:cNvPr id="212" name="Ink 211">
+                    <a:extLst>
+                      <a:ext uri="{FF2B5EF4-FFF2-40B4-BE49-F238E27FC236}">
+                        <a16:creationId xmlns:a16="http://schemas.microsoft.com/office/drawing/2014/main" id="{CB5807A4-DE4B-C24A-ABC1-CD5E53B60826}"/>
+                      </a:ext>
+                    </a:extLst>
+                  </p14:cNvPr>
+                  <p14:cNvContentPartPr/>
+                  <p14:nvPr/>
+                </p14:nvContentPartPr>
+                <p14:xfrm>
+                  <a:off x="1685200" y="4087205"/>
+                  <a:ext cx="360" cy="360"/>
+                </p14:xfrm>
+              </p:contentPart>
+            </mc:Choice>
+            <mc:Fallback>
+              <p:pic>
+                <p:nvPicPr>
+                  <p:cNvPr id="212" name="Ink 211">
+                    <a:extLst>
+                      <a:ext uri="{FF2B5EF4-FFF2-40B4-BE49-F238E27FC236}">
+                        <a16:creationId xmlns:a16="http://schemas.microsoft.com/office/drawing/2014/main" id="{CB5807A4-DE4B-C24A-ABC1-CD5E53B60826}"/>
+                      </a:ext>
+                    </a:extLst>
+                  </p:cNvPr>
+                  <p:cNvPicPr/>
+                  <p:nvPr/>
+                </p:nvPicPr>
+                <p:blipFill>
+                  <a:blip r:embed="rId44"/>
+                  <a:stretch>
+                    <a:fillRect/>
+                  </a:stretch>
+                </p:blipFill>
+                <p:spPr>
+                  <a:xfrm>
+                    <a:off x="1622200" y="4024565"/>
+                    <a:ext cx="126000" cy="126000"/>
+                  </a:xfrm>
+                  <a:prstGeom prst="rect">
+                    <a:avLst/>
+                  </a:prstGeom>
+                </p:spPr>
+              </p:pic>
+            </mc:Fallback>
+          </mc:AlternateContent>
+          <mc:AlternateContent xmlns:mc="http://schemas.openxmlformats.org/markup-compatibility/2006">
+            <mc:Choice xmlns:p14="http://schemas.microsoft.com/office/powerpoint/2010/main" Requires="p14">
+              <p:contentPart p14:bwMode="auto" r:id="rId45">
+                <p14:nvContentPartPr>
+                  <p14:cNvPr id="213" name="Ink 212">
+                    <a:extLst>
+                      <a:ext uri="{FF2B5EF4-FFF2-40B4-BE49-F238E27FC236}">
+                        <a16:creationId xmlns:a16="http://schemas.microsoft.com/office/drawing/2014/main" id="{5C9D28E4-2516-144C-AE23-1A0033CF17F6}"/>
+                      </a:ext>
+                    </a:extLst>
+                  </p14:cNvPr>
+                  <p14:cNvContentPartPr/>
+                  <p14:nvPr/>
+                </p14:nvContentPartPr>
+                <p14:xfrm>
+                  <a:off x="1693120" y="4109165"/>
+                  <a:ext cx="360" cy="360"/>
+                </p14:xfrm>
+              </p:contentPart>
+            </mc:Choice>
+            <mc:Fallback>
+              <p:pic>
+                <p:nvPicPr>
+                  <p:cNvPr id="213" name="Ink 212">
+                    <a:extLst>
+                      <a:ext uri="{FF2B5EF4-FFF2-40B4-BE49-F238E27FC236}">
+                        <a16:creationId xmlns:a16="http://schemas.microsoft.com/office/drawing/2014/main" id="{5C9D28E4-2516-144C-AE23-1A0033CF17F6}"/>
+                      </a:ext>
+                    </a:extLst>
+                  </p:cNvPr>
+                  <p:cNvPicPr/>
+                  <p:nvPr/>
+                </p:nvPicPr>
+                <p:blipFill>
+                  <a:blip r:embed="rId44"/>
+                  <a:stretch>
+                    <a:fillRect/>
+                  </a:stretch>
+                </p:blipFill>
+                <p:spPr>
+                  <a:xfrm>
+                    <a:off x="1630480" y="4046525"/>
+                    <a:ext cx="126000" cy="126000"/>
+                  </a:xfrm>
+                  <a:prstGeom prst="rect">
+                    <a:avLst/>
+                  </a:prstGeom>
+                </p:spPr>
+              </p:pic>
+            </mc:Fallback>
+          </mc:AlternateContent>
+          <mc:AlternateContent xmlns:mc="http://schemas.openxmlformats.org/markup-compatibility/2006">
+            <mc:Choice xmlns:p14="http://schemas.microsoft.com/office/powerpoint/2010/main" Requires="p14">
+              <p:contentPart p14:bwMode="auto" r:id="rId46">
+                <p14:nvContentPartPr>
+                  <p14:cNvPr id="214" name="Ink 213">
+                    <a:extLst>
+                      <a:ext uri="{FF2B5EF4-FFF2-40B4-BE49-F238E27FC236}">
+                        <a16:creationId xmlns:a16="http://schemas.microsoft.com/office/drawing/2014/main" id="{7F293D81-D2D2-0549-A83C-1B5D14B46C93}"/>
+                      </a:ext>
+                    </a:extLst>
+                  </p14:cNvPr>
+                  <p14:cNvContentPartPr/>
+                  <p14:nvPr/>
+                </p14:nvContentPartPr>
+                <p14:xfrm>
+                  <a:off x="1737040" y="4207805"/>
+                  <a:ext cx="360" cy="360"/>
+                </p14:xfrm>
+              </p:contentPart>
+            </mc:Choice>
+            <mc:Fallback>
+              <p:pic>
+                <p:nvPicPr>
+                  <p:cNvPr id="214" name="Ink 213">
+                    <a:extLst>
+                      <a:ext uri="{FF2B5EF4-FFF2-40B4-BE49-F238E27FC236}">
+                        <a16:creationId xmlns:a16="http://schemas.microsoft.com/office/drawing/2014/main" id="{7F293D81-D2D2-0549-A83C-1B5D14B46C93}"/>
+                      </a:ext>
+                    </a:extLst>
+                  </p:cNvPr>
+                  <p:cNvPicPr/>
+                  <p:nvPr/>
+                </p:nvPicPr>
+                <p:blipFill>
+                  <a:blip r:embed="rId44"/>
+                  <a:stretch>
+                    <a:fillRect/>
+                  </a:stretch>
+                </p:blipFill>
+                <p:spPr>
+                  <a:xfrm>
+                    <a:off x="1674040" y="4145165"/>
+                    <a:ext cx="126000" cy="126000"/>
+                  </a:xfrm>
+                  <a:prstGeom prst="rect">
+                    <a:avLst/>
+                  </a:prstGeom>
+                </p:spPr>
+              </p:pic>
+            </mc:Fallback>
+          </mc:AlternateContent>
+          <mc:AlternateContent xmlns:mc="http://schemas.openxmlformats.org/markup-compatibility/2006">
+            <mc:Choice xmlns:p14="http://schemas.microsoft.com/office/powerpoint/2010/main" Requires="p14">
+              <p:contentPart p14:bwMode="auto" r:id="rId47">
+                <p14:nvContentPartPr>
+                  <p14:cNvPr id="215" name="Ink 214">
+                    <a:extLst>
+                      <a:ext uri="{FF2B5EF4-FFF2-40B4-BE49-F238E27FC236}">
+                        <a16:creationId xmlns:a16="http://schemas.microsoft.com/office/drawing/2014/main" id="{B68E5B30-C723-1541-8AA8-2EF1D3D1B4C8}"/>
+                      </a:ext>
+                    </a:extLst>
+                  </p14:cNvPr>
+                  <p14:cNvContentPartPr/>
+                  <p14:nvPr/>
+                </p14:nvContentPartPr>
+                <p14:xfrm>
+                  <a:off x="1775560" y="4180085"/>
+                  <a:ext cx="360" cy="360"/>
+                </p14:xfrm>
+              </p:contentPart>
+            </mc:Choice>
+            <mc:Fallback>
+              <p:pic>
+                <p:nvPicPr>
+                  <p:cNvPr id="215" name="Ink 214">
+                    <a:extLst>
+                      <a:ext uri="{FF2B5EF4-FFF2-40B4-BE49-F238E27FC236}">
+                        <a16:creationId xmlns:a16="http://schemas.microsoft.com/office/drawing/2014/main" id="{B68E5B30-C723-1541-8AA8-2EF1D3D1B4C8}"/>
+                      </a:ext>
+                    </a:extLst>
+                  </p:cNvPr>
+                  <p:cNvPicPr/>
+                  <p:nvPr/>
+                </p:nvPicPr>
+                <p:blipFill>
+                  <a:blip r:embed="rId44"/>
+                  <a:stretch>
+                    <a:fillRect/>
+                  </a:stretch>
+                </p:blipFill>
+                <p:spPr>
+                  <a:xfrm>
+                    <a:off x="1712920" y="4117445"/>
+                    <a:ext cx="126000" cy="126000"/>
+                  </a:xfrm>
+                  <a:prstGeom prst="rect">
+                    <a:avLst/>
+                  </a:prstGeom>
+                </p:spPr>
+              </p:pic>
+            </mc:Fallback>
+          </mc:AlternateContent>
+          <mc:AlternateContent xmlns:mc="http://schemas.openxmlformats.org/markup-compatibility/2006">
+            <mc:Choice xmlns:p14="http://schemas.microsoft.com/office/powerpoint/2010/main" Requires="p14">
+              <p:contentPart p14:bwMode="auto" r:id="rId48">
+                <p14:nvContentPartPr>
+                  <p14:cNvPr id="216" name="Ink 215">
+                    <a:extLst>
+                      <a:ext uri="{FF2B5EF4-FFF2-40B4-BE49-F238E27FC236}">
+                        <a16:creationId xmlns:a16="http://schemas.microsoft.com/office/drawing/2014/main" id="{F8088C54-40AB-DE4D-9584-CC8A83575ED8}"/>
+                      </a:ext>
+                    </a:extLst>
+                  </p14:cNvPr>
+                  <p14:cNvContentPartPr/>
+                  <p14:nvPr/>
+                </p14:nvContentPartPr>
+                <p14:xfrm>
+                  <a:off x="1773400" y="4172165"/>
+                  <a:ext cx="360" cy="360"/>
+                </p14:xfrm>
+              </p:contentPart>
+            </mc:Choice>
+            <mc:Fallback>
+              <p:pic>
+                <p:nvPicPr>
+                  <p:cNvPr id="216" name="Ink 215">
+                    <a:extLst>
+                      <a:ext uri="{FF2B5EF4-FFF2-40B4-BE49-F238E27FC236}">
+                        <a16:creationId xmlns:a16="http://schemas.microsoft.com/office/drawing/2014/main" id="{F8088C54-40AB-DE4D-9584-CC8A83575ED8}"/>
+                      </a:ext>
+                    </a:extLst>
+                  </p:cNvPr>
+                  <p:cNvPicPr/>
+                  <p:nvPr/>
+                </p:nvPicPr>
+                <p:blipFill>
+                  <a:blip r:embed="rId44"/>
+                  <a:stretch>
+                    <a:fillRect/>
+                  </a:stretch>
+                </p:blipFill>
+                <p:spPr>
+                  <a:xfrm>
+                    <a:off x="1710400" y="4109525"/>
+                    <a:ext cx="126000" cy="126000"/>
+                  </a:xfrm>
+                  <a:prstGeom prst="rect">
+                    <a:avLst/>
+                  </a:prstGeom>
+                </p:spPr>
+              </p:pic>
+            </mc:Fallback>
+          </mc:AlternateContent>
+          <mc:AlternateContent xmlns:mc="http://schemas.openxmlformats.org/markup-compatibility/2006">
+            <mc:Choice xmlns:p14="http://schemas.microsoft.com/office/powerpoint/2010/main" Requires="p14">
+              <p:contentPart p14:bwMode="auto" r:id="rId49">
+                <p14:nvContentPartPr>
+                  <p14:cNvPr id="217" name="Ink 216">
+                    <a:extLst>
+                      <a:ext uri="{FF2B5EF4-FFF2-40B4-BE49-F238E27FC236}">
+                        <a16:creationId xmlns:a16="http://schemas.microsoft.com/office/drawing/2014/main" id="{7EDBB23D-F462-A440-8B9C-2B298138AACD}"/>
+                      </a:ext>
+                    </a:extLst>
+                  </p14:cNvPr>
+                  <p14:cNvContentPartPr/>
+                  <p14:nvPr/>
+                </p14:nvContentPartPr>
+                <p14:xfrm>
+                  <a:off x="1746040" y="4127165"/>
+                  <a:ext cx="360" cy="360"/>
+                </p14:xfrm>
+              </p:contentPart>
+            </mc:Choice>
+            <mc:Fallback>
+              <p:pic>
+                <p:nvPicPr>
+                  <p:cNvPr id="217" name="Ink 216">
+                    <a:extLst>
+                      <a:ext uri="{FF2B5EF4-FFF2-40B4-BE49-F238E27FC236}">
+                        <a16:creationId xmlns:a16="http://schemas.microsoft.com/office/drawing/2014/main" id="{7EDBB23D-F462-A440-8B9C-2B298138AACD}"/>
+                      </a:ext>
+                    </a:extLst>
+                  </p:cNvPr>
+                  <p:cNvPicPr/>
+                  <p:nvPr/>
+                </p:nvPicPr>
+                <p:blipFill>
+                  <a:blip r:embed="rId44"/>
+                  <a:stretch>
+                    <a:fillRect/>
+                  </a:stretch>
+                </p:blipFill>
+                <p:spPr>
+                  <a:xfrm>
+                    <a:off x="1683400" y="4064525"/>
+                    <a:ext cx="126000" cy="126000"/>
+                  </a:xfrm>
+                  <a:prstGeom prst="rect">
+                    <a:avLst/>
+                  </a:prstGeom>
+                </p:spPr>
+              </p:pic>
+            </mc:Fallback>
+          </mc:AlternateContent>
+          <mc:AlternateContent xmlns:mc="http://schemas.openxmlformats.org/markup-compatibility/2006">
+            <mc:Choice xmlns:p14="http://schemas.microsoft.com/office/powerpoint/2010/main" Requires="p14">
+              <p:contentPart p14:bwMode="auto" r:id="rId50">
+                <p14:nvContentPartPr>
+                  <p14:cNvPr id="218" name="Ink 217">
+                    <a:extLst>
+                      <a:ext uri="{FF2B5EF4-FFF2-40B4-BE49-F238E27FC236}">
+                        <a16:creationId xmlns:a16="http://schemas.microsoft.com/office/drawing/2014/main" id="{D6452255-5986-8B4F-9C13-E5022D8ED618}"/>
+                      </a:ext>
+                    </a:extLst>
+                  </p14:cNvPr>
+                  <p14:cNvContentPartPr/>
+                  <p14:nvPr/>
+                </p14:nvContentPartPr>
+                <p14:xfrm>
+                  <a:off x="1724080" y="4104485"/>
+                  <a:ext cx="360" cy="360"/>
+                </p14:xfrm>
+              </p:contentPart>
+            </mc:Choice>
+            <mc:Fallback>
+              <p:pic>
+                <p:nvPicPr>
+                  <p:cNvPr id="218" name="Ink 217">
+                    <a:extLst>
+                      <a:ext uri="{FF2B5EF4-FFF2-40B4-BE49-F238E27FC236}">
+                        <a16:creationId xmlns:a16="http://schemas.microsoft.com/office/drawing/2014/main" id="{D6452255-5986-8B4F-9C13-E5022D8ED618}"/>
+                      </a:ext>
+                    </a:extLst>
+                  </p:cNvPr>
+                  <p:cNvPicPr/>
+                  <p:nvPr/>
+                </p:nvPicPr>
+                <p:blipFill>
+                  <a:blip r:embed="rId44"/>
+                  <a:stretch>
+                    <a:fillRect/>
+                  </a:stretch>
+                </p:blipFill>
+                <p:spPr>
+                  <a:xfrm>
+                    <a:off x="1661080" y="4041485"/>
+                    <a:ext cx="126000" cy="126000"/>
+                  </a:xfrm>
+                  <a:prstGeom prst="rect">
+                    <a:avLst/>
+                  </a:prstGeom>
+                </p:spPr>
+              </p:pic>
+            </mc:Fallback>
+          </mc:AlternateContent>
+          <mc:AlternateContent xmlns:mc="http://schemas.openxmlformats.org/markup-compatibility/2006">
+            <mc:Choice xmlns:p14="http://schemas.microsoft.com/office/powerpoint/2010/main" Requires="p14">
+              <p:contentPart p14:bwMode="auto" r:id="rId51">
+                <p14:nvContentPartPr>
+                  <p14:cNvPr id="219" name="Ink 218">
+                    <a:extLst>
+                      <a:ext uri="{FF2B5EF4-FFF2-40B4-BE49-F238E27FC236}">
+                        <a16:creationId xmlns:a16="http://schemas.microsoft.com/office/drawing/2014/main" id="{2E141EDB-D7D5-8942-AF2C-CC385A1D0D1C}"/>
+                      </a:ext>
+                    </a:extLst>
+                  </p14:cNvPr>
+                  <p14:cNvContentPartPr/>
+                  <p14:nvPr/>
+                </p14:nvContentPartPr>
+                <p14:xfrm>
+                  <a:off x="1702120" y="4083605"/>
+                  <a:ext cx="360" cy="360"/>
+                </p14:xfrm>
+              </p:contentPart>
+            </mc:Choice>
+            <mc:Fallback>
+              <p:pic>
+                <p:nvPicPr>
+                  <p:cNvPr id="219" name="Ink 218">
+                    <a:extLst>
+                      <a:ext uri="{FF2B5EF4-FFF2-40B4-BE49-F238E27FC236}">
+                        <a16:creationId xmlns:a16="http://schemas.microsoft.com/office/drawing/2014/main" id="{2E141EDB-D7D5-8942-AF2C-CC385A1D0D1C}"/>
+                      </a:ext>
+                    </a:extLst>
+                  </p:cNvPr>
+                  <p:cNvPicPr/>
+                  <p:nvPr/>
+                </p:nvPicPr>
+                <p:blipFill>
+                  <a:blip r:embed="rId44"/>
+                  <a:stretch>
+                    <a:fillRect/>
+                  </a:stretch>
+                </p:blipFill>
+                <p:spPr>
+                  <a:xfrm>
+                    <a:off x="1639480" y="4020605"/>
+                    <a:ext cx="126000" cy="126000"/>
+                  </a:xfrm>
+                  <a:prstGeom prst="rect">
+                    <a:avLst/>
+                  </a:prstGeom>
+                </p:spPr>
+              </p:pic>
+            </mc:Fallback>
+          </mc:AlternateContent>
+          <mc:AlternateContent xmlns:mc="http://schemas.openxmlformats.org/markup-compatibility/2006">
+            <mc:Choice xmlns:p14="http://schemas.microsoft.com/office/powerpoint/2010/main" Requires="p14">
+              <p:contentPart p14:bwMode="auto" r:id="rId52">
+                <p14:nvContentPartPr>
+                  <p14:cNvPr id="220" name="Ink 219">
+                    <a:extLst>
+                      <a:ext uri="{FF2B5EF4-FFF2-40B4-BE49-F238E27FC236}">
+                        <a16:creationId xmlns:a16="http://schemas.microsoft.com/office/drawing/2014/main" id="{4CAE47CA-31DF-DB4F-9750-E480DFB5CCED}"/>
+                      </a:ext>
+                    </a:extLst>
+                  </p14:cNvPr>
+                  <p14:cNvContentPartPr/>
+                  <p14:nvPr/>
+                </p14:nvContentPartPr>
+                <p14:xfrm>
+                  <a:off x="1694560" y="4072805"/>
+                  <a:ext cx="360" cy="360"/>
+                </p14:xfrm>
+              </p:contentPart>
+            </mc:Choice>
+            <mc:Fallback>
+              <p:pic>
+                <p:nvPicPr>
+                  <p:cNvPr id="220" name="Ink 219">
+                    <a:extLst>
+                      <a:ext uri="{FF2B5EF4-FFF2-40B4-BE49-F238E27FC236}">
+                        <a16:creationId xmlns:a16="http://schemas.microsoft.com/office/drawing/2014/main" id="{4CAE47CA-31DF-DB4F-9750-E480DFB5CCED}"/>
+                      </a:ext>
+                    </a:extLst>
+                  </p:cNvPr>
+                  <p:cNvPicPr/>
+                  <p:nvPr/>
+                </p:nvPicPr>
+                <p:blipFill>
+                  <a:blip r:embed="rId44"/>
+                  <a:stretch>
+                    <a:fillRect/>
+                  </a:stretch>
+                </p:blipFill>
+                <p:spPr>
+                  <a:xfrm>
+                    <a:off x="1631560" y="4010165"/>
+                    <a:ext cx="126000" cy="126000"/>
+                  </a:xfrm>
+                  <a:prstGeom prst="rect">
+                    <a:avLst/>
+                  </a:prstGeom>
+                </p:spPr>
+              </p:pic>
+            </mc:Fallback>
+          </mc:AlternateContent>
+          <mc:AlternateContent xmlns:mc="http://schemas.openxmlformats.org/markup-compatibility/2006">
+            <mc:Choice xmlns:p14="http://schemas.microsoft.com/office/powerpoint/2010/main" Requires="p14">
+              <p:contentPart p14:bwMode="auto" r:id="rId53">
+                <p14:nvContentPartPr>
+                  <p14:cNvPr id="221" name="Ink 220">
+                    <a:extLst>
+                      <a:ext uri="{FF2B5EF4-FFF2-40B4-BE49-F238E27FC236}">
+                        <a16:creationId xmlns:a16="http://schemas.microsoft.com/office/drawing/2014/main" id="{C1073C67-EC18-4D48-97D3-2850F450A758}"/>
+                      </a:ext>
+                    </a:extLst>
+                  </p14:cNvPr>
+                  <p14:cNvContentPartPr/>
+                  <p14:nvPr/>
+                </p14:nvContentPartPr>
+                <p14:xfrm>
+                  <a:off x="1653220" y="3851385"/>
+                  <a:ext cx="69120" cy="21960"/>
+                </p14:xfrm>
+              </p:contentPart>
+            </mc:Choice>
+            <mc:Fallback>
+              <p:pic>
+                <p:nvPicPr>
+                  <p:cNvPr id="221" name="Ink 220">
+                    <a:extLst>
+                      <a:ext uri="{FF2B5EF4-FFF2-40B4-BE49-F238E27FC236}">
+                        <a16:creationId xmlns:a16="http://schemas.microsoft.com/office/drawing/2014/main" id="{C1073C67-EC18-4D48-97D3-2850F450A758}"/>
+                      </a:ext>
+                    </a:extLst>
+                  </p:cNvPr>
+                  <p:cNvPicPr/>
+                  <p:nvPr/>
+                </p:nvPicPr>
+                <p:blipFill>
+                  <a:blip r:embed="rId54"/>
+                  <a:stretch>
+                    <a:fillRect/>
+                  </a:stretch>
+                </p:blipFill>
+                <p:spPr>
+                  <a:xfrm>
+                    <a:off x="1648900" y="3847065"/>
+                    <a:ext cx="77760" cy="30600"/>
+                  </a:xfrm>
+                  <a:prstGeom prst="rect">
+                    <a:avLst/>
+                  </a:prstGeom>
+                </p:spPr>
+              </p:pic>
+            </mc:Fallback>
+          </mc:AlternateContent>
+          <mc:AlternateContent xmlns:mc="http://schemas.openxmlformats.org/markup-compatibility/2006">
+            <mc:Choice xmlns:p14="http://schemas.microsoft.com/office/powerpoint/2010/main" Requires="p14">
+              <p:contentPart p14:bwMode="auto" r:id="rId55">
+                <p14:nvContentPartPr>
+                  <p14:cNvPr id="222" name="Ink 221">
+                    <a:extLst>
+                      <a:ext uri="{FF2B5EF4-FFF2-40B4-BE49-F238E27FC236}">
+                        <a16:creationId xmlns:a16="http://schemas.microsoft.com/office/drawing/2014/main" id="{CCFA21A8-9BF1-2141-BFA8-1F010AEAF973}"/>
+                      </a:ext>
+                    </a:extLst>
+                  </p14:cNvPr>
+                  <p14:cNvContentPartPr/>
+                  <p14:nvPr/>
+                </p14:nvContentPartPr>
+                <p14:xfrm>
+                  <a:off x="1698940" y="3889545"/>
+                  <a:ext cx="57600" cy="15480"/>
+                </p14:xfrm>
+              </p:contentPart>
+            </mc:Choice>
+            <mc:Fallback>
+              <p:pic>
+                <p:nvPicPr>
+                  <p:cNvPr id="222" name="Ink 221">
+                    <a:extLst>
+                      <a:ext uri="{FF2B5EF4-FFF2-40B4-BE49-F238E27FC236}">
+                        <a16:creationId xmlns:a16="http://schemas.microsoft.com/office/drawing/2014/main" id="{CCFA21A8-9BF1-2141-BFA8-1F010AEAF973}"/>
+                      </a:ext>
+                    </a:extLst>
+                  </p:cNvPr>
+                  <p:cNvPicPr/>
+                  <p:nvPr/>
+                </p:nvPicPr>
+                <p:blipFill>
+                  <a:blip r:embed="rId56"/>
+                  <a:stretch>
+                    <a:fillRect/>
+                  </a:stretch>
+                </p:blipFill>
+                <p:spPr>
+                  <a:xfrm>
+                    <a:off x="1694620" y="3885225"/>
+                    <a:ext cx="66240" cy="24120"/>
+                  </a:xfrm>
+                  <a:prstGeom prst="rect">
+                    <a:avLst/>
+                  </a:prstGeom>
+                </p:spPr>
+              </p:pic>
+            </mc:Fallback>
+          </mc:AlternateContent>
+          <mc:AlternateContent xmlns:mc="http://schemas.openxmlformats.org/markup-compatibility/2006">
+            <mc:Choice xmlns:p14="http://schemas.microsoft.com/office/powerpoint/2010/main" Requires="p14">
+              <p:contentPart p14:bwMode="auto" r:id="rId57">
+                <p14:nvContentPartPr>
+                  <p14:cNvPr id="223" name="Ink 222">
+                    <a:extLst>
+                      <a:ext uri="{FF2B5EF4-FFF2-40B4-BE49-F238E27FC236}">
+                        <a16:creationId xmlns:a16="http://schemas.microsoft.com/office/drawing/2014/main" id="{711448CB-B4C8-9D40-9199-19E95A746486}"/>
+                      </a:ext>
+                    </a:extLst>
+                  </p14:cNvPr>
+                  <p14:cNvContentPartPr/>
+                  <p14:nvPr/>
+                </p14:nvContentPartPr>
+                <p14:xfrm>
+                  <a:off x="1543720" y="3612725"/>
+                  <a:ext cx="277560" cy="238680"/>
+                </p14:xfrm>
+              </p:contentPart>
+            </mc:Choice>
+            <mc:Fallback>
+              <p:pic>
+                <p:nvPicPr>
+                  <p:cNvPr id="223" name="Ink 222">
+                    <a:extLst>
+                      <a:ext uri="{FF2B5EF4-FFF2-40B4-BE49-F238E27FC236}">
+                        <a16:creationId xmlns:a16="http://schemas.microsoft.com/office/drawing/2014/main" id="{711448CB-B4C8-9D40-9199-19E95A746486}"/>
+                      </a:ext>
+                    </a:extLst>
+                  </p:cNvPr>
+                  <p:cNvPicPr/>
+                  <p:nvPr/>
+                </p:nvPicPr>
+                <p:blipFill>
+                  <a:blip r:embed="rId58"/>
+                  <a:stretch>
+                    <a:fillRect/>
+                  </a:stretch>
+                </p:blipFill>
+                <p:spPr>
+                  <a:xfrm>
+                    <a:off x="1526080" y="3594725"/>
+                    <a:ext cx="313200" cy="274320"/>
+                  </a:xfrm>
+                  <a:prstGeom prst="rect">
+                    <a:avLst/>
+                  </a:prstGeom>
+                </p:spPr>
+              </p:pic>
+            </mc:Fallback>
+          </mc:AlternateContent>
+          <mc:AlternateContent xmlns:mc="http://schemas.openxmlformats.org/markup-compatibility/2006">
+            <mc:Choice xmlns:p14="http://schemas.microsoft.com/office/powerpoint/2010/main" Requires="p14">
+              <p:contentPart p14:bwMode="auto" r:id="rId59">
+                <p14:nvContentPartPr>
+                  <p14:cNvPr id="224" name="Ink 223">
+                    <a:extLst>
+                      <a:ext uri="{FF2B5EF4-FFF2-40B4-BE49-F238E27FC236}">
+                        <a16:creationId xmlns:a16="http://schemas.microsoft.com/office/drawing/2014/main" id="{FD012AA8-0C8F-B94C-9AA0-4306166A74CA}"/>
+                      </a:ext>
+                    </a:extLst>
+                  </p14:cNvPr>
+                  <p14:cNvContentPartPr/>
+                  <p14:nvPr/>
+                </p14:nvContentPartPr>
+                <p14:xfrm>
+                  <a:off x="1872400" y="3676445"/>
+                  <a:ext cx="360" cy="360"/>
+                </p14:xfrm>
+              </p:contentPart>
+            </mc:Choice>
+            <mc:Fallback>
+              <p:pic>
+                <p:nvPicPr>
+                  <p:cNvPr id="224" name="Ink 223">
+                    <a:extLst>
+                      <a:ext uri="{FF2B5EF4-FFF2-40B4-BE49-F238E27FC236}">
+                        <a16:creationId xmlns:a16="http://schemas.microsoft.com/office/drawing/2014/main" id="{FD012AA8-0C8F-B94C-9AA0-4306166A74CA}"/>
+                      </a:ext>
+                    </a:extLst>
+                  </p:cNvPr>
+                  <p:cNvPicPr/>
+                  <p:nvPr/>
+                </p:nvPicPr>
+                <p:blipFill>
+                  <a:blip r:embed="rId16"/>
+                  <a:stretch>
+                    <a:fillRect/>
+                  </a:stretch>
+                </p:blipFill>
+                <p:spPr>
+                  <a:xfrm>
+                    <a:off x="1854760" y="3658805"/>
+                    <a:ext cx="36000" cy="36000"/>
+                  </a:xfrm>
+                  <a:prstGeom prst="rect">
+                    <a:avLst/>
+                  </a:prstGeom>
+                </p:spPr>
+              </p:pic>
+            </mc:Fallback>
+          </mc:AlternateContent>
+          <mc:AlternateContent xmlns:mc="http://schemas.openxmlformats.org/markup-compatibility/2006">
+            <mc:Choice xmlns:p14="http://schemas.microsoft.com/office/powerpoint/2010/main" Requires="p14">
+              <p:contentPart p14:bwMode="auto" r:id="rId60">
+                <p14:nvContentPartPr>
+                  <p14:cNvPr id="225" name="Ink 224">
+                    <a:extLst>
+                      <a:ext uri="{FF2B5EF4-FFF2-40B4-BE49-F238E27FC236}">
+                        <a16:creationId xmlns:a16="http://schemas.microsoft.com/office/drawing/2014/main" id="{CC3AFD9B-D784-1E4E-8008-34B8B95186FA}"/>
+                      </a:ext>
+                    </a:extLst>
+                  </p14:cNvPr>
+                  <p14:cNvContentPartPr/>
+                  <p14:nvPr/>
+                </p14:nvContentPartPr>
+                <p14:xfrm>
+                  <a:off x="1664680" y="3773285"/>
+                  <a:ext cx="30960" cy="51840"/>
+                </p14:xfrm>
+              </p:contentPart>
+            </mc:Choice>
+            <mc:Fallback>
+              <p:pic>
+                <p:nvPicPr>
+                  <p:cNvPr id="225" name="Ink 224">
+                    <a:extLst>
+                      <a:ext uri="{FF2B5EF4-FFF2-40B4-BE49-F238E27FC236}">
+                        <a16:creationId xmlns:a16="http://schemas.microsoft.com/office/drawing/2014/main" id="{CC3AFD9B-D784-1E4E-8008-34B8B95186FA}"/>
+                      </a:ext>
+                    </a:extLst>
+                  </p:cNvPr>
+                  <p:cNvPicPr/>
+                  <p:nvPr/>
+                </p:nvPicPr>
+                <p:blipFill>
+                  <a:blip r:embed="rId61"/>
+                  <a:stretch>
+                    <a:fillRect/>
+                  </a:stretch>
+                </p:blipFill>
+                <p:spPr>
+                  <a:xfrm>
+                    <a:off x="1660360" y="3768965"/>
+                    <a:ext cx="39600" cy="60480"/>
+                  </a:xfrm>
+                  <a:prstGeom prst="rect">
+                    <a:avLst/>
+                  </a:prstGeom>
+                </p:spPr>
+              </p:pic>
+            </mc:Fallback>
+          </mc:AlternateContent>
+          <mc:AlternateContent xmlns:mc="http://schemas.openxmlformats.org/markup-compatibility/2006">
+            <mc:Choice xmlns:p14="http://schemas.microsoft.com/office/powerpoint/2010/main" Requires="p14">
+              <p:contentPart p14:bwMode="auto" r:id="rId62">
+                <p14:nvContentPartPr>
+                  <p14:cNvPr id="226" name="Ink 225">
+                    <a:extLst>
+                      <a:ext uri="{FF2B5EF4-FFF2-40B4-BE49-F238E27FC236}">
+                        <a16:creationId xmlns:a16="http://schemas.microsoft.com/office/drawing/2014/main" id="{1F7257D3-4E76-F842-A9CA-E8CB815CD594}"/>
+                      </a:ext>
+                    </a:extLst>
+                  </p14:cNvPr>
+                  <p14:cNvContentPartPr/>
+                  <p14:nvPr/>
+                </p14:nvContentPartPr>
+                <p14:xfrm>
+                  <a:off x="1665040" y="3858245"/>
+                  <a:ext cx="16200" cy="6480"/>
+                </p14:xfrm>
+              </p:contentPart>
+            </mc:Choice>
+            <mc:Fallback>
+              <p:pic>
+                <p:nvPicPr>
+                  <p:cNvPr id="226" name="Ink 225">
+                    <a:extLst>
+                      <a:ext uri="{FF2B5EF4-FFF2-40B4-BE49-F238E27FC236}">
+                        <a16:creationId xmlns:a16="http://schemas.microsoft.com/office/drawing/2014/main" id="{1F7257D3-4E76-F842-A9CA-E8CB815CD594}"/>
+                      </a:ext>
+                    </a:extLst>
+                  </p:cNvPr>
+                  <p:cNvPicPr/>
+                  <p:nvPr/>
+                </p:nvPicPr>
+                <p:blipFill>
+                  <a:blip r:embed="rId63"/>
+                  <a:stretch>
+                    <a:fillRect/>
+                  </a:stretch>
+                </p:blipFill>
+                <p:spPr>
+                  <a:xfrm>
+                    <a:off x="1660720" y="3853925"/>
+                    <a:ext cx="24840" cy="15120"/>
+                  </a:xfrm>
+                  <a:prstGeom prst="rect">
+                    <a:avLst/>
+                  </a:prstGeom>
+                </p:spPr>
+              </p:pic>
+            </mc:Fallback>
+          </mc:AlternateContent>
+          <mc:AlternateContent xmlns:mc="http://schemas.openxmlformats.org/markup-compatibility/2006">
+            <mc:Choice xmlns:p14="http://schemas.microsoft.com/office/powerpoint/2010/main" Requires="p14">
+              <p:contentPart p14:bwMode="auto" r:id="rId64">
+                <p14:nvContentPartPr>
+                  <p14:cNvPr id="227" name="Ink 226">
+                    <a:extLst>
+                      <a:ext uri="{FF2B5EF4-FFF2-40B4-BE49-F238E27FC236}">
+                        <a16:creationId xmlns:a16="http://schemas.microsoft.com/office/drawing/2014/main" id="{A3296F27-124F-8E4D-951F-48168880F728}"/>
+                      </a:ext>
+                    </a:extLst>
+                  </p14:cNvPr>
+                  <p14:cNvContentPartPr/>
+                  <p14:nvPr/>
+                </p14:nvContentPartPr>
+                <p14:xfrm>
+                  <a:off x="1554160" y="3861125"/>
+                  <a:ext cx="79560" cy="129600"/>
+                </p14:xfrm>
+              </p:contentPart>
+            </mc:Choice>
+            <mc:Fallback>
+              <p:pic>
+                <p:nvPicPr>
+                  <p:cNvPr id="227" name="Ink 226">
+                    <a:extLst>
+                      <a:ext uri="{FF2B5EF4-FFF2-40B4-BE49-F238E27FC236}">
+                        <a16:creationId xmlns:a16="http://schemas.microsoft.com/office/drawing/2014/main" id="{A3296F27-124F-8E4D-951F-48168880F728}"/>
+                      </a:ext>
+                    </a:extLst>
+                  </p:cNvPr>
+                  <p:cNvPicPr/>
+                  <p:nvPr/>
+                </p:nvPicPr>
+                <p:blipFill>
+                  <a:blip r:embed="rId65"/>
+                  <a:stretch>
+                    <a:fillRect/>
+                  </a:stretch>
+                </p:blipFill>
+                <p:spPr>
+                  <a:xfrm>
+                    <a:off x="1549840" y="3856805"/>
+                    <a:ext cx="88200" cy="138240"/>
+                  </a:xfrm>
+                  <a:prstGeom prst="rect">
+                    <a:avLst/>
+                  </a:prstGeom>
+                </p:spPr>
+              </p:pic>
+            </mc:Fallback>
+          </mc:AlternateContent>
+          <mc:AlternateContent xmlns:mc="http://schemas.openxmlformats.org/markup-compatibility/2006">
+            <mc:Choice xmlns:p14="http://schemas.microsoft.com/office/powerpoint/2010/main" Requires="p14">
+              <p:contentPart p14:bwMode="auto" r:id="rId66">
+                <p14:nvContentPartPr>
+                  <p14:cNvPr id="228" name="Ink 227">
+                    <a:extLst>
+                      <a:ext uri="{FF2B5EF4-FFF2-40B4-BE49-F238E27FC236}">
+                        <a16:creationId xmlns:a16="http://schemas.microsoft.com/office/drawing/2014/main" id="{0F237541-22D2-E54A-89F4-16A2A60A6645}"/>
+                      </a:ext>
+                    </a:extLst>
+                  </p14:cNvPr>
+                  <p14:cNvContentPartPr/>
+                  <p14:nvPr/>
+                </p14:nvContentPartPr>
+                <p14:xfrm>
+                  <a:off x="1655320" y="3963005"/>
+                  <a:ext cx="20520" cy="18360"/>
+                </p14:xfrm>
+              </p:contentPart>
+            </mc:Choice>
+            <mc:Fallback>
+              <p:pic>
+                <p:nvPicPr>
+                  <p:cNvPr id="228" name="Ink 227">
+                    <a:extLst>
+                      <a:ext uri="{FF2B5EF4-FFF2-40B4-BE49-F238E27FC236}">
+                        <a16:creationId xmlns:a16="http://schemas.microsoft.com/office/drawing/2014/main" id="{0F237541-22D2-E54A-89F4-16A2A60A6645}"/>
+                      </a:ext>
+                    </a:extLst>
+                  </p:cNvPr>
+                  <p:cNvPicPr/>
+                  <p:nvPr/>
+                </p:nvPicPr>
+                <p:blipFill>
+                  <a:blip r:embed="rId67"/>
+                  <a:stretch>
+                    <a:fillRect/>
+                  </a:stretch>
+                </p:blipFill>
+                <p:spPr>
+                  <a:xfrm>
+                    <a:off x="1651000" y="3958685"/>
+                    <a:ext cx="29160" cy="27000"/>
+                  </a:xfrm>
+                  <a:prstGeom prst="rect">
+                    <a:avLst/>
+                  </a:prstGeom>
+                </p:spPr>
+              </p:pic>
+            </mc:Fallback>
+          </mc:AlternateContent>
+          <mc:AlternateContent xmlns:mc="http://schemas.openxmlformats.org/markup-compatibility/2006">
+            <mc:Choice xmlns:p14="http://schemas.microsoft.com/office/powerpoint/2010/main" Requires="p14">
+              <p:contentPart p14:bwMode="auto" r:id="rId68">
+                <p14:nvContentPartPr>
+                  <p14:cNvPr id="229" name="Ink 228">
+                    <a:extLst>
+                      <a:ext uri="{FF2B5EF4-FFF2-40B4-BE49-F238E27FC236}">
+                        <a16:creationId xmlns:a16="http://schemas.microsoft.com/office/drawing/2014/main" id="{5F63DA00-E5CE-0041-ADE7-B97B869411E4}"/>
+                      </a:ext>
+                    </a:extLst>
+                  </p14:cNvPr>
+                  <p14:cNvContentPartPr/>
+                  <p14:nvPr/>
+                </p14:nvContentPartPr>
+                <p14:xfrm>
+                  <a:off x="1592680" y="4055885"/>
+                  <a:ext cx="360" cy="60120"/>
+                </p14:xfrm>
+              </p:contentPart>
+            </mc:Choice>
+            <mc:Fallback>
+              <p:pic>
+                <p:nvPicPr>
+                  <p:cNvPr id="229" name="Ink 228">
+                    <a:extLst>
+                      <a:ext uri="{FF2B5EF4-FFF2-40B4-BE49-F238E27FC236}">
+                        <a16:creationId xmlns:a16="http://schemas.microsoft.com/office/drawing/2014/main" id="{5F63DA00-E5CE-0041-ADE7-B97B869411E4}"/>
+                      </a:ext>
+                    </a:extLst>
+                  </p:cNvPr>
+                  <p:cNvPicPr/>
+                  <p:nvPr/>
+                </p:nvPicPr>
+                <p:blipFill>
+                  <a:blip r:embed="rId69"/>
+                  <a:stretch>
+                    <a:fillRect/>
+                  </a:stretch>
+                </p:blipFill>
+                <p:spPr>
+                  <a:xfrm>
+                    <a:off x="1588360" y="4051565"/>
+                    <a:ext cx="9000" cy="68760"/>
+                  </a:xfrm>
+                  <a:prstGeom prst="rect">
+                    <a:avLst/>
+                  </a:prstGeom>
+                </p:spPr>
+              </p:pic>
+            </mc:Fallback>
+          </mc:AlternateContent>
+          <mc:AlternateContent xmlns:mc="http://schemas.openxmlformats.org/markup-compatibility/2006">
+            <mc:Choice xmlns:p14="http://schemas.microsoft.com/office/powerpoint/2010/main" Requires="p14">
+              <p:contentPart p14:bwMode="auto" r:id="rId70">
+                <p14:nvContentPartPr>
+                  <p14:cNvPr id="230" name="Ink 229">
+                    <a:extLst>
+                      <a:ext uri="{FF2B5EF4-FFF2-40B4-BE49-F238E27FC236}">
+                        <a16:creationId xmlns:a16="http://schemas.microsoft.com/office/drawing/2014/main" id="{40529FC2-D512-AE40-9E25-2FD4AC0DF660}"/>
+                      </a:ext>
+                    </a:extLst>
+                  </p14:cNvPr>
+                  <p14:cNvContentPartPr/>
+                  <p14:nvPr/>
+                </p14:nvContentPartPr>
+                <p14:xfrm>
+                  <a:off x="1825240" y="3580325"/>
+                  <a:ext cx="96480" cy="54720"/>
+                </p14:xfrm>
+              </p:contentPart>
+            </mc:Choice>
+            <mc:Fallback>
+              <p:pic>
+                <p:nvPicPr>
+                  <p:cNvPr id="230" name="Ink 229">
+                    <a:extLst>
+                      <a:ext uri="{FF2B5EF4-FFF2-40B4-BE49-F238E27FC236}">
+                        <a16:creationId xmlns:a16="http://schemas.microsoft.com/office/drawing/2014/main" id="{40529FC2-D512-AE40-9E25-2FD4AC0DF660}"/>
+                      </a:ext>
+                    </a:extLst>
+                  </p:cNvPr>
+                  <p:cNvPicPr/>
+                  <p:nvPr/>
+                </p:nvPicPr>
+                <p:blipFill>
+                  <a:blip r:embed="rId71"/>
+                  <a:stretch>
+                    <a:fillRect/>
+                  </a:stretch>
+                </p:blipFill>
+                <p:spPr>
+                  <a:xfrm>
+                    <a:off x="1820920" y="3576005"/>
+                    <a:ext cx="105120" cy="63360"/>
+                  </a:xfrm>
+                  <a:prstGeom prst="rect">
+                    <a:avLst/>
+                  </a:prstGeom>
+                </p:spPr>
+              </p:pic>
+            </mc:Fallback>
+          </mc:AlternateContent>
+          <mc:AlternateContent xmlns:mc="http://schemas.openxmlformats.org/markup-compatibility/2006">
+            <mc:Choice xmlns:p14="http://schemas.microsoft.com/office/powerpoint/2010/main" Requires="p14">
+              <p:contentPart p14:bwMode="auto" r:id="rId72">
+                <p14:nvContentPartPr>
+                  <p14:cNvPr id="231" name="Ink 230">
+                    <a:extLst>
+                      <a:ext uri="{FF2B5EF4-FFF2-40B4-BE49-F238E27FC236}">
+                        <a16:creationId xmlns:a16="http://schemas.microsoft.com/office/drawing/2014/main" id="{21594E52-4C63-884F-A64D-F1630E25DB3B}"/>
+                      </a:ext>
+                    </a:extLst>
+                  </p14:cNvPr>
+                  <p14:cNvContentPartPr/>
+                  <p14:nvPr/>
+                </p14:nvContentPartPr>
+                <p14:xfrm>
+                  <a:off x="1877080" y="3646925"/>
+                  <a:ext cx="360" cy="360"/>
+                </p14:xfrm>
+              </p:contentPart>
+            </mc:Choice>
+            <mc:Fallback>
+              <p:pic>
+                <p:nvPicPr>
+                  <p:cNvPr id="231" name="Ink 230">
+                    <a:extLst>
+                      <a:ext uri="{FF2B5EF4-FFF2-40B4-BE49-F238E27FC236}">
+                        <a16:creationId xmlns:a16="http://schemas.microsoft.com/office/drawing/2014/main" id="{21594E52-4C63-884F-A64D-F1630E25DB3B}"/>
+                      </a:ext>
+                    </a:extLst>
+                  </p:cNvPr>
+                  <p:cNvPicPr/>
+                  <p:nvPr/>
+                </p:nvPicPr>
+                <p:blipFill>
+                  <a:blip r:embed="rId73"/>
+                  <a:stretch>
+                    <a:fillRect/>
+                  </a:stretch>
+                </p:blipFill>
+                <p:spPr>
+                  <a:xfrm>
+                    <a:off x="1872760" y="3642605"/>
+                    <a:ext cx="9000" cy="9000"/>
+                  </a:xfrm>
+                  <a:prstGeom prst="rect">
+                    <a:avLst/>
+                  </a:prstGeom>
+                </p:spPr>
+              </p:pic>
+            </mc:Fallback>
+          </mc:AlternateContent>
+          <mc:AlternateContent xmlns:mc="http://schemas.openxmlformats.org/markup-compatibility/2006">
+            <mc:Choice xmlns:p14="http://schemas.microsoft.com/office/powerpoint/2010/main" Requires="p14">
+              <p:contentPart p14:bwMode="auto" r:id="rId74">
+                <p14:nvContentPartPr>
+                  <p14:cNvPr id="232" name="Ink 231">
+                    <a:extLst>
+                      <a:ext uri="{FF2B5EF4-FFF2-40B4-BE49-F238E27FC236}">
+                        <a16:creationId xmlns:a16="http://schemas.microsoft.com/office/drawing/2014/main" id="{6FB848B2-A2DA-D74A-BA00-15E2EFCF7683}"/>
+                      </a:ext>
+                    </a:extLst>
+                  </p14:cNvPr>
+                  <p14:cNvContentPartPr/>
+                  <p14:nvPr/>
+                </p14:nvContentPartPr>
+                <p14:xfrm>
+                  <a:off x="1849720" y="3605165"/>
+                  <a:ext cx="360" cy="360"/>
+                </p14:xfrm>
+              </p:contentPart>
+            </mc:Choice>
+            <mc:Fallback>
+              <p:pic>
+                <p:nvPicPr>
+                  <p:cNvPr id="232" name="Ink 231">
+                    <a:extLst>
+                      <a:ext uri="{FF2B5EF4-FFF2-40B4-BE49-F238E27FC236}">
+                        <a16:creationId xmlns:a16="http://schemas.microsoft.com/office/drawing/2014/main" id="{6FB848B2-A2DA-D74A-BA00-15E2EFCF7683}"/>
+                      </a:ext>
+                    </a:extLst>
+                  </p:cNvPr>
+                  <p:cNvPicPr/>
+                  <p:nvPr/>
+                </p:nvPicPr>
+                <p:blipFill>
+                  <a:blip r:embed="rId73"/>
+                  <a:stretch>
+                    <a:fillRect/>
+                  </a:stretch>
+                </p:blipFill>
+                <p:spPr>
+                  <a:xfrm>
+                    <a:off x="1845400" y="3600845"/>
+                    <a:ext cx="9000" cy="9000"/>
+                  </a:xfrm>
+                  <a:prstGeom prst="rect">
+                    <a:avLst/>
+                  </a:prstGeom>
+                </p:spPr>
+              </p:pic>
+            </mc:Fallback>
+          </mc:AlternateContent>
+          <mc:AlternateContent xmlns:mc="http://schemas.openxmlformats.org/markup-compatibility/2006">
+            <mc:Choice xmlns:p14="http://schemas.microsoft.com/office/powerpoint/2010/main" Requires="p14">
+              <p:contentPart p14:bwMode="auto" r:id="rId75">
+                <p14:nvContentPartPr>
+                  <p14:cNvPr id="233" name="Ink 232">
+                    <a:extLst>
+                      <a:ext uri="{FF2B5EF4-FFF2-40B4-BE49-F238E27FC236}">
+                        <a16:creationId xmlns:a16="http://schemas.microsoft.com/office/drawing/2014/main" id="{EFE5E0A5-9A4B-A441-8376-E8E7B471CBFA}"/>
+                      </a:ext>
+                    </a:extLst>
+                  </p14:cNvPr>
+                  <p14:cNvContentPartPr/>
+                  <p14:nvPr/>
+                </p14:nvContentPartPr>
+                <p14:xfrm>
+                  <a:off x="1825240" y="3660605"/>
+                  <a:ext cx="86400" cy="52920"/>
+                </p14:xfrm>
+              </p:contentPart>
+            </mc:Choice>
+            <mc:Fallback>
+              <p:pic>
+                <p:nvPicPr>
+                  <p:cNvPr id="233" name="Ink 232">
+                    <a:extLst>
+                      <a:ext uri="{FF2B5EF4-FFF2-40B4-BE49-F238E27FC236}">
+                        <a16:creationId xmlns:a16="http://schemas.microsoft.com/office/drawing/2014/main" id="{EFE5E0A5-9A4B-A441-8376-E8E7B471CBFA}"/>
+                      </a:ext>
+                    </a:extLst>
+                  </p:cNvPr>
+                  <p:cNvPicPr/>
+                  <p:nvPr/>
+                </p:nvPicPr>
+                <p:blipFill>
+                  <a:blip r:embed="rId76"/>
+                  <a:stretch>
+                    <a:fillRect/>
+                  </a:stretch>
+                </p:blipFill>
+                <p:spPr>
+                  <a:xfrm>
+                    <a:off x="1820920" y="3656285"/>
+                    <a:ext cx="95040" cy="61560"/>
+                  </a:xfrm>
+                  <a:prstGeom prst="rect">
+                    <a:avLst/>
+                  </a:prstGeom>
+                </p:spPr>
+              </p:pic>
+            </mc:Fallback>
+          </mc:AlternateContent>
+          <mc:AlternateContent xmlns:mc="http://schemas.openxmlformats.org/markup-compatibility/2006">
+            <mc:Choice xmlns:p14="http://schemas.microsoft.com/office/powerpoint/2010/main" Requires="p14">
+              <p:contentPart p14:bwMode="auto" r:id="rId77">
+                <p14:nvContentPartPr>
+                  <p14:cNvPr id="234" name="Ink 233">
+                    <a:extLst>
+                      <a:ext uri="{FF2B5EF4-FFF2-40B4-BE49-F238E27FC236}">
+                        <a16:creationId xmlns:a16="http://schemas.microsoft.com/office/drawing/2014/main" id="{7FF9091B-A591-F54D-89BC-A5CEF6058644}"/>
+                      </a:ext>
+                    </a:extLst>
+                  </p14:cNvPr>
+                  <p14:cNvContentPartPr/>
+                  <p14:nvPr/>
+                </p14:nvContentPartPr>
+                <p14:xfrm>
+                  <a:off x="1899400" y="3651605"/>
+                  <a:ext cx="360" cy="360"/>
+                </p14:xfrm>
+              </p:contentPart>
+            </mc:Choice>
+            <mc:Fallback>
+              <p:pic>
+                <p:nvPicPr>
+                  <p:cNvPr id="234" name="Ink 233">
+                    <a:extLst>
+                      <a:ext uri="{FF2B5EF4-FFF2-40B4-BE49-F238E27FC236}">
+                        <a16:creationId xmlns:a16="http://schemas.microsoft.com/office/drawing/2014/main" id="{7FF9091B-A591-F54D-89BC-A5CEF6058644}"/>
+                      </a:ext>
+                    </a:extLst>
+                  </p:cNvPr>
+                  <p:cNvPicPr/>
+                  <p:nvPr/>
+                </p:nvPicPr>
+                <p:blipFill>
+                  <a:blip r:embed="rId73"/>
+                  <a:stretch>
+                    <a:fillRect/>
+                  </a:stretch>
+                </p:blipFill>
+                <p:spPr>
+                  <a:xfrm>
+                    <a:off x="1895080" y="3647285"/>
+                    <a:ext cx="9000" cy="9000"/>
+                  </a:xfrm>
+                  <a:prstGeom prst="rect">
+                    <a:avLst/>
+                  </a:prstGeom>
+                </p:spPr>
+              </p:pic>
+            </mc:Fallback>
+          </mc:AlternateContent>
+          <mc:AlternateContent xmlns:mc="http://schemas.openxmlformats.org/markup-compatibility/2006">
+            <mc:Choice xmlns:p14="http://schemas.microsoft.com/office/powerpoint/2010/main" Requires="p14">
+              <p:contentPart p14:bwMode="auto" r:id="rId78">
+                <p14:nvContentPartPr>
+                  <p14:cNvPr id="235" name="Ink 234">
+                    <a:extLst>
+                      <a:ext uri="{FF2B5EF4-FFF2-40B4-BE49-F238E27FC236}">
+                        <a16:creationId xmlns:a16="http://schemas.microsoft.com/office/drawing/2014/main" id="{E71FA932-E26E-8F4D-89E4-61572BB389AB}"/>
+                      </a:ext>
+                    </a:extLst>
+                  </p14:cNvPr>
+                  <p14:cNvContentPartPr/>
+                  <p14:nvPr/>
+                </p14:nvContentPartPr>
+                <p14:xfrm>
+                  <a:off x="1956640" y="3577085"/>
+                  <a:ext cx="360" cy="360"/>
+                </p14:xfrm>
+              </p:contentPart>
+            </mc:Choice>
+            <mc:Fallback>
+              <p:pic>
+                <p:nvPicPr>
+                  <p:cNvPr id="235" name="Ink 234">
+                    <a:extLst>
+                      <a:ext uri="{FF2B5EF4-FFF2-40B4-BE49-F238E27FC236}">
+                        <a16:creationId xmlns:a16="http://schemas.microsoft.com/office/drawing/2014/main" id="{E71FA932-E26E-8F4D-89E4-61572BB389AB}"/>
+                      </a:ext>
+                    </a:extLst>
+                  </p:cNvPr>
+                  <p:cNvPicPr/>
+                  <p:nvPr/>
+                </p:nvPicPr>
+                <p:blipFill>
+                  <a:blip r:embed="rId73"/>
+                  <a:stretch>
+                    <a:fillRect/>
+                  </a:stretch>
+                </p:blipFill>
+                <p:spPr>
+                  <a:xfrm>
+                    <a:off x="1952320" y="3572765"/>
+                    <a:ext cx="9000" cy="9000"/>
+                  </a:xfrm>
+                  <a:prstGeom prst="rect">
+                    <a:avLst/>
+                  </a:prstGeom>
+                </p:spPr>
+              </p:pic>
+            </mc:Fallback>
+          </mc:AlternateContent>
+          <mc:AlternateContent xmlns:mc="http://schemas.openxmlformats.org/markup-compatibility/2006">
+            <mc:Choice xmlns:p14="http://schemas.microsoft.com/office/powerpoint/2010/main" Requires="p14">
+              <p:contentPart p14:bwMode="auto" r:id="rId79">
+                <p14:nvContentPartPr>
+                  <p14:cNvPr id="236" name="Ink 235">
+                    <a:extLst>
+                      <a:ext uri="{FF2B5EF4-FFF2-40B4-BE49-F238E27FC236}">
+                        <a16:creationId xmlns:a16="http://schemas.microsoft.com/office/drawing/2014/main" id="{FCA94CBA-B081-7943-BADF-C289015A7A7D}"/>
+                      </a:ext>
+                    </a:extLst>
+                  </p14:cNvPr>
+                  <p14:cNvContentPartPr/>
+                  <p14:nvPr/>
+                </p14:nvContentPartPr>
+                <p14:xfrm>
+                  <a:off x="2053120" y="3596525"/>
+                  <a:ext cx="360" cy="360"/>
+                </p14:xfrm>
+              </p:contentPart>
+            </mc:Choice>
+            <mc:Fallback>
+              <p:pic>
+                <p:nvPicPr>
+                  <p:cNvPr id="236" name="Ink 235">
+                    <a:extLst>
+                      <a:ext uri="{FF2B5EF4-FFF2-40B4-BE49-F238E27FC236}">
+                        <a16:creationId xmlns:a16="http://schemas.microsoft.com/office/drawing/2014/main" id="{FCA94CBA-B081-7943-BADF-C289015A7A7D}"/>
+                      </a:ext>
+                    </a:extLst>
+                  </p:cNvPr>
+                  <p:cNvPicPr/>
+                  <p:nvPr/>
+                </p:nvPicPr>
+                <p:blipFill>
+                  <a:blip r:embed="rId73"/>
+                  <a:stretch>
+                    <a:fillRect/>
+                  </a:stretch>
+                </p:blipFill>
+                <p:spPr>
+                  <a:xfrm>
+                    <a:off x="2048800" y="3592205"/>
+                    <a:ext cx="9000" cy="9000"/>
+                  </a:xfrm>
+                  <a:prstGeom prst="rect">
+                    <a:avLst/>
+                  </a:prstGeom>
+                </p:spPr>
+              </p:pic>
+            </mc:Fallback>
+          </mc:AlternateContent>
+          <mc:AlternateContent xmlns:mc="http://schemas.openxmlformats.org/markup-compatibility/2006">
+            <mc:Choice xmlns:p14="http://schemas.microsoft.com/office/powerpoint/2010/main" Requires="p14">
+              <p:contentPart p14:bwMode="auto" r:id="rId80">
+                <p14:nvContentPartPr>
+                  <p14:cNvPr id="237" name="Ink 236">
+                    <a:extLst>
+                      <a:ext uri="{FF2B5EF4-FFF2-40B4-BE49-F238E27FC236}">
+                        <a16:creationId xmlns:a16="http://schemas.microsoft.com/office/drawing/2014/main" id="{9247A2F5-4EAE-4743-A5C1-CA88068AF05D}"/>
+                      </a:ext>
+                    </a:extLst>
+                  </p14:cNvPr>
+                  <p14:cNvContentPartPr/>
+                  <p14:nvPr/>
+                </p14:nvContentPartPr>
+                <p14:xfrm>
+                  <a:off x="2040880" y="3596525"/>
+                  <a:ext cx="360" cy="360"/>
+                </p14:xfrm>
+              </p:contentPart>
+            </mc:Choice>
+            <mc:Fallback>
+              <p:pic>
+                <p:nvPicPr>
+                  <p:cNvPr id="237" name="Ink 236">
+                    <a:extLst>
+                      <a:ext uri="{FF2B5EF4-FFF2-40B4-BE49-F238E27FC236}">
+                        <a16:creationId xmlns:a16="http://schemas.microsoft.com/office/drawing/2014/main" id="{9247A2F5-4EAE-4743-A5C1-CA88068AF05D}"/>
+                      </a:ext>
+                    </a:extLst>
+                  </p:cNvPr>
+                  <p:cNvPicPr/>
+                  <p:nvPr/>
+                </p:nvPicPr>
+                <p:blipFill>
+                  <a:blip r:embed="rId73"/>
+                  <a:stretch>
+                    <a:fillRect/>
+                  </a:stretch>
+                </p:blipFill>
+                <p:spPr>
+                  <a:xfrm>
+                    <a:off x="2036560" y="3592205"/>
+                    <a:ext cx="9000" cy="9000"/>
+                  </a:xfrm>
+                  <a:prstGeom prst="rect">
+                    <a:avLst/>
+                  </a:prstGeom>
+                </p:spPr>
+              </p:pic>
+            </mc:Fallback>
+          </mc:AlternateContent>
+          <mc:AlternateContent xmlns:mc="http://schemas.openxmlformats.org/markup-compatibility/2006">
+            <mc:Choice xmlns:p14="http://schemas.microsoft.com/office/powerpoint/2010/main" Requires="p14">
+              <p:contentPart p14:bwMode="auto" r:id="rId81">
+                <p14:nvContentPartPr>
+                  <p14:cNvPr id="238" name="Ink 237">
+                    <a:extLst>
+                      <a:ext uri="{FF2B5EF4-FFF2-40B4-BE49-F238E27FC236}">
+                        <a16:creationId xmlns:a16="http://schemas.microsoft.com/office/drawing/2014/main" id="{E79EA210-68DC-3B44-BE2A-613D43630012}"/>
+                      </a:ext>
+                    </a:extLst>
+                  </p14:cNvPr>
+                  <p14:cNvContentPartPr/>
+                  <p14:nvPr/>
+                </p14:nvContentPartPr>
+                <p14:xfrm>
+                  <a:off x="2155360" y="3717125"/>
+                  <a:ext cx="38160" cy="65160"/>
+                </p14:xfrm>
+              </p:contentPart>
+            </mc:Choice>
+            <mc:Fallback>
+              <p:pic>
+                <p:nvPicPr>
+                  <p:cNvPr id="238" name="Ink 237">
+                    <a:extLst>
+                      <a:ext uri="{FF2B5EF4-FFF2-40B4-BE49-F238E27FC236}">
+                        <a16:creationId xmlns:a16="http://schemas.microsoft.com/office/drawing/2014/main" id="{E79EA210-68DC-3B44-BE2A-613D43630012}"/>
+                      </a:ext>
+                    </a:extLst>
+                  </p:cNvPr>
+                  <p:cNvPicPr/>
+                  <p:nvPr/>
+                </p:nvPicPr>
+                <p:blipFill>
+                  <a:blip r:embed="rId82"/>
+                  <a:stretch>
+                    <a:fillRect/>
+                  </a:stretch>
+                </p:blipFill>
+                <p:spPr>
+                  <a:xfrm>
+                    <a:off x="2151040" y="3712805"/>
+                    <a:ext cx="46800" cy="73800"/>
+                  </a:xfrm>
+                  <a:prstGeom prst="rect">
+                    <a:avLst/>
+                  </a:prstGeom>
+                </p:spPr>
+              </p:pic>
+            </mc:Fallback>
+          </mc:AlternateContent>
+          <mc:AlternateContent xmlns:mc="http://schemas.openxmlformats.org/markup-compatibility/2006">
+            <mc:Choice xmlns:p14="http://schemas.microsoft.com/office/powerpoint/2010/main" Requires="p14">
+              <p:contentPart p14:bwMode="auto" r:id="rId83">
+                <p14:nvContentPartPr>
+                  <p14:cNvPr id="239" name="Ink 238">
+                    <a:extLst>
+                      <a:ext uri="{FF2B5EF4-FFF2-40B4-BE49-F238E27FC236}">
+                        <a16:creationId xmlns:a16="http://schemas.microsoft.com/office/drawing/2014/main" id="{4BC6AEC8-3E04-A44E-A6AA-1588BD0EA54A}"/>
+                      </a:ext>
+                    </a:extLst>
+                  </p14:cNvPr>
+                  <p14:cNvContentPartPr/>
+                  <p14:nvPr/>
+                </p14:nvContentPartPr>
+                <p14:xfrm>
+                  <a:off x="2173720" y="3798845"/>
+                  <a:ext cx="41760" cy="51480"/>
+                </p14:xfrm>
+              </p:contentPart>
+            </mc:Choice>
+            <mc:Fallback>
+              <p:pic>
+                <p:nvPicPr>
+                  <p:cNvPr id="239" name="Ink 238">
+                    <a:extLst>
+                      <a:ext uri="{FF2B5EF4-FFF2-40B4-BE49-F238E27FC236}">
+                        <a16:creationId xmlns:a16="http://schemas.microsoft.com/office/drawing/2014/main" id="{4BC6AEC8-3E04-A44E-A6AA-1588BD0EA54A}"/>
+                      </a:ext>
+                    </a:extLst>
+                  </p:cNvPr>
+                  <p:cNvPicPr/>
+                  <p:nvPr/>
+                </p:nvPicPr>
+                <p:blipFill>
+                  <a:blip r:embed="rId84"/>
+                  <a:stretch>
+                    <a:fillRect/>
+                  </a:stretch>
+                </p:blipFill>
+                <p:spPr>
+                  <a:xfrm>
+                    <a:off x="2169400" y="3794525"/>
+                    <a:ext cx="50400" cy="60120"/>
+                  </a:xfrm>
+                  <a:prstGeom prst="rect">
+                    <a:avLst/>
+                  </a:prstGeom>
+                </p:spPr>
+              </p:pic>
+            </mc:Fallback>
+          </mc:AlternateContent>
+          <mc:AlternateContent xmlns:mc="http://schemas.openxmlformats.org/markup-compatibility/2006">
+            <mc:Choice xmlns:p14="http://schemas.microsoft.com/office/powerpoint/2010/main" Requires="p14">
+              <p:contentPart p14:bwMode="auto" r:id="rId85">
+                <p14:nvContentPartPr>
+                  <p14:cNvPr id="240" name="Ink 239">
+                    <a:extLst>
+                      <a:ext uri="{FF2B5EF4-FFF2-40B4-BE49-F238E27FC236}">
+                        <a16:creationId xmlns:a16="http://schemas.microsoft.com/office/drawing/2014/main" id="{4BB260B8-C07E-9647-BC90-741B776A1309}"/>
+                      </a:ext>
+                    </a:extLst>
+                  </p14:cNvPr>
+                  <p14:cNvContentPartPr/>
+                  <p14:nvPr/>
+                </p14:nvContentPartPr>
+                <p14:xfrm>
+                  <a:off x="2179120" y="3660245"/>
+                  <a:ext cx="85680" cy="121320"/>
+                </p14:xfrm>
+              </p:contentPart>
+            </mc:Choice>
+            <mc:Fallback>
+              <p:pic>
+                <p:nvPicPr>
+                  <p:cNvPr id="240" name="Ink 239">
+                    <a:extLst>
+                      <a:ext uri="{FF2B5EF4-FFF2-40B4-BE49-F238E27FC236}">
+                        <a16:creationId xmlns:a16="http://schemas.microsoft.com/office/drawing/2014/main" id="{4BB260B8-C07E-9647-BC90-741B776A1309}"/>
+                      </a:ext>
+                    </a:extLst>
+                  </p:cNvPr>
+                  <p:cNvPicPr/>
+                  <p:nvPr/>
+                </p:nvPicPr>
+                <p:blipFill>
+                  <a:blip r:embed="rId86"/>
+                  <a:stretch>
+                    <a:fillRect/>
+                  </a:stretch>
+                </p:blipFill>
+                <p:spPr>
+                  <a:xfrm>
+                    <a:off x="2174800" y="3655925"/>
+                    <a:ext cx="94320" cy="129960"/>
+                  </a:xfrm>
+                  <a:prstGeom prst="rect">
+                    <a:avLst/>
+                  </a:prstGeom>
+                </p:spPr>
+              </p:pic>
+            </mc:Fallback>
+          </mc:AlternateContent>
+          <mc:AlternateContent xmlns:mc="http://schemas.openxmlformats.org/markup-compatibility/2006">
+            <mc:Choice xmlns:p14="http://schemas.microsoft.com/office/powerpoint/2010/main" Requires="p14">
+              <p:contentPart p14:bwMode="auto" r:id="rId87">
+                <p14:nvContentPartPr>
+                  <p14:cNvPr id="241" name="Ink 240">
+                    <a:extLst>
+                      <a:ext uri="{FF2B5EF4-FFF2-40B4-BE49-F238E27FC236}">
+                        <a16:creationId xmlns:a16="http://schemas.microsoft.com/office/drawing/2014/main" id="{FC46D9B5-2C3D-9C47-A02E-BAFD31D7139E}"/>
+                      </a:ext>
+                    </a:extLst>
+                  </p14:cNvPr>
+                  <p14:cNvContentPartPr/>
+                  <p14:nvPr/>
+                </p14:nvContentPartPr>
+                <p14:xfrm>
+                  <a:off x="2268400" y="3811445"/>
+                  <a:ext cx="26280" cy="42120"/>
+                </p14:xfrm>
+              </p:contentPart>
+            </mc:Choice>
+            <mc:Fallback>
+              <p:pic>
+                <p:nvPicPr>
+                  <p:cNvPr id="241" name="Ink 240">
+                    <a:extLst>
+                      <a:ext uri="{FF2B5EF4-FFF2-40B4-BE49-F238E27FC236}">
+                        <a16:creationId xmlns:a16="http://schemas.microsoft.com/office/drawing/2014/main" id="{FC46D9B5-2C3D-9C47-A02E-BAFD31D7139E}"/>
+                      </a:ext>
+                    </a:extLst>
+                  </p:cNvPr>
+                  <p:cNvPicPr/>
+                  <p:nvPr/>
+                </p:nvPicPr>
+                <p:blipFill>
+                  <a:blip r:embed="rId88"/>
+                  <a:stretch>
+                    <a:fillRect/>
+                  </a:stretch>
+                </p:blipFill>
+                <p:spPr>
+                  <a:xfrm>
+                    <a:off x="2264080" y="3807125"/>
+                    <a:ext cx="34920" cy="50760"/>
+                  </a:xfrm>
+                  <a:prstGeom prst="rect">
+                    <a:avLst/>
+                  </a:prstGeom>
+                </p:spPr>
+              </p:pic>
+            </mc:Fallback>
+          </mc:AlternateContent>
+          <mc:AlternateContent xmlns:mc="http://schemas.openxmlformats.org/markup-compatibility/2006">
+            <mc:Choice xmlns:p14="http://schemas.microsoft.com/office/powerpoint/2010/main" Requires="p14">
+              <p:contentPart p14:bwMode="auto" r:id="rId89">
+                <p14:nvContentPartPr>
+                  <p14:cNvPr id="255" name="Ink 254">
+                    <a:extLst>
+                      <a:ext uri="{FF2B5EF4-FFF2-40B4-BE49-F238E27FC236}">
+                        <a16:creationId xmlns:a16="http://schemas.microsoft.com/office/drawing/2014/main" id="{D1F4D573-40A0-7C43-8EF6-6B66350C4F8C}"/>
+                      </a:ext>
+                    </a:extLst>
+                  </p14:cNvPr>
+                  <p14:cNvContentPartPr/>
+                  <p14:nvPr/>
+                </p14:nvContentPartPr>
+                <p14:xfrm>
+                  <a:off x="2206480" y="4007645"/>
+                  <a:ext cx="360" cy="360"/>
+                </p14:xfrm>
+              </p:contentPart>
+            </mc:Choice>
+            <mc:Fallback>
+              <p:pic>
+                <p:nvPicPr>
+                  <p:cNvPr id="255" name="Ink 254">
+                    <a:extLst>
+                      <a:ext uri="{FF2B5EF4-FFF2-40B4-BE49-F238E27FC236}">
+                        <a16:creationId xmlns:a16="http://schemas.microsoft.com/office/drawing/2014/main" id="{D1F4D573-40A0-7C43-8EF6-6B66350C4F8C}"/>
+                      </a:ext>
+                    </a:extLst>
+                  </p:cNvPr>
+                  <p:cNvPicPr/>
+                  <p:nvPr/>
+                </p:nvPicPr>
+                <p:blipFill>
+                  <a:blip r:embed="rId44"/>
+                  <a:stretch>
+                    <a:fillRect/>
+                  </a:stretch>
+                </p:blipFill>
+                <p:spPr>
+                  <a:xfrm>
+                    <a:off x="2143480" y="3944645"/>
+                    <a:ext cx="126000" cy="126000"/>
+                  </a:xfrm>
+                  <a:prstGeom prst="rect">
+                    <a:avLst/>
+                  </a:prstGeom>
+                </p:spPr>
+              </p:pic>
+            </mc:Fallback>
+          </mc:AlternateContent>
+          <mc:AlternateContent xmlns:mc="http://schemas.openxmlformats.org/markup-compatibility/2006">
+            <mc:Choice xmlns:p14="http://schemas.microsoft.com/office/powerpoint/2010/main" Requires="p14">
+              <p:contentPart p14:bwMode="auto" r:id="rId90">
+                <p14:nvContentPartPr>
+                  <p14:cNvPr id="256" name="Ink 255">
+                    <a:extLst>
+                      <a:ext uri="{FF2B5EF4-FFF2-40B4-BE49-F238E27FC236}">
+                        <a16:creationId xmlns:a16="http://schemas.microsoft.com/office/drawing/2014/main" id="{ADD73A7D-33A2-A848-B0F5-4920E2D78E08}"/>
+                      </a:ext>
+                    </a:extLst>
+                  </p14:cNvPr>
+                  <p14:cNvContentPartPr/>
+                  <p14:nvPr/>
+                </p14:nvContentPartPr>
+                <p14:xfrm>
+                  <a:off x="2214040" y="3985325"/>
+                  <a:ext cx="360" cy="360"/>
+                </p14:xfrm>
+              </p:contentPart>
+            </mc:Choice>
+            <mc:Fallback>
+              <p:pic>
+                <p:nvPicPr>
+                  <p:cNvPr id="256" name="Ink 255">
+                    <a:extLst>
+                      <a:ext uri="{FF2B5EF4-FFF2-40B4-BE49-F238E27FC236}">
+                        <a16:creationId xmlns:a16="http://schemas.microsoft.com/office/drawing/2014/main" id="{ADD73A7D-33A2-A848-B0F5-4920E2D78E08}"/>
+                      </a:ext>
+                    </a:extLst>
+                  </p:cNvPr>
+                  <p:cNvPicPr/>
+                  <p:nvPr/>
+                </p:nvPicPr>
+                <p:blipFill>
+                  <a:blip r:embed="rId44"/>
+                  <a:stretch>
+                    <a:fillRect/>
+                  </a:stretch>
+                </p:blipFill>
+                <p:spPr>
+                  <a:xfrm>
+                    <a:off x="2151400" y="3922685"/>
+                    <a:ext cx="126000" cy="126000"/>
+                  </a:xfrm>
+                  <a:prstGeom prst="rect">
+                    <a:avLst/>
+                  </a:prstGeom>
+                </p:spPr>
+              </p:pic>
+            </mc:Fallback>
+          </mc:AlternateContent>
+          <mc:AlternateContent xmlns:mc="http://schemas.openxmlformats.org/markup-compatibility/2006">
+            <mc:Choice xmlns:p14="http://schemas.microsoft.com/office/powerpoint/2010/main" Requires="p14">
+              <p:contentPart p14:bwMode="auto" r:id="rId91">
+                <p14:nvContentPartPr>
+                  <p14:cNvPr id="257" name="Ink 256">
+                    <a:extLst>
+                      <a:ext uri="{FF2B5EF4-FFF2-40B4-BE49-F238E27FC236}">
+                        <a16:creationId xmlns:a16="http://schemas.microsoft.com/office/drawing/2014/main" id="{2A666AC8-59D7-4B40-8308-EE8C75B53580}"/>
+                      </a:ext>
+                    </a:extLst>
+                  </p14:cNvPr>
+                  <p14:cNvContentPartPr/>
+                  <p14:nvPr/>
+                </p14:nvContentPartPr>
+                <p14:xfrm>
+                  <a:off x="2216560" y="3970205"/>
+                  <a:ext cx="360" cy="360"/>
+                </p14:xfrm>
+              </p:contentPart>
+            </mc:Choice>
+            <mc:Fallback>
+              <p:pic>
+                <p:nvPicPr>
+                  <p:cNvPr id="257" name="Ink 256">
+                    <a:extLst>
+                      <a:ext uri="{FF2B5EF4-FFF2-40B4-BE49-F238E27FC236}">
+                        <a16:creationId xmlns:a16="http://schemas.microsoft.com/office/drawing/2014/main" id="{2A666AC8-59D7-4B40-8308-EE8C75B53580}"/>
+                      </a:ext>
+                    </a:extLst>
+                  </p:cNvPr>
+                  <p:cNvPicPr/>
+                  <p:nvPr/>
+                </p:nvPicPr>
+                <p:blipFill>
+                  <a:blip r:embed="rId44"/>
+                  <a:stretch>
+                    <a:fillRect/>
+                  </a:stretch>
+                </p:blipFill>
+                <p:spPr>
+                  <a:xfrm>
+                    <a:off x="2153560" y="3907205"/>
+                    <a:ext cx="126000" cy="126000"/>
+                  </a:xfrm>
+                  <a:prstGeom prst="rect">
+                    <a:avLst/>
+                  </a:prstGeom>
+                </p:spPr>
+              </p:pic>
+            </mc:Fallback>
+          </mc:AlternateContent>
+          <mc:AlternateContent xmlns:mc="http://schemas.openxmlformats.org/markup-compatibility/2006">
+            <mc:Choice xmlns:p14="http://schemas.microsoft.com/office/powerpoint/2010/main" Requires="p14">
+              <p:contentPart p14:bwMode="auto" r:id="rId92">
+                <p14:nvContentPartPr>
+                  <p14:cNvPr id="258" name="Ink 257">
+                    <a:extLst>
+                      <a:ext uri="{FF2B5EF4-FFF2-40B4-BE49-F238E27FC236}">
+                        <a16:creationId xmlns:a16="http://schemas.microsoft.com/office/drawing/2014/main" id="{E32C6155-54B4-724D-9451-B37B0AA801F0}"/>
+                      </a:ext>
+                    </a:extLst>
+                  </p14:cNvPr>
+                  <p14:cNvContentPartPr/>
+                  <p14:nvPr/>
+                </p14:nvContentPartPr>
+                <p14:xfrm>
+                  <a:off x="2233120" y="3973805"/>
+                  <a:ext cx="360" cy="360"/>
+                </p14:xfrm>
+              </p:contentPart>
+            </mc:Choice>
+            <mc:Fallback>
+              <p:pic>
+                <p:nvPicPr>
+                  <p:cNvPr id="258" name="Ink 257">
+                    <a:extLst>
+                      <a:ext uri="{FF2B5EF4-FFF2-40B4-BE49-F238E27FC236}">
+                        <a16:creationId xmlns:a16="http://schemas.microsoft.com/office/drawing/2014/main" id="{E32C6155-54B4-724D-9451-B37B0AA801F0}"/>
+                      </a:ext>
+                    </a:extLst>
+                  </p:cNvPr>
+                  <p:cNvPicPr/>
+                  <p:nvPr/>
+                </p:nvPicPr>
+                <p:blipFill>
+                  <a:blip r:embed="rId44"/>
+                  <a:stretch>
+                    <a:fillRect/>
+                  </a:stretch>
+                </p:blipFill>
+                <p:spPr>
+                  <a:xfrm>
+                    <a:off x="2170120" y="3911165"/>
+                    <a:ext cx="126000" cy="126000"/>
+                  </a:xfrm>
+                  <a:prstGeom prst="rect">
+                    <a:avLst/>
+                  </a:prstGeom>
+                </p:spPr>
+              </p:pic>
+            </mc:Fallback>
+          </mc:AlternateContent>
+          <mc:AlternateContent xmlns:mc="http://schemas.openxmlformats.org/markup-compatibility/2006">
+            <mc:Choice xmlns:p14="http://schemas.microsoft.com/office/powerpoint/2010/main" Requires="p14">
+              <p:contentPart p14:bwMode="auto" r:id="rId93">
+                <p14:nvContentPartPr>
+                  <p14:cNvPr id="259" name="Ink 258">
+                    <a:extLst>
+                      <a:ext uri="{FF2B5EF4-FFF2-40B4-BE49-F238E27FC236}">
+                        <a16:creationId xmlns:a16="http://schemas.microsoft.com/office/drawing/2014/main" id="{4E3C5E92-82D4-5641-B6E1-73C02BA5D020}"/>
+                      </a:ext>
+                    </a:extLst>
+                  </p14:cNvPr>
+                  <p14:cNvContentPartPr/>
+                  <p14:nvPr/>
+                </p14:nvContentPartPr>
+                <p14:xfrm>
+                  <a:off x="2305480" y="4006925"/>
+                  <a:ext cx="360" cy="360"/>
+                </p14:xfrm>
+              </p:contentPart>
+            </mc:Choice>
+            <mc:Fallback>
+              <p:pic>
+                <p:nvPicPr>
+                  <p:cNvPr id="259" name="Ink 258">
+                    <a:extLst>
+                      <a:ext uri="{FF2B5EF4-FFF2-40B4-BE49-F238E27FC236}">
+                        <a16:creationId xmlns:a16="http://schemas.microsoft.com/office/drawing/2014/main" id="{4E3C5E92-82D4-5641-B6E1-73C02BA5D020}"/>
+                      </a:ext>
+                    </a:extLst>
+                  </p:cNvPr>
+                  <p:cNvPicPr/>
+                  <p:nvPr/>
+                </p:nvPicPr>
+                <p:blipFill>
+                  <a:blip r:embed="rId44"/>
+                  <a:stretch>
+                    <a:fillRect/>
+                  </a:stretch>
+                </p:blipFill>
+                <p:spPr>
+                  <a:xfrm>
+                    <a:off x="2242480" y="3943925"/>
+                    <a:ext cx="126000" cy="126000"/>
+                  </a:xfrm>
+                  <a:prstGeom prst="rect">
+                    <a:avLst/>
+                  </a:prstGeom>
+                </p:spPr>
+              </p:pic>
+            </mc:Fallback>
+          </mc:AlternateContent>
+          <mc:AlternateContent xmlns:mc="http://schemas.openxmlformats.org/markup-compatibility/2006">
+            <mc:Choice xmlns:p14="http://schemas.microsoft.com/office/powerpoint/2010/main" Requires="p14">
+              <p:contentPart p14:bwMode="auto" r:id="rId94">
+                <p14:nvContentPartPr>
+                  <p14:cNvPr id="260" name="Ink 259">
+                    <a:extLst>
+                      <a:ext uri="{FF2B5EF4-FFF2-40B4-BE49-F238E27FC236}">
+                        <a16:creationId xmlns:a16="http://schemas.microsoft.com/office/drawing/2014/main" id="{6374507F-DE6E-3541-90E5-E8FB36E8D18C}"/>
+                      </a:ext>
+                    </a:extLst>
+                  </p14:cNvPr>
+                  <p14:cNvContentPartPr/>
+                  <p14:nvPr/>
+                </p14:nvContentPartPr>
+                <p14:xfrm>
+                  <a:off x="2322040" y="4030325"/>
+                  <a:ext cx="360" cy="360"/>
+                </p14:xfrm>
+              </p:contentPart>
+            </mc:Choice>
+            <mc:Fallback>
+              <p:pic>
+                <p:nvPicPr>
+                  <p:cNvPr id="260" name="Ink 259">
+                    <a:extLst>
+                      <a:ext uri="{FF2B5EF4-FFF2-40B4-BE49-F238E27FC236}">
+                        <a16:creationId xmlns:a16="http://schemas.microsoft.com/office/drawing/2014/main" id="{6374507F-DE6E-3541-90E5-E8FB36E8D18C}"/>
+                      </a:ext>
+                    </a:extLst>
+                  </p:cNvPr>
+                  <p:cNvPicPr/>
+                  <p:nvPr/>
+                </p:nvPicPr>
+                <p:blipFill>
+                  <a:blip r:embed="rId44"/>
+                  <a:stretch>
+                    <a:fillRect/>
+                  </a:stretch>
+                </p:blipFill>
+                <p:spPr>
+                  <a:xfrm>
+                    <a:off x="2259040" y="3967325"/>
+                    <a:ext cx="126000" cy="126000"/>
+                  </a:xfrm>
+                  <a:prstGeom prst="rect">
+                    <a:avLst/>
+                  </a:prstGeom>
+                </p:spPr>
+              </p:pic>
+            </mc:Fallback>
+          </mc:AlternateContent>
+          <mc:AlternateContent xmlns:mc="http://schemas.openxmlformats.org/markup-compatibility/2006">
+            <mc:Choice xmlns:p14="http://schemas.microsoft.com/office/powerpoint/2010/main" Requires="p14">
+              <p:contentPart p14:bwMode="auto" r:id="rId95">
+                <p14:nvContentPartPr>
+                  <p14:cNvPr id="261" name="Ink 260">
+                    <a:extLst>
+                      <a:ext uri="{FF2B5EF4-FFF2-40B4-BE49-F238E27FC236}">
+                        <a16:creationId xmlns:a16="http://schemas.microsoft.com/office/drawing/2014/main" id="{8B3DDA7D-334E-9346-A5A0-FD69444BE072}"/>
+                      </a:ext>
+                    </a:extLst>
+                  </p14:cNvPr>
+                  <p14:cNvContentPartPr/>
+                  <p14:nvPr/>
+                </p14:nvContentPartPr>
+                <p14:xfrm>
+                  <a:off x="2329960" y="4061285"/>
+                  <a:ext cx="360" cy="360"/>
+                </p14:xfrm>
+              </p:contentPart>
+            </mc:Choice>
+            <mc:Fallback>
+              <p:pic>
+                <p:nvPicPr>
+                  <p:cNvPr id="261" name="Ink 260">
+                    <a:extLst>
+                      <a:ext uri="{FF2B5EF4-FFF2-40B4-BE49-F238E27FC236}">
+                        <a16:creationId xmlns:a16="http://schemas.microsoft.com/office/drawing/2014/main" id="{8B3DDA7D-334E-9346-A5A0-FD69444BE072}"/>
+                      </a:ext>
+                    </a:extLst>
+                  </p:cNvPr>
+                  <p:cNvPicPr/>
+                  <p:nvPr/>
+                </p:nvPicPr>
+                <p:blipFill>
+                  <a:blip r:embed="rId44"/>
+                  <a:stretch>
+                    <a:fillRect/>
+                  </a:stretch>
+                </p:blipFill>
+                <p:spPr>
+                  <a:xfrm>
+                    <a:off x="2267320" y="3998285"/>
+                    <a:ext cx="126000" cy="126000"/>
+                  </a:xfrm>
+                  <a:prstGeom prst="rect">
+                    <a:avLst/>
+                  </a:prstGeom>
+                </p:spPr>
+              </p:pic>
+            </mc:Fallback>
+          </mc:AlternateContent>
+          <mc:AlternateContent xmlns:mc="http://schemas.openxmlformats.org/markup-compatibility/2006">
+            <mc:Choice xmlns:p14="http://schemas.microsoft.com/office/powerpoint/2010/main" Requires="p14">
+              <p:contentPart p14:bwMode="auto" r:id="rId96">
+                <p14:nvContentPartPr>
+                  <p14:cNvPr id="262" name="Ink 261">
+                    <a:extLst>
+                      <a:ext uri="{FF2B5EF4-FFF2-40B4-BE49-F238E27FC236}">
+                        <a16:creationId xmlns:a16="http://schemas.microsoft.com/office/drawing/2014/main" id="{AE2D78D4-2E5C-F14E-9DD4-04D2DE94197D}"/>
+                      </a:ext>
+                    </a:extLst>
+                  </p14:cNvPr>
+                  <p14:cNvContentPartPr/>
+                  <p14:nvPr/>
+                </p14:nvContentPartPr>
+                <p14:xfrm>
+                  <a:off x="2327080" y="3860405"/>
+                  <a:ext cx="68760" cy="69840"/>
+                </p14:xfrm>
+              </p:contentPart>
+            </mc:Choice>
+            <mc:Fallback>
+              <p:pic>
+                <p:nvPicPr>
+                  <p:cNvPr id="262" name="Ink 261">
+                    <a:extLst>
+                      <a:ext uri="{FF2B5EF4-FFF2-40B4-BE49-F238E27FC236}">
+                        <a16:creationId xmlns:a16="http://schemas.microsoft.com/office/drawing/2014/main" id="{AE2D78D4-2E5C-F14E-9DD4-04D2DE94197D}"/>
+                      </a:ext>
+                    </a:extLst>
+                  </p:cNvPr>
+                  <p:cNvPicPr/>
+                  <p:nvPr/>
+                </p:nvPicPr>
+                <p:blipFill>
+                  <a:blip r:embed="rId97"/>
+                  <a:stretch>
+                    <a:fillRect/>
+                  </a:stretch>
+                </p:blipFill>
+                <p:spPr>
+                  <a:xfrm>
+                    <a:off x="2322760" y="3856085"/>
+                    <a:ext cx="77400" cy="78480"/>
+                  </a:xfrm>
+                  <a:prstGeom prst="rect">
+                    <a:avLst/>
+                  </a:prstGeom>
+                </p:spPr>
+              </p:pic>
+            </mc:Fallback>
+          </mc:AlternateContent>
+          <mc:AlternateContent xmlns:mc="http://schemas.openxmlformats.org/markup-compatibility/2006">
+            <mc:Choice xmlns:p14="http://schemas.microsoft.com/office/powerpoint/2010/main" Requires="p14">
+              <p:contentPart p14:bwMode="auto" r:id="rId98">
+                <p14:nvContentPartPr>
+                  <p14:cNvPr id="263" name="Ink 262">
+                    <a:extLst>
+                      <a:ext uri="{FF2B5EF4-FFF2-40B4-BE49-F238E27FC236}">
+                        <a16:creationId xmlns:a16="http://schemas.microsoft.com/office/drawing/2014/main" id="{E12D15D8-0F40-EE41-9270-87E3E72B00E3}"/>
+                      </a:ext>
+                    </a:extLst>
+                  </p14:cNvPr>
+                  <p14:cNvContentPartPr/>
+                  <p14:nvPr/>
+                </p14:nvContentPartPr>
+                <p14:xfrm>
+                  <a:off x="2243920" y="3779405"/>
+                  <a:ext cx="360" cy="360"/>
+                </p14:xfrm>
+              </p:contentPart>
+            </mc:Choice>
+            <mc:Fallback>
+              <p:pic>
+                <p:nvPicPr>
+                  <p:cNvPr id="263" name="Ink 262">
+                    <a:extLst>
+                      <a:ext uri="{FF2B5EF4-FFF2-40B4-BE49-F238E27FC236}">
+                        <a16:creationId xmlns:a16="http://schemas.microsoft.com/office/drawing/2014/main" id="{E12D15D8-0F40-EE41-9270-87E3E72B00E3}"/>
+                      </a:ext>
+                    </a:extLst>
+                  </p:cNvPr>
+                  <p:cNvPicPr/>
+                  <p:nvPr/>
+                </p:nvPicPr>
+                <p:blipFill>
+                  <a:blip r:embed="rId73"/>
+                  <a:stretch>
+                    <a:fillRect/>
+                  </a:stretch>
+                </p:blipFill>
+                <p:spPr>
+                  <a:xfrm>
+                    <a:off x="2239600" y="3775085"/>
+                    <a:ext cx="9000" cy="9000"/>
+                  </a:xfrm>
+                  <a:prstGeom prst="rect">
+                    <a:avLst/>
+                  </a:prstGeom>
+                </p:spPr>
+              </p:pic>
+            </mc:Fallback>
+          </mc:AlternateContent>
+          <mc:AlternateContent xmlns:mc="http://schemas.openxmlformats.org/markup-compatibility/2006">
+            <mc:Choice xmlns:p14="http://schemas.microsoft.com/office/powerpoint/2010/main" Requires="p14">
+              <p:contentPart p14:bwMode="auto" r:id="rId99">
+                <p14:nvContentPartPr>
+                  <p14:cNvPr id="264" name="Ink 263">
+                    <a:extLst>
+                      <a:ext uri="{FF2B5EF4-FFF2-40B4-BE49-F238E27FC236}">
+                        <a16:creationId xmlns:a16="http://schemas.microsoft.com/office/drawing/2014/main" id="{55C62591-8EA6-284F-BA37-EA97864CD404}"/>
+                      </a:ext>
+                    </a:extLst>
+                  </p14:cNvPr>
+                  <p14:cNvContentPartPr/>
+                  <p14:nvPr/>
+                </p14:nvContentPartPr>
+                <p14:xfrm>
+                  <a:off x="2189200" y="3703445"/>
+                  <a:ext cx="360" cy="360"/>
+                </p14:xfrm>
+              </p:contentPart>
+            </mc:Choice>
+            <mc:Fallback>
+              <p:pic>
+                <p:nvPicPr>
+                  <p:cNvPr id="264" name="Ink 263">
+                    <a:extLst>
+                      <a:ext uri="{FF2B5EF4-FFF2-40B4-BE49-F238E27FC236}">
+                        <a16:creationId xmlns:a16="http://schemas.microsoft.com/office/drawing/2014/main" id="{55C62591-8EA6-284F-BA37-EA97864CD404}"/>
+                      </a:ext>
+                    </a:extLst>
+                  </p:cNvPr>
+                  <p:cNvPicPr/>
+                  <p:nvPr/>
+                </p:nvPicPr>
+                <p:blipFill>
+                  <a:blip r:embed="rId73"/>
+                  <a:stretch>
+                    <a:fillRect/>
+                  </a:stretch>
+                </p:blipFill>
+                <p:spPr>
+                  <a:xfrm>
+                    <a:off x="2184880" y="3699125"/>
+                    <a:ext cx="9000" cy="9000"/>
+                  </a:xfrm>
+                  <a:prstGeom prst="rect">
+                    <a:avLst/>
+                  </a:prstGeom>
+                </p:spPr>
+              </p:pic>
+            </mc:Fallback>
+          </mc:AlternateContent>
+          <mc:AlternateContent xmlns:mc="http://schemas.openxmlformats.org/markup-compatibility/2006">
+            <mc:Choice xmlns:p14="http://schemas.microsoft.com/office/powerpoint/2010/main" Requires="p14">
+              <p:contentPart p14:bwMode="auto" r:id="rId100">
+                <p14:nvContentPartPr>
+                  <p14:cNvPr id="265" name="Ink 264">
+                    <a:extLst>
+                      <a:ext uri="{FF2B5EF4-FFF2-40B4-BE49-F238E27FC236}">
+                        <a16:creationId xmlns:a16="http://schemas.microsoft.com/office/drawing/2014/main" id="{A5BC923E-8DF2-5545-B7B0-DBB049AB5809}"/>
+                      </a:ext>
+                    </a:extLst>
+                  </p14:cNvPr>
+                  <p14:cNvContentPartPr/>
+                  <p14:nvPr/>
+                </p14:nvContentPartPr>
+                <p14:xfrm>
+                  <a:off x="2237800" y="3777605"/>
+                  <a:ext cx="10440" cy="10080"/>
+                </p14:xfrm>
+              </p:contentPart>
+            </mc:Choice>
+            <mc:Fallback>
+              <p:pic>
+                <p:nvPicPr>
+                  <p:cNvPr id="265" name="Ink 264">
+                    <a:extLst>
+                      <a:ext uri="{FF2B5EF4-FFF2-40B4-BE49-F238E27FC236}">
+                        <a16:creationId xmlns:a16="http://schemas.microsoft.com/office/drawing/2014/main" id="{A5BC923E-8DF2-5545-B7B0-DBB049AB5809}"/>
+                      </a:ext>
+                    </a:extLst>
+                  </p:cNvPr>
+                  <p:cNvPicPr/>
+                  <p:nvPr/>
+                </p:nvPicPr>
+                <p:blipFill>
+                  <a:blip r:embed="rId101"/>
+                  <a:stretch>
+                    <a:fillRect/>
+                  </a:stretch>
+                </p:blipFill>
+                <p:spPr>
+                  <a:xfrm>
+                    <a:off x="2233480" y="3773285"/>
+                    <a:ext cx="19080" cy="18720"/>
+                  </a:xfrm>
+                  <a:prstGeom prst="rect">
+                    <a:avLst/>
+                  </a:prstGeom>
+                </p:spPr>
+              </p:pic>
+            </mc:Fallback>
+          </mc:AlternateContent>
+          <mc:AlternateContent xmlns:mc="http://schemas.openxmlformats.org/markup-compatibility/2006">
+            <mc:Choice xmlns:p14="http://schemas.microsoft.com/office/powerpoint/2010/main" Requires="p14">
+              <p:contentPart p14:bwMode="auto" r:id="rId102">
+                <p14:nvContentPartPr>
+                  <p14:cNvPr id="266" name="Ink 265">
+                    <a:extLst>
+                      <a:ext uri="{FF2B5EF4-FFF2-40B4-BE49-F238E27FC236}">
+                        <a16:creationId xmlns:a16="http://schemas.microsoft.com/office/drawing/2014/main" id="{D802D26F-C143-2440-8F1C-66FD65C49ACF}"/>
+                      </a:ext>
+                    </a:extLst>
+                  </p14:cNvPr>
+                  <p14:cNvContentPartPr/>
+                  <p14:nvPr/>
+                </p14:nvContentPartPr>
+                <p14:xfrm>
+                  <a:off x="2247880" y="3787325"/>
+                  <a:ext cx="360" cy="360"/>
+                </p14:xfrm>
+              </p:contentPart>
+            </mc:Choice>
+            <mc:Fallback>
+              <p:pic>
+                <p:nvPicPr>
+                  <p:cNvPr id="266" name="Ink 265">
+                    <a:extLst>
+                      <a:ext uri="{FF2B5EF4-FFF2-40B4-BE49-F238E27FC236}">
+                        <a16:creationId xmlns:a16="http://schemas.microsoft.com/office/drawing/2014/main" id="{D802D26F-C143-2440-8F1C-66FD65C49ACF}"/>
+                      </a:ext>
+                    </a:extLst>
+                  </p:cNvPr>
+                  <p:cNvPicPr/>
+                  <p:nvPr/>
+                </p:nvPicPr>
+                <p:blipFill>
+                  <a:blip r:embed="rId73"/>
+                  <a:stretch>
+                    <a:fillRect/>
+                  </a:stretch>
+                </p:blipFill>
+                <p:spPr>
+                  <a:xfrm>
+                    <a:off x="2243560" y="3783005"/>
+                    <a:ext cx="9000" cy="9000"/>
+                  </a:xfrm>
+                  <a:prstGeom prst="rect">
+                    <a:avLst/>
+                  </a:prstGeom>
+                </p:spPr>
+              </p:pic>
+            </mc:Fallback>
+          </mc:AlternateContent>
+        </p:grpSp>
+      </p:grpSp>
+      <p:sp>
+        <p:nvSpPr>
+          <p:cNvPr id="292" name="Arc 291">
+            <a:extLst>
+              <a:ext uri="{FF2B5EF4-FFF2-40B4-BE49-F238E27FC236}">
+                <a16:creationId xmlns:a16="http://schemas.microsoft.com/office/drawing/2014/main" id="{1F2C34BF-E174-C249-85C1-AD403D496C4C}"/>
+              </a:ext>
+            </a:extLst>
+          </p:cNvPr>
+          <p:cNvSpPr/>
+          <p:nvPr/>
+        </p:nvSpPr>
+        <p:spPr>
+          <a:xfrm>
+            <a:off x="3423194" y="2616716"/>
+            <a:ext cx="1907563" cy="1153007"/>
+          </a:xfrm>
+          <a:prstGeom prst="arc">
+            <a:avLst>
+              <a:gd name="adj1" fmla="val 3495705"/>
+              <a:gd name="adj2" fmla="val 8690640"/>
+            </a:avLst>
+          </a:prstGeom>
+          <a:ln w="19050">
+            <a:solidFill>
+              <a:schemeClr val="tx1"/>
             </a:solidFill>
           </a:ln>
         </p:spPr>

--- a/figures/Figure1/figure1_finalforpdf.pptx
+++ b/figures/Figure1/figure1_finalforpdf.pptx
@@ -1979,7 +1979,7 @@
           <a:p>
             <a:fld id="{61A7976E-9F0E-DF46-BEE6-B263DADB2CCE}" type="datetimeFigureOut">
               <a:rPr lang="en-US" smtClean="0"/>
-              <a:t>11/4/21</a:t>
+              <a:t>8/26/22</a:t>
             </a:fld>
             <a:endParaRPr lang="en-US"/>
           </a:p>
@@ -2656,7 +2656,7 @@
           <a:p>
             <a:fld id="{5858EA79-B7C1-E245-85A8-5D7A58E35F5C}" type="datetimeFigureOut">
               <a:rPr lang="en-US" smtClean="0"/>
-              <a:t>11/4/21</a:t>
+              <a:t>8/26/22</a:t>
             </a:fld>
             <a:endParaRPr lang="en-US"/>
           </a:p>
@@ -2826,7 +2826,7 @@
           <a:p>
             <a:fld id="{5858EA79-B7C1-E245-85A8-5D7A58E35F5C}" type="datetimeFigureOut">
               <a:rPr lang="en-US" smtClean="0"/>
-              <a:t>11/4/21</a:t>
+              <a:t>8/26/22</a:t>
             </a:fld>
             <a:endParaRPr lang="en-US"/>
           </a:p>
@@ -3006,7 +3006,7 @@
           <a:p>
             <a:fld id="{5858EA79-B7C1-E245-85A8-5D7A58E35F5C}" type="datetimeFigureOut">
               <a:rPr lang="en-US" smtClean="0"/>
-              <a:t>11/4/21</a:t>
+              <a:t>8/26/22</a:t>
             </a:fld>
             <a:endParaRPr lang="en-US"/>
           </a:p>
@@ -3176,7 +3176,7 @@
           <a:p>
             <a:fld id="{5858EA79-B7C1-E245-85A8-5D7A58E35F5C}" type="datetimeFigureOut">
               <a:rPr lang="en-US" smtClean="0"/>
-              <a:t>11/4/21</a:t>
+              <a:t>8/26/22</a:t>
             </a:fld>
             <a:endParaRPr lang="en-US"/>
           </a:p>
@@ -3420,7 +3420,7 @@
           <a:p>
             <a:fld id="{5858EA79-B7C1-E245-85A8-5D7A58E35F5C}" type="datetimeFigureOut">
               <a:rPr lang="en-US" smtClean="0"/>
-              <a:t>11/4/21</a:t>
+              <a:t>8/26/22</a:t>
             </a:fld>
             <a:endParaRPr lang="en-US"/>
           </a:p>
@@ -3652,7 +3652,7 @@
           <a:p>
             <a:fld id="{5858EA79-B7C1-E245-85A8-5D7A58E35F5C}" type="datetimeFigureOut">
               <a:rPr lang="en-US" smtClean="0"/>
-              <a:t>11/4/21</a:t>
+              <a:t>8/26/22</a:t>
             </a:fld>
             <a:endParaRPr lang="en-US"/>
           </a:p>
@@ -4019,7 +4019,7 @@
           <a:p>
             <a:fld id="{5858EA79-B7C1-E245-85A8-5D7A58E35F5C}" type="datetimeFigureOut">
               <a:rPr lang="en-US" smtClean="0"/>
-              <a:t>11/4/21</a:t>
+              <a:t>8/26/22</a:t>
             </a:fld>
             <a:endParaRPr lang="en-US"/>
           </a:p>
@@ -4137,7 +4137,7 @@
           <a:p>
             <a:fld id="{5858EA79-B7C1-E245-85A8-5D7A58E35F5C}" type="datetimeFigureOut">
               <a:rPr lang="en-US" smtClean="0"/>
-              <a:t>11/4/21</a:t>
+              <a:t>8/26/22</a:t>
             </a:fld>
             <a:endParaRPr lang="en-US"/>
           </a:p>
@@ -4232,7 +4232,7 @@
           <a:p>
             <a:fld id="{5858EA79-B7C1-E245-85A8-5D7A58E35F5C}" type="datetimeFigureOut">
               <a:rPr lang="en-US" smtClean="0"/>
-              <a:t>11/4/21</a:t>
+              <a:t>8/26/22</a:t>
             </a:fld>
             <a:endParaRPr lang="en-US"/>
           </a:p>
@@ -4509,7 +4509,7 @@
           <a:p>
             <a:fld id="{5858EA79-B7C1-E245-85A8-5D7A58E35F5C}" type="datetimeFigureOut">
               <a:rPr lang="en-US" smtClean="0"/>
-              <a:t>11/4/21</a:t>
+              <a:t>8/26/22</a:t>
             </a:fld>
             <a:endParaRPr lang="en-US"/>
           </a:p>
@@ -4766,7 +4766,7 @@
           <a:p>
             <a:fld id="{5858EA79-B7C1-E245-85A8-5D7A58E35F5C}" type="datetimeFigureOut">
               <a:rPr lang="en-US" smtClean="0"/>
-              <a:t>11/4/21</a:t>
+              <a:t>8/26/22</a:t>
             </a:fld>
             <a:endParaRPr lang="en-US"/>
           </a:p>
@@ -4979,7 +4979,7 @@
           <a:p>
             <a:fld id="{5858EA79-B7C1-E245-85A8-5D7A58E35F5C}" type="datetimeFigureOut">
               <a:rPr lang="en-US" smtClean="0"/>
-              <a:t>11/4/21</a:t>
+              <a:t>8/26/22</a:t>
             </a:fld>
             <a:endParaRPr lang="en-US"/>
           </a:p>
@@ -12013,8 +12013,8 @@
         </p:nvSpPr>
         <p:spPr>
           <a:xfrm>
-            <a:off x="3727387" y="710041"/>
-            <a:ext cx="1202988" cy="415498"/>
+            <a:off x="3727386" y="647286"/>
+            <a:ext cx="1736731" cy="523220"/>
           </a:xfrm>
           <a:prstGeom prst="rect">
             <a:avLst/>
@@ -12031,15 +12031,19 @@
               <a:rPr lang="en-US" sz="700" dirty="0">
                 <a:latin typeface="Helvetica" pitchFamily="2" charset="0"/>
               </a:rPr>
-              <a:t>Lower movement,</a:t>
+              <a:t>Larger population sizes,</a:t>
             </a:r>
+          </a:p>
+          <a:p>
             <a:r>
               <a:rPr lang="en-US" sz="700" dirty="0">
                 <a:latin typeface="Helvetica" pitchFamily="2" charset="0"/>
                 <a:sym typeface="Wingdings" pitchFamily="2" charset="2"/>
               </a:rPr>
-              <a:t>                       </a:t>
+              <a:t>Slower population dynamics,</a:t>
             </a:r>
+          </a:p>
+          <a:p>
             <a:r>
               <a:rPr lang="en-US" sz="700" dirty="0">
                 <a:latin typeface="Helvetica" pitchFamily="2" charset="0"/>
@@ -12071,8 +12075,8 @@
         </p:nvSpPr>
         <p:spPr>
           <a:xfrm>
-            <a:off x="4789458" y="135298"/>
-            <a:ext cx="1161484" cy="415498"/>
+            <a:off x="4624098" y="18753"/>
+            <a:ext cx="1434423" cy="523220"/>
           </a:xfrm>
           <a:prstGeom prst="rect">
             <a:avLst/>
@@ -12089,7 +12093,15 @@
               <a:rPr lang="en-US" sz="700" dirty="0">
                 <a:latin typeface="Helvetica" pitchFamily="2" charset="0"/>
               </a:rPr>
-              <a:t>Higher movement,</a:t>
+              <a:t>Smaller population sizes,</a:t>
+            </a:r>
+          </a:p>
+          <a:p>
+            <a:r>
+              <a:rPr lang="en-US" sz="700" dirty="0">
+                <a:latin typeface="Helvetica" pitchFamily="2" charset="0"/>
+              </a:rPr>
+              <a:t>Faster population dynamics,</a:t>
             </a:r>
           </a:p>
           <a:p>
@@ -15587,8 +15599,8 @@
             <a:chExt cx="981706" cy="981706"/>
           </a:xfrm>
         </p:grpSpPr>
-        <mc:AlternateContent xmlns:mc="http://schemas.openxmlformats.org/markup-compatibility/2006">
-          <mc:Choice xmlns:p14="http://schemas.microsoft.com/office/powerpoint/2010/main" Requires="p14">
+        <mc:AlternateContent xmlns:mc="http://schemas.openxmlformats.org/markup-compatibility/2006" xmlns:p14="http://schemas.microsoft.com/office/powerpoint/2010/main">
+          <mc:Choice Requires="p14">
             <p:contentPart p14:bwMode="auto" r:id="rId3">
               <p14:nvContentPartPr>
                 <p14:cNvPr id="184" name="Ink 183">
@@ -15607,7 +15619,7 @@
               </p14:xfrm>
             </p:contentPart>
           </mc:Choice>
-          <mc:Fallback>
+          <mc:Fallback xmlns="">
             <p:pic>
               <p:nvPicPr>
                 <p:cNvPr id="184" name="Ink 183">
@@ -15638,8 +15650,8 @@
             </p:pic>
           </mc:Fallback>
         </mc:AlternateContent>
-        <mc:AlternateContent xmlns:mc="http://schemas.openxmlformats.org/markup-compatibility/2006">
-          <mc:Choice xmlns:p14="http://schemas.microsoft.com/office/powerpoint/2010/main" Requires="p14">
+        <mc:AlternateContent xmlns:mc="http://schemas.openxmlformats.org/markup-compatibility/2006" xmlns:p14="http://schemas.microsoft.com/office/powerpoint/2010/main">
+          <mc:Choice Requires="p14">
             <p:contentPart p14:bwMode="auto" r:id="rId5">
               <p14:nvContentPartPr>
                 <p14:cNvPr id="185" name="Ink 184">
@@ -15658,7 +15670,7 @@
               </p14:xfrm>
             </p:contentPart>
           </mc:Choice>
-          <mc:Fallback>
+          <mc:Fallback xmlns="">
             <p:pic>
               <p:nvPicPr>
                 <p:cNvPr id="185" name="Ink 184">
@@ -15689,8 +15701,8 @@
             </p:pic>
           </mc:Fallback>
         </mc:AlternateContent>
-        <mc:AlternateContent xmlns:mc="http://schemas.openxmlformats.org/markup-compatibility/2006">
-          <mc:Choice xmlns:p14="http://schemas.microsoft.com/office/powerpoint/2010/main" Requires="p14">
+        <mc:AlternateContent xmlns:mc="http://schemas.openxmlformats.org/markup-compatibility/2006" xmlns:p14="http://schemas.microsoft.com/office/powerpoint/2010/main">
+          <mc:Choice Requires="p14">
             <p:contentPart p14:bwMode="auto" r:id="rId7">
               <p14:nvContentPartPr>
                 <p14:cNvPr id="186" name="Ink 185">
@@ -15709,7 +15721,7 @@
               </p14:xfrm>
             </p:contentPart>
           </mc:Choice>
-          <mc:Fallback>
+          <mc:Fallback xmlns="">
             <p:pic>
               <p:nvPicPr>
                 <p:cNvPr id="186" name="Ink 185">
@@ -15740,8 +15752,8 @@
             </p:pic>
           </mc:Fallback>
         </mc:AlternateContent>
-        <mc:AlternateContent xmlns:mc="http://schemas.openxmlformats.org/markup-compatibility/2006">
-          <mc:Choice xmlns:p14="http://schemas.microsoft.com/office/powerpoint/2010/main" Requires="p14">
+        <mc:AlternateContent xmlns:mc="http://schemas.openxmlformats.org/markup-compatibility/2006" xmlns:p14="http://schemas.microsoft.com/office/powerpoint/2010/main">
+          <mc:Choice Requires="p14">
             <p:contentPart p14:bwMode="auto" r:id="rId9">
               <p14:nvContentPartPr>
                 <p14:cNvPr id="187" name="Ink 186">
@@ -15760,7 +15772,7 @@
               </p14:xfrm>
             </p:contentPart>
           </mc:Choice>
-          <mc:Fallback>
+          <mc:Fallback xmlns="">
             <p:pic>
               <p:nvPicPr>
                 <p:cNvPr id="187" name="Ink 186">
@@ -15843,8 +15855,8 @@
             </a:p>
           </p:txBody>
         </p:sp>
-        <mc:AlternateContent xmlns:mc="http://schemas.openxmlformats.org/markup-compatibility/2006">
-          <mc:Choice xmlns:p14="http://schemas.microsoft.com/office/powerpoint/2010/main" Requires="p14">
+        <mc:AlternateContent xmlns:mc="http://schemas.openxmlformats.org/markup-compatibility/2006" xmlns:p14="http://schemas.microsoft.com/office/powerpoint/2010/main">
+          <mc:Choice Requires="p14">
             <p:contentPart p14:bwMode="auto" r:id="rId11">
               <p14:nvContentPartPr>
                 <p14:cNvPr id="189" name="Ink 188">
@@ -15863,7 +15875,7 @@
               </p14:xfrm>
             </p:contentPart>
           </mc:Choice>
-          <mc:Fallback>
+          <mc:Fallback xmlns="">
             <p:pic>
               <p:nvPicPr>
                 <p:cNvPr id="189" name="Ink 188">
@@ -15894,8 +15906,8 @@
             </p:pic>
           </mc:Fallback>
         </mc:AlternateContent>
-        <mc:AlternateContent xmlns:mc="http://schemas.openxmlformats.org/markup-compatibility/2006">
-          <mc:Choice xmlns:p14="http://schemas.microsoft.com/office/powerpoint/2010/main" Requires="p14">
+        <mc:AlternateContent xmlns:mc="http://schemas.openxmlformats.org/markup-compatibility/2006" xmlns:p14="http://schemas.microsoft.com/office/powerpoint/2010/main">
+          <mc:Choice Requires="p14">
             <p:contentPart p14:bwMode="auto" r:id="rId13">
               <p14:nvContentPartPr>
                 <p14:cNvPr id="190" name="Ink 189">
@@ -15914,7 +15926,7 @@
               </p14:xfrm>
             </p:contentPart>
           </mc:Choice>
-          <mc:Fallback>
+          <mc:Fallback xmlns="">
             <p:pic>
               <p:nvPicPr>
                 <p:cNvPr id="190" name="Ink 189">
@@ -15945,8 +15957,8 @@
             </p:pic>
           </mc:Fallback>
         </mc:AlternateContent>
-        <mc:AlternateContent xmlns:mc="http://schemas.openxmlformats.org/markup-compatibility/2006">
-          <mc:Choice xmlns:p14="http://schemas.microsoft.com/office/powerpoint/2010/main" Requires="p14">
+        <mc:AlternateContent xmlns:mc="http://schemas.openxmlformats.org/markup-compatibility/2006" xmlns:p14="http://schemas.microsoft.com/office/powerpoint/2010/main">
+          <mc:Choice Requires="p14">
             <p:contentPart p14:bwMode="auto" r:id="rId15">
               <p14:nvContentPartPr>
                 <p14:cNvPr id="191" name="Ink 190">
@@ -15965,7 +15977,7 @@
               </p14:xfrm>
             </p:contentPart>
           </mc:Choice>
-          <mc:Fallback>
+          <mc:Fallback xmlns="">
             <p:pic>
               <p:nvPicPr>
                 <p:cNvPr id="191" name="Ink 190">
@@ -15996,8 +16008,8 @@
             </p:pic>
           </mc:Fallback>
         </mc:AlternateContent>
-        <mc:AlternateContent xmlns:mc="http://schemas.openxmlformats.org/markup-compatibility/2006">
-          <mc:Choice xmlns:p14="http://schemas.microsoft.com/office/powerpoint/2010/main" Requires="p14">
+        <mc:AlternateContent xmlns:mc="http://schemas.openxmlformats.org/markup-compatibility/2006" xmlns:p14="http://schemas.microsoft.com/office/powerpoint/2010/main">
+          <mc:Choice Requires="p14">
             <p:contentPart p14:bwMode="auto" r:id="rId17">
               <p14:nvContentPartPr>
                 <p14:cNvPr id="192" name="Ink 191">
@@ -16016,7 +16028,7 @@
               </p14:xfrm>
             </p:contentPart>
           </mc:Choice>
-          <mc:Fallback>
+          <mc:Fallback xmlns="">
             <p:pic>
               <p:nvPicPr>
                 <p:cNvPr id="192" name="Ink 191">
@@ -16047,8 +16059,8 @@
             </p:pic>
           </mc:Fallback>
         </mc:AlternateContent>
-        <mc:AlternateContent xmlns:mc="http://schemas.openxmlformats.org/markup-compatibility/2006">
-          <mc:Choice xmlns:p14="http://schemas.microsoft.com/office/powerpoint/2010/main" Requires="p14">
+        <mc:AlternateContent xmlns:mc="http://schemas.openxmlformats.org/markup-compatibility/2006" xmlns:p14="http://schemas.microsoft.com/office/powerpoint/2010/main">
+          <mc:Choice Requires="p14">
             <p:contentPart p14:bwMode="auto" r:id="rId19">
               <p14:nvContentPartPr>
                 <p14:cNvPr id="193" name="Ink 192">
@@ -16067,7 +16079,7 @@
               </p14:xfrm>
             </p:contentPart>
           </mc:Choice>
-          <mc:Fallback>
+          <mc:Fallback xmlns="">
             <p:pic>
               <p:nvPicPr>
                 <p:cNvPr id="193" name="Ink 192">
@@ -16098,8 +16110,8 @@
             </p:pic>
           </mc:Fallback>
         </mc:AlternateContent>
-        <mc:AlternateContent xmlns:mc="http://schemas.openxmlformats.org/markup-compatibility/2006">
-          <mc:Choice xmlns:p14="http://schemas.microsoft.com/office/powerpoint/2010/main" Requires="p14">
+        <mc:AlternateContent xmlns:mc="http://schemas.openxmlformats.org/markup-compatibility/2006" xmlns:p14="http://schemas.microsoft.com/office/powerpoint/2010/main">
+          <mc:Choice Requires="p14">
             <p:contentPart p14:bwMode="auto" r:id="rId21">
               <p14:nvContentPartPr>
                 <p14:cNvPr id="194" name="Ink 193">
@@ -16118,7 +16130,7 @@
               </p14:xfrm>
             </p:contentPart>
           </mc:Choice>
-          <mc:Fallback>
+          <mc:Fallback xmlns="">
             <p:pic>
               <p:nvPicPr>
                 <p:cNvPr id="194" name="Ink 193">
@@ -16149,8 +16161,8 @@
             </p:pic>
           </mc:Fallback>
         </mc:AlternateContent>
-        <mc:AlternateContent xmlns:mc="http://schemas.openxmlformats.org/markup-compatibility/2006">
-          <mc:Choice xmlns:p14="http://schemas.microsoft.com/office/powerpoint/2010/main" Requires="p14">
+        <mc:AlternateContent xmlns:mc="http://schemas.openxmlformats.org/markup-compatibility/2006" xmlns:p14="http://schemas.microsoft.com/office/powerpoint/2010/main">
+          <mc:Choice Requires="p14">
             <p:contentPart p14:bwMode="auto" r:id="rId23">
               <p14:nvContentPartPr>
                 <p14:cNvPr id="195" name="Ink 194">
@@ -16169,7 +16181,7 @@
               </p14:xfrm>
             </p:contentPart>
           </mc:Choice>
-          <mc:Fallback>
+          <mc:Fallback xmlns="">
             <p:pic>
               <p:nvPicPr>
                 <p:cNvPr id="195" name="Ink 194">
@@ -16200,8 +16212,8 @@
             </p:pic>
           </mc:Fallback>
         </mc:AlternateContent>
-        <mc:AlternateContent xmlns:mc="http://schemas.openxmlformats.org/markup-compatibility/2006">
-          <mc:Choice xmlns:p14="http://schemas.microsoft.com/office/powerpoint/2010/main" Requires="p14">
+        <mc:AlternateContent xmlns:mc="http://schemas.openxmlformats.org/markup-compatibility/2006" xmlns:p14="http://schemas.microsoft.com/office/powerpoint/2010/main">
+          <mc:Choice Requires="p14">
             <p:contentPart p14:bwMode="auto" r:id="rId25">
               <p14:nvContentPartPr>
                 <p14:cNvPr id="196" name="Ink 195">
@@ -16220,7 +16232,7 @@
               </p14:xfrm>
             </p:contentPart>
           </mc:Choice>
-          <mc:Fallback>
+          <mc:Fallback xmlns="">
             <p:pic>
               <p:nvPicPr>
                 <p:cNvPr id="196" name="Ink 195">
@@ -16251,8 +16263,8 @@
             </p:pic>
           </mc:Fallback>
         </mc:AlternateContent>
-        <mc:AlternateContent xmlns:mc="http://schemas.openxmlformats.org/markup-compatibility/2006">
-          <mc:Choice xmlns:p14="http://schemas.microsoft.com/office/powerpoint/2010/main" Requires="p14">
+        <mc:AlternateContent xmlns:mc="http://schemas.openxmlformats.org/markup-compatibility/2006" xmlns:p14="http://schemas.microsoft.com/office/powerpoint/2010/main">
+          <mc:Choice Requires="p14">
             <p:contentPart p14:bwMode="auto" r:id="rId27">
               <p14:nvContentPartPr>
                 <p14:cNvPr id="197" name="Ink 196">
@@ -16271,7 +16283,7 @@
               </p14:xfrm>
             </p:contentPart>
           </mc:Choice>
-          <mc:Fallback>
+          <mc:Fallback xmlns="">
             <p:pic>
               <p:nvPicPr>
                 <p:cNvPr id="197" name="Ink 196">
@@ -16302,8 +16314,8 @@
             </p:pic>
           </mc:Fallback>
         </mc:AlternateContent>
-        <mc:AlternateContent xmlns:mc="http://schemas.openxmlformats.org/markup-compatibility/2006">
-          <mc:Choice xmlns:p14="http://schemas.microsoft.com/office/powerpoint/2010/main" Requires="p14">
+        <mc:AlternateContent xmlns:mc="http://schemas.openxmlformats.org/markup-compatibility/2006" xmlns:p14="http://schemas.microsoft.com/office/powerpoint/2010/main">
+          <mc:Choice Requires="p14">
             <p:contentPart p14:bwMode="auto" r:id="rId29">
               <p14:nvContentPartPr>
                 <p14:cNvPr id="198" name="Ink 197">
@@ -16322,7 +16334,7 @@
               </p14:xfrm>
             </p:contentPart>
           </mc:Choice>
-          <mc:Fallback>
+          <mc:Fallback xmlns="">
             <p:pic>
               <p:nvPicPr>
                 <p:cNvPr id="198" name="Ink 197">
@@ -16373,8 +16385,8 @@
               <a:chExt cx="852120" cy="631080"/>
             </a:xfrm>
           </p:grpSpPr>
-          <mc:AlternateContent xmlns:mc="http://schemas.openxmlformats.org/markup-compatibility/2006">
-            <mc:Choice xmlns:p14="http://schemas.microsoft.com/office/powerpoint/2010/main" Requires="p14">
+          <mc:AlternateContent xmlns:mc="http://schemas.openxmlformats.org/markup-compatibility/2006" xmlns:p14="http://schemas.microsoft.com/office/powerpoint/2010/main">
+            <mc:Choice Requires="p14">
               <p:contentPart p14:bwMode="auto" r:id="rId31">
                 <p14:nvContentPartPr>
                   <p14:cNvPr id="200" name="Ink 199">
@@ -16393,7 +16405,7 @@
                 </p14:xfrm>
               </p:contentPart>
             </mc:Choice>
-            <mc:Fallback>
+            <mc:Fallback xmlns="">
               <p:pic>
                 <p:nvPicPr>
                   <p:cNvPr id="200" name="Ink 199">
@@ -16424,8 +16436,8 @@
               </p:pic>
             </mc:Fallback>
           </mc:AlternateContent>
-          <mc:AlternateContent xmlns:mc="http://schemas.openxmlformats.org/markup-compatibility/2006">
-            <mc:Choice xmlns:p14="http://schemas.microsoft.com/office/powerpoint/2010/main" Requires="p14">
+          <mc:AlternateContent xmlns:mc="http://schemas.openxmlformats.org/markup-compatibility/2006" xmlns:p14="http://schemas.microsoft.com/office/powerpoint/2010/main">
+            <mc:Choice Requires="p14">
               <p:contentPart p14:bwMode="auto" r:id="rId33">
                 <p14:nvContentPartPr>
                   <p14:cNvPr id="203" name="Ink 202">
@@ -16444,7 +16456,7 @@
                 </p14:xfrm>
               </p:contentPart>
             </mc:Choice>
-            <mc:Fallback>
+            <mc:Fallback xmlns="">
               <p:pic>
                 <p:nvPicPr>
                   <p:cNvPr id="203" name="Ink 202">
@@ -16475,8 +16487,8 @@
               </p:pic>
             </mc:Fallback>
           </mc:AlternateContent>
-          <mc:AlternateContent xmlns:mc="http://schemas.openxmlformats.org/markup-compatibility/2006">
-            <mc:Choice xmlns:p14="http://schemas.microsoft.com/office/powerpoint/2010/main" Requires="p14">
+          <mc:AlternateContent xmlns:mc="http://schemas.openxmlformats.org/markup-compatibility/2006" xmlns:p14="http://schemas.microsoft.com/office/powerpoint/2010/main">
+            <mc:Choice Requires="p14">
               <p:contentPart p14:bwMode="auto" r:id="rId34">
                 <p14:nvContentPartPr>
                   <p14:cNvPr id="204" name="Ink 203">
@@ -16495,7 +16507,7 @@
                 </p14:xfrm>
               </p:contentPart>
             </mc:Choice>
-            <mc:Fallback>
+            <mc:Fallback xmlns="">
               <p:pic>
                 <p:nvPicPr>
                   <p:cNvPr id="204" name="Ink 203">
@@ -16526,8 +16538,8 @@
               </p:pic>
             </mc:Fallback>
           </mc:AlternateContent>
-          <mc:AlternateContent xmlns:mc="http://schemas.openxmlformats.org/markup-compatibility/2006">
-            <mc:Choice xmlns:p14="http://schemas.microsoft.com/office/powerpoint/2010/main" Requires="p14">
+          <mc:AlternateContent xmlns:mc="http://schemas.openxmlformats.org/markup-compatibility/2006" xmlns:p14="http://schemas.microsoft.com/office/powerpoint/2010/main">
+            <mc:Choice Requires="p14">
               <p:contentPart p14:bwMode="auto" r:id="rId35">
                 <p14:nvContentPartPr>
                   <p14:cNvPr id="205" name="Ink 204">
@@ -16546,7 +16558,7 @@
                 </p14:xfrm>
               </p:contentPart>
             </mc:Choice>
-            <mc:Fallback>
+            <mc:Fallback xmlns="">
               <p:pic>
                 <p:nvPicPr>
                   <p:cNvPr id="205" name="Ink 204">
@@ -16577,8 +16589,8 @@
               </p:pic>
             </mc:Fallback>
           </mc:AlternateContent>
-          <mc:AlternateContent xmlns:mc="http://schemas.openxmlformats.org/markup-compatibility/2006">
-            <mc:Choice xmlns:p14="http://schemas.microsoft.com/office/powerpoint/2010/main" Requires="p14">
+          <mc:AlternateContent xmlns:mc="http://schemas.openxmlformats.org/markup-compatibility/2006" xmlns:p14="http://schemas.microsoft.com/office/powerpoint/2010/main">
+            <mc:Choice Requires="p14">
               <p:contentPart p14:bwMode="auto" r:id="rId36">
                 <p14:nvContentPartPr>
                   <p14:cNvPr id="206" name="Ink 205">
@@ -16597,7 +16609,7 @@
                 </p14:xfrm>
               </p:contentPart>
             </mc:Choice>
-            <mc:Fallback>
+            <mc:Fallback xmlns="">
               <p:pic>
                 <p:nvPicPr>
                   <p:cNvPr id="206" name="Ink 205">
@@ -16628,8 +16640,8 @@
               </p:pic>
             </mc:Fallback>
           </mc:AlternateContent>
-          <mc:AlternateContent xmlns:mc="http://schemas.openxmlformats.org/markup-compatibility/2006">
-            <mc:Choice xmlns:p14="http://schemas.microsoft.com/office/powerpoint/2010/main" Requires="p14">
+          <mc:AlternateContent xmlns:mc="http://schemas.openxmlformats.org/markup-compatibility/2006" xmlns:p14="http://schemas.microsoft.com/office/powerpoint/2010/main">
+            <mc:Choice Requires="p14">
               <p:contentPart p14:bwMode="auto" r:id="rId37">
                 <p14:nvContentPartPr>
                   <p14:cNvPr id="207" name="Ink 206">
@@ -16648,7 +16660,7 @@
                 </p14:xfrm>
               </p:contentPart>
             </mc:Choice>
-            <mc:Fallback>
+            <mc:Fallback xmlns="">
               <p:pic>
                 <p:nvPicPr>
                   <p:cNvPr id="207" name="Ink 206">
@@ -16679,8 +16691,8 @@
               </p:pic>
             </mc:Fallback>
           </mc:AlternateContent>
-          <mc:AlternateContent xmlns:mc="http://schemas.openxmlformats.org/markup-compatibility/2006">
-            <mc:Choice xmlns:p14="http://schemas.microsoft.com/office/powerpoint/2010/main" Requires="p14">
+          <mc:AlternateContent xmlns:mc="http://schemas.openxmlformats.org/markup-compatibility/2006" xmlns:p14="http://schemas.microsoft.com/office/powerpoint/2010/main">
+            <mc:Choice Requires="p14">
               <p:contentPart p14:bwMode="auto" r:id="rId38">
                 <p14:nvContentPartPr>
                   <p14:cNvPr id="208" name="Ink 207">
@@ -16699,7 +16711,7 @@
                 </p14:xfrm>
               </p:contentPart>
             </mc:Choice>
-            <mc:Fallback>
+            <mc:Fallback xmlns="">
               <p:pic>
                 <p:nvPicPr>
                   <p:cNvPr id="208" name="Ink 207">
@@ -16730,8 +16742,8 @@
               </p:pic>
             </mc:Fallback>
           </mc:AlternateContent>
-          <mc:AlternateContent xmlns:mc="http://schemas.openxmlformats.org/markup-compatibility/2006">
-            <mc:Choice xmlns:p14="http://schemas.microsoft.com/office/powerpoint/2010/main" Requires="p14">
+          <mc:AlternateContent xmlns:mc="http://schemas.openxmlformats.org/markup-compatibility/2006" xmlns:p14="http://schemas.microsoft.com/office/powerpoint/2010/main">
+            <mc:Choice Requires="p14">
               <p:contentPart p14:bwMode="auto" r:id="rId39">
                 <p14:nvContentPartPr>
                   <p14:cNvPr id="209" name="Ink 208">
@@ -16750,7 +16762,7 @@
                 </p14:xfrm>
               </p:contentPart>
             </mc:Choice>
-            <mc:Fallback>
+            <mc:Fallback xmlns="">
               <p:pic>
                 <p:nvPicPr>
                   <p:cNvPr id="209" name="Ink 208">
@@ -16781,8 +16793,8 @@
               </p:pic>
             </mc:Fallback>
           </mc:AlternateContent>
-          <mc:AlternateContent xmlns:mc="http://schemas.openxmlformats.org/markup-compatibility/2006">
-            <mc:Choice xmlns:p14="http://schemas.microsoft.com/office/powerpoint/2010/main" Requires="p14">
+          <mc:AlternateContent xmlns:mc="http://schemas.openxmlformats.org/markup-compatibility/2006" xmlns:p14="http://schemas.microsoft.com/office/powerpoint/2010/main">
+            <mc:Choice Requires="p14">
               <p:contentPart p14:bwMode="auto" r:id="rId40">
                 <p14:nvContentPartPr>
                   <p14:cNvPr id="210" name="Ink 209">
@@ -16801,7 +16813,7 @@
                 </p14:xfrm>
               </p:contentPart>
             </mc:Choice>
-            <mc:Fallback>
+            <mc:Fallback xmlns="">
               <p:pic>
                 <p:nvPicPr>
                   <p:cNvPr id="210" name="Ink 209">
@@ -16832,8 +16844,8 @@
               </p:pic>
             </mc:Fallback>
           </mc:AlternateContent>
-          <mc:AlternateContent xmlns:mc="http://schemas.openxmlformats.org/markup-compatibility/2006">
-            <mc:Choice xmlns:p14="http://schemas.microsoft.com/office/powerpoint/2010/main" Requires="p14">
+          <mc:AlternateContent xmlns:mc="http://schemas.openxmlformats.org/markup-compatibility/2006" xmlns:p14="http://schemas.microsoft.com/office/powerpoint/2010/main">
+            <mc:Choice Requires="p14">
               <p:contentPart p14:bwMode="auto" r:id="rId41">
                 <p14:nvContentPartPr>
                   <p14:cNvPr id="211" name="Ink 210">
@@ -16852,7 +16864,7 @@
                 </p14:xfrm>
               </p:contentPart>
             </mc:Choice>
-            <mc:Fallback>
+            <mc:Fallback xmlns="">
               <p:pic>
                 <p:nvPicPr>
                   <p:cNvPr id="211" name="Ink 210">
@@ -16883,8 +16895,8 @@
               </p:pic>
             </mc:Fallback>
           </mc:AlternateContent>
-          <mc:AlternateContent xmlns:mc="http://schemas.openxmlformats.org/markup-compatibility/2006">
-            <mc:Choice xmlns:p14="http://schemas.microsoft.com/office/powerpoint/2010/main" Requires="p14">
+          <mc:AlternateContent xmlns:mc="http://schemas.openxmlformats.org/markup-compatibility/2006" xmlns:p14="http://schemas.microsoft.com/office/powerpoint/2010/main">
+            <mc:Choice Requires="p14">
               <p:contentPart p14:bwMode="auto" r:id="rId43">
                 <p14:nvContentPartPr>
                   <p14:cNvPr id="212" name="Ink 211">
@@ -16903,7 +16915,7 @@
                 </p14:xfrm>
               </p:contentPart>
             </mc:Choice>
-            <mc:Fallback>
+            <mc:Fallback xmlns="">
               <p:pic>
                 <p:nvPicPr>
                   <p:cNvPr id="212" name="Ink 211">
@@ -16934,8 +16946,8 @@
               </p:pic>
             </mc:Fallback>
           </mc:AlternateContent>
-          <mc:AlternateContent xmlns:mc="http://schemas.openxmlformats.org/markup-compatibility/2006">
-            <mc:Choice xmlns:p14="http://schemas.microsoft.com/office/powerpoint/2010/main" Requires="p14">
+          <mc:AlternateContent xmlns:mc="http://schemas.openxmlformats.org/markup-compatibility/2006" xmlns:p14="http://schemas.microsoft.com/office/powerpoint/2010/main">
+            <mc:Choice Requires="p14">
               <p:contentPart p14:bwMode="auto" r:id="rId45">
                 <p14:nvContentPartPr>
                   <p14:cNvPr id="213" name="Ink 212">
@@ -16954,7 +16966,7 @@
                 </p14:xfrm>
               </p:contentPart>
             </mc:Choice>
-            <mc:Fallback>
+            <mc:Fallback xmlns="">
               <p:pic>
                 <p:nvPicPr>
                   <p:cNvPr id="213" name="Ink 212">
@@ -16985,8 +16997,8 @@
               </p:pic>
             </mc:Fallback>
           </mc:AlternateContent>
-          <mc:AlternateContent xmlns:mc="http://schemas.openxmlformats.org/markup-compatibility/2006">
-            <mc:Choice xmlns:p14="http://schemas.microsoft.com/office/powerpoint/2010/main" Requires="p14">
+          <mc:AlternateContent xmlns:mc="http://schemas.openxmlformats.org/markup-compatibility/2006" xmlns:p14="http://schemas.microsoft.com/office/powerpoint/2010/main">
+            <mc:Choice Requires="p14">
               <p:contentPart p14:bwMode="auto" r:id="rId46">
                 <p14:nvContentPartPr>
                   <p14:cNvPr id="214" name="Ink 213">
@@ -17005,7 +17017,7 @@
                 </p14:xfrm>
               </p:contentPart>
             </mc:Choice>
-            <mc:Fallback>
+            <mc:Fallback xmlns="">
               <p:pic>
                 <p:nvPicPr>
                   <p:cNvPr id="214" name="Ink 213">
@@ -17036,8 +17048,8 @@
               </p:pic>
             </mc:Fallback>
           </mc:AlternateContent>
-          <mc:AlternateContent xmlns:mc="http://schemas.openxmlformats.org/markup-compatibility/2006">
-            <mc:Choice xmlns:p14="http://schemas.microsoft.com/office/powerpoint/2010/main" Requires="p14">
+          <mc:AlternateContent xmlns:mc="http://schemas.openxmlformats.org/markup-compatibility/2006" xmlns:p14="http://schemas.microsoft.com/office/powerpoint/2010/main">
+            <mc:Choice Requires="p14">
               <p:contentPart p14:bwMode="auto" r:id="rId47">
                 <p14:nvContentPartPr>
                   <p14:cNvPr id="215" name="Ink 214">
@@ -17056,7 +17068,7 @@
                 </p14:xfrm>
               </p:contentPart>
             </mc:Choice>
-            <mc:Fallback>
+            <mc:Fallback xmlns="">
               <p:pic>
                 <p:nvPicPr>
                   <p:cNvPr id="215" name="Ink 214">
@@ -17087,8 +17099,8 @@
               </p:pic>
             </mc:Fallback>
           </mc:AlternateContent>
-          <mc:AlternateContent xmlns:mc="http://schemas.openxmlformats.org/markup-compatibility/2006">
-            <mc:Choice xmlns:p14="http://schemas.microsoft.com/office/powerpoint/2010/main" Requires="p14">
+          <mc:AlternateContent xmlns:mc="http://schemas.openxmlformats.org/markup-compatibility/2006" xmlns:p14="http://schemas.microsoft.com/office/powerpoint/2010/main">
+            <mc:Choice Requires="p14">
               <p:contentPart p14:bwMode="auto" r:id="rId48">
                 <p14:nvContentPartPr>
                   <p14:cNvPr id="216" name="Ink 215">
@@ -17107,7 +17119,7 @@
                 </p14:xfrm>
               </p:contentPart>
             </mc:Choice>
-            <mc:Fallback>
+            <mc:Fallback xmlns="">
               <p:pic>
                 <p:nvPicPr>
                   <p:cNvPr id="216" name="Ink 215">
@@ -17138,8 +17150,8 @@
               </p:pic>
             </mc:Fallback>
           </mc:AlternateContent>
-          <mc:AlternateContent xmlns:mc="http://schemas.openxmlformats.org/markup-compatibility/2006">
-            <mc:Choice xmlns:p14="http://schemas.microsoft.com/office/powerpoint/2010/main" Requires="p14">
+          <mc:AlternateContent xmlns:mc="http://schemas.openxmlformats.org/markup-compatibility/2006" xmlns:p14="http://schemas.microsoft.com/office/powerpoint/2010/main">
+            <mc:Choice Requires="p14">
               <p:contentPart p14:bwMode="auto" r:id="rId49">
                 <p14:nvContentPartPr>
                   <p14:cNvPr id="217" name="Ink 216">
@@ -17158,7 +17170,7 @@
                 </p14:xfrm>
               </p:contentPart>
             </mc:Choice>
-            <mc:Fallback>
+            <mc:Fallback xmlns="">
               <p:pic>
                 <p:nvPicPr>
                   <p:cNvPr id="217" name="Ink 216">
@@ -17189,8 +17201,8 @@
               </p:pic>
             </mc:Fallback>
           </mc:AlternateContent>
-          <mc:AlternateContent xmlns:mc="http://schemas.openxmlformats.org/markup-compatibility/2006">
-            <mc:Choice xmlns:p14="http://schemas.microsoft.com/office/powerpoint/2010/main" Requires="p14">
+          <mc:AlternateContent xmlns:mc="http://schemas.openxmlformats.org/markup-compatibility/2006" xmlns:p14="http://schemas.microsoft.com/office/powerpoint/2010/main">
+            <mc:Choice Requires="p14">
               <p:contentPart p14:bwMode="auto" r:id="rId50">
                 <p14:nvContentPartPr>
                   <p14:cNvPr id="218" name="Ink 217">
@@ -17209,7 +17221,7 @@
                 </p14:xfrm>
               </p:contentPart>
             </mc:Choice>
-            <mc:Fallback>
+            <mc:Fallback xmlns="">
               <p:pic>
                 <p:nvPicPr>
                   <p:cNvPr id="218" name="Ink 217">
@@ -17240,8 +17252,8 @@
               </p:pic>
             </mc:Fallback>
           </mc:AlternateContent>
-          <mc:AlternateContent xmlns:mc="http://schemas.openxmlformats.org/markup-compatibility/2006">
-            <mc:Choice xmlns:p14="http://schemas.microsoft.com/office/powerpoint/2010/main" Requires="p14">
+          <mc:AlternateContent xmlns:mc="http://schemas.openxmlformats.org/markup-compatibility/2006" xmlns:p14="http://schemas.microsoft.com/office/powerpoint/2010/main">
+            <mc:Choice Requires="p14">
               <p:contentPart p14:bwMode="auto" r:id="rId51">
                 <p14:nvContentPartPr>
                   <p14:cNvPr id="219" name="Ink 218">
@@ -17260,7 +17272,7 @@
                 </p14:xfrm>
               </p:contentPart>
             </mc:Choice>
-            <mc:Fallback>
+            <mc:Fallback xmlns="">
               <p:pic>
                 <p:nvPicPr>
                   <p:cNvPr id="219" name="Ink 218">
@@ -17291,8 +17303,8 @@
               </p:pic>
             </mc:Fallback>
           </mc:AlternateContent>
-          <mc:AlternateContent xmlns:mc="http://schemas.openxmlformats.org/markup-compatibility/2006">
-            <mc:Choice xmlns:p14="http://schemas.microsoft.com/office/powerpoint/2010/main" Requires="p14">
+          <mc:AlternateContent xmlns:mc="http://schemas.openxmlformats.org/markup-compatibility/2006" xmlns:p14="http://schemas.microsoft.com/office/powerpoint/2010/main">
+            <mc:Choice Requires="p14">
               <p:contentPart p14:bwMode="auto" r:id="rId52">
                 <p14:nvContentPartPr>
                   <p14:cNvPr id="220" name="Ink 219">
@@ -17311,7 +17323,7 @@
                 </p14:xfrm>
               </p:contentPart>
             </mc:Choice>
-            <mc:Fallback>
+            <mc:Fallback xmlns="">
               <p:pic>
                 <p:nvPicPr>
                   <p:cNvPr id="220" name="Ink 219">
@@ -17342,8 +17354,8 @@
               </p:pic>
             </mc:Fallback>
           </mc:AlternateContent>
-          <mc:AlternateContent xmlns:mc="http://schemas.openxmlformats.org/markup-compatibility/2006">
-            <mc:Choice xmlns:p14="http://schemas.microsoft.com/office/powerpoint/2010/main" Requires="p14">
+          <mc:AlternateContent xmlns:mc="http://schemas.openxmlformats.org/markup-compatibility/2006" xmlns:p14="http://schemas.microsoft.com/office/powerpoint/2010/main">
+            <mc:Choice Requires="p14">
               <p:contentPart p14:bwMode="auto" r:id="rId53">
                 <p14:nvContentPartPr>
                   <p14:cNvPr id="221" name="Ink 220">
@@ -17362,7 +17374,7 @@
                 </p14:xfrm>
               </p:contentPart>
             </mc:Choice>
-            <mc:Fallback>
+            <mc:Fallback xmlns="">
               <p:pic>
                 <p:nvPicPr>
                   <p:cNvPr id="221" name="Ink 220">
@@ -17393,8 +17405,8 @@
               </p:pic>
             </mc:Fallback>
           </mc:AlternateContent>
-          <mc:AlternateContent xmlns:mc="http://schemas.openxmlformats.org/markup-compatibility/2006">
-            <mc:Choice xmlns:p14="http://schemas.microsoft.com/office/powerpoint/2010/main" Requires="p14">
+          <mc:AlternateContent xmlns:mc="http://schemas.openxmlformats.org/markup-compatibility/2006" xmlns:p14="http://schemas.microsoft.com/office/powerpoint/2010/main">
+            <mc:Choice Requires="p14">
               <p:contentPart p14:bwMode="auto" r:id="rId55">
                 <p14:nvContentPartPr>
                   <p14:cNvPr id="222" name="Ink 221">
@@ -17413,7 +17425,7 @@
                 </p14:xfrm>
               </p:contentPart>
             </mc:Choice>
-            <mc:Fallback>
+            <mc:Fallback xmlns="">
               <p:pic>
                 <p:nvPicPr>
                   <p:cNvPr id="222" name="Ink 221">
@@ -17444,8 +17456,8 @@
               </p:pic>
             </mc:Fallback>
           </mc:AlternateContent>
-          <mc:AlternateContent xmlns:mc="http://schemas.openxmlformats.org/markup-compatibility/2006">
-            <mc:Choice xmlns:p14="http://schemas.microsoft.com/office/powerpoint/2010/main" Requires="p14">
+          <mc:AlternateContent xmlns:mc="http://schemas.openxmlformats.org/markup-compatibility/2006" xmlns:p14="http://schemas.microsoft.com/office/powerpoint/2010/main">
+            <mc:Choice Requires="p14">
               <p:contentPart p14:bwMode="auto" r:id="rId57">
                 <p14:nvContentPartPr>
                   <p14:cNvPr id="223" name="Ink 222">
@@ -17464,7 +17476,7 @@
                 </p14:xfrm>
               </p:contentPart>
             </mc:Choice>
-            <mc:Fallback>
+            <mc:Fallback xmlns="">
               <p:pic>
                 <p:nvPicPr>
                   <p:cNvPr id="223" name="Ink 222">
@@ -17495,8 +17507,8 @@
               </p:pic>
             </mc:Fallback>
           </mc:AlternateContent>
-          <mc:AlternateContent xmlns:mc="http://schemas.openxmlformats.org/markup-compatibility/2006">
-            <mc:Choice xmlns:p14="http://schemas.microsoft.com/office/powerpoint/2010/main" Requires="p14">
+          <mc:AlternateContent xmlns:mc="http://schemas.openxmlformats.org/markup-compatibility/2006" xmlns:p14="http://schemas.microsoft.com/office/powerpoint/2010/main">
+            <mc:Choice Requires="p14">
               <p:contentPart p14:bwMode="auto" r:id="rId59">
                 <p14:nvContentPartPr>
                   <p14:cNvPr id="224" name="Ink 223">
@@ -17515,7 +17527,7 @@
                 </p14:xfrm>
               </p:contentPart>
             </mc:Choice>
-            <mc:Fallback>
+            <mc:Fallback xmlns="">
               <p:pic>
                 <p:nvPicPr>
                   <p:cNvPr id="224" name="Ink 223">
@@ -17546,8 +17558,8 @@
               </p:pic>
             </mc:Fallback>
           </mc:AlternateContent>
-          <mc:AlternateContent xmlns:mc="http://schemas.openxmlformats.org/markup-compatibility/2006">
-            <mc:Choice xmlns:p14="http://schemas.microsoft.com/office/powerpoint/2010/main" Requires="p14">
+          <mc:AlternateContent xmlns:mc="http://schemas.openxmlformats.org/markup-compatibility/2006" xmlns:p14="http://schemas.microsoft.com/office/powerpoint/2010/main">
+            <mc:Choice Requires="p14">
               <p:contentPart p14:bwMode="auto" r:id="rId60">
                 <p14:nvContentPartPr>
                   <p14:cNvPr id="225" name="Ink 224">
@@ -17566,7 +17578,7 @@
                 </p14:xfrm>
               </p:contentPart>
             </mc:Choice>
-            <mc:Fallback>
+            <mc:Fallback xmlns="">
               <p:pic>
                 <p:nvPicPr>
                   <p:cNvPr id="225" name="Ink 224">
@@ -17597,8 +17609,8 @@
               </p:pic>
             </mc:Fallback>
           </mc:AlternateContent>
-          <mc:AlternateContent xmlns:mc="http://schemas.openxmlformats.org/markup-compatibility/2006">
-            <mc:Choice xmlns:p14="http://schemas.microsoft.com/office/powerpoint/2010/main" Requires="p14">
+          <mc:AlternateContent xmlns:mc="http://schemas.openxmlformats.org/markup-compatibility/2006" xmlns:p14="http://schemas.microsoft.com/office/powerpoint/2010/main">
+            <mc:Choice Requires="p14">
               <p:contentPart p14:bwMode="auto" r:id="rId62">
                 <p14:nvContentPartPr>
                   <p14:cNvPr id="226" name="Ink 225">
@@ -17617,7 +17629,7 @@
                 </p14:xfrm>
               </p:contentPart>
             </mc:Choice>
-            <mc:Fallback>
+            <mc:Fallback xmlns="">
               <p:pic>
                 <p:nvPicPr>
                   <p:cNvPr id="226" name="Ink 225">
@@ -17648,8 +17660,8 @@
               </p:pic>
             </mc:Fallback>
           </mc:AlternateContent>
-          <mc:AlternateContent xmlns:mc="http://schemas.openxmlformats.org/markup-compatibility/2006">
-            <mc:Choice xmlns:p14="http://schemas.microsoft.com/office/powerpoint/2010/main" Requires="p14">
+          <mc:AlternateContent xmlns:mc="http://schemas.openxmlformats.org/markup-compatibility/2006" xmlns:p14="http://schemas.microsoft.com/office/powerpoint/2010/main">
+            <mc:Choice Requires="p14">
               <p:contentPart p14:bwMode="auto" r:id="rId64">
                 <p14:nvContentPartPr>
                   <p14:cNvPr id="227" name="Ink 226">
@@ -17668,7 +17680,7 @@
                 </p14:xfrm>
               </p:contentPart>
             </mc:Choice>
-            <mc:Fallback>
+            <mc:Fallback xmlns="">
               <p:pic>
                 <p:nvPicPr>
                   <p:cNvPr id="227" name="Ink 226">
@@ -17699,8 +17711,8 @@
               </p:pic>
             </mc:Fallback>
           </mc:AlternateContent>
-          <mc:AlternateContent xmlns:mc="http://schemas.openxmlformats.org/markup-compatibility/2006">
-            <mc:Choice xmlns:p14="http://schemas.microsoft.com/office/powerpoint/2010/main" Requires="p14">
+          <mc:AlternateContent xmlns:mc="http://schemas.openxmlformats.org/markup-compatibility/2006" xmlns:p14="http://schemas.microsoft.com/office/powerpoint/2010/main">
+            <mc:Choice Requires="p14">
               <p:contentPart p14:bwMode="auto" r:id="rId66">
                 <p14:nvContentPartPr>
                   <p14:cNvPr id="228" name="Ink 227">
@@ -17719,7 +17731,7 @@
                 </p14:xfrm>
               </p:contentPart>
             </mc:Choice>
-            <mc:Fallback>
+            <mc:Fallback xmlns="">
               <p:pic>
                 <p:nvPicPr>
                   <p:cNvPr id="228" name="Ink 227">
@@ -17750,8 +17762,8 @@
               </p:pic>
             </mc:Fallback>
           </mc:AlternateContent>
-          <mc:AlternateContent xmlns:mc="http://schemas.openxmlformats.org/markup-compatibility/2006">
-            <mc:Choice xmlns:p14="http://schemas.microsoft.com/office/powerpoint/2010/main" Requires="p14">
+          <mc:AlternateContent xmlns:mc="http://schemas.openxmlformats.org/markup-compatibility/2006" xmlns:p14="http://schemas.microsoft.com/office/powerpoint/2010/main">
+            <mc:Choice Requires="p14">
               <p:contentPart p14:bwMode="auto" r:id="rId68">
                 <p14:nvContentPartPr>
                   <p14:cNvPr id="229" name="Ink 228">
@@ -17770,7 +17782,7 @@
                 </p14:xfrm>
               </p:contentPart>
             </mc:Choice>
-            <mc:Fallback>
+            <mc:Fallback xmlns="">
               <p:pic>
                 <p:nvPicPr>
                   <p:cNvPr id="229" name="Ink 228">
@@ -17801,8 +17813,8 @@
               </p:pic>
             </mc:Fallback>
           </mc:AlternateContent>
-          <mc:AlternateContent xmlns:mc="http://schemas.openxmlformats.org/markup-compatibility/2006">
-            <mc:Choice xmlns:p14="http://schemas.microsoft.com/office/powerpoint/2010/main" Requires="p14">
+          <mc:AlternateContent xmlns:mc="http://schemas.openxmlformats.org/markup-compatibility/2006" xmlns:p14="http://schemas.microsoft.com/office/powerpoint/2010/main">
+            <mc:Choice Requires="p14">
               <p:contentPart p14:bwMode="auto" r:id="rId70">
                 <p14:nvContentPartPr>
                   <p14:cNvPr id="230" name="Ink 229">
@@ -17821,7 +17833,7 @@
                 </p14:xfrm>
               </p:contentPart>
             </mc:Choice>
-            <mc:Fallback>
+            <mc:Fallback xmlns="">
               <p:pic>
                 <p:nvPicPr>
                   <p:cNvPr id="230" name="Ink 229">
@@ -17852,8 +17864,8 @@
               </p:pic>
             </mc:Fallback>
           </mc:AlternateContent>
-          <mc:AlternateContent xmlns:mc="http://schemas.openxmlformats.org/markup-compatibility/2006">
-            <mc:Choice xmlns:p14="http://schemas.microsoft.com/office/powerpoint/2010/main" Requires="p14">
+          <mc:AlternateContent xmlns:mc="http://schemas.openxmlformats.org/markup-compatibility/2006" xmlns:p14="http://schemas.microsoft.com/office/powerpoint/2010/main">
+            <mc:Choice Requires="p14">
               <p:contentPart p14:bwMode="auto" r:id="rId72">
                 <p14:nvContentPartPr>
                   <p14:cNvPr id="231" name="Ink 230">
@@ -17872,7 +17884,7 @@
                 </p14:xfrm>
               </p:contentPart>
             </mc:Choice>
-            <mc:Fallback>
+            <mc:Fallback xmlns="">
               <p:pic>
                 <p:nvPicPr>
                   <p:cNvPr id="231" name="Ink 230">
@@ -17903,8 +17915,8 @@
               </p:pic>
             </mc:Fallback>
           </mc:AlternateContent>
-          <mc:AlternateContent xmlns:mc="http://schemas.openxmlformats.org/markup-compatibility/2006">
-            <mc:Choice xmlns:p14="http://schemas.microsoft.com/office/powerpoint/2010/main" Requires="p14">
+          <mc:AlternateContent xmlns:mc="http://schemas.openxmlformats.org/markup-compatibility/2006" xmlns:p14="http://schemas.microsoft.com/office/powerpoint/2010/main">
+            <mc:Choice Requires="p14">
               <p:contentPart p14:bwMode="auto" r:id="rId74">
                 <p14:nvContentPartPr>
                   <p14:cNvPr id="232" name="Ink 231">
@@ -17923,7 +17935,7 @@
                 </p14:xfrm>
               </p:contentPart>
             </mc:Choice>
-            <mc:Fallback>
+            <mc:Fallback xmlns="">
               <p:pic>
                 <p:nvPicPr>
                   <p:cNvPr id="232" name="Ink 231">
@@ -17954,8 +17966,8 @@
               </p:pic>
             </mc:Fallback>
           </mc:AlternateContent>
-          <mc:AlternateContent xmlns:mc="http://schemas.openxmlformats.org/markup-compatibility/2006">
-            <mc:Choice xmlns:p14="http://schemas.microsoft.com/office/powerpoint/2010/main" Requires="p14">
+          <mc:AlternateContent xmlns:mc="http://schemas.openxmlformats.org/markup-compatibility/2006" xmlns:p14="http://schemas.microsoft.com/office/powerpoint/2010/main">
+            <mc:Choice Requires="p14">
               <p:contentPart p14:bwMode="auto" r:id="rId75">
                 <p14:nvContentPartPr>
                   <p14:cNvPr id="233" name="Ink 232">
@@ -17974,7 +17986,7 @@
                 </p14:xfrm>
               </p:contentPart>
             </mc:Choice>
-            <mc:Fallback>
+            <mc:Fallback xmlns="">
               <p:pic>
                 <p:nvPicPr>
                   <p:cNvPr id="233" name="Ink 232">
@@ -18005,8 +18017,8 @@
               </p:pic>
             </mc:Fallback>
           </mc:AlternateContent>
-          <mc:AlternateContent xmlns:mc="http://schemas.openxmlformats.org/markup-compatibility/2006">
-            <mc:Choice xmlns:p14="http://schemas.microsoft.com/office/powerpoint/2010/main" Requires="p14">
+          <mc:AlternateContent xmlns:mc="http://schemas.openxmlformats.org/markup-compatibility/2006" xmlns:p14="http://schemas.microsoft.com/office/powerpoint/2010/main">
+            <mc:Choice Requires="p14">
               <p:contentPart p14:bwMode="auto" r:id="rId77">
                 <p14:nvContentPartPr>
                   <p14:cNvPr id="234" name="Ink 233">
@@ -18025,7 +18037,7 @@
                 </p14:xfrm>
               </p:contentPart>
             </mc:Choice>
-            <mc:Fallback>
+            <mc:Fallback xmlns="">
               <p:pic>
                 <p:nvPicPr>
                   <p:cNvPr id="234" name="Ink 233">
@@ -18056,8 +18068,8 @@
               </p:pic>
             </mc:Fallback>
           </mc:AlternateContent>
-          <mc:AlternateContent xmlns:mc="http://schemas.openxmlformats.org/markup-compatibility/2006">
-            <mc:Choice xmlns:p14="http://schemas.microsoft.com/office/powerpoint/2010/main" Requires="p14">
+          <mc:AlternateContent xmlns:mc="http://schemas.openxmlformats.org/markup-compatibility/2006" xmlns:p14="http://schemas.microsoft.com/office/powerpoint/2010/main">
+            <mc:Choice Requires="p14">
               <p:contentPart p14:bwMode="auto" r:id="rId78">
                 <p14:nvContentPartPr>
                   <p14:cNvPr id="235" name="Ink 234">
@@ -18076,7 +18088,7 @@
                 </p14:xfrm>
               </p:contentPart>
             </mc:Choice>
-            <mc:Fallback>
+            <mc:Fallback xmlns="">
               <p:pic>
                 <p:nvPicPr>
                   <p:cNvPr id="235" name="Ink 234">
@@ -18107,8 +18119,8 @@
               </p:pic>
             </mc:Fallback>
           </mc:AlternateContent>
-          <mc:AlternateContent xmlns:mc="http://schemas.openxmlformats.org/markup-compatibility/2006">
-            <mc:Choice xmlns:p14="http://schemas.microsoft.com/office/powerpoint/2010/main" Requires="p14">
+          <mc:AlternateContent xmlns:mc="http://schemas.openxmlformats.org/markup-compatibility/2006" xmlns:p14="http://schemas.microsoft.com/office/powerpoint/2010/main">
+            <mc:Choice Requires="p14">
               <p:contentPart p14:bwMode="auto" r:id="rId79">
                 <p14:nvContentPartPr>
                   <p14:cNvPr id="236" name="Ink 235">
@@ -18127,7 +18139,7 @@
                 </p14:xfrm>
               </p:contentPart>
             </mc:Choice>
-            <mc:Fallback>
+            <mc:Fallback xmlns="">
               <p:pic>
                 <p:nvPicPr>
                   <p:cNvPr id="236" name="Ink 235">
@@ -18158,8 +18170,8 @@
               </p:pic>
             </mc:Fallback>
           </mc:AlternateContent>
-          <mc:AlternateContent xmlns:mc="http://schemas.openxmlformats.org/markup-compatibility/2006">
-            <mc:Choice xmlns:p14="http://schemas.microsoft.com/office/powerpoint/2010/main" Requires="p14">
+          <mc:AlternateContent xmlns:mc="http://schemas.openxmlformats.org/markup-compatibility/2006" xmlns:p14="http://schemas.microsoft.com/office/powerpoint/2010/main">
+            <mc:Choice Requires="p14">
               <p:contentPart p14:bwMode="auto" r:id="rId80">
                 <p14:nvContentPartPr>
                   <p14:cNvPr id="237" name="Ink 236">
@@ -18178,7 +18190,7 @@
                 </p14:xfrm>
               </p:contentPart>
             </mc:Choice>
-            <mc:Fallback>
+            <mc:Fallback xmlns="">
               <p:pic>
                 <p:nvPicPr>
                   <p:cNvPr id="237" name="Ink 236">
@@ -18209,8 +18221,8 @@
               </p:pic>
             </mc:Fallback>
           </mc:AlternateContent>
-          <mc:AlternateContent xmlns:mc="http://schemas.openxmlformats.org/markup-compatibility/2006">
-            <mc:Choice xmlns:p14="http://schemas.microsoft.com/office/powerpoint/2010/main" Requires="p14">
+          <mc:AlternateContent xmlns:mc="http://schemas.openxmlformats.org/markup-compatibility/2006" xmlns:p14="http://schemas.microsoft.com/office/powerpoint/2010/main">
+            <mc:Choice Requires="p14">
               <p:contentPart p14:bwMode="auto" r:id="rId81">
                 <p14:nvContentPartPr>
                   <p14:cNvPr id="238" name="Ink 237">
@@ -18229,7 +18241,7 @@
                 </p14:xfrm>
               </p:contentPart>
             </mc:Choice>
-            <mc:Fallback>
+            <mc:Fallback xmlns="">
               <p:pic>
                 <p:nvPicPr>
                   <p:cNvPr id="238" name="Ink 237">
@@ -18260,8 +18272,8 @@
               </p:pic>
             </mc:Fallback>
           </mc:AlternateContent>
-          <mc:AlternateContent xmlns:mc="http://schemas.openxmlformats.org/markup-compatibility/2006">
-            <mc:Choice xmlns:p14="http://schemas.microsoft.com/office/powerpoint/2010/main" Requires="p14">
+          <mc:AlternateContent xmlns:mc="http://schemas.openxmlformats.org/markup-compatibility/2006" xmlns:p14="http://schemas.microsoft.com/office/powerpoint/2010/main">
+            <mc:Choice Requires="p14">
               <p:contentPart p14:bwMode="auto" r:id="rId83">
                 <p14:nvContentPartPr>
                   <p14:cNvPr id="239" name="Ink 238">
@@ -18280,7 +18292,7 @@
                 </p14:xfrm>
               </p:contentPart>
             </mc:Choice>
-            <mc:Fallback>
+            <mc:Fallback xmlns="">
               <p:pic>
                 <p:nvPicPr>
                   <p:cNvPr id="239" name="Ink 238">
@@ -18311,8 +18323,8 @@
               </p:pic>
             </mc:Fallback>
           </mc:AlternateContent>
-          <mc:AlternateContent xmlns:mc="http://schemas.openxmlformats.org/markup-compatibility/2006">
-            <mc:Choice xmlns:p14="http://schemas.microsoft.com/office/powerpoint/2010/main" Requires="p14">
+          <mc:AlternateContent xmlns:mc="http://schemas.openxmlformats.org/markup-compatibility/2006" xmlns:p14="http://schemas.microsoft.com/office/powerpoint/2010/main">
+            <mc:Choice Requires="p14">
               <p:contentPart p14:bwMode="auto" r:id="rId85">
                 <p14:nvContentPartPr>
                   <p14:cNvPr id="240" name="Ink 239">
@@ -18331,7 +18343,7 @@
                 </p14:xfrm>
               </p:contentPart>
             </mc:Choice>
-            <mc:Fallback>
+            <mc:Fallback xmlns="">
               <p:pic>
                 <p:nvPicPr>
                   <p:cNvPr id="240" name="Ink 239">
@@ -18362,8 +18374,8 @@
               </p:pic>
             </mc:Fallback>
           </mc:AlternateContent>
-          <mc:AlternateContent xmlns:mc="http://schemas.openxmlformats.org/markup-compatibility/2006">
-            <mc:Choice xmlns:p14="http://schemas.microsoft.com/office/powerpoint/2010/main" Requires="p14">
+          <mc:AlternateContent xmlns:mc="http://schemas.openxmlformats.org/markup-compatibility/2006" xmlns:p14="http://schemas.microsoft.com/office/powerpoint/2010/main">
+            <mc:Choice Requires="p14">
               <p:contentPart p14:bwMode="auto" r:id="rId87">
                 <p14:nvContentPartPr>
                   <p14:cNvPr id="241" name="Ink 240">
@@ -18382,7 +18394,7 @@
                 </p14:xfrm>
               </p:contentPart>
             </mc:Choice>
-            <mc:Fallback>
+            <mc:Fallback xmlns="">
               <p:pic>
                 <p:nvPicPr>
                   <p:cNvPr id="241" name="Ink 240">
@@ -18413,8 +18425,8 @@
               </p:pic>
             </mc:Fallback>
           </mc:AlternateContent>
-          <mc:AlternateContent xmlns:mc="http://schemas.openxmlformats.org/markup-compatibility/2006">
-            <mc:Choice xmlns:p14="http://schemas.microsoft.com/office/powerpoint/2010/main" Requires="p14">
+          <mc:AlternateContent xmlns:mc="http://schemas.openxmlformats.org/markup-compatibility/2006" xmlns:p14="http://schemas.microsoft.com/office/powerpoint/2010/main">
+            <mc:Choice Requires="p14">
               <p:contentPart p14:bwMode="auto" r:id="rId89">
                 <p14:nvContentPartPr>
                   <p14:cNvPr id="255" name="Ink 254">
@@ -18433,7 +18445,7 @@
                 </p14:xfrm>
               </p:contentPart>
             </mc:Choice>
-            <mc:Fallback>
+            <mc:Fallback xmlns="">
               <p:pic>
                 <p:nvPicPr>
                   <p:cNvPr id="255" name="Ink 254">
@@ -18464,8 +18476,8 @@
               </p:pic>
             </mc:Fallback>
           </mc:AlternateContent>
-          <mc:AlternateContent xmlns:mc="http://schemas.openxmlformats.org/markup-compatibility/2006">
-            <mc:Choice xmlns:p14="http://schemas.microsoft.com/office/powerpoint/2010/main" Requires="p14">
+          <mc:AlternateContent xmlns:mc="http://schemas.openxmlformats.org/markup-compatibility/2006" xmlns:p14="http://schemas.microsoft.com/office/powerpoint/2010/main">
+            <mc:Choice Requires="p14">
               <p:contentPart p14:bwMode="auto" r:id="rId90">
                 <p14:nvContentPartPr>
                   <p14:cNvPr id="256" name="Ink 255">
@@ -18484,7 +18496,7 @@
                 </p14:xfrm>
               </p:contentPart>
             </mc:Choice>
-            <mc:Fallback>
+            <mc:Fallback xmlns="">
               <p:pic>
                 <p:nvPicPr>
                   <p:cNvPr id="256" name="Ink 255">
@@ -18515,8 +18527,8 @@
               </p:pic>
             </mc:Fallback>
           </mc:AlternateContent>
-          <mc:AlternateContent xmlns:mc="http://schemas.openxmlformats.org/markup-compatibility/2006">
-            <mc:Choice xmlns:p14="http://schemas.microsoft.com/office/powerpoint/2010/main" Requires="p14">
+          <mc:AlternateContent xmlns:mc="http://schemas.openxmlformats.org/markup-compatibility/2006" xmlns:p14="http://schemas.microsoft.com/office/powerpoint/2010/main">
+            <mc:Choice Requires="p14">
               <p:contentPart p14:bwMode="auto" r:id="rId91">
                 <p14:nvContentPartPr>
                   <p14:cNvPr id="257" name="Ink 256">
@@ -18535,7 +18547,7 @@
                 </p14:xfrm>
               </p:contentPart>
             </mc:Choice>
-            <mc:Fallback>
+            <mc:Fallback xmlns="">
               <p:pic>
                 <p:nvPicPr>
                   <p:cNvPr id="257" name="Ink 256">
@@ -18566,8 +18578,8 @@
               </p:pic>
             </mc:Fallback>
           </mc:AlternateContent>
-          <mc:AlternateContent xmlns:mc="http://schemas.openxmlformats.org/markup-compatibility/2006">
-            <mc:Choice xmlns:p14="http://schemas.microsoft.com/office/powerpoint/2010/main" Requires="p14">
+          <mc:AlternateContent xmlns:mc="http://schemas.openxmlformats.org/markup-compatibility/2006" xmlns:p14="http://schemas.microsoft.com/office/powerpoint/2010/main">
+            <mc:Choice Requires="p14">
               <p:contentPart p14:bwMode="auto" r:id="rId92">
                 <p14:nvContentPartPr>
                   <p14:cNvPr id="258" name="Ink 257">
@@ -18586,7 +18598,7 @@
                 </p14:xfrm>
               </p:contentPart>
             </mc:Choice>
-            <mc:Fallback>
+            <mc:Fallback xmlns="">
               <p:pic>
                 <p:nvPicPr>
                   <p:cNvPr id="258" name="Ink 257">
@@ -18617,8 +18629,8 @@
               </p:pic>
             </mc:Fallback>
           </mc:AlternateContent>
-          <mc:AlternateContent xmlns:mc="http://schemas.openxmlformats.org/markup-compatibility/2006">
-            <mc:Choice xmlns:p14="http://schemas.microsoft.com/office/powerpoint/2010/main" Requires="p14">
+          <mc:AlternateContent xmlns:mc="http://schemas.openxmlformats.org/markup-compatibility/2006" xmlns:p14="http://schemas.microsoft.com/office/powerpoint/2010/main">
+            <mc:Choice Requires="p14">
               <p:contentPart p14:bwMode="auto" r:id="rId93">
                 <p14:nvContentPartPr>
                   <p14:cNvPr id="259" name="Ink 258">
@@ -18637,7 +18649,7 @@
                 </p14:xfrm>
               </p:contentPart>
             </mc:Choice>
-            <mc:Fallback>
+            <mc:Fallback xmlns="">
               <p:pic>
                 <p:nvPicPr>
                   <p:cNvPr id="259" name="Ink 258">
@@ -18668,8 +18680,8 @@
               </p:pic>
             </mc:Fallback>
           </mc:AlternateContent>
-          <mc:AlternateContent xmlns:mc="http://schemas.openxmlformats.org/markup-compatibility/2006">
-            <mc:Choice xmlns:p14="http://schemas.microsoft.com/office/powerpoint/2010/main" Requires="p14">
+          <mc:AlternateContent xmlns:mc="http://schemas.openxmlformats.org/markup-compatibility/2006" xmlns:p14="http://schemas.microsoft.com/office/powerpoint/2010/main">
+            <mc:Choice Requires="p14">
               <p:contentPart p14:bwMode="auto" r:id="rId94">
                 <p14:nvContentPartPr>
                   <p14:cNvPr id="260" name="Ink 259">
@@ -18688,7 +18700,7 @@
                 </p14:xfrm>
               </p:contentPart>
             </mc:Choice>
-            <mc:Fallback>
+            <mc:Fallback xmlns="">
               <p:pic>
                 <p:nvPicPr>
                   <p:cNvPr id="260" name="Ink 259">
@@ -18719,8 +18731,8 @@
               </p:pic>
             </mc:Fallback>
           </mc:AlternateContent>
-          <mc:AlternateContent xmlns:mc="http://schemas.openxmlformats.org/markup-compatibility/2006">
-            <mc:Choice xmlns:p14="http://schemas.microsoft.com/office/powerpoint/2010/main" Requires="p14">
+          <mc:AlternateContent xmlns:mc="http://schemas.openxmlformats.org/markup-compatibility/2006" xmlns:p14="http://schemas.microsoft.com/office/powerpoint/2010/main">
+            <mc:Choice Requires="p14">
               <p:contentPart p14:bwMode="auto" r:id="rId95">
                 <p14:nvContentPartPr>
                   <p14:cNvPr id="261" name="Ink 260">
@@ -18739,7 +18751,7 @@
                 </p14:xfrm>
               </p:contentPart>
             </mc:Choice>
-            <mc:Fallback>
+            <mc:Fallback xmlns="">
               <p:pic>
                 <p:nvPicPr>
                   <p:cNvPr id="261" name="Ink 260">
@@ -18770,8 +18782,8 @@
               </p:pic>
             </mc:Fallback>
           </mc:AlternateContent>
-          <mc:AlternateContent xmlns:mc="http://schemas.openxmlformats.org/markup-compatibility/2006">
-            <mc:Choice xmlns:p14="http://schemas.microsoft.com/office/powerpoint/2010/main" Requires="p14">
+          <mc:AlternateContent xmlns:mc="http://schemas.openxmlformats.org/markup-compatibility/2006" xmlns:p14="http://schemas.microsoft.com/office/powerpoint/2010/main">
+            <mc:Choice Requires="p14">
               <p:contentPart p14:bwMode="auto" r:id="rId96">
                 <p14:nvContentPartPr>
                   <p14:cNvPr id="262" name="Ink 261">
@@ -18790,7 +18802,7 @@
                 </p14:xfrm>
               </p:contentPart>
             </mc:Choice>
-            <mc:Fallback>
+            <mc:Fallback xmlns="">
               <p:pic>
                 <p:nvPicPr>
                   <p:cNvPr id="262" name="Ink 261">
@@ -18821,8 +18833,8 @@
               </p:pic>
             </mc:Fallback>
           </mc:AlternateContent>
-          <mc:AlternateContent xmlns:mc="http://schemas.openxmlformats.org/markup-compatibility/2006">
-            <mc:Choice xmlns:p14="http://schemas.microsoft.com/office/powerpoint/2010/main" Requires="p14">
+          <mc:AlternateContent xmlns:mc="http://schemas.openxmlformats.org/markup-compatibility/2006" xmlns:p14="http://schemas.microsoft.com/office/powerpoint/2010/main">
+            <mc:Choice Requires="p14">
               <p:contentPart p14:bwMode="auto" r:id="rId98">
                 <p14:nvContentPartPr>
                   <p14:cNvPr id="263" name="Ink 262">
@@ -18841,7 +18853,7 @@
                 </p14:xfrm>
               </p:contentPart>
             </mc:Choice>
-            <mc:Fallback>
+            <mc:Fallback xmlns="">
               <p:pic>
                 <p:nvPicPr>
                   <p:cNvPr id="263" name="Ink 262">
@@ -18872,8 +18884,8 @@
               </p:pic>
             </mc:Fallback>
           </mc:AlternateContent>
-          <mc:AlternateContent xmlns:mc="http://schemas.openxmlformats.org/markup-compatibility/2006">
-            <mc:Choice xmlns:p14="http://schemas.microsoft.com/office/powerpoint/2010/main" Requires="p14">
+          <mc:AlternateContent xmlns:mc="http://schemas.openxmlformats.org/markup-compatibility/2006" xmlns:p14="http://schemas.microsoft.com/office/powerpoint/2010/main">
+            <mc:Choice Requires="p14">
               <p:contentPart p14:bwMode="auto" r:id="rId99">
                 <p14:nvContentPartPr>
                   <p14:cNvPr id="264" name="Ink 263">
@@ -18892,7 +18904,7 @@
                 </p14:xfrm>
               </p:contentPart>
             </mc:Choice>
-            <mc:Fallback>
+            <mc:Fallback xmlns="">
               <p:pic>
                 <p:nvPicPr>
                   <p:cNvPr id="264" name="Ink 263">
@@ -18923,8 +18935,8 @@
               </p:pic>
             </mc:Fallback>
           </mc:AlternateContent>
-          <mc:AlternateContent xmlns:mc="http://schemas.openxmlformats.org/markup-compatibility/2006">
-            <mc:Choice xmlns:p14="http://schemas.microsoft.com/office/powerpoint/2010/main" Requires="p14">
+          <mc:AlternateContent xmlns:mc="http://schemas.openxmlformats.org/markup-compatibility/2006" xmlns:p14="http://schemas.microsoft.com/office/powerpoint/2010/main">
+            <mc:Choice Requires="p14">
               <p:contentPart p14:bwMode="auto" r:id="rId100">
                 <p14:nvContentPartPr>
                   <p14:cNvPr id="265" name="Ink 264">
@@ -18943,7 +18955,7 @@
                 </p14:xfrm>
               </p:contentPart>
             </mc:Choice>
-            <mc:Fallback>
+            <mc:Fallback xmlns="">
               <p:pic>
                 <p:nvPicPr>
                   <p:cNvPr id="265" name="Ink 264">
@@ -18974,8 +18986,8 @@
               </p:pic>
             </mc:Fallback>
           </mc:AlternateContent>
-          <mc:AlternateContent xmlns:mc="http://schemas.openxmlformats.org/markup-compatibility/2006">
-            <mc:Choice xmlns:p14="http://schemas.microsoft.com/office/powerpoint/2010/main" Requires="p14">
+          <mc:AlternateContent xmlns:mc="http://schemas.openxmlformats.org/markup-compatibility/2006" xmlns:p14="http://schemas.microsoft.com/office/powerpoint/2010/main">
+            <mc:Choice Requires="p14">
               <p:contentPart p14:bwMode="auto" r:id="rId102">
                 <p14:nvContentPartPr>
                   <p14:cNvPr id="266" name="Ink 265">
@@ -18994,7 +19006,7 @@
                 </p14:xfrm>
               </p:contentPart>
             </mc:Choice>
-            <mc:Fallback>
+            <mc:Fallback xmlns="">
               <p:pic>
                 <p:nvPicPr>
                   <p:cNvPr id="266" name="Ink 265">

--- a/figures/Figure1/figure1_finalforpdf.pptx
+++ b/figures/Figure1/figure1_finalforpdf.pptx
@@ -1979,7 +1979,7 @@
           <a:p>
             <a:fld id="{61A7976E-9F0E-DF46-BEE6-B263DADB2CCE}" type="datetimeFigureOut">
               <a:rPr lang="en-US" smtClean="0"/>
-              <a:t>8/26/22</a:t>
+              <a:t>9/11/22</a:t>
             </a:fld>
             <a:endParaRPr lang="en-US"/>
           </a:p>
@@ -2656,7 +2656,7 @@
           <a:p>
             <a:fld id="{5858EA79-B7C1-E245-85A8-5D7A58E35F5C}" type="datetimeFigureOut">
               <a:rPr lang="en-US" smtClean="0"/>
-              <a:t>8/26/22</a:t>
+              <a:t>9/11/22</a:t>
             </a:fld>
             <a:endParaRPr lang="en-US"/>
           </a:p>
@@ -2826,7 +2826,7 @@
           <a:p>
             <a:fld id="{5858EA79-B7C1-E245-85A8-5D7A58E35F5C}" type="datetimeFigureOut">
               <a:rPr lang="en-US" smtClean="0"/>
-              <a:t>8/26/22</a:t>
+              <a:t>9/11/22</a:t>
             </a:fld>
             <a:endParaRPr lang="en-US"/>
           </a:p>
@@ -3006,7 +3006,7 @@
           <a:p>
             <a:fld id="{5858EA79-B7C1-E245-85A8-5D7A58E35F5C}" type="datetimeFigureOut">
               <a:rPr lang="en-US" smtClean="0"/>
-              <a:t>8/26/22</a:t>
+              <a:t>9/11/22</a:t>
             </a:fld>
             <a:endParaRPr lang="en-US"/>
           </a:p>
@@ -3176,7 +3176,7 @@
           <a:p>
             <a:fld id="{5858EA79-B7C1-E245-85A8-5D7A58E35F5C}" type="datetimeFigureOut">
               <a:rPr lang="en-US" smtClean="0"/>
-              <a:t>8/26/22</a:t>
+              <a:t>9/11/22</a:t>
             </a:fld>
             <a:endParaRPr lang="en-US"/>
           </a:p>
@@ -3420,7 +3420,7 @@
           <a:p>
             <a:fld id="{5858EA79-B7C1-E245-85A8-5D7A58E35F5C}" type="datetimeFigureOut">
               <a:rPr lang="en-US" smtClean="0"/>
-              <a:t>8/26/22</a:t>
+              <a:t>9/11/22</a:t>
             </a:fld>
             <a:endParaRPr lang="en-US"/>
           </a:p>
@@ -3652,7 +3652,7 @@
           <a:p>
             <a:fld id="{5858EA79-B7C1-E245-85A8-5D7A58E35F5C}" type="datetimeFigureOut">
               <a:rPr lang="en-US" smtClean="0"/>
-              <a:t>8/26/22</a:t>
+              <a:t>9/11/22</a:t>
             </a:fld>
             <a:endParaRPr lang="en-US"/>
           </a:p>
@@ -4019,7 +4019,7 @@
           <a:p>
             <a:fld id="{5858EA79-B7C1-E245-85A8-5D7A58E35F5C}" type="datetimeFigureOut">
               <a:rPr lang="en-US" smtClean="0"/>
-              <a:t>8/26/22</a:t>
+              <a:t>9/11/22</a:t>
             </a:fld>
             <a:endParaRPr lang="en-US"/>
           </a:p>
@@ -4137,7 +4137,7 @@
           <a:p>
             <a:fld id="{5858EA79-B7C1-E245-85A8-5D7A58E35F5C}" type="datetimeFigureOut">
               <a:rPr lang="en-US" smtClean="0"/>
-              <a:t>8/26/22</a:t>
+              <a:t>9/11/22</a:t>
             </a:fld>
             <a:endParaRPr lang="en-US"/>
           </a:p>
@@ -4232,7 +4232,7 @@
           <a:p>
             <a:fld id="{5858EA79-B7C1-E245-85A8-5D7A58E35F5C}" type="datetimeFigureOut">
               <a:rPr lang="en-US" smtClean="0"/>
-              <a:t>8/26/22</a:t>
+              <a:t>9/11/22</a:t>
             </a:fld>
             <a:endParaRPr lang="en-US"/>
           </a:p>
@@ -4509,7 +4509,7 @@
           <a:p>
             <a:fld id="{5858EA79-B7C1-E245-85A8-5D7A58E35F5C}" type="datetimeFigureOut">
               <a:rPr lang="en-US" smtClean="0"/>
-              <a:t>8/26/22</a:t>
+              <a:t>9/11/22</a:t>
             </a:fld>
             <a:endParaRPr lang="en-US"/>
           </a:p>
@@ -4766,7 +4766,7 @@
           <a:p>
             <a:fld id="{5858EA79-B7C1-E245-85A8-5D7A58E35F5C}" type="datetimeFigureOut">
               <a:rPr lang="en-US" smtClean="0"/>
-              <a:t>8/26/22</a:t>
+              <a:t>9/11/22</a:t>
             </a:fld>
             <a:endParaRPr lang="en-US"/>
           </a:p>
@@ -4979,7 +4979,7 @@
           <a:p>
             <a:fld id="{5858EA79-B7C1-E245-85A8-5D7A58E35F5C}" type="datetimeFigureOut">
               <a:rPr lang="en-US" smtClean="0"/>
-              <a:t>8/26/22</a:t>
+              <a:t>9/11/22</a:t>
             </a:fld>
             <a:endParaRPr lang="en-US"/>
           </a:p>
@@ -12031,16 +12031,23 @@
               <a:rPr lang="en-US" sz="700" dirty="0">
                 <a:latin typeface="Helvetica" pitchFamily="2" charset="0"/>
               </a:rPr>
-              <a:t>Larger population sizes,</a:t>
+              <a:t>Lower mortality</a:t>
             </a:r>
-          </a:p>
-          <a:p>
             <a:r>
               <a:rPr lang="en-US" sz="700" dirty="0">
                 <a:latin typeface="Helvetica" pitchFamily="2" charset="0"/>
                 <a:sym typeface="Wingdings" pitchFamily="2" charset="2"/>
               </a:rPr>
-              <a:t>Slower population dynamics,</a:t>
+              <a:t>,</a:t>
+            </a:r>
+          </a:p>
+          <a:p>
+            <a:r>
+              <a:rPr lang="en-US" sz="700" dirty="0">
+                <a:latin typeface="Helvetica" pitchFamily="2" charset="0"/>
+                <a:sym typeface="Wingdings" pitchFamily="2" charset="2"/>
+              </a:rPr>
+              <a:t>Longer lifespans,</a:t>
             </a:r>
           </a:p>
           <a:p>
@@ -12093,7 +12100,7 @@
               <a:rPr lang="en-US" sz="700" dirty="0">
                 <a:latin typeface="Helvetica" pitchFamily="2" charset="0"/>
               </a:rPr>
-              <a:t>Smaller population sizes,</a:t>
+              <a:t>Higher mortality,</a:t>
             </a:r>
           </a:p>
           <a:p>
@@ -12101,7 +12108,7 @@
               <a:rPr lang="en-US" sz="700" dirty="0">
                 <a:latin typeface="Helvetica" pitchFamily="2" charset="0"/>
               </a:rPr>
-              <a:t>Faster population dynamics,</a:t>
+              <a:t>Shorter lifespans,</a:t>
             </a:r>
           </a:p>
           <a:p>
